--- a/งานนำเสนอ.pptx
+++ b/งานนำเสนอ.pptx
@@ -6,6 +6,12 @@
   </p:sldMasterIdLst>
   <p:sldIdLst>
     <p:sldId id="256" r:id="rId2"/>
+    <p:sldId id="257" r:id="rId3"/>
+    <p:sldId id="258" r:id="rId4"/>
+    <p:sldId id="259" r:id="rId5"/>
+    <p:sldId id="260" r:id="rId6"/>
+    <p:sldId id="261" r:id="rId7"/>
+    <p:sldId id="262" r:id="rId8"/>
   </p:sldIdLst>
   <p:sldSz cx="12192000" cy="6858000"/>
   <p:notesSz cx="6858000" cy="9144000"/>
@@ -105,10 +111,6 @@
     </a:lvl9pPr>
   </p:defaultTextStyle>
 </p:presentation>
-</file>
-
-<file path=ppt/revisionInfo.xml><?xml version="1.0" encoding="utf-8"?>
-<p1510:revInfo xmlns:a="http://schemas.openxmlformats.org/drawingml/2006/main" xmlns:r="http://schemas.openxmlformats.org/officeDocument/2006/relationships" xmlns:p1510="http://schemas.microsoft.com/office/powerpoint/2015/10/main"/>
 </file>
 
 <file path=ppt/slideLayouts/slideLayout1.xml><?xml version="1.0" encoding="utf-8"?>
@@ -3815,6 +3817,486 @@
 </p:sld>
 </file>
 
+<file path=ppt/slides/slide2.xml><?xml version="1.0" encoding="utf-8"?>
+<p:sld xmlns:a="http://schemas.openxmlformats.org/drawingml/2006/main" xmlns:r="http://schemas.openxmlformats.org/officeDocument/2006/relationships" xmlns:p="http://schemas.openxmlformats.org/presentationml/2006/main">
+  <p:cSld>
+    <p:spTree>
+      <p:nvGrpSpPr>
+        <p:cNvPr id="1" name=""/>
+        <p:cNvGrpSpPr/>
+        <p:nvPr/>
+      </p:nvGrpSpPr>
+      <p:grpSpPr>
+        <a:xfrm>
+          <a:off x="0" y="0"/>
+          <a:ext cx="0" cy="0"/>
+          <a:chOff x="0" y="0"/>
+          <a:chExt cx="0" cy="0"/>
+        </a:xfrm>
+      </p:grpSpPr>
+      <p:sp>
+        <p:nvSpPr>
+          <p:cNvPr id="2" name="ชื่อเรื่อง 1">
+            <a:extLst>
+              <a:ext uri="{FF2B5EF4-FFF2-40B4-BE49-F238E27FC236}">
+                <a16:creationId xmlns:a16="http://schemas.microsoft.com/office/drawing/2014/main" id="{D83B59C7-93AD-4165-9935-D6A351676C45}"/>
+              </a:ext>
+            </a:extLst>
+          </p:cNvPr>
+          <p:cNvSpPr>
+            <a:spLocks noGrp="1"/>
+          </p:cNvSpPr>
+          <p:nvPr>
+            <p:ph type="title"/>
+          </p:nvPr>
+        </p:nvSpPr>
+        <p:spPr/>
+        <p:txBody>
+          <a:bodyPr/>
+          <a:lstStyle/>
+          <a:p>
+            <a:endParaRPr lang="th-TH"/>
+          </a:p>
+        </p:txBody>
+      </p:sp>
+      <p:sp>
+        <p:nvSpPr>
+          <p:cNvPr id="3" name="ตัวแทนเนื้อหา 2">
+            <a:extLst>
+              <a:ext uri="{FF2B5EF4-FFF2-40B4-BE49-F238E27FC236}">
+                <a16:creationId xmlns:a16="http://schemas.microsoft.com/office/drawing/2014/main" id="{810F9BF5-297F-45CD-B911-AF711474F352}"/>
+              </a:ext>
+            </a:extLst>
+          </p:cNvPr>
+          <p:cNvSpPr>
+            <a:spLocks noGrp="1"/>
+          </p:cNvSpPr>
+          <p:nvPr>
+            <p:ph idx="1"/>
+          </p:nvPr>
+        </p:nvSpPr>
+        <p:spPr/>
+        <p:txBody>
+          <a:bodyPr/>
+          <a:lstStyle/>
+          <a:p>
+            <a:endParaRPr lang="th-TH"/>
+          </a:p>
+        </p:txBody>
+      </p:sp>
+    </p:spTree>
+    <p:extLst>
+      <p:ext uri="{BB962C8B-B14F-4D97-AF65-F5344CB8AC3E}">
+        <p14:creationId xmlns:p14="http://schemas.microsoft.com/office/powerpoint/2010/main" val="795774355"/>
+      </p:ext>
+    </p:extLst>
+  </p:cSld>
+  <p:clrMapOvr>
+    <a:masterClrMapping/>
+  </p:clrMapOvr>
+</p:sld>
+</file>
+
+<file path=ppt/slides/slide3.xml><?xml version="1.0" encoding="utf-8"?>
+<p:sld xmlns:a="http://schemas.openxmlformats.org/drawingml/2006/main" xmlns:r="http://schemas.openxmlformats.org/officeDocument/2006/relationships" xmlns:p="http://schemas.openxmlformats.org/presentationml/2006/main">
+  <p:cSld>
+    <p:spTree>
+      <p:nvGrpSpPr>
+        <p:cNvPr id="1" name=""/>
+        <p:cNvGrpSpPr/>
+        <p:nvPr/>
+      </p:nvGrpSpPr>
+      <p:grpSpPr>
+        <a:xfrm>
+          <a:off x="0" y="0"/>
+          <a:ext cx="0" cy="0"/>
+          <a:chOff x="0" y="0"/>
+          <a:chExt cx="0" cy="0"/>
+        </a:xfrm>
+      </p:grpSpPr>
+      <p:sp>
+        <p:nvSpPr>
+          <p:cNvPr id="2" name="ชื่อเรื่อง 1">
+            <a:extLst>
+              <a:ext uri="{FF2B5EF4-FFF2-40B4-BE49-F238E27FC236}">
+                <a16:creationId xmlns:a16="http://schemas.microsoft.com/office/drawing/2014/main" id="{D83B59C7-93AD-4165-9935-D6A351676C45}"/>
+              </a:ext>
+            </a:extLst>
+          </p:cNvPr>
+          <p:cNvSpPr>
+            <a:spLocks noGrp="1"/>
+          </p:cNvSpPr>
+          <p:nvPr>
+            <p:ph type="title"/>
+          </p:nvPr>
+        </p:nvSpPr>
+        <p:spPr/>
+        <p:txBody>
+          <a:bodyPr/>
+          <a:lstStyle/>
+          <a:p>
+            <a:endParaRPr lang="th-TH"/>
+          </a:p>
+        </p:txBody>
+      </p:sp>
+      <p:sp>
+        <p:nvSpPr>
+          <p:cNvPr id="3" name="ตัวแทนเนื้อหา 2">
+            <a:extLst>
+              <a:ext uri="{FF2B5EF4-FFF2-40B4-BE49-F238E27FC236}">
+                <a16:creationId xmlns:a16="http://schemas.microsoft.com/office/drawing/2014/main" id="{810F9BF5-297F-45CD-B911-AF711474F352}"/>
+              </a:ext>
+            </a:extLst>
+          </p:cNvPr>
+          <p:cNvSpPr>
+            <a:spLocks noGrp="1"/>
+          </p:cNvSpPr>
+          <p:nvPr>
+            <p:ph idx="1"/>
+          </p:nvPr>
+        </p:nvSpPr>
+        <p:spPr/>
+        <p:txBody>
+          <a:bodyPr/>
+          <a:lstStyle/>
+          <a:p>
+            <a:endParaRPr lang="th-TH"/>
+          </a:p>
+        </p:txBody>
+      </p:sp>
+    </p:spTree>
+    <p:extLst>
+      <p:ext uri="{BB962C8B-B14F-4D97-AF65-F5344CB8AC3E}">
+        <p14:creationId xmlns:p14="http://schemas.microsoft.com/office/powerpoint/2010/main" val="624340675"/>
+      </p:ext>
+    </p:extLst>
+  </p:cSld>
+  <p:clrMapOvr>
+    <a:masterClrMapping/>
+  </p:clrMapOvr>
+</p:sld>
+</file>
+
+<file path=ppt/slides/slide4.xml><?xml version="1.0" encoding="utf-8"?>
+<p:sld xmlns:a="http://schemas.openxmlformats.org/drawingml/2006/main" xmlns:r="http://schemas.openxmlformats.org/officeDocument/2006/relationships" xmlns:p="http://schemas.openxmlformats.org/presentationml/2006/main">
+  <p:cSld>
+    <p:spTree>
+      <p:nvGrpSpPr>
+        <p:cNvPr id="1" name=""/>
+        <p:cNvGrpSpPr/>
+        <p:nvPr/>
+      </p:nvGrpSpPr>
+      <p:grpSpPr>
+        <a:xfrm>
+          <a:off x="0" y="0"/>
+          <a:ext cx="0" cy="0"/>
+          <a:chOff x="0" y="0"/>
+          <a:chExt cx="0" cy="0"/>
+        </a:xfrm>
+      </p:grpSpPr>
+      <p:sp>
+        <p:nvSpPr>
+          <p:cNvPr id="2" name="ชื่อเรื่อง 1">
+            <a:extLst>
+              <a:ext uri="{FF2B5EF4-FFF2-40B4-BE49-F238E27FC236}">
+                <a16:creationId xmlns:a16="http://schemas.microsoft.com/office/drawing/2014/main" id="{D83B59C7-93AD-4165-9935-D6A351676C45}"/>
+              </a:ext>
+            </a:extLst>
+          </p:cNvPr>
+          <p:cNvSpPr>
+            <a:spLocks noGrp="1"/>
+          </p:cNvSpPr>
+          <p:nvPr>
+            <p:ph type="title"/>
+          </p:nvPr>
+        </p:nvSpPr>
+        <p:spPr/>
+        <p:txBody>
+          <a:bodyPr/>
+          <a:lstStyle/>
+          <a:p>
+            <a:endParaRPr lang="th-TH"/>
+          </a:p>
+        </p:txBody>
+      </p:sp>
+      <p:sp>
+        <p:nvSpPr>
+          <p:cNvPr id="3" name="ตัวแทนเนื้อหา 2">
+            <a:extLst>
+              <a:ext uri="{FF2B5EF4-FFF2-40B4-BE49-F238E27FC236}">
+                <a16:creationId xmlns:a16="http://schemas.microsoft.com/office/drawing/2014/main" id="{810F9BF5-297F-45CD-B911-AF711474F352}"/>
+              </a:ext>
+            </a:extLst>
+          </p:cNvPr>
+          <p:cNvSpPr>
+            <a:spLocks noGrp="1"/>
+          </p:cNvSpPr>
+          <p:nvPr>
+            <p:ph idx="1"/>
+          </p:nvPr>
+        </p:nvSpPr>
+        <p:spPr/>
+        <p:txBody>
+          <a:bodyPr/>
+          <a:lstStyle/>
+          <a:p>
+            <a:endParaRPr lang="th-TH"/>
+          </a:p>
+        </p:txBody>
+      </p:sp>
+    </p:spTree>
+    <p:extLst>
+      <p:ext uri="{BB962C8B-B14F-4D97-AF65-F5344CB8AC3E}">
+        <p14:creationId xmlns:p14="http://schemas.microsoft.com/office/powerpoint/2010/main" val="553566172"/>
+      </p:ext>
+    </p:extLst>
+  </p:cSld>
+  <p:clrMapOvr>
+    <a:masterClrMapping/>
+  </p:clrMapOvr>
+</p:sld>
+</file>
+
+<file path=ppt/slides/slide5.xml><?xml version="1.0" encoding="utf-8"?>
+<p:sld xmlns:a="http://schemas.openxmlformats.org/drawingml/2006/main" xmlns:r="http://schemas.openxmlformats.org/officeDocument/2006/relationships" xmlns:p="http://schemas.openxmlformats.org/presentationml/2006/main">
+  <p:cSld>
+    <p:spTree>
+      <p:nvGrpSpPr>
+        <p:cNvPr id="1" name=""/>
+        <p:cNvGrpSpPr/>
+        <p:nvPr/>
+      </p:nvGrpSpPr>
+      <p:grpSpPr>
+        <a:xfrm>
+          <a:off x="0" y="0"/>
+          <a:ext cx="0" cy="0"/>
+          <a:chOff x="0" y="0"/>
+          <a:chExt cx="0" cy="0"/>
+        </a:xfrm>
+      </p:grpSpPr>
+      <p:sp>
+        <p:nvSpPr>
+          <p:cNvPr id="2" name="ชื่อเรื่อง 1">
+            <a:extLst>
+              <a:ext uri="{FF2B5EF4-FFF2-40B4-BE49-F238E27FC236}">
+                <a16:creationId xmlns:a16="http://schemas.microsoft.com/office/drawing/2014/main" id="{D83B59C7-93AD-4165-9935-D6A351676C45}"/>
+              </a:ext>
+            </a:extLst>
+          </p:cNvPr>
+          <p:cNvSpPr>
+            <a:spLocks noGrp="1"/>
+          </p:cNvSpPr>
+          <p:nvPr>
+            <p:ph type="title"/>
+          </p:nvPr>
+        </p:nvSpPr>
+        <p:spPr/>
+        <p:txBody>
+          <a:bodyPr/>
+          <a:lstStyle/>
+          <a:p>
+            <a:endParaRPr lang="th-TH"/>
+          </a:p>
+        </p:txBody>
+      </p:sp>
+      <p:sp>
+        <p:nvSpPr>
+          <p:cNvPr id="3" name="ตัวแทนเนื้อหา 2">
+            <a:extLst>
+              <a:ext uri="{FF2B5EF4-FFF2-40B4-BE49-F238E27FC236}">
+                <a16:creationId xmlns:a16="http://schemas.microsoft.com/office/drawing/2014/main" id="{810F9BF5-297F-45CD-B911-AF711474F352}"/>
+              </a:ext>
+            </a:extLst>
+          </p:cNvPr>
+          <p:cNvSpPr>
+            <a:spLocks noGrp="1"/>
+          </p:cNvSpPr>
+          <p:nvPr>
+            <p:ph idx="1"/>
+          </p:nvPr>
+        </p:nvSpPr>
+        <p:spPr/>
+        <p:txBody>
+          <a:bodyPr/>
+          <a:lstStyle/>
+          <a:p>
+            <a:endParaRPr lang="th-TH"/>
+          </a:p>
+        </p:txBody>
+      </p:sp>
+    </p:spTree>
+    <p:extLst>
+      <p:ext uri="{BB962C8B-B14F-4D97-AF65-F5344CB8AC3E}">
+        <p14:creationId xmlns:p14="http://schemas.microsoft.com/office/powerpoint/2010/main" val="1985116907"/>
+      </p:ext>
+    </p:extLst>
+  </p:cSld>
+  <p:clrMapOvr>
+    <a:masterClrMapping/>
+  </p:clrMapOvr>
+</p:sld>
+</file>
+
+<file path=ppt/slides/slide6.xml><?xml version="1.0" encoding="utf-8"?>
+<p:sld xmlns:a="http://schemas.openxmlformats.org/drawingml/2006/main" xmlns:r="http://schemas.openxmlformats.org/officeDocument/2006/relationships" xmlns:p="http://schemas.openxmlformats.org/presentationml/2006/main">
+  <p:cSld>
+    <p:spTree>
+      <p:nvGrpSpPr>
+        <p:cNvPr id="1" name=""/>
+        <p:cNvGrpSpPr/>
+        <p:nvPr/>
+      </p:nvGrpSpPr>
+      <p:grpSpPr>
+        <a:xfrm>
+          <a:off x="0" y="0"/>
+          <a:ext cx="0" cy="0"/>
+          <a:chOff x="0" y="0"/>
+          <a:chExt cx="0" cy="0"/>
+        </a:xfrm>
+      </p:grpSpPr>
+      <p:sp>
+        <p:nvSpPr>
+          <p:cNvPr id="2" name="ชื่อเรื่อง 1">
+            <a:extLst>
+              <a:ext uri="{FF2B5EF4-FFF2-40B4-BE49-F238E27FC236}">
+                <a16:creationId xmlns:a16="http://schemas.microsoft.com/office/drawing/2014/main" id="{D83B59C7-93AD-4165-9935-D6A351676C45}"/>
+              </a:ext>
+            </a:extLst>
+          </p:cNvPr>
+          <p:cNvSpPr>
+            <a:spLocks noGrp="1"/>
+          </p:cNvSpPr>
+          <p:nvPr>
+            <p:ph type="title"/>
+          </p:nvPr>
+        </p:nvSpPr>
+        <p:spPr/>
+        <p:txBody>
+          <a:bodyPr/>
+          <a:lstStyle/>
+          <a:p>
+            <a:endParaRPr lang="th-TH"/>
+          </a:p>
+        </p:txBody>
+      </p:sp>
+      <p:sp>
+        <p:nvSpPr>
+          <p:cNvPr id="3" name="ตัวแทนเนื้อหา 2">
+            <a:extLst>
+              <a:ext uri="{FF2B5EF4-FFF2-40B4-BE49-F238E27FC236}">
+                <a16:creationId xmlns:a16="http://schemas.microsoft.com/office/drawing/2014/main" id="{810F9BF5-297F-45CD-B911-AF711474F352}"/>
+              </a:ext>
+            </a:extLst>
+          </p:cNvPr>
+          <p:cNvSpPr>
+            <a:spLocks noGrp="1"/>
+          </p:cNvSpPr>
+          <p:nvPr>
+            <p:ph idx="1"/>
+          </p:nvPr>
+        </p:nvSpPr>
+        <p:spPr/>
+        <p:txBody>
+          <a:bodyPr/>
+          <a:lstStyle/>
+          <a:p>
+            <a:endParaRPr lang="th-TH"/>
+          </a:p>
+        </p:txBody>
+      </p:sp>
+    </p:spTree>
+    <p:extLst>
+      <p:ext uri="{BB962C8B-B14F-4D97-AF65-F5344CB8AC3E}">
+        <p14:creationId xmlns:p14="http://schemas.microsoft.com/office/powerpoint/2010/main" val="1540434713"/>
+      </p:ext>
+    </p:extLst>
+  </p:cSld>
+  <p:clrMapOvr>
+    <a:masterClrMapping/>
+  </p:clrMapOvr>
+</p:sld>
+</file>
+
+<file path=ppt/slides/slide7.xml><?xml version="1.0" encoding="utf-8"?>
+<p:sld xmlns:a="http://schemas.openxmlformats.org/drawingml/2006/main" xmlns:r="http://schemas.openxmlformats.org/officeDocument/2006/relationships" xmlns:p="http://schemas.openxmlformats.org/presentationml/2006/main">
+  <p:cSld>
+    <p:spTree>
+      <p:nvGrpSpPr>
+        <p:cNvPr id="1" name=""/>
+        <p:cNvGrpSpPr/>
+        <p:nvPr/>
+      </p:nvGrpSpPr>
+      <p:grpSpPr>
+        <a:xfrm>
+          <a:off x="0" y="0"/>
+          <a:ext cx="0" cy="0"/>
+          <a:chOff x="0" y="0"/>
+          <a:chExt cx="0" cy="0"/>
+        </a:xfrm>
+      </p:grpSpPr>
+      <p:sp>
+        <p:nvSpPr>
+          <p:cNvPr id="2" name="ชื่อเรื่อง 1">
+            <a:extLst>
+              <a:ext uri="{FF2B5EF4-FFF2-40B4-BE49-F238E27FC236}">
+                <a16:creationId xmlns:a16="http://schemas.microsoft.com/office/drawing/2014/main" id="{D83B59C7-93AD-4165-9935-D6A351676C45}"/>
+              </a:ext>
+            </a:extLst>
+          </p:cNvPr>
+          <p:cNvSpPr>
+            <a:spLocks noGrp="1"/>
+          </p:cNvSpPr>
+          <p:nvPr>
+            <p:ph type="title"/>
+          </p:nvPr>
+        </p:nvSpPr>
+        <p:spPr/>
+        <p:txBody>
+          <a:bodyPr/>
+          <a:lstStyle/>
+          <a:p>
+            <a:endParaRPr lang="th-TH"/>
+          </a:p>
+        </p:txBody>
+      </p:sp>
+      <p:sp>
+        <p:nvSpPr>
+          <p:cNvPr id="3" name="ตัวแทนเนื้อหา 2">
+            <a:extLst>
+              <a:ext uri="{FF2B5EF4-FFF2-40B4-BE49-F238E27FC236}">
+                <a16:creationId xmlns:a16="http://schemas.microsoft.com/office/drawing/2014/main" id="{810F9BF5-297F-45CD-B911-AF711474F352}"/>
+              </a:ext>
+            </a:extLst>
+          </p:cNvPr>
+          <p:cNvSpPr>
+            <a:spLocks noGrp="1"/>
+          </p:cNvSpPr>
+          <p:nvPr>
+            <p:ph idx="1"/>
+          </p:nvPr>
+        </p:nvSpPr>
+        <p:spPr/>
+        <p:txBody>
+          <a:bodyPr/>
+          <a:lstStyle/>
+          <a:p>
+            <a:endParaRPr lang="th-TH"/>
+          </a:p>
+        </p:txBody>
+      </p:sp>
+    </p:spTree>
+    <p:extLst>
+      <p:ext uri="{BB962C8B-B14F-4D97-AF65-F5344CB8AC3E}">
+        <p14:creationId xmlns:p14="http://schemas.microsoft.com/office/powerpoint/2010/main" val="199095912"/>
+      </p:ext>
+    </p:extLst>
+  </p:cSld>
+  <p:clrMapOvr>
+    <a:masterClrMapping/>
+  </p:clrMapOvr>
+</p:sld>
+</file>
+
 <file path=ppt/theme/theme1.xml><?xml version="1.0" encoding="utf-8"?>
 <a:theme xmlns:a="http://schemas.openxmlformats.org/drawingml/2006/main" name="ย้อนยุค">
   <a:themeElements>

--- a/งานนำเสนอ.pptx
+++ b/งานนำเสนอ.pptx
@@ -110,7 +110,16 @@
       </a:defRPr>
     </a:lvl9pPr>
   </p:defaultTextStyle>
+  <p:extLst>
+    <p:ext uri="{EFAFB233-063F-42B5-8137-9DF3F51BA10A}">
+      <p15:sldGuideLst xmlns:p15="http://schemas.microsoft.com/office/powerpoint/2012/main"/>
+    </p:ext>
+  </p:extLst>
 </p:presentation>
+</file>
+
+<file path=ppt/revisionInfo.xml><?xml version="1.0" encoding="utf-8"?>
+<p1510:revInfo xmlns:a="http://schemas.openxmlformats.org/drawingml/2006/main" xmlns:r="http://schemas.openxmlformats.org/officeDocument/2006/relationships" xmlns:p1510="http://schemas.microsoft.com/office/powerpoint/2015/10/main"/>
 </file>
 
 <file path=ppt/slideLayouts/slideLayout1.xml><?xml version="1.0" encoding="utf-8"?>
@@ -339,7 +348,7 @@
           <a:p>
             <a:fld id="{4BDF68E2-58F2-4D09-BE8B-E3BD06533059}" type="datetimeFigureOut">
               <a:rPr lang="en-US" dirty="0"/>
-              <a:t>11/23/2017</a:t>
+              <a:t>12/14/2017</a:t>
             </a:fld>
             <a:endParaRPr lang="en-US" dirty="0"/>
           </a:p>
@@ -542,7 +551,7 @@
           <a:p>
             <a:fld id="{2E2D6473-DF6D-4702-B328-E0DD40540A4E}" type="datetimeFigureOut">
               <a:rPr lang="en-US" dirty="0"/>
-              <a:t>11/23/2017</a:t>
+              <a:t>12/14/2017</a:t>
             </a:fld>
             <a:endParaRPr lang="en-US" dirty="0"/>
           </a:p>
@@ -793,7 +802,7 @@
           <a:p>
             <a:fld id="{E26F7E3A-B166-407D-9866-32884E7D5B37}" type="datetimeFigureOut">
               <a:rPr lang="en-US" dirty="0"/>
-              <a:t>11/23/2017</a:t>
+              <a:t>12/14/2017</a:t>
             </a:fld>
             <a:endParaRPr lang="en-US" dirty="0"/>
           </a:p>
@@ -962,7 +971,7 @@
           <a:p>
             <a:fld id="{528FC5F6-F338-4AE4-BB23-26385BCFC423}" type="datetimeFigureOut">
               <a:rPr lang="en-US" dirty="0"/>
-              <a:t>11/23/2017</a:t>
+              <a:t>12/14/2017</a:t>
             </a:fld>
             <a:endParaRPr lang="en-US" dirty="0"/>
           </a:p>
@@ -1300,7 +1309,7 @@
           <a:p>
             <a:fld id="{20EBB0C4-6273-4C6E-B9BD-2EDC30F1CD52}" type="datetimeFigureOut">
               <a:rPr lang="en-US" dirty="0"/>
-              <a:t>11/23/2017</a:t>
+              <a:t>12/14/2017</a:t>
             </a:fld>
             <a:endParaRPr lang="en-US" dirty="0"/>
           </a:p>
@@ -1570,7 +1579,7 @@
           <a:p>
             <a:fld id="{19AB4D41-86C1-4908-B66A-0B50CEB3BF29}" type="datetimeFigureOut">
               <a:rPr lang="en-US" dirty="0"/>
-              <a:t>11/23/2017</a:t>
+              <a:t>12/14/2017</a:t>
             </a:fld>
             <a:endParaRPr lang="en-US" dirty="0"/>
           </a:p>
@@ -1944,7 +1953,7 @@
           <a:p>
             <a:fld id="{E6426E2C-56C1-4E0D-A793-0088A7FDD37E}" type="datetimeFigureOut">
               <a:rPr lang="en-US" dirty="0"/>
-              <a:t>11/23/2017</a:t>
+              <a:t>12/14/2017</a:t>
             </a:fld>
             <a:endParaRPr lang="en-US" dirty="0"/>
           </a:p>
@@ -2057,7 +2066,7 @@
           <a:p>
             <a:fld id="{C8C39B41-D8B5-4052-B551-9B5525EAA8B6}" type="datetimeFigureOut">
               <a:rPr lang="en-US" dirty="0"/>
-              <a:t>11/23/2017</a:t>
+              <a:t>12/14/2017</a:t>
             </a:fld>
             <a:endParaRPr lang="en-US" dirty="0"/>
           </a:p>
@@ -2223,7 +2232,7 @@
           <a:p>
             <a:fld id="{4D94136C-8742-45B2-AF27-D93DF72833A9}" type="datetimeFigureOut">
               <a:rPr lang="en-US" dirty="0"/>
-              <a:t>11/23/2017</a:t>
+              <a:t>12/14/2017</a:t>
             </a:fld>
             <a:endParaRPr lang="en-US" dirty="0"/>
           </a:p>
@@ -2573,7 +2582,7 @@
           <a:p>
             <a:fld id="{32ABBEA6-7C60-4B02-AE87-00D78D8422AF}" type="datetimeFigureOut">
               <a:rPr lang="en-US" dirty="0"/>
-              <a:t>11/23/2017</a:t>
+              <a:t>12/14/2017</a:t>
             </a:fld>
             <a:endParaRPr lang="en-US" dirty="0"/>
           </a:p>
@@ -2951,7 +2960,7 @@
           <a:p>
             <a:fld id="{C9CAD897-D46E-4AD2-BD9B-49DD3E640873}" type="datetimeFigureOut">
               <a:rPr lang="en-US" dirty="0"/>
-              <a:t>11/23/2017</a:t>
+              <a:t>12/14/2017</a:t>
             </a:fld>
             <a:endParaRPr lang="en-US" dirty="0"/>
           </a:p>
@@ -3233,7 +3242,7 @@
           <a:p>
             <a:fld id="{98624D31-43A5-475A-80CF-332C9F6DCF35}" type="datetimeFigureOut">
               <a:rPr lang="en-US" dirty="0"/>
-              <a:t>11/23/2017</a:t>
+              <a:t>12/14/2017</a:t>
             </a:fld>
             <a:endParaRPr lang="en-US" dirty="0"/>
           </a:p>
@@ -3775,7 +3784,11 @@
           <a:bodyPr/>
           <a:lstStyle/>
           <a:p>
-            <a:endParaRPr lang="th-TH"/>
+            <a:r>
+              <a:rPr lang="en-US" dirty="0" err="1"/>
+              <a:t>TimeNone</a:t>
+            </a:r>
+            <a:endParaRPr lang="th-TH" dirty="0"/>
           </a:p>
         </p:txBody>
       </p:sp>
@@ -3795,12 +3808,51 @@
             <p:ph type="subTitle" idx="1"/>
           </p:nvPr>
         </p:nvSpPr>
-        <p:spPr/>
-        <p:txBody>
-          <a:bodyPr/>
-          <a:lstStyle/>
-          <a:p>
-            <a:endParaRPr lang="th-TH"/>
+        <p:spPr>
+          <a:xfrm>
+            <a:off x="1100051" y="4455619"/>
+            <a:ext cx="10058400" cy="1428345"/>
+          </a:xfrm>
+        </p:spPr>
+        <p:txBody>
+          <a:bodyPr>
+            <a:normAutofit lnSpcReduction="10000"/>
+          </a:bodyPr>
+          <a:lstStyle/>
+          <a:p>
+            <a:r>
+              <a:rPr lang="th-TH" dirty="0"/>
+              <a:t>นาย วรรณพงษ์  </a:t>
+            </a:r>
+            <a:r>
+              <a:rPr lang="th-TH" dirty="0" err="1"/>
+              <a:t>ภั</a:t>
+            </a:r>
+            <a:r>
+              <a:rPr lang="th-TH" dirty="0"/>
+              <a:t>ทท</a:t>
+            </a:r>
+            <a:r>
+              <a:rPr lang="th-TH" dirty="0" err="1"/>
+              <a:t>ิย</a:t>
+            </a:r>
+            <a:r>
+              <a:rPr lang="th-TH" dirty="0"/>
+              <a:t>ไพบูลย์</a:t>
+            </a:r>
+          </a:p>
+          <a:p>
+            <a:r>
+              <a:rPr lang="th-TH" dirty="0"/>
+              <a:t>สาขาวิทยาการคอมพิวเตอร์และสารสนเทศ</a:t>
+            </a:r>
+          </a:p>
+          <a:p>
+            <a:r>
+              <a:rPr lang="th-TH" dirty="0"/>
+              <a:t>คณะวิทยาศาสตร์ประยุกต์และวิศวกรรมศาสตร์ มหาวิทยาลัยขอนแก่น วิทยาเขตหนองคาย</a:t>
+            </a:r>
+            <a:endParaRPr lang="en-US" dirty="0"/>
           </a:p>
         </p:txBody>
       </p:sp>
@@ -3855,7 +3907,10 @@
           <a:bodyPr/>
           <a:lstStyle/>
           <a:p>
-            <a:endParaRPr lang="th-TH"/>
+            <a:r>
+              <a:rPr lang="th-TH" dirty="0"/>
+              <a:t>วัตถุประสงค์</a:t>
+            </a:r>
           </a:p>
         </p:txBody>
       </p:sp>
@@ -3880,7 +3935,7 @@
           <a:bodyPr/>
           <a:lstStyle/>
           <a:p>
-            <a:endParaRPr lang="th-TH"/>
+            <a:endParaRPr lang="th-TH" dirty="0"/>
           </a:p>
         </p:txBody>
       </p:sp>
@@ -3980,6 +4035,14 @@
 <file path=ppt/slides/slide4.xml><?xml version="1.0" encoding="utf-8"?>
 <p:sld xmlns:a="http://schemas.openxmlformats.org/drawingml/2006/main" xmlns:r="http://schemas.openxmlformats.org/officeDocument/2006/relationships" xmlns:p="http://schemas.openxmlformats.org/presentationml/2006/main">
   <p:cSld>
+    <p:bg>
+      <p:bgPr>
+        <a:solidFill>
+          <a:schemeClr val="bg1"/>
+        </a:solidFill>
+        <a:effectLst/>
+      </p:bgPr>
+    </p:bg>
     <p:spTree>
       <p:nvGrpSpPr>
         <p:cNvPr id="1" name=""/>
@@ -3994,6 +4057,250 @@
           <a:chExt cx="0" cy="0"/>
         </a:xfrm>
       </p:grpSpPr>
+      <p:sp useBgFill="1">
+        <p:nvSpPr>
+          <p:cNvPr id="22" name="Rectangle 8">
+            <a:extLst>
+              <a:ext uri="{FF2B5EF4-FFF2-40B4-BE49-F238E27FC236}">
+                <a16:creationId xmlns:a16="http://schemas.microsoft.com/office/drawing/2014/main" id="{284B70D5-875B-433D-BDBD-1522A85D6C1D}"/>
+              </a:ext>
+            </a:extLst>
+          </p:cNvPr>
+          <p:cNvSpPr>
+            <a:spLocks noGrp="1" noRot="1" noChangeAspect="1" noMove="1" noResize="1" noEditPoints="1" noAdjustHandles="1" noChangeArrowheads="1" noChangeShapeType="1" noTextEdit="1"/>
+          </p:cNvSpPr>
+          <p:nvPr>
+            <p:extLst>
+              <p:ext uri="{386F3935-93C4-4BCD-93E2-E3B085C9AB24}">
+                <p16:designElem xmlns:p16="http://schemas.microsoft.com/office/powerpoint/2015/main" val="1"/>
+              </p:ext>
+            </p:extLst>
+          </p:nvPr>
+        </p:nvSpPr>
+        <p:spPr>
+          <a:xfrm>
+            <a:off x="0" y="0"/>
+            <a:ext cx="12192001" cy="6334316"/>
+          </a:xfrm>
+          <a:prstGeom prst="rect">
+            <a:avLst/>
+          </a:prstGeom>
+          <a:ln>
+            <a:noFill/>
+          </a:ln>
+        </p:spPr>
+        <p:style>
+          <a:lnRef idx="2">
+            <a:schemeClr val="accent1">
+              <a:shade val="50000"/>
+            </a:schemeClr>
+          </a:lnRef>
+          <a:fillRef idx="1">
+            <a:schemeClr val="accent1"/>
+          </a:fillRef>
+          <a:effectRef idx="0">
+            <a:schemeClr val="accent1"/>
+          </a:effectRef>
+          <a:fontRef idx="minor">
+            <a:schemeClr val="lt1"/>
+          </a:fontRef>
+        </p:style>
+        <p:txBody>
+          <a:bodyPr rtlCol="0" anchor="ctr"/>
+          <a:lstStyle/>
+          <a:p>
+            <a:pPr algn="ctr"/>
+            <a:endParaRPr lang="en-US"/>
+          </a:p>
+        </p:txBody>
+      </p:sp>
+      <p:sp>
+        <p:nvSpPr>
+          <p:cNvPr id="23" name="Rectangle 10">
+            <a:extLst>
+              <a:ext uri="{FF2B5EF4-FFF2-40B4-BE49-F238E27FC236}">
+                <a16:creationId xmlns:a16="http://schemas.microsoft.com/office/drawing/2014/main" id="{17FC539C-B783-4B03-9F9E-D13430F3F64F}"/>
+              </a:ext>
+            </a:extLst>
+          </p:cNvPr>
+          <p:cNvSpPr>
+            <a:spLocks noGrp="1" noRot="1" noChangeAspect="1" noMove="1" noResize="1" noEditPoints="1" noAdjustHandles="1" noChangeArrowheads="1" noChangeShapeType="1" noTextEdit="1"/>
+          </p:cNvSpPr>
+          <p:nvPr>
+            <p:extLst>
+              <p:ext uri="{386F3935-93C4-4BCD-93E2-E3B085C9AB24}">
+                <p16:designElem xmlns:p16="http://schemas.microsoft.com/office/powerpoint/2015/main" val="1"/>
+              </p:ext>
+            </p:extLst>
+          </p:nvPr>
+        </p:nvSpPr>
+        <p:spPr>
+          <a:xfrm>
+            <a:off x="1" y="6400800"/>
+            <a:ext cx="12192000" cy="457200"/>
+          </a:xfrm>
+          <a:prstGeom prst="rect">
+            <a:avLst/>
+          </a:prstGeom>
+          <a:solidFill>
+            <a:schemeClr val="accent2"/>
+          </a:solidFill>
+          <a:ln>
+            <a:noFill/>
+          </a:ln>
+        </p:spPr>
+        <p:style>
+          <a:lnRef idx="2">
+            <a:schemeClr val="accent1">
+              <a:shade val="50000"/>
+            </a:schemeClr>
+          </a:lnRef>
+          <a:fillRef idx="1">
+            <a:schemeClr val="accent1"/>
+          </a:fillRef>
+          <a:effectRef idx="0">
+            <a:schemeClr val="accent1"/>
+          </a:effectRef>
+          <a:fontRef idx="minor">
+            <a:schemeClr val="lt1"/>
+          </a:fontRef>
+        </p:style>
+      </p:sp>
+      <p:sp>
+        <p:nvSpPr>
+          <p:cNvPr id="24" name="Rectangle 12">
+            <a:extLst>
+              <a:ext uri="{FF2B5EF4-FFF2-40B4-BE49-F238E27FC236}">
+                <a16:creationId xmlns:a16="http://schemas.microsoft.com/office/drawing/2014/main" id="{1E299956-A9E7-4FC1-A0B1-D590CA9730E8}"/>
+              </a:ext>
+            </a:extLst>
+          </p:cNvPr>
+          <p:cNvSpPr>
+            <a:spLocks noGrp="1" noRot="1" noChangeAspect="1" noMove="1" noResize="1" noEditPoints="1" noAdjustHandles="1" noChangeArrowheads="1" noChangeShapeType="1" noTextEdit="1"/>
+          </p:cNvSpPr>
+          <p:nvPr>
+            <p:extLst>
+              <p:ext uri="{386F3935-93C4-4BCD-93E2-E3B085C9AB24}">
+                <p16:designElem xmlns:p16="http://schemas.microsoft.com/office/powerpoint/2015/main" val="1"/>
+              </p:ext>
+            </p:extLst>
+          </p:nvPr>
+        </p:nvSpPr>
+        <p:spPr>
+          <a:xfrm>
+            <a:off x="15" y="6334316"/>
+            <a:ext cx="12191985" cy="66484"/>
+          </a:xfrm>
+          <a:prstGeom prst="rect">
+            <a:avLst/>
+          </a:prstGeom>
+          <a:solidFill>
+            <a:schemeClr val="accent1"/>
+          </a:solidFill>
+          <a:ln>
+            <a:noFill/>
+          </a:ln>
+        </p:spPr>
+        <p:style>
+          <a:lnRef idx="2">
+            <a:schemeClr val="accent1">
+              <a:shade val="50000"/>
+            </a:schemeClr>
+          </a:lnRef>
+          <a:fillRef idx="1">
+            <a:schemeClr val="accent1"/>
+          </a:fillRef>
+          <a:effectRef idx="0">
+            <a:schemeClr val="accent1"/>
+          </a:effectRef>
+          <a:fontRef idx="minor">
+            <a:schemeClr val="lt1"/>
+          </a:fontRef>
+        </p:style>
+      </p:sp>
+      <p:cxnSp>
+        <p:nvCxnSpPr>
+          <p:cNvPr id="15" name="Straight Connector 14">
+            <a:extLst>
+              <a:ext uri="{FF2B5EF4-FFF2-40B4-BE49-F238E27FC236}">
+                <a16:creationId xmlns:a16="http://schemas.microsoft.com/office/drawing/2014/main" id="{C947DF4A-614C-4B4C-8B80-E5B9D8E8CFED}"/>
+              </a:ext>
+            </a:extLst>
+          </p:cNvPr>
+          <p:cNvCxnSpPr>
+            <a:cxnSpLocks noGrp="1" noRot="1" noChangeAspect="1" noMove="1" noResize="1" noEditPoints="1" noAdjustHandles="1" noChangeArrowheads="1" noChangeShapeType="1"/>
+          </p:cNvCxnSpPr>
+          <p:nvPr>
+            <p:extLst>
+              <p:ext uri="{386F3935-93C4-4BCD-93E2-E3B085C9AB24}">
+                <p16:designElem xmlns:p16="http://schemas.microsoft.com/office/powerpoint/2015/main" val="1"/>
+              </p:ext>
+            </p:extLst>
+          </p:nvPr>
+        </p:nvCxnSpPr>
+        <p:spPr>
+          <a:xfrm>
+            <a:off x="7892143" y="2085703"/>
+            <a:ext cx="3566160" cy="0"/>
+          </a:xfrm>
+          <a:prstGeom prst="line">
+            <a:avLst/>
+          </a:prstGeom>
+          <a:ln w="6350">
+            <a:solidFill>
+              <a:schemeClr val="tx1">
+                <a:lumMod val="50000"/>
+                <a:lumOff val="50000"/>
+                <a:alpha val="90000"/>
+              </a:schemeClr>
+            </a:solidFill>
+          </a:ln>
+        </p:spPr>
+        <p:style>
+          <a:lnRef idx="1">
+            <a:schemeClr val="accent1"/>
+          </a:lnRef>
+          <a:fillRef idx="0">
+            <a:schemeClr val="accent1"/>
+          </a:fillRef>
+          <a:effectRef idx="0">
+            <a:schemeClr val="accent1"/>
+          </a:effectRef>
+          <a:fontRef idx="minor">
+            <a:schemeClr val="tx1"/>
+          </a:fontRef>
+        </p:style>
+      </p:cxnSp>
+      <p:pic>
+        <p:nvPicPr>
+          <p:cNvPr id="4" name="รูปภาพ 3">
+            <a:extLst>
+              <a:ext uri="{FF2B5EF4-FFF2-40B4-BE49-F238E27FC236}">
+                <a16:creationId xmlns:a16="http://schemas.microsoft.com/office/drawing/2014/main" id="{E363EE71-91EE-499D-9C1F-67A8EDB57DF4}"/>
+              </a:ext>
+            </a:extLst>
+          </p:cNvPr>
+          <p:cNvPicPr>
+            <a:picLocks noChangeAspect="1"/>
+          </p:cNvPicPr>
+          <p:nvPr/>
+        </p:nvPicPr>
+        <p:blipFill>
+          <a:blip r:embed="rId2"/>
+          <a:stretch>
+            <a:fillRect/>
+          </a:stretch>
+        </p:blipFill>
+        <p:spPr>
+          <a:xfrm>
+            <a:off x="1438193" y="640081"/>
+            <a:ext cx="5301412" cy="5314406"/>
+          </a:xfrm>
+          <a:prstGeom prst="rect">
+            <a:avLst/>
+          </a:prstGeom>
+        </p:spPr>
+      </p:pic>
       <p:sp>
         <p:nvSpPr>
           <p:cNvPr id="2" name="ชื่อเรื่อง 1">
@@ -4010,9 +4317,16 @@
             <p:ph type="title"/>
           </p:nvPr>
         </p:nvSpPr>
-        <p:spPr/>
-        <p:txBody>
-          <a:bodyPr/>
+        <p:spPr>
+          <a:xfrm>
+            <a:off x="7859485" y="634946"/>
+            <a:ext cx="3690257" cy="1450757"/>
+          </a:xfrm>
+        </p:spPr>
+        <p:txBody>
+          <a:bodyPr>
+            <a:normAutofit/>
+          </a:bodyPr>
           <a:lstStyle/>
           <a:p>
             <a:endParaRPr lang="th-TH"/>
@@ -4035,9 +4349,16 @@
             <p:ph idx="1"/>
           </p:nvPr>
         </p:nvSpPr>
-        <p:spPr/>
-        <p:txBody>
-          <a:bodyPr/>
+        <p:spPr>
+          <a:xfrm>
+            <a:off x="7859485" y="2198914"/>
+            <a:ext cx="3690257" cy="3670180"/>
+          </a:xfrm>
+        </p:spPr>
+        <p:txBody>
+          <a:bodyPr>
+            <a:normAutofit/>
+          </a:bodyPr>
           <a:lstStyle/>
           <a:p>
             <a:endParaRPr lang="th-TH"/>

--- a/งานนำเสนอ.pptx
+++ b/งานนำเสนอ.pptx
@@ -8,10 +8,13 @@
     <p:sldId id="256" r:id="rId2"/>
     <p:sldId id="257" r:id="rId3"/>
     <p:sldId id="258" r:id="rId4"/>
-    <p:sldId id="259" r:id="rId5"/>
-    <p:sldId id="260" r:id="rId6"/>
-    <p:sldId id="261" r:id="rId7"/>
-    <p:sldId id="262" r:id="rId8"/>
+    <p:sldId id="263" r:id="rId5"/>
+    <p:sldId id="259" r:id="rId6"/>
+    <p:sldId id="260" r:id="rId7"/>
+    <p:sldId id="261" r:id="rId8"/>
+    <p:sldId id="266" r:id="rId9"/>
+    <p:sldId id="264" r:id="rId10"/>
+    <p:sldId id="265" r:id="rId11"/>
   </p:sldIdLst>
   <p:sldSz cx="12192000" cy="6858000"/>
   <p:notesSz cx="6858000" cy="9144000"/>
@@ -3869,6 +3872,86 @@
 </p:sld>
 </file>
 
+<file path=ppt/slides/slide10.xml><?xml version="1.0" encoding="utf-8"?>
+<p:sld xmlns:a="http://schemas.openxmlformats.org/drawingml/2006/main" xmlns:r="http://schemas.openxmlformats.org/officeDocument/2006/relationships" xmlns:p="http://schemas.openxmlformats.org/presentationml/2006/main">
+  <p:cSld>
+    <p:spTree>
+      <p:nvGrpSpPr>
+        <p:cNvPr id="1" name=""/>
+        <p:cNvGrpSpPr/>
+        <p:nvPr/>
+      </p:nvGrpSpPr>
+      <p:grpSpPr>
+        <a:xfrm>
+          <a:off x="0" y="0"/>
+          <a:ext cx="0" cy="0"/>
+          <a:chOff x="0" y="0"/>
+          <a:chExt cx="0" cy="0"/>
+        </a:xfrm>
+      </p:grpSpPr>
+      <p:sp>
+        <p:nvSpPr>
+          <p:cNvPr id="2" name="ชื่อเรื่อง 1">
+            <a:extLst>
+              <a:ext uri="{FF2B5EF4-FFF2-40B4-BE49-F238E27FC236}">
+                <a16:creationId xmlns:a16="http://schemas.microsoft.com/office/drawing/2014/main" id="{1BCEE619-6C32-40E4-8587-36FF78C84164}"/>
+              </a:ext>
+            </a:extLst>
+          </p:cNvPr>
+          <p:cNvSpPr>
+            <a:spLocks noGrp="1"/>
+          </p:cNvSpPr>
+          <p:nvPr>
+            <p:ph type="title"/>
+          </p:nvPr>
+        </p:nvSpPr>
+        <p:spPr/>
+        <p:txBody>
+          <a:bodyPr/>
+          <a:lstStyle/>
+          <a:p>
+            <a:endParaRPr lang="th-TH"/>
+          </a:p>
+        </p:txBody>
+      </p:sp>
+      <p:sp>
+        <p:nvSpPr>
+          <p:cNvPr id="3" name="ตัวแทนเนื้อหา 2">
+            <a:extLst>
+              <a:ext uri="{FF2B5EF4-FFF2-40B4-BE49-F238E27FC236}">
+                <a16:creationId xmlns:a16="http://schemas.microsoft.com/office/drawing/2014/main" id="{44576A54-665B-40D6-B21C-46F755ECC42E}"/>
+              </a:ext>
+            </a:extLst>
+          </p:cNvPr>
+          <p:cNvSpPr>
+            <a:spLocks noGrp="1"/>
+          </p:cNvSpPr>
+          <p:nvPr>
+            <p:ph idx="1"/>
+          </p:nvPr>
+        </p:nvSpPr>
+        <p:spPr/>
+        <p:txBody>
+          <a:bodyPr/>
+          <a:lstStyle/>
+          <a:p>
+            <a:endParaRPr lang="th-TH"/>
+          </a:p>
+        </p:txBody>
+      </p:sp>
+    </p:spTree>
+    <p:extLst>
+      <p:ext uri="{BB962C8B-B14F-4D97-AF65-F5344CB8AC3E}">
+        <p14:creationId xmlns:p14="http://schemas.microsoft.com/office/powerpoint/2010/main" val="4124522545"/>
+      </p:ext>
+    </p:extLst>
+  </p:cSld>
+  <p:clrMapOvr>
+    <a:masterClrMapping/>
+  </p:clrMapOvr>
+</p:sld>
+</file>
+
 <file path=ppt/slides/slide2.xml><?xml version="1.0" encoding="utf-8"?>
 <p:sld xmlns:a="http://schemas.openxmlformats.org/drawingml/2006/main" xmlns:r="http://schemas.openxmlformats.org/officeDocument/2006/relationships" xmlns:p="http://schemas.openxmlformats.org/presentationml/2006/main">
   <p:cSld>
@@ -3990,7 +4073,11 @@
           <a:bodyPr/>
           <a:lstStyle/>
           <a:p>
-            <a:endParaRPr lang="th-TH"/>
+            <a:r>
+              <a:rPr lang="en-US" dirty="0"/>
+              <a:t>Flowchart</a:t>
+            </a:r>
+            <a:endParaRPr lang="th-TH" dirty="0"/>
           </a:p>
         </p:txBody>
       </p:sp>
@@ -4033,6 +4120,89 @@
 </file>
 
 <file path=ppt/slides/slide4.xml><?xml version="1.0" encoding="utf-8"?>
+<p:sld xmlns:a="http://schemas.openxmlformats.org/drawingml/2006/main" xmlns:r="http://schemas.openxmlformats.org/officeDocument/2006/relationships" xmlns:p="http://schemas.openxmlformats.org/presentationml/2006/main">
+  <p:cSld>
+    <p:spTree>
+      <p:nvGrpSpPr>
+        <p:cNvPr id="1" name=""/>
+        <p:cNvGrpSpPr/>
+        <p:nvPr/>
+      </p:nvGrpSpPr>
+      <p:grpSpPr>
+        <a:xfrm>
+          <a:off x="0" y="0"/>
+          <a:ext cx="0" cy="0"/>
+          <a:chOff x="0" y="0"/>
+          <a:chExt cx="0" cy="0"/>
+        </a:xfrm>
+      </p:grpSpPr>
+      <p:sp>
+        <p:nvSpPr>
+          <p:cNvPr id="4" name="ชื่อเรื่อง 3">
+            <a:extLst>
+              <a:ext uri="{FF2B5EF4-FFF2-40B4-BE49-F238E27FC236}">
+                <a16:creationId xmlns:a16="http://schemas.microsoft.com/office/drawing/2014/main" id="{CEED8209-5A32-4BA2-946C-70CBB28820A1}"/>
+              </a:ext>
+            </a:extLst>
+          </p:cNvPr>
+          <p:cNvSpPr>
+            <a:spLocks noGrp="1"/>
+          </p:cNvSpPr>
+          <p:nvPr>
+            <p:ph type="title"/>
+          </p:nvPr>
+        </p:nvSpPr>
+        <p:spPr/>
+        <p:txBody>
+          <a:bodyPr/>
+          <a:lstStyle/>
+          <a:p>
+            <a:r>
+              <a:rPr lang="th-TH" dirty="0"/>
+              <a:t>ตัวอย่างหน้าจอการทำงาน</a:t>
+            </a:r>
+          </a:p>
+        </p:txBody>
+      </p:sp>
+      <p:sp>
+        <p:nvSpPr>
+          <p:cNvPr id="5" name="ตัวแทนข้อความ 4">
+            <a:extLst>
+              <a:ext uri="{FF2B5EF4-FFF2-40B4-BE49-F238E27FC236}">
+                <a16:creationId xmlns:a16="http://schemas.microsoft.com/office/drawing/2014/main" id="{B5112F67-AB60-47A7-B4EE-9FB09DF82706}"/>
+              </a:ext>
+            </a:extLst>
+          </p:cNvPr>
+          <p:cNvSpPr>
+            <a:spLocks noGrp="1"/>
+          </p:cNvSpPr>
+          <p:nvPr>
+            <p:ph type="body" idx="1"/>
+          </p:nvPr>
+        </p:nvSpPr>
+        <p:spPr/>
+        <p:txBody>
+          <a:bodyPr/>
+          <a:lstStyle/>
+          <a:p>
+            <a:endParaRPr lang="th-TH"/>
+          </a:p>
+        </p:txBody>
+      </p:sp>
+    </p:spTree>
+    <p:extLst>
+      <p:ext uri="{BB962C8B-B14F-4D97-AF65-F5344CB8AC3E}">
+        <p14:creationId xmlns:p14="http://schemas.microsoft.com/office/powerpoint/2010/main" val="2383806542"/>
+      </p:ext>
+    </p:extLst>
+  </p:cSld>
+  <p:clrMapOvr>
+    <a:masterClrMapping/>
+  </p:clrMapOvr>
+</p:sld>
+</file>
+
+<file path=ppt/slides/slide5.xml><?xml version="1.0" encoding="utf-8"?>
 <p:sld xmlns:a="http://schemas.openxmlformats.org/drawingml/2006/main" xmlns:r="http://schemas.openxmlformats.org/officeDocument/2006/relationships" xmlns:p="http://schemas.openxmlformats.org/presentationml/2006/main">
   <p:cSld>
     <p:bg>
@@ -4329,7 +4499,10 @@
           </a:bodyPr>
           <a:lstStyle/>
           <a:p>
-            <a:endParaRPr lang="th-TH"/>
+            <a:r>
+              <a:rPr lang="th-TH" dirty="0"/>
+              <a:t>หน้าแรกโปรแกรม</a:t>
+            </a:r>
           </a:p>
         </p:txBody>
       </p:sp>
@@ -4361,7 +4534,44 @@
           </a:bodyPr>
           <a:lstStyle/>
           <a:p>
-            <a:endParaRPr lang="th-TH"/>
+            <a:pPr>
+              <a:buFont typeface="Arial" panose="020B0604020202020204" pitchFamily="34" charset="0"/>
+              <a:buChar char="•"/>
+            </a:pPr>
+            <a:r>
+              <a:rPr lang="th-TH" dirty="0"/>
+              <a:t>จะโชว์เวลาปัจจุบัน และ วันเดือนปีปัจจุบัน</a:t>
+            </a:r>
+          </a:p>
+          <a:p>
+            <a:pPr>
+              <a:buFont typeface="Arial" panose="020B0604020202020204" pitchFamily="34" charset="0"/>
+              <a:buChar char="•"/>
+            </a:pPr>
+            <a:r>
+              <a:rPr lang="th-TH" dirty="0"/>
+              <a:t>ที่แถบหัวข้อโปรแกรมจะโชว์เวลาปัจจุบัน</a:t>
+            </a:r>
+          </a:p>
+          <a:p>
+            <a:pPr>
+              <a:buFont typeface="Arial" panose="020B0604020202020204" pitchFamily="34" charset="0"/>
+              <a:buChar char="•"/>
+            </a:pPr>
+            <a:r>
+              <a:rPr lang="th-TH" dirty="0"/>
+              <a:t>ที่แถบเมนูใต้แถบหัวโปรแกรม จะมีเมนูพื้นฐานในโปรแกรม</a:t>
+            </a:r>
+          </a:p>
+          <a:p>
+            <a:pPr>
+              <a:buFont typeface="Arial" panose="020B0604020202020204" pitchFamily="34" charset="0"/>
+              <a:buChar char="•"/>
+            </a:pPr>
+            <a:r>
+              <a:rPr lang="th-TH" dirty="0"/>
+              <a:t>มีปุ่มเพิ่มการแจ้งเตือนอยู่ตรงกลาง</a:t>
+            </a:r>
           </a:p>
         </p:txBody>
       </p:sp>
@@ -4378,7 +4588,1490 @@
 </p:sld>
 </file>
 
-<file path=ppt/slides/slide5.xml><?xml version="1.0" encoding="utf-8"?>
+<file path=ppt/slides/slide6.xml><?xml version="1.0" encoding="utf-8"?>
+<p:sld xmlns:a="http://schemas.openxmlformats.org/drawingml/2006/main" xmlns:r="http://schemas.openxmlformats.org/officeDocument/2006/relationships" xmlns:p="http://schemas.openxmlformats.org/presentationml/2006/main">
+  <p:cSld>
+    <p:bg>
+      <p:bgPr>
+        <a:solidFill>
+          <a:schemeClr val="bg1"/>
+        </a:solidFill>
+        <a:effectLst/>
+      </p:bgPr>
+    </p:bg>
+    <p:spTree>
+      <p:nvGrpSpPr>
+        <p:cNvPr id="1" name=""/>
+        <p:cNvGrpSpPr/>
+        <p:nvPr/>
+      </p:nvGrpSpPr>
+      <p:grpSpPr>
+        <a:xfrm>
+          <a:off x="0" y="0"/>
+          <a:ext cx="0" cy="0"/>
+          <a:chOff x="0" y="0"/>
+          <a:chExt cx="0" cy="0"/>
+        </a:xfrm>
+      </p:grpSpPr>
+      <p:sp>
+        <p:nvSpPr>
+          <p:cNvPr id="20" name="Rectangle 19">
+            <a:extLst>
+              <a:ext uri="{FF2B5EF4-FFF2-40B4-BE49-F238E27FC236}">
+                <a16:creationId xmlns:a16="http://schemas.microsoft.com/office/drawing/2014/main" id="{4E4490D0-3672-446A-AC12-B4830333BDDD}"/>
+              </a:ext>
+            </a:extLst>
+          </p:cNvPr>
+          <p:cNvSpPr>
+            <a:spLocks noGrp="1" noRot="1" noChangeAspect="1" noMove="1" noResize="1" noEditPoints="1" noAdjustHandles="1" noChangeArrowheads="1" noChangeShapeType="1" noTextEdit="1"/>
+          </p:cNvSpPr>
+          <p:nvPr>
+            <p:extLst>
+              <p:ext uri="{386F3935-93C4-4BCD-93E2-E3B085C9AB24}">
+                <p16:designElem xmlns:p16="http://schemas.microsoft.com/office/powerpoint/2015/main" val="1"/>
+              </p:ext>
+            </p:extLst>
+          </p:nvPr>
+        </p:nvSpPr>
+        <p:spPr>
+          <a:xfrm>
+            <a:off x="3175" y="6400800"/>
+            <a:ext cx="12188825" cy="457200"/>
+          </a:xfrm>
+          <a:prstGeom prst="rect">
+            <a:avLst/>
+          </a:prstGeom>
+          <a:solidFill>
+            <a:schemeClr val="accent2"/>
+          </a:solidFill>
+          <a:ln>
+            <a:noFill/>
+          </a:ln>
+        </p:spPr>
+        <p:style>
+          <a:lnRef idx="2">
+            <a:schemeClr val="accent1">
+              <a:shade val="50000"/>
+            </a:schemeClr>
+          </a:lnRef>
+          <a:fillRef idx="1">
+            <a:schemeClr val="accent1"/>
+          </a:fillRef>
+          <a:effectRef idx="0">
+            <a:schemeClr val="accent1"/>
+          </a:effectRef>
+          <a:fontRef idx="minor">
+            <a:schemeClr val="lt1"/>
+          </a:fontRef>
+        </p:style>
+      </p:sp>
+      <p:sp>
+        <p:nvSpPr>
+          <p:cNvPr id="22" name="Rectangle 21">
+            <a:extLst>
+              <a:ext uri="{FF2B5EF4-FFF2-40B4-BE49-F238E27FC236}">
+                <a16:creationId xmlns:a16="http://schemas.microsoft.com/office/drawing/2014/main" id="{39CB82C2-DF65-4EC1-8280-F201D50F570B}"/>
+              </a:ext>
+            </a:extLst>
+          </p:cNvPr>
+          <p:cNvSpPr>
+            <a:spLocks noGrp="1" noRot="1" noChangeAspect="1" noMove="1" noResize="1" noEditPoints="1" noAdjustHandles="1" noChangeArrowheads="1" noChangeShapeType="1" noTextEdit="1"/>
+          </p:cNvSpPr>
+          <p:nvPr>
+            <p:extLst>
+              <p:ext uri="{386F3935-93C4-4BCD-93E2-E3B085C9AB24}">
+                <p16:designElem xmlns:p16="http://schemas.microsoft.com/office/powerpoint/2015/main" val="1"/>
+              </p:ext>
+            </p:extLst>
+          </p:nvPr>
+        </p:nvSpPr>
+        <p:spPr>
+          <a:xfrm>
+            <a:off x="15" y="6334316"/>
+            <a:ext cx="12188825" cy="64008"/>
+          </a:xfrm>
+          <a:prstGeom prst="rect">
+            <a:avLst/>
+          </a:prstGeom>
+          <a:solidFill>
+            <a:schemeClr val="accent1"/>
+          </a:solidFill>
+          <a:ln>
+            <a:noFill/>
+          </a:ln>
+        </p:spPr>
+        <p:style>
+          <a:lnRef idx="2">
+            <a:schemeClr val="accent1">
+              <a:shade val="50000"/>
+            </a:schemeClr>
+          </a:lnRef>
+          <a:fillRef idx="1">
+            <a:schemeClr val="accent1"/>
+          </a:fillRef>
+          <a:effectRef idx="0">
+            <a:schemeClr val="accent1"/>
+          </a:effectRef>
+          <a:fontRef idx="minor">
+            <a:schemeClr val="lt1"/>
+          </a:fontRef>
+        </p:style>
+      </p:sp>
+      <p:cxnSp>
+        <p:nvCxnSpPr>
+          <p:cNvPr id="24" name="Straight Connector 23">
+            <a:extLst>
+              <a:ext uri="{FF2B5EF4-FFF2-40B4-BE49-F238E27FC236}">
+                <a16:creationId xmlns:a16="http://schemas.microsoft.com/office/drawing/2014/main" id="{7E1D4427-852B-4B37-8E76-0E9F1810BA2A}"/>
+              </a:ext>
+            </a:extLst>
+          </p:cNvPr>
+          <p:cNvCxnSpPr>
+            <a:cxnSpLocks noGrp="1" noRot="1" noChangeAspect="1" noMove="1" noResize="1" noEditPoints="1" noAdjustHandles="1" noChangeArrowheads="1" noChangeShapeType="1"/>
+          </p:cNvCxnSpPr>
+          <p:nvPr>
+            <p:extLst>
+              <p:ext uri="{386F3935-93C4-4BCD-93E2-E3B085C9AB24}">
+                <p16:designElem xmlns:p16="http://schemas.microsoft.com/office/powerpoint/2015/main" val="1"/>
+              </p:ext>
+            </p:extLst>
+          </p:nvPr>
+        </p:nvCxnSpPr>
+        <p:spPr>
+          <a:xfrm>
+            <a:off x="1207658" y="4343400"/>
+            <a:ext cx="9875520" cy="0"/>
+          </a:xfrm>
+          <a:prstGeom prst="line">
+            <a:avLst/>
+          </a:prstGeom>
+          <a:ln w="6350">
+            <a:solidFill>
+              <a:schemeClr val="tx1">
+                <a:lumMod val="50000"/>
+                <a:lumOff val="50000"/>
+              </a:schemeClr>
+            </a:solidFill>
+          </a:ln>
+        </p:spPr>
+        <p:style>
+          <a:lnRef idx="1">
+            <a:schemeClr val="accent1"/>
+          </a:lnRef>
+          <a:fillRef idx="0">
+            <a:schemeClr val="accent1"/>
+          </a:fillRef>
+          <a:effectRef idx="0">
+            <a:schemeClr val="accent1"/>
+          </a:effectRef>
+          <a:fontRef idx="minor">
+            <a:schemeClr val="tx1"/>
+          </a:fontRef>
+        </p:style>
+      </p:cxnSp>
+      <p:sp useBgFill="1">
+        <p:nvSpPr>
+          <p:cNvPr id="26" name="Rectangle 25">
+            <a:extLst>
+              <a:ext uri="{FF2B5EF4-FFF2-40B4-BE49-F238E27FC236}">
+                <a16:creationId xmlns:a16="http://schemas.microsoft.com/office/drawing/2014/main" id="{5AE6C737-FF55-4064-94B7-0B21D2EB6045}"/>
+              </a:ext>
+            </a:extLst>
+          </p:cNvPr>
+          <p:cNvSpPr>
+            <a:spLocks noGrp="1" noRot="1" noChangeAspect="1" noMove="1" noResize="1" noEditPoints="1" noAdjustHandles="1" noChangeArrowheads="1" noChangeShapeType="1" noTextEdit="1"/>
+          </p:cNvSpPr>
+          <p:nvPr>
+            <p:extLst>
+              <p:ext uri="{386F3935-93C4-4BCD-93E2-E3B085C9AB24}">
+                <p16:designElem xmlns:p16="http://schemas.microsoft.com/office/powerpoint/2015/main" val="1"/>
+              </p:ext>
+            </p:extLst>
+          </p:nvPr>
+        </p:nvSpPr>
+        <p:spPr>
+          <a:xfrm>
+            <a:off x="0" y="0"/>
+            <a:ext cx="12192001" cy="6334316"/>
+          </a:xfrm>
+          <a:prstGeom prst="rect">
+            <a:avLst/>
+          </a:prstGeom>
+          <a:ln>
+            <a:noFill/>
+          </a:ln>
+        </p:spPr>
+        <p:style>
+          <a:lnRef idx="2">
+            <a:schemeClr val="accent1">
+              <a:shade val="50000"/>
+            </a:schemeClr>
+          </a:lnRef>
+          <a:fillRef idx="1">
+            <a:schemeClr val="accent1"/>
+          </a:fillRef>
+          <a:effectRef idx="0">
+            <a:schemeClr val="accent1"/>
+          </a:effectRef>
+          <a:fontRef idx="minor">
+            <a:schemeClr val="lt1"/>
+          </a:fontRef>
+        </p:style>
+        <p:txBody>
+          <a:bodyPr rtlCol="0" anchor="ctr"/>
+          <a:lstStyle/>
+          <a:p>
+            <a:pPr algn="ctr"/>
+            <a:endParaRPr lang="en-US"/>
+          </a:p>
+        </p:txBody>
+      </p:sp>
+      <p:sp>
+        <p:nvSpPr>
+          <p:cNvPr id="28" name="Rectangle 27">
+            <a:extLst>
+              <a:ext uri="{FF2B5EF4-FFF2-40B4-BE49-F238E27FC236}">
+                <a16:creationId xmlns:a16="http://schemas.microsoft.com/office/drawing/2014/main" id="{2D3DCA99-84AF-487A-BF72-91C5FA6B0B70}"/>
+              </a:ext>
+            </a:extLst>
+          </p:cNvPr>
+          <p:cNvSpPr>
+            <a:spLocks noGrp="1" noRot="1" noChangeAspect="1" noMove="1" noResize="1" noEditPoints="1" noAdjustHandles="1" noChangeArrowheads="1" noChangeShapeType="1" noTextEdit="1"/>
+          </p:cNvSpPr>
+          <p:nvPr>
+            <p:extLst>
+              <p:ext uri="{386F3935-93C4-4BCD-93E2-E3B085C9AB24}">
+                <p16:designElem xmlns:p16="http://schemas.microsoft.com/office/powerpoint/2015/main" val="1"/>
+              </p:ext>
+            </p:extLst>
+          </p:nvPr>
+        </p:nvSpPr>
+        <p:spPr>
+          <a:xfrm>
+            <a:off x="1" y="6400800"/>
+            <a:ext cx="12192000" cy="457200"/>
+          </a:xfrm>
+          <a:prstGeom prst="rect">
+            <a:avLst/>
+          </a:prstGeom>
+          <a:solidFill>
+            <a:schemeClr val="accent2"/>
+          </a:solidFill>
+          <a:ln>
+            <a:noFill/>
+          </a:ln>
+        </p:spPr>
+        <p:style>
+          <a:lnRef idx="2">
+            <a:schemeClr val="accent1">
+              <a:shade val="50000"/>
+            </a:schemeClr>
+          </a:lnRef>
+          <a:fillRef idx="1">
+            <a:schemeClr val="accent1"/>
+          </a:fillRef>
+          <a:effectRef idx="0">
+            <a:schemeClr val="accent1"/>
+          </a:effectRef>
+          <a:fontRef idx="minor">
+            <a:schemeClr val="lt1"/>
+          </a:fontRef>
+        </p:style>
+      </p:sp>
+      <p:sp>
+        <p:nvSpPr>
+          <p:cNvPr id="30" name="Rectangle 29">
+            <a:extLst>
+              <a:ext uri="{FF2B5EF4-FFF2-40B4-BE49-F238E27FC236}">
+                <a16:creationId xmlns:a16="http://schemas.microsoft.com/office/drawing/2014/main" id="{D8218D9F-38B6-4AE0-9051-5434D19A5277}"/>
+              </a:ext>
+            </a:extLst>
+          </p:cNvPr>
+          <p:cNvSpPr>
+            <a:spLocks noGrp="1" noRot="1" noChangeAspect="1" noMove="1" noResize="1" noEditPoints="1" noAdjustHandles="1" noChangeArrowheads="1" noChangeShapeType="1" noTextEdit="1"/>
+          </p:cNvSpPr>
+          <p:nvPr>
+            <p:extLst>
+              <p:ext uri="{386F3935-93C4-4BCD-93E2-E3B085C9AB24}">
+                <p16:designElem xmlns:p16="http://schemas.microsoft.com/office/powerpoint/2015/main" val="1"/>
+              </p:ext>
+            </p:extLst>
+          </p:nvPr>
+        </p:nvSpPr>
+        <p:spPr>
+          <a:xfrm>
+            <a:off x="15" y="6334316"/>
+            <a:ext cx="12191985" cy="66484"/>
+          </a:xfrm>
+          <a:prstGeom prst="rect">
+            <a:avLst/>
+          </a:prstGeom>
+          <a:solidFill>
+            <a:schemeClr val="accent1"/>
+          </a:solidFill>
+          <a:ln>
+            <a:noFill/>
+          </a:ln>
+        </p:spPr>
+        <p:style>
+          <a:lnRef idx="2">
+            <a:schemeClr val="accent1">
+              <a:shade val="50000"/>
+            </a:schemeClr>
+          </a:lnRef>
+          <a:fillRef idx="1">
+            <a:schemeClr val="accent1"/>
+          </a:fillRef>
+          <a:effectRef idx="0">
+            <a:schemeClr val="accent1"/>
+          </a:effectRef>
+          <a:fontRef idx="minor">
+            <a:schemeClr val="lt1"/>
+          </a:fontRef>
+        </p:style>
+      </p:sp>
+      <p:cxnSp>
+        <p:nvCxnSpPr>
+          <p:cNvPr id="32" name="Straight Connector 31">
+            <a:extLst>
+              <a:ext uri="{FF2B5EF4-FFF2-40B4-BE49-F238E27FC236}">
+                <a16:creationId xmlns:a16="http://schemas.microsoft.com/office/drawing/2014/main" id="{6B5B1DD8-6224-4137-8621-32982B00F9FC}"/>
+              </a:ext>
+            </a:extLst>
+          </p:cNvPr>
+          <p:cNvCxnSpPr>
+            <a:cxnSpLocks noGrp="1" noRot="1" noChangeAspect="1" noMove="1" noResize="1" noEditPoints="1" noAdjustHandles="1" noChangeArrowheads="1" noChangeShapeType="1"/>
+          </p:cNvCxnSpPr>
+          <p:nvPr>
+            <p:extLst>
+              <p:ext uri="{386F3935-93C4-4BCD-93E2-E3B085C9AB24}">
+                <p16:designElem xmlns:p16="http://schemas.microsoft.com/office/powerpoint/2015/main" val="1"/>
+              </p:ext>
+            </p:extLst>
+          </p:nvPr>
+        </p:nvCxnSpPr>
+        <p:spPr>
+          <a:xfrm>
+            <a:off x="6805053" y="4343400"/>
+            <a:ext cx="4389120" cy="0"/>
+          </a:xfrm>
+          <a:prstGeom prst="line">
+            <a:avLst/>
+          </a:prstGeom>
+          <a:ln w="6350">
+            <a:solidFill>
+              <a:schemeClr val="tx2">
+                <a:alpha val="90000"/>
+              </a:schemeClr>
+            </a:solidFill>
+          </a:ln>
+        </p:spPr>
+        <p:style>
+          <a:lnRef idx="1">
+            <a:schemeClr val="accent1"/>
+          </a:lnRef>
+          <a:fillRef idx="0">
+            <a:schemeClr val="accent1"/>
+          </a:fillRef>
+          <a:effectRef idx="0">
+            <a:schemeClr val="accent1"/>
+          </a:effectRef>
+          <a:fontRef idx="minor">
+            <a:schemeClr val="tx1"/>
+          </a:fontRef>
+        </p:style>
+      </p:cxnSp>
+      <p:pic>
+        <p:nvPicPr>
+          <p:cNvPr id="5" name="รูปภาพ 4">
+            <a:extLst>
+              <a:ext uri="{FF2B5EF4-FFF2-40B4-BE49-F238E27FC236}">
+                <a16:creationId xmlns:a16="http://schemas.microsoft.com/office/drawing/2014/main" id="{18A965A0-D375-4487-A5E4-A99049FA3938}"/>
+              </a:ext>
+            </a:extLst>
+          </p:cNvPr>
+          <p:cNvPicPr>
+            <a:picLocks noChangeAspect="1"/>
+          </p:cNvPicPr>
+          <p:nvPr/>
+        </p:nvPicPr>
+        <p:blipFill>
+          <a:blip r:embed="rId2"/>
+          <a:stretch>
+            <a:fillRect/>
+          </a:stretch>
+        </p:blipFill>
+        <p:spPr>
+          <a:xfrm>
+            <a:off x="844100" y="640081"/>
+            <a:ext cx="5041798" cy="5054156"/>
+          </a:xfrm>
+          <a:prstGeom prst="rect">
+            <a:avLst/>
+          </a:prstGeom>
+        </p:spPr>
+      </p:pic>
+      <p:sp>
+        <p:nvSpPr>
+          <p:cNvPr id="2" name="ชื่อเรื่อง 1">
+            <a:extLst>
+              <a:ext uri="{FF2B5EF4-FFF2-40B4-BE49-F238E27FC236}">
+                <a16:creationId xmlns:a16="http://schemas.microsoft.com/office/drawing/2014/main" id="{D83B59C7-93AD-4165-9935-D6A351676C45}"/>
+              </a:ext>
+            </a:extLst>
+          </p:cNvPr>
+          <p:cNvSpPr>
+            <a:spLocks noGrp="1"/>
+          </p:cNvSpPr>
+          <p:nvPr>
+            <p:ph type="title"/>
+          </p:nvPr>
+        </p:nvSpPr>
+        <p:spPr>
+          <a:xfrm>
+            <a:off x="6730000" y="639097"/>
+            <a:ext cx="4813072" cy="3686015"/>
+          </a:xfrm>
+        </p:spPr>
+        <p:txBody>
+          <a:bodyPr vert="horz" lIns="91440" tIns="45720" rIns="91440" bIns="45720" rtlCol="0" anchor="b">
+            <a:normAutofit/>
+          </a:bodyPr>
+          <a:lstStyle/>
+          <a:p>
+            <a:r>
+              <a:rPr lang="en-US" sz="8000">
+                <a:solidFill>
+                  <a:schemeClr val="tx1">
+                    <a:lumMod val="85000"/>
+                    <a:lumOff val="15000"/>
+                  </a:schemeClr>
+                </a:solidFill>
+              </a:rPr>
+              <a:t>หน้าแรกโปรแกรม</a:t>
+            </a:r>
+          </a:p>
+        </p:txBody>
+      </p:sp>
+      <p:sp>
+        <p:nvSpPr>
+          <p:cNvPr id="3" name="ตัวแทนเนื้อหา 2">
+            <a:extLst>
+              <a:ext uri="{FF2B5EF4-FFF2-40B4-BE49-F238E27FC236}">
+                <a16:creationId xmlns:a16="http://schemas.microsoft.com/office/drawing/2014/main" id="{810F9BF5-297F-45CD-B911-AF711474F352}"/>
+              </a:ext>
+            </a:extLst>
+          </p:cNvPr>
+          <p:cNvSpPr>
+            <a:spLocks noGrp="1"/>
+          </p:cNvSpPr>
+          <p:nvPr>
+            <p:ph idx="1"/>
+          </p:nvPr>
+        </p:nvSpPr>
+        <p:spPr>
+          <a:xfrm>
+            <a:off x="6729999" y="4455621"/>
+            <a:ext cx="4829101" cy="1238616"/>
+          </a:xfrm>
+        </p:spPr>
+        <p:txBody>
+          <a:bodyPr vert="horz" lIns="91440" tIns="45720" rIns="91440" bIns="45720" rtlCol="0">
+            <a:normAutofit/>
+          </a:bodyPr>
+          <a:lstStyle/>
+          <a:p>
+            <a:pPr marL="0" indent="0">
+              <a:buNone/>
+            </a:pPr>
+            <a:r>
+              <a:rPr lang="en-US" sz="2400" cap="all" spc="200" dirty="0" err="1">
+                <a:solidFill>
+                  <a:schemeClr val="tx1">
+                    <a:lumMod val="85000"/>
+                    <a:lumOff val="15000"/>
+                  </a:schemeClr>
+                </a:solidFill>
+                <a:latin typeface="+mj-lt"/>
+              </a:rPr>
+              <a:t>พอคลิกเมนู</a:t>
+            </a:r>
+            <a:r>
+              <a:rPr lang="th-TH" sz="2400" cap="all" spc="200" dirty="0">
+                <a:solidFill>
+                  <a:schemeClr val="tx1">
+                    <a:lumMod val="85000"/>
+                    <a:lumOff val="15000"/>
+                  </a:schemeClr>
+                </a:solidFill>
+                <a:latin typeface="+mj-lt"/>
+              </a:rPr>
+              <a:t>จะปรากฎเมนูตามด้านซ้ายมือ</a:t>
+            </a:r>
+            <a:endParaRPr lang="en-US" sz="2400" cap="all" spc="200" dirty="0">
+              <a:solidFill>
+                <a:schemeClr val="tx1">
+                  <a:lumMod val="85000"/>
+                  <a:lumOff val="15000"/>
+                </a:schemeClr>
+              </a:solidFill>
+              <a:latin typeface="+mj-lt"/>
+            </a:endParaRPr>
+          </a:p>
+        </p:txBody>
+      </p:sp>
+    </p:spTree>
+    <p:extLst>
+      <p:ext uri="{BB962C8B-B14F-4D97-AF65-F5344CB8AC3E}">
+        <p14:creationId xmlns:p14="http://schemas.microsoft.com/office/powerpoint/2010/main" val="1985116907"/>
+      </p:ext>
+    </p:extLst>
+  </p:cSld>
+  <p:clrMapOvr>
+    <a:masterClrMapping/>
+  </p:clrMapOvr>
+</p:sld>
+</file>
+
+<file path=ppt/slides/slide7.xml><?xml version="1.0" encoding="utf-8"?>
+<p:sld xmlns:a="http://schemas.openxmlformats.org/drawingml/2006/main" xmlns:r="http://schemas.openxmlformats.org/officeDocument/2006/relationships" xmlns:p="http://schemas.openxmlformats.org/presentationml/2006/main">
+  <p:cSld>
+    <p:bg>
+      <p:bgPr>
+        <a:solidFill>
+          <a:schemeClr val="bg1"/>
+        </a:solidFill>
+        <a:effectLst/>
+      </p:bgPr>
+    </p:bg>
+    <p:spTree>
+      <p:nvGrpSpPr>
+        <p:cNvPr id="1" name=""/>
+        <p:cNvGrpSpPr/>
+        <p:nvPr/>
+      </p:nvGrpSpPr>
+      <p:grpSpPr>
+        <a:xfrm>
+          <a:off x="0" y="0"/>
+          <a:ext cx="0" cy="0"/>
+          <a:chOff x="0" y="0"/>
+          <a:chExt cx="0" cy="0"/>
+        </a:xfrm>
+      </p:grpSpPr>
+      <p:sp useBgFill="1">
+        <p:nvSpPr>
+          <p:cNvPr id="9" name="Rectangle 8">
+            <a:extLst>
+              <a:ext uri="{FF2B5EF4-FFF2-40B4-BE49-F238E27FC236}">
+                <a16:creationId xmlns:a16="http://schemas.microsoft.com/office/drawing/2014/main" id="{284B70D5-875B-433D-BDBD-1522A85D6C1D}"/>
+              </a:ext>
+            </a:extLst>
+          </p:cNvPr>
+          <p:cNvSpPr>
+            <a:spLocks noGrp="1" noRot="1" noChangeAspect="1" noMove="1" noResize="1" noEditPoints="1" noAdjustHandles="1" noChangeArrowheads="1" noChangeShapeType="1" noTextEdit="1"/>
+          </p:cNvSpPr>
+          <p:nvPr>
+            <p:extLst>
+              <p:ext uri="{386F3935-93C4-4BCD-93E2-E3B085C9AB24}">
+                <p16:designElem xmlns:p16="http://schemas.microsoft.com/office/powerpoint/2015/main" val="1"/>
+              </p:ext>
+            </p:extLst>
+          </p:nvPr>
+        </p:nvSpPr>
+        <p:spPr>
+          <a:xfrm>
+            <a:off x="0" y="0"/>
+            <a:ext cx="12192001" cy="6334316"/>
+          </a:xfrm>
+          <a:prstGeom prst="rect">
+            <a:avLst/>
+          </a:prstGeom>
+          <a:ln>
+            <a:noFill/>
+          </a:ln>
+        </p:spPr>
+        <p:style>
+          <a:lnRef idx="2">
+            <a:schemeClr val="accent1">
+              <a:shade val="50000"/>
+            </a:schemeClr>
+          </a:lnRef>
+          <a:fillRef idx="1">
+            <a:schemeClr val="accent1"/>
+          </a:fillRef>
+          <a:effectRef idx="0">
+            <a:schemeClr val="accent1"/>
+          </a:effectRef>
+          <a:fontRef idx="minor">
+            <a:schemeClr val="lt1"/>
+          </a:fontRef>
+        </p:style>
+        <p:txBody>
+          <a:bodyPr rtlCol="0" anchor="ctr"/>
+          <a:lstStyle/>
+          <a:p>
+            <a:pPr algn="ctr"/>
+            <a:endParaRPr lang="en-US"/>
+          </a:p>
+        </p:txBody>
+      </p:sp>
+      <p:sp>
+        <p:nvSpPr>
+          <p:cNvPr id="11" name="Rectangle 10">
+            <a:extLst>
+              <a:ext uri="{FF2B5EF4-FFF2-40B4-BE49-F238E27FC236}">
+                <a16:creationId xmlns:a16="http://schemas.microsoft.com/office/drawing/2014/main" id="{17FC539C-B783-4B03-9F9E-D13430F3F64F}"/>
+              </a:ext>
+            </a:extLst>
+          </p:cNvPr>
+          <p:cNvSpPr>
+            <a:spLocks noGrp="1" noRot="1" noChangeAspect="1" noMove="1" noResize="1" noEditPoints="1" noAdjustHandles="1" noChangeArrowheads="1" noChangeShapeType="1" noTextEdit="1"/>
+          </p:cNvSpPr>
+          <p:nvPr>
+            <p:extLst>
+              <p:ext uri="{386F3935-93C4-4BCD-93E2-E3B085C9AB24}">
+                <p16:designElem xmlns:p16="http://schemas.microsoft.com/office/powerpoint/2015/main" val="1"/>
+              </p:ext>
+            </p:extLst>
+          </p:nvPr>
+        </p:nvSpPr>
+        <p:spPr>
+          <a:xfrm>
+            <a:off x="1" y="6400800"/>
+            <a:ext cx="12192000" cy="457200"/>
+          </a:xfrm>
+          <a:prstGeom prst="rect">
+            <a:avLst/>
+          </a:prstGeom>
+          <a:solidFill>
+            <a:schemeClr val="accent2"/>
+          </a:solidFill>
+          <a:ln>
+            <a:noFill/>
+          </a:ln>
+        </p:spPr>
+        <p:style>
+          <a:lnRef idx="2">
+            <a:schemeClr val="accent1">
+              <a:shade val="50000"/>
+            </a:schemeClr>
+          </a:lnRef>
+          <a:fillRef idx="1">
+            <a:schemeClr val="accent1"/>
+          </a:fillRef>
+          <a:effectRef idx="0">
+            <a:schemeClr val="accent1"/>
+          </a:effectRef>
+          <a:fontRef idx="minor">
+            <a:schemeClr val="lt1"/>
+          </a:fontRef>
+        </p:style>
+      </p:sp>
+      <p:sp>
+        <p:nvSpPr>
+          <p:cNvPr id="13" name="Rectangle 12">
+            <a:extLst>
+              <a:ext uri="{FF2B5EF4-FFF2-40B4-BE49-F238E27FC236}">
+                <a16:creationId xmlns:a16="http://schemas.microsoft.com/office/drawing/2014/main" id="{1E299956-A9E7-4FC1-A0B1-D590CA9730E8}"/>
+              </a:ext>
+            </a:extLst>
+          </p:cNvPr>
+          <p:cNvSpPr>
+            <a:spLocks noGrp="1" noRot="1" noChangeAspect="1" noMove="1" noResize="1" noEditPoints="1" noAdjustHandles="1" noChangeArrowheads="1" noChangeShapeType="1" noTextEdit="1"/>
+          </p:cNvSpPr>
+          <p:nvPr>
+            <p:extLst>
+              <p:ext uri="{386F3935-93C4-4BCD-93E2-E3B085C9AB24}">
+                <p16:designElem xmlns:p16="http://schemas.microsoft.com/office/powerpoint/2015/main" val="1"/>
+              </p:ext>
+            </p:extLst>
+          </p:nvPr>
+        </p:nvSpPr>
+        <p:spPr>
+          <a:xfrm>
+            <a:off x="15" y="6334316"/>
+            <a:ext cx="12191985" cy="66484"/>
+          </a:xfrm>
+          <a:prstGeom prst="rect">
+            <a:avLst/>
+          </a:prstGeom>
+          <a:solidFill>
+            <a:schemeClr val="accent1"/>
+          </a:solidFill>
+          <a:ln>
+            <a:noFill/>
+          </a:ln>
+        </p:spPr>
+        <p:style>
+          <a:lnRef idx="2">
+            <a:schemeClr val="accent1">
+              <a:shade val="50000"/>
+            </a:schemeClr>
+          </a:lnRef>
+          <a:fillRef idx="1">
+            <a:schemeClr val="accent1"/>
+          </a:fillRef>
+          <a:effectRef idx="0">
+            <a:schemeClr val="accent1"/>
+          </a:effectRef>
+          <a:fontRef idx="minor">
+            <a:schemeClr val="lt1"/>
+          </a:fontRef>
+        </p:style>
+      </p:sp>
+      <p:cxnSp>
+        <p:nvCxnSpPr>
+          <p:cNvPr id="15" name="Straight Connector 14">
+            <a:extLst>
+              <a:ext uri="{FF2B5EF4-FFF2-40B4-BE49-F238E27FC236}">
+                <a16:creationId xmlns:a16="http://schemas.microsoft.com/office/drawing/2014/main" id="{C947DF4A-614C-4B4C-8B80-E5B9D8E8CFED}"/>
+              </a:ext>
+            </a:extLst>
+          </p:cNvPr>
+          <p:cNvCxnSpPr>
+            <a:cxnSpLocks noGrp="1" noRot="1" noChangeAspect="1" noMove="1" noResize="1" noEditPoints="1" noAdjustHandles="1" noChangeArrowheads="1" noChangeShapeType="1"/>
+          </p:cNvCxnSpPr>
+          <p:nvPr>
+            <p:extLst>
+              <p:ext uri="{386F3935-93C4-4BCD-93E2-E3B085C9AB24}">
+                <p16:designElem xmlns:p16="http://schemas.microsoft.com/office/powerpoint/2015/main" val="1"/>
+              </p:ext>
+            </p:extLst>
+          </p:nvPr>
+        </p:nvCxnSpPr>
+        <p:spPr>
+          <a:xfrm>
+            <a:off x="7892143" y="2085703"/>
+            <a:ext cx="3566160" cy="0"/>
+          </a:xfrm>
+          <a:prstGeom prst="line">
+            <a:avLst/>
+          </a:prstGeom>
+          <a:ln w="6350">
+            <a:solidFill>
+              <a:schemeClr val="tx1">
+                <a:lumMod val="50000"/>
+                <a:lumOff val="50000"/>
+                <a:alpha val="90000"/>
+              </a:schemeClr>
+            </a:solidFill>
+          </a:ln>
+        </p:spPr>
+        <p:style>
+          <a:lnRef idx="1">
+            <a:schemeClr val="accent1"/>
+          </a:lnRef>
+          <a:fillRef idx="0">
+            <a:schemeClr val="accent1"/>
+          </a:fillRef>
+          <a:effectRef idx="0">
+            <a:schemeClr val="accent1"/>
+          </a:effectRef>
+          <a:fontRef idx="minor">
+            <a:schemeClr val="tx1"/>
+          </a:fontRef>
+        </p:style>
+      </p:cxnSp>
+      <p:sp>
+        <p:nvSpPr>
+          <p:cNvPr id="2" name="ชื่อเรื่อง 1">
+            <a:extLst>
+              <a:ext uri="{FF2B5EF4-FFF2-40B4-BE49-F238E27FC236}">
+                <a16:creationId xmlns:a16="http://schemas.microsoft.com/office/drawing/2014/main" id="{D83B59C7-93AD-4165-9935-D6A351676C45}"/>
+              </a:ext>
+            </a:extLst>
+          </p:cNvPr>
+          <p:cNvSpPr>
+            <a:spLocks noGrp="1"/>
+          </p:cNvSpPr>
+          <p:nvPr>
+            <p:ph type="title"/>
+          </p:nvPr>
+        </p:nvSpPr>
+        <p:spPr>
+          <a:xfrm>
+            <a:off x="7859485" y="634946"/>
+            <a:ext cx="3690257" cy="1450757"/>
+          </a:xfrm>
+        </p:spPr>
+        <p:txBody>
+          <a:bodyPr>
+            <a:normAutofit/>
+          </a:bodyPr>
+          <a:lstStyle/>
+          <a:p>
+            <a:r>
+              <a:rPr lang="th-TH" dirty="0"/>
+              <a:t>เพิ่มการแจ้งเตือน</a:t>
+            </a:r>
+          </a:p>
+        </p:txBody>
+      </p:sp>
+      <p:sp>
+        <p:nvSpPr>
+          <p:cNvPr id="3" name="ตัวแทนเนื้อหา 2">
+            <a:extLst>
+              <a:ext uri="{FF2B5EF4-FFF2-40B4-BE49-F238E27FC236}">
+                <a16:creationId xmlns:a16="http://schemas.microsoft.com/office/drawing/2014/main" id="{810F9BF5-297F-45CD-B911-AF711474F352}"/>
+              </a:ext>
+            </a:extLst>
+          </p:cNvPr>
+          <p:cNvSpPr>
+            <a:spLocks noGrp="1"/>
+          </p:cNvSpPr>
+          <p:nvPr>
+            <p:ph idx="1"/>
+          </p:nvPr>
+        </p:nvSpPr>
+        <p:spPr>
+          <a:xfrm>
+            <a:off x="7859485" y="2198914"/>
+            <a:ext cx="3690257" cy="3670180"/>
+          </a:xfrm>
+        </p:spPr>
+        <p:txBody>
+          <a:bodyPr>
+            <a:normAutofit/>
+          </a:bodyPr>
+          <a:lstStyle/>
+          <a:p>
+            <a:pPr marL="0" indent="0">
+              <a:buNone/>
+            </a:pPr>
+            <a:r>
+              <a:rPr lang="th-TH" dirty="0"/>
+              <a:t>คลิกเลือกชั่วโมง นาที แล้วบันทึก</a:t>
+            </a:r>
+          </a:p>
+          <a:p>
+            <a:pPr marL="0" indent="0">
+              <a:buNone/>
+            </a:pPr>
+            <a:r>
+              <a:rPr lang="th-TH" dirty="0"/>
+              <a:t>แล้วกดเลือกวันในสัปดาห์ แล้วต้องกดเลือกให้ เปิดใช้งานหรือไม่</a:t>
+            </a:r>
+          </a:p>
+        </p:txBody>
+      </p:sp>
+      <p:pic>
+        <p:nvPicPr>
+          <p:cNvPr id="10" name="รูปภาพ 9">
+            <a:extLst>
+              <a:ext uri="{FF2B5EF4-FFF2-40B4-BE49-F238E27FC236}">
+                <a16:creationId xmlns:a16="http://schemas.microsoft.com/office/drawing/2014/main" id="{31CBD58F-F390-4EF0-9FD5-CC82E1AFD14E}"/>
+              </a:ext>
+            </a:extLst>
+          </p:cNvPr>
+          <p:cNvPicPr>
+            <a:picLocks noChangeAspect="1"/>
+          </p:cNvPicPr>
+          <p:nvPr/>
+        </p:nvPicPr>
+        <p:blipFill>
+          <a:blip r:embed="rId2"/>
+          <a:stretch>
+            <a:fillRect/>
+          </a:stretch>
+        </p:blipFill>
+        <p:spPr>
+          <a:xfrm>
+            <a:off x="1649152" y="509955"/>
+            <a:ext cx="5301412" cy="5314406"/>
+          </a:xfrm>
+          <a:prstGeom prst="rect">
+            <a:avLst/>
+          </a:prstGeom>
+        </p:spPr>
+      </p:pic>
+      <p:pic>
+        <p:nvPicPr>
+          <p:cNvPr id="4" name="รูปภาพ 3">
+            <a:extLst>
+              <a:ext uri="{FF2B5EF4-FFF2-40B4-BE49-F238E27FC236}">
+                <a16:creationId xmlns:a16="http://schemas.microsoft.com/office/drawing/2014/main" id="{FF8FA72B-CA99-4836-90EB-A84C93BA0573}"/>
+              </a:ext>
+            </a:extLst>
+          </p:cNvPr>
+          <p:cNvPicPr>
+            <a:picLocks noChangeAspect="1"/>
+          </p:cNvPicPr>
+          <p:nvPr/>
+        </p:nvPicPr>
+        <p:blipFill>
+          <a:blip r:embed="rId3"/>
+          <a:stretch>
+            <a:fillRect/>
+          </a:stretch>
+        </p:blipFill>
+        <p:spPr>
+          <a:xfrm>
+            <a:off x="2202933" y="640081"/>
+            <a:ext cx="3771932" cy="5314406"/>
+          </a:xfrm>
+          <a:prstGeom prst="rect">
+            <a:avLst/>
+          </a:prstGeom>
+        </p:spPr>
+      </p:pic>
+    </p:spTree>
+    <p:extLst>
+      <p:ext uri="{BB962C8B-B14F-4D97-AF65-F5344CB8AC3E}">
+        <p14:creationId xmlns:p14="http://schemas.microsoft.com/office/powerpoint/2010/main" val="1540434713"/>
+      </p:ext>
+    </p:extLst>
+  </p:cSld>
+  <p:clrMapOvr>
+    <a:masterClrMapping/>
+  </p:clrMapOvr>
+  <p:timing>
+    <p:tnLst>
+      <p:par>
+        <p:cTn id="1" dur="indefinite" restart="never" nodeType="tmRoot">
+          <p:childTnLst>
+            <p:seq concurrent="1" nextAc="seek">
+              <p:cTn id="2" dur="indefinite" nodeType="mainSeq">
+                <p:childTnLst>
+                  <p:par>
+                    <p:cTn id="3" fill="hold">
+                      <p:stCondLst>
+                        <p:cond delay="indefinite"/>
+                      </p:stCondLst>
+                      <p:childTnLst>
+                        <p:par>
+                          <p:cTn id="4" fill="hold">
+                            <p:stCondLst>
+                              <p:cond delay="0"/>
+                            </p:stCondLst>
+                            <p:childTnLst>
+                              <p:par>
+                                <p:cTn id="5" presetID="1" presetClass="entr" presetSubtype="0" fill="hold" nodeType="clickEffect">
+                                  <p:stCondLst>
+                                    <p:cond delay="0"/>
+                                  </p:stCondLst>
+                                  <p:childTnLst>
+                                    <p:set>
+                                      <p:cBhvr>
+                                        <p:cTn id="6" dur="1" fill="hold">
+                                          <p:stCondLst>
+                                            <p:cond delay="0"/>
+                                          </p:stCondLst>
+                                        </p:cTn>
+                                        <p:tgtEl>
+                                          <p:spTgt spid="4"/>
+                                        </p:tgtEl>
+                                        <p:attrNameLst>
+                                          <p:attrName>style.visibility</p:attrName>
+                                        </p:attrNameLst>
+                                      </p:cBhvr>
+                                      <p:to>
+                                        <p:strVal val="visible"/>
+                                      </p:to>
+                                    </p:set>
+                                  </p:childTnLst>
+                                </p:cTn>
+                              </p:par>
+                            </p:childTnLst>
+                          </p:cTn>
+                        </p:par>
+                      </p:childTnLst>
+                    </p:cTn>
+                  </p:par>
+                </p:childTnLst>
+              </p:cTn>
+              <p:prevCondLst>
+                <p:cond evt="onPrev" delay="0">
+                  <p:tgtEl>
+                    <p:sldTgt/>
+                  </p:tgtEl>
+                </p:cond>
+              </p:prevCondLst>
+              <p:nextCondLst>
+                <p:cond evt="onNext" delay="0">
+                  <p:tgtEl>
+                    <p:sldTgt/>
+                  </p:tgtEl>
+                </p:cond>
+              </p:nextCondLst>
+            </p:seq>
+          </p:childTnLst>
+        </p:cTn>
+      </p:par>
+    </p:tnLst>
+  </p:timing>
+</p:sld>
+</file>
+
+<file path=ppt/slides/slide8.xml><?xml version="1.0" encoding="utf-8"?>
+<p:sld xmlns:a="http://schemas.openxmlformats.org/drawingml/2006/main" xmlns:r="http://schemas.openxmlformats.org/officeDocument/2006/relationships" xmlns:p="http://schemas.openxmlformats.org/presentationml/2006/main">
+  <p:cSld>
+    <p:bg>
+      <p:bgPr>
+        <a:solidFill>
+          <a:schemeClr val="bg1"/>
+        </a:solidFill>
+        <a:effectLst/>
+      </p:bgPr>
+    </p:bg>
+    <p:spTree>
+      <p:nvGrpSpPr>
+        <p:cNvPr id="1" name=""/>
+        <p:cNvGrpSpPr/>
+        <p:nvPr/>
+      </p:nvGrpSpPr>
+      <p:grpSpPr>
+        <a:xfrm>
+          <a:off x="0" y="0"/>
+          <a:ext cx="0" cy="0"/>
+          <a:chOff x="0" y="0"/>
+          <a:chExt cx="0" cy="0"/>
+        </a:xfrm>
+      </p:grpSpPr>
+      <p:sp useBgFill="1">
+        <p:nvSpPr>
+          <p:cNvPr id="20" name="Rectangle 19">
+            <a:extLst>
+              <a:ext uri="{FF2B5EF4-FFF2-40B4-BE49-F238E27FC236}">
+                <a16:creationId xmlns:a16="http://schemas.microsoft.com/office/drawing/2014/main" id="{52ABB703-2B0E-4C3B-B4A2-F3973548E561}"/>
+              </a:ext>
+            </a:extLst>
+          </p:cNvPr>
+          <p:cNvSpPr>
+            <a:spLocks noGrp="1" noRot="1" noChangeAspect="1" noMove="1" noResize="1" noEditPoints="1" noAdjustHandles="1" noChangeArrowheads="1" noChangeShapeType="1" noTextEdit="1"/>
+          </p:cNvSpPr>
+          <p:nvPr>
+            <p:extLst>
+              <p:ext uri="{386F3935-93C4-4BCD-93E2-E3B085C9AB24}">
+                <p16:designElem xmlns:p16="http://schemas.microsoft.com/office/powerpoint/2015/main" val="1"/>
+              </p:ext>
+            </p:extLst>
+          </p:nvPr>
+        </p:nvSpPr>
+        <p:spPr>
+          <a:xfrm>
+            <a:off x="0" y="0"/>
+            <a:ext cx="12192001" cy="6334316"/>
+          </a:xfrm>
+          <a:prstGeom prst="rect">
+            <a:avLst/>
+          </a:prstGeom>
+          <a:ln>
+            <a:noFill/>
+          </a:ln>
+        </p:spPr>
+        <p:style>
+          <a:lnRef idx="2">
+            <a:schemeClr val="accent1">
+              <a:shade val="50000"/>
+            </a:schemeClr>
+          </a:lnRef>
+          <a:fillRef idx="1">
+            <a:schemeClr val="accent1"/>
+          </a:fillRef>
+          <a:effectRef idx="0">
+            <a:schemeClr val="accent1"/>
+          </a:effectRef>
+          <a:fontRef idx="minor">
+            <a:schemeClr val="lt1"/>
+          </a:fontRef>
+        </p:style>
+        <p:txBody>
+          <a:bodyPr rtlCol="0" anchor="ctr"/>
+          <a:lstStyle/>
+          <a:p>
+            <a:pPr algn="ctr"/>
+            <a:endParaRPr lang="en-US"/>
+          </a:p>
+        </p:txBody>
+      </p:sp>
+      <p:sp>
+        <p:nvSpPr>
+          <p:cNvPr id="22" name="Rectangle 21">
+            <a:extLst>
+              <a:ext uri="{FF2B5EF4-FFF2-40B4-BE49-F238E27FC236}">
+                <a16:creationId xmlns:a16="http://schemas.microsoft.com/office/drawing/2014/main" id="{82A73093-4B9D-420D-B17E-52293703A1D4}"/>
+              </a:ext>
+            </a:extLst>
+          </p:cNvPr>
+          <p:cNvSpPr>
+            <a:spLocks noGrp="1" noRot="1" noChangeAspect="1" noMove="1" noResize="1" noEditPoints="1" noAdjustHandles="1" noChangeArrowheads="1" noChangeShapeType="1" noTextEdit="1"/>
+          </p:cNvSpPr>
+          <p:nvPr>
+            <p:extLst>
+              <p:ext uri="{386F3935-93C4-4BCD-93E2-E3B085C9AB24}">
+                <p16:designElem xmlns:p16="http://schemas.microsoft.com/office/powerpoint/2015/main" val="1"/>
+              </p:ext>
+            </p:extLst>
+          </p:nvPr>
+        </p:nvSpPr>
+        <p:spPr>
+          <a:xfrm>
+            <a:off x="1" y="6400800"/>
+            <a:ext cx="12192000" cy="457200"/>
+          </a:xfrm>
+          <a:prstGeom prst="rect">
+            <a:avLst/>
+          </a:prstGeom>
+          <a:solidFill>
+            <a:schemeClr val="accent2"/>
+          </a:solidFill>
+          <a:ln>
+            <a:noFill/>
+          </a:ln>
+        </p:spPr>
+        <p:style>
+          <a:lnRef idx="2">
+            <a:schemeClr val="accent1">
+              <a:shade val="50000"/>
+            </a:schemeClr>
+          </a:lnRef>
+          <a:fillRef idx="1">
+            <a:schemeClr val="accent1"/>
+          </a:fillRef>
+          <a:effectRef idx="0">
+            <a:schemeClr val="accent1"/>
+          </a:effectRef>
+          <a:fontRef idx="minor">
+            <a:schemeClr val="lt1"/>
+          </a:fontRef>
+        </p:style>
+      </p:sp>
+      <p:sp>
+        <p:nvSpPr>
+          <p:cNvPr id="24" name="Rectangle 23">
+            <a:extLst>
+              <a:ext uri="{FF2B5EF4-FFF2-40B4-BE49-F238E27FC236}">
+                <a16:creationId xmlns:a16="http://schemas.microsoft.com/office/drawing/2014/main" id="{E95DA498-D9A2-4DA9-B9DA-B3776E08CF7E}"/>
+              </a:ext>
+            </a:extLst>
+          </p:cNvPr>
+          <p:cNvSpPr>
+            <a:spLocks noGrp="1" noRot="1" noChangeAspect="1" noMove="1" noResize="1" noEditPoints="1" noAdjustHandles="1" noChangeArrowheads="1" noChangeShapeType="1" noTextEdit="1"/>
+          </p:cNvSpPr>
+          <p:nvPr>
+            <p:extLst>
+              <p:ext uri="{386F3935-93C4-4BCD-93E2-E3B085C9AB24}">
+                <p16:designElem xmlns:p16="http://schemas.microsoft.com/office/powerpoint/2015/main" val="1"/>
+              </p:ext>
+            </p:extLst>
+          </p:nvPr>
+        </p:nvSpPr>
+        <p:spPr>
+          <a:xfrm>
+            <a:off x="15" y="6334316"/>
+            <a:ext cx="12191985" cy="66484"/>
+          </a:xfrm>
+          <a:prstGeom prst="rect">
+            <a:avLst/>
+          </a:prstGeom>
+          <a:solidFill>
+            <a:schemeClr val="accent1"/>
+          </a:solidFill>
+          <a:ln>
+            <a:noFill/>
+          </a:ln>
+        </p:spPr>
+        <p:style>
+          <a:lnRef idx="2">
+            <a:schemeClr val="accent1">
+              <a:shade val="50000"/>
+            </a:schemeClr>
+          </a:lnRef>
+          <a:fillRef idx="1">
+            <a:schemeClr val="accent1"/>
+          </a:fillRef>
+          <a:effectRef idx="0">
+            <a:schemeClr val="accent1"/>
+          </a:effectRef>
+          <a:fontRef idx="minor">
+            <a:schemeClr val="lt1"/>
+          </a:fontRef>
+        </p:style>
+      </p:sp>
+      <p:cxnSp>
+        <p:nvCxnSpPr>
+          <p:cNvPr id="26" name="Straight Connector 25">
+            <a:extLst>
+              <a:ext uri="{FF2B5EF4-FFF2-40B4-BE49-F238E27FC236}">
+                <a16:creationId xmlns:a16="http://schemas.microsoft.com/office/drawing/2014/main" id="{9C21570E-E159-49A6-9891-FA397B7A92D3}"/>
+              </a:ext>
+            </a:extLst>
+          </p:cNvPr>
+          <p:cNvCxnSpPr>
+            <a:cxnSpLocks noGrp="1" noRot="1" noChangeAspect="1" noMove="1" noResize="1" noEditPoints="1" noAdjustHandles="1" noChangeArrowheads="1" noChangeShapeType="1"/>
+          </p:cNvCxnSpPr>
+          <p:nvPr>
+            <p:extLst>
+              <p:ext uri="{386F3935-93C4-4BCD-93E2-E3B085C9AB24}">
+                <p16:designElem xmlns:p16="http://schemas.microsoft.com/office/powerpoint/2015/main" val="1"/>
+              </p:ext>
+            </p:extLst>
+          </p:nvPr>
+        </p:nvCxnSpPr>
+        <p:spPr>
+          <a:xfrm>
+            <a:off x="6411684" y="2086188"/>
+            <a:ext cx="4748808" cy="0"/>
+          </a:xfrm>
+          <a:prstGeom prst="line">
+            <a:avLst/>
+          </a:prstGeom>
+          <a:ln w="6350">
+            <a:solidFill>
+              <a:schemeClr val="tx1">
+                <a:lumMod val="50000"/>
+                <a:lumOff val="50000"/>
+                <a:alpha val="90000"/>
+              </a:schemeClr>
+            </a:solidFill>
+          </a:ln>
+        </p:spPr>
+        <p:style>
+          <a:lnRef idx="1">
+            <a:schemeClr val="accent1"/>
+          </a:lnRef>
+          <a:fillRef idx="0">
+            <a:schemeClr val="accent1"/>
+          </a:fillRef>
+          <a:effectRef idx="0">
+            <a:schemeClr val="accent1"/>
+          </a:effectRef>
+          <a:fontRef idx="minor">
+            <a:schemeClr val="tx1"/>
+          </a:fontRef>
+        </p:style>
+      </p:cxnSp>
+      <p:pic>
+        <p:nvPicPr>
+          <p:cNvPr id="10" name="รูปภาพ 9" descr="รูปภาพประกอบด้วย ภาพหน้าจอ&#10;&#10;คำอธิบายที่สร้างขึ้นโดยมีความน่าเชื่อถือสูงมาก">
+            <a:extLst>
+              <a:ext uri="{FF2B5EF4-FFF2-40B4-BE49-F238E27FC236}">
+                <a16:creationId xmlns:a16="http://schemas.microsoft.com/office/drawing/2014/main" id="{5F6DF8D2-6F13-46A4-8C58-3E381900E174}"/>
+              </a:ext>
+            </a:extLst>
+          </p:cNvPr>
+          <p:cNvPicPr>
+            <a:picLocks noChangeAspect="1"/>
+          </p:cNvPicPr>
+          <p:nvPr/>
+        </p:nvPicPr>
+        <p:blipFill>
+          <a:blip r:embed="rId2"/>
+          <a:stretch>
+            <a:fillRect/>
+          </a:stretch>
+        </p:blipFill>
+        <p:spPr>
+          <a:xfrm>
+            <a:off x="1506695" y="645106"/>
+            <a:ext cx="3724620" cy="5247747"/>
+          </a:xfrm>
+          <a:prstGeom prst="rect">
+            <a:avLst/>
+          </a:prstGeom>
+        </p:spPr>
+      </p:pic>
+      <p:sp>
+        <p:nvSpPr>
+          <p:cNvPr id="2" name="ชื่อเรื่อง 1">
+            <a:extLst>
+              <a:ext uri="{FF2B5EF4-FFF2-40B4-BE49-F238E27FC236}">
+                <a16:creationId xmlns:a16="http://schemas.microsoft.com/office/drawing/2014/main" id="{D83B59C7-93AD-4165-9935-D6A351676C45}"/>
+              </a:ext>
+            </a:extLst>
+          </p:cNvPr>
+          <p:cNvSpPr>
+            <a:spLocks noGrp="1"/>
+          </p:cNvSpPr>
+          <p:nvPr>
+            <p:ph type="title"/>
+          </p:nvPr>
+        </p:nvSpPr>
+        <p:spPr>
+          <a:xfrm>
+            <a:off x="6411685" y="634946"/>
+            <a:ext cx="5127171" cy="1450757"/>
+          </a:xfrm>
+        </p:spPr>
+        <p:txBody>
+          <a:bodyPr>
+            <a:normAutofit/>
+          </a:bodyPr>
+          <a:lstStyle/>
+          <a:p>
+            <a:r>
+              <a:rPr lang="th-TH" dirty="0"/>
+              <a:t>เพิ่มการแจ้งเตือน</a:t>
+            </a:r>
+          </a:p>
+        </p:txBody>
+      </p:sp>
+      <p:sp>
+        <p:nvSpPr>
+          <p:cNvPr id="3" name="ตัวแทนเนื้อหา 2">
+            <a:extLst>
+              <a:ext uri="{FF2B5EF4-FFF2-40B4-BE49-F238E27FC236}">
+                <a16:creationId xmlns:a16="http://schemas.microsoft.com/office/drawing/2014/main" id="{810F9BF5-297F-45CD-B911-AF711474F352}"/>
+              </a:ext>
+            </a:extLst>
+          </p:cNvPr>
+          <p:cNvSpPr>
+            <a:spLocks noGrp="1"/>
+          </p:cNvSpPr>
+          <p:nvPr>
+            <p:ph idx="1"/>
+          </p:nvPr>
+        </p:nvSpPr>
+        <p:spPr>
+          <a:xfrm>
+            <a:off x="6411684" y="2198914"/>
+            <a:ext cx="5127172" cy="3670180"/>
+          </a:xfrm>
+        </p:spPr>
+        <p:txBody>
+          <a:bodyPr>
+            <a:normAutofit/>
+          </a:bodyPr>
+          <a:lstStyle/>
+          <a:p>
+            <a:pPr marL="0" indent="0">
+              <a:buNone/>
+            </a:pPr>
+            <a:r>
+              <a:rPr lang="th-TH" dirty="0"/>
+              <a:t>คลิกเลือกชั่วโมง นาที แล้วบันทึก</a:t>
+            </a:r>
+          </a:p>
+          <a:p>
+            <a:pPr marL="0" indent="0">
+              <a:buNone/>
+            </a:pPr>
+            <a:r>
+              <a:rPr lang="th-TH" dirty="0"/>
+              <a:t>แล้วกดเลือกวันในสัปดาห์ แล้วต้องกดเลือกให้ เปิดใช้งานหรือไม่</a:t>
+            </a:r>
+          </a:p>
+        </p:txBody>
+      </p:sp>
+      <p:pic>
+        <p:nvPicPr>
+          <p:cNvPr id="14" name="รูปภาพ 13">
+            <a:extLst>
+              <a:ext uri="{FF2B5EF4-FFF2-40B4-BE49-F238E27FC236}">
+                <a16:creationId xmlns:a16="http://schemas.microsoft.com/office/drawing/2014/main" id="{56C2F432-1E4F-4F3D-B9CD-27066C3A9EA9}"/>
+              </a:ext>
+            </a:extLst>
+          </p:cNvPr>
+          <p:cNvPicPr>
+            <a:picLocks noChangeAspect="1"/>
+          </p:cNvPicPr>
+          <p:nvPr/>
+        </p:nvPicPr>
+        <p:blipFill>
+          <a:blip r:embed="rId3"/>
+          <a:stretch>
+            <a:fillRect/>
+          </a:stretch>
+        </p:blipFill>
+        <p:spPr>
+          <a:xfrm>
+            <a:off x="2802267" y="2309772"/>
+            <a:ext cx="1133475" cy="1266825"/>
+          </a:xfrm>
+          <a:prstGeom prst="rect">
+            <a:avLst/>
+          </a:prstGeom>
+        </p:spPr>
+      </p:pic>
+    </p:spTree>
+    <p:extLst>
+      <p:ext uri="{BB962C8B-B14F-4D97-AF65-F5344CB8AC3E}">
+        <p14:creationId xmlns:p14="http://schemas.microsoft.com/office/powerpoint/2010/main" val="1355966706"/>
+      </p:ext>
+    </p:extLst>
+  </p:cSld>
+  <p:clrMapOvr>
+    <a:masterClrMapping/>
+  </p:clrMapOvr>
+  <p:timing>
+    <p:tnLst>
+      <p:par>
+        <p:cTn id="1" dur="indefinite" restart="never" nodeType="tmRoot">
+          <p:childTnLst>
+            <p:seq concurrent="1" nextAc="seek">
+              <p:cTn id="2" dur="indefinite" nodeType="mainSeq">
+                <p:childTnLst>
+                  <p:par>
+                    <p:cTn id="3" fill="hold">
+                      <p:stCondLst>
+                        <p:cond delay="indefinite"/>
+                      </p:stCondLst>
+                      <p:childTnLst>
+                        <p:par>
+                          <p:cTn id="4" fill="hold">
+                            <p:stCondLst>
+                              <p:cond delay="0"/>
+                            </p:stCondLst>
+                            <p:childTnLst>
+                              <p:par>
+                                <p:cTn id="5" presetID="1" presetClass="entr" presetSubtype="0" fill="hold" nodeType="clickEffect">
+                                  <p:stCondLst>
+                                    <p:cond delay="0"/>
+                                  </p:stCondLst>
+                                  <p:childTnLst>
+                                    <p:set>
+                                      <p:cBhvr>
+                                        <p:cTn id="6" dur="1" fill="hold">
+                                          <p:stCondLst>
+                                            <p:cond delay="0"/>
+                                          </p:stCondLst>
+                                        </p:cTn>
+                                        <p:tgtEl>
+                                          <p:spTgt spid="14"/>
+                                        </p:tgtEl>
+                                        <p:attrNameLst>
+                                          <p:attrName>style.visibility</p:attrName>
+                                        </p:attrNameLst>
+                                      </p:cBhvr>
+                                      <p:to>
+                                        <p:strVal val="visible"/>
+                                      </p:to>
+                                    </p:set>
+                                  </p:childTnLst>
+                                </p:cTn>
+                              </p:par>
+                            </p:childTnLst>
+                          </p:cTn>
+                        </p:par>
+                      </p:childTnLst>
+                    </p:cTn>
+                  </p:par>
+                </p:childTnLst>
+              </p:cTn>
+              <p:prevCondLst>
+                <p:cond evt="onPrev" delay="0">
+                  <p:tgtEl>
+                    <p:sldTgt/>
+                  </p:tgtEl>
+                </p:cond>
+              </p:prevCondLst>
+              <p:nextCondLst>
+                <p:cond evt="onNext" delay="0">
+                  <p:tgtEl>
+                    <p:sldTgt/>
+                  </p:tgtEl>
+                </p:cond>
+              </p:nextCondLst>
+            </p:seq>
+          </p:childTnLst>
+        </p:cTn>
+      </p:par>
+    </p:tnLst>
+  </p:timing>
+</p:sld>
+</file>
+
+<file path=ppt/slides/slide9.xml><?xml version="1.0" encoding="utf-8"?>
 <p:sld xmlns:a="http://schemas.openxmlformats.org/drawingml/2006/main" xmlns:r="http://schemas.openxmlformats.org/officeDocument/2006/relationships" xmlns:p="http://schemas.openxmlformats.org/presentationml/2006/main">
   <p:cSld>
     <p:spTree>
@@ -4400,7 +6093,7 @@
           <p:cNvPr id="2" name="ชื่อเรื่อง 1">
             <a:extLst>
               <a:ext uri="{FF2B5EF4-FFF2-40B4-BE49-F238E27FC236}">
-                <a16:creationId xmlns:a16="http://schemas.microsoft.com/office/drawing/2014/main" id="{D83B59C7-93AD-4165-9935-D6A351676C45}"/>
+                <a16:creationId xmlns:a16="http://schemas.microsoft.com/office/drawing/2014/main" id="{682ABBA8-2AA2-4531-9972-6F6EF9E05435}"/>
               </a:ext>
             </a:extLst>
           </p:cNvPr>
@@ -4420,201 +6113,245 @@
           </a:p>
         </p:txBody>
       </p:sp>
-      <p:sp>
-        <p:nvSpPr>
-          <p:cNvPr id="3" name="ตัวแทนเนื้อหา 2">
+      <p:pic>
+        <p:nvPicPr>
+          <p:cNvPr id="6" name="ตัวแทนเนื้อหา 5">
             <a:extLst>
               <a:ext uri="{FF2B5EF4-FFF2-40B4-BE49-F238E27FC236}">
-                <a16:creationId xmlns:a16="http://schemas.microsoft.com/office/drawing/2014/main" id="{810F9BF5-297F-45CD-B911-AF711474F352}"/>
+                <a16:creationId xmlns:a16="http://schemas.microsoft.com/office/drawing/2014/main" id="{06DF40E0-689C-4C58-BD0D-62BA36AC0A7D}"/>
               </a:ext>
             </a:extLst>
           </p:cNvPr>
-          <p:cNvSpPr>
-            <a:spLocks noGrp="1"/>
-          </p:cNvSpPr>
+          <p:cNvPicPr>
+            <a:picLocks noGrp="1" noChangeAspect="1"/>
+          </p:cNvPicPr>
           <p:nvPr>
             <p:ph idx="1"/>
           </p:nvPr>
-        </p:nvSpPr>
-        <p:spPr/>
-        <p:txBody>
-          <a:bodyPr/>
-          <a:lstStyle/>
-          <a:p>
-            <a:endParaRPr lang="th-TH"/>
-          </a:p>
-        </p:txBody>
-      </p:sp>
+        </p:nvPicPr>
+        <p:blipFill>
+          <a:blip r:embed="rId4"/>
+          <a:stretch>
+            <a:fillRect/>
+          </a:stretch>
+        </p:blipFill>
+        <p:spPr>
+          <a:xfrm>
+            <a:off x="649522" y="0"/>
+            <a:ext cx="11251745" cy="6326018"/>
+          </a:xfrm>
+        </p:spPr>
+      </p:pic>
+      <p:pic>
+        <p:nvPicPr>
+          <p:cNvPr id="4" name="รูปภาพ 3">
+            <a:extLst>
+              <a:ext uri="{FF2B5EF4-FFF2-40B4-BE49-F238E27FC236}">
+                <a16:creationId xmlns:a16="http://schemas.microsoft.com/office/drawing/2014/main" id="{23021FC2-2BDD-4C91-9E8A-2113CCF47603}"/>
+              </a:ext>
+            </a:extLst>
+          </p:cNvPr>
+          <p:cNvPicPr>
+            <a:picLocks noChangeAspect="1"/>
+          </p:cNvPicPr>
+          <p:nvPr/>
+        </p:nvPicPr>
+        <p:blipFill>
+          <a:blip r:embed="rId5"/>
+          <a:stretch>
+            <a:fillRect/>
+          </a:stretch>
+        </p:blipFill>
+        <p:spPr>
+          <a:xfrm>
+            <a:off x="5391150" y="2705100"/>
+            <a:ext cx="1409700" cy="1447800"/>
+          </a:xfrm>
+          <a:prstGeom prst="rect">
+            <a:avLst/>
+          </a:prstGeom>
+        </p:spPr>
+      </p:pic>
+      <p:pic>
+        <p:nvPicPr>
+          <p:cNvPr id="7" name="funky-breakbeat_102bpm_F_major">
+            <a:hlinkClick r:id="" action="ppaction://media"/>
+            <a:extLst>
+              <a:ext uri="{FF2B5EF4-FFF2-40B4-BE49-F238E27FC236}">
+                <a16:creationId xmlns:a16="http://schemas.microsoft.com/office/drawing/2014/main" id="{153CC62A-1E67-42CA-95FB-B6C4471F7E3B}"/>
+              </a:ext>
+            </a:extLst>
+          </p:cNvPr>
+          <p:cNvPicPr>
+            <a:picLocks noChangeAspect="1"/>
+          </p:cNvPicPr>
+          <p:nvPr>
+            <a:audioFile r:link="rId2"/>
+            <p:extLst>
+              <p:ext uri="{DAA4B4D4-6D71-4841-9C94-3DE7FCFB9230}">
+                <p14:media xmlns:p14="http://schemas.microsoft.com/office/powerpoint/2010/main" r:embed="rId1"/>
+              </p:ext>
+            </p:extLst>
+          </p:nvPr>
+        </p:nvPicPr>
+        <p:blipFill>
+          <a:blip r:embed="rId6"/>
+          <a:stretch>
+            <a:fillRect/>
+          </a:stretch>
+        </p:blipFill>
+        <p:spPr>
+          <a:xfrm>
+            <a:off x="39922" y="6248400"/>
+            <a:ext cx="609600" cy="609600"/>
+          </a:xfrm>
+          <a:prstGeom prst="rect">
+            <a:avLst/>
+          </a:prstGeom>
+        </p:spPr>
+      </p:pic>
     </p:spTree>
     <p:extLst>
       <p:ext uri="{BB962C8B-B14F-4D97-AF65-F5344CB8AC3E}">
-        <p14:creationId xmlns:p14="http://schemas.microsoft.com/office/powerpoint/2010/main" val="1985116907"/>
+        <p14:creationId xmlns:p14="http://schemas.microsoft.com/office/powerpoint/2010/main" val="4090969752"/>
       </p:ext>
     </p:extLst>
   </p:cSld>
   <p:clrMapOvr>
     <a:masterClrMapping/>
   </p:clrMapOvr>
-</p:sld>
-</file>
-
-<file path=ppt/slides/slide6.xml><?xml version="1.0" encoding="utf-8"?>
-<p:sld xmlns:a="http://schemas.openxmlformats.org/drawingml/2006/main" xmlns:r="http://schemas.openxmlformats.org/officeDocument/2006/relationships" xmlns:p="http://schemas.openxmlformats.org/presentationml/2006/main">
-  <p:cSld>
-    <p:spTree>
-      <p:nvGrpSpPr>
-        <p:cNvPr id="1" name=""/>
-        <p:cNvGrpSpPr/>
-        <p:nvPr/>
-      </p:nvGrpSpPr>
-      <p:grpSpPr>
-        <a:xfrm>
-          <a:off x="0" y="0"/>
-          <a:ext cx="0" cy="0"/>
-          <a:chOff x="0" y="0"/>
-          <a:chExt cx="0" cy="0"/>
-        </a:xfrm>
-      </p:grpSpPr>
-      <p:sp>
-        <p:nvSpPr>
-          <p:cNvPr id="2" name="ชื่อเรื่อง 1">
-            <a:extLst>
-              <a:ext uri="{FF2B5EF4-FFF2-40B4-BE49-F238E27FC236}">
-                <a16:creationId xmlns:a16="http://schemas.microsoft.com/office/drawing/2014/main" id="{D83B59C7-93AD-4165-9935-D6A351676C45}"/>
-              </a:ext>
-            </a:extLst>
-          </p:cNvPr>
-          <p:cNvSpPr>
-            <a:spLocks noGrp="1"/>
-          </p:cNvSpPr>
-          <p:nvPr>
-            <p:ph type="title"/>
-          </p:nvPr>
-        </p:nvSpPr>
-        <p:spPr/>
-        <p:txBody>
-          <a:bodyPr/>
-          <a:lstStyle/>
-          <a:p>
-            <a:endParaRPr lang="th-TH"/>
-          </a:p>
-        </p:txBody>
-      </p:sp>
-      <p:sp>
-        <p:nvSpPr>
-          <p:cNvPr id="3" name="ตัวแทนเนื้อหา 2">
-            <a:extLst>
-              <a:ext uri="{FF2B5EF4-FFF2-40B4-BE49-F238E27FC236}">
-                <a16:creationId xmlns:a16="http://schemas.microsoft.com/office/drawing/2014/main" id="{810F9BF5-297F-45CD-B911-AF711474F352}"/>
-              </a:ext>
-            </a:extLst>
-          </p:cNvPr>
-          <p:cNvSpPr>
-            <a:spLocks noGrp="1"/>
-          </p:cNvSpPr>
-          <p:nvPr>
-            <p:ph idx="1"/>
-          </p:nvPr>
-        </p:nvSpPr>
-        <p:spPr/>
-        <p:txBody>
-          <a:bodyPr/>
-          <a:lstStyle/>
-          <a:p>
-            <a:endParaRPr lang="th-TH"/>
-          </a:p>
-        </p:txBody>
-      </p:sp>
-    </p:spTree>
-    <p:extLst>
-      <p:ext uri="{BB962C8B-B14F-4D97-AF65-F5344CB8AC3E}">
-        <p14:creationId xmlns:p14="http://schemas.microsoft.com/office/powerpoint/2010/main" val="1540434713"/>
-      </p:ext>
-    </p:extLst>
-  </p:cSld>
-  <p:clrMapOvr>
-    <a:masterClrMapping/>
-  </p:clrMapOvr>
-</p:sld>
-</file>
-
-<file path=ppt/slides/slide7.xml><?xml version="1.0" encoding="utf-8"?>
-<p:sld xmlns:a="http://schemas.openxmlformats.org/drawingml/2006/main" xmlns:r="http://schemas.openxmlformats.org/officeDocument/2006/relationships" xmlns:p="http://schemas.openxmlformats.org/presentationml/2006/main">
-  <p:cSld>
-    <p:spTree>
-      <p:nvGrpSpPr>
-        <p:cNvPr id="1" name=""/>
-        <p:cNvGrpSpPr/>
-        <p:nvPr/>
-      </p:nvGrpSpPr>
-      <p:grpSpPr>
-        <a:xfrm>
-          <a:off x="0" y="0"/>
-          <a:ext cx="0" cy="0"/>
-          <a:chOff x="0" y="0"/>
-          <a:chExt cx="0" cy="0"/>
-        </a:xfrm>
-      </p:grpSpPr>
-      <p:sp>
-        <p:nvSpPr>
-          <p:cNvPr id="2" name="ชื่อเรื่อง 1">
-            <a:extLst>
-              <a:ext uri="{FF2B5EF4-FFF2-40B4-BE49-F238E27FC236}">
-                <a16:creationId xmlns:a16="http://schemas.microsoft.com/office/drawing/2014/main" id="{D83B59C7-93AD-4165-9935-D6A351676C45}"/>
-              </a:ext>
-            </a:extLst>
-          </p:cNvPr>
-          <p:cNvSpPr>
-            <a:spLocks noGrp="1"/>
-          </p:cNvSpPr>
-          <p:nvPr>
-            <p:ph type="title"/>
-          </p:nvPr>
-        </p:nvSpPr>
-        <p:spPr/>
-        <p:txBody>
-          <a:bodyPr/>
-          <a:lstStyle/>
-          <a:p>
-            <a:endParaRPr lang="th-TH"/>
-          </a:p>
-        </p:txBody>
-      </p:sp>
-      <p:sp>
-        <p:nvSpPr>
-          <p:cNvPr id="3" name="ตัวแทนเนื้อหา 2">
-            <a:extLst>
-              <a:ext uri="{FF2B5EF4-FFF2-40B4-BE49-F238E27FC236}">
-                <a16:creationId xmlns:a16="http://schemas.microsoft.com/office/drawing/2014/main" id="{810F9BF5-297F-45CD-B911-AF711474F352}"/>
-              </a:ext>
-            </a:extLst>
-          </p:cNvPr>
-          <p:cNvSpPr>
-            <a:spLocks noGrp="1"/>
-          </p:cNvSpPr>
-          <p:nvPr>
-            <p:ph idx="1"/>
-          </p:nvPr>
-        </p:nvSpPr>
-        <p:spPr/>
-        <p:txBody>
-          <a:bodyPr/>
-          <a:lstStyle/>
-          <a:p>
-            <a:endParaRPr lang="th-TH"/>
-          </a:p>
-        </p:txBody>
-      </p:sp>
-    </p:spTree>
-    <p:extLst>
-      <p:ext uri="{BB962C8B-B14F-4D97-AF65-F5344CB8AC3E}">
-        <p14:creationId xmlns:p14="http://schemas.microsoft.com/office/powerpoint/2010/main" val="199095912"/>
-      </p:ext>
-    </p:extLst>
-  </p:cSld>
-  <p:clrMapOvr>
-    <a:masterClrMapping/>
-  </p:clrMapOvr>
+  <p:timing>
+    <p:tnLst>
+      <p:par>
+        <p:cTn id="1" dur="indefinite" restart="never" nodeType="tmRoot">
+          <p:childTnLst>
+            <p:seq concurrent="1" nextAc="seek">
+              <p:cTn id="2" dur="indefinite" nodeType="mainSeq">
+                <p:childTnLst>
+                  <p:par>
+                    <p:cTn id="3" fill="hold">
+                      <p:stCondLst>
+                        <p:cond delay="indefinite"/>
+                        <p:cond evt="onBegin" delay="0">
+                          <p:tn val="2"/>
+                        </p:cond>
+                      </p:stCondLst>
+                      <p:childTnLst>
+                        <p:par>
+                          <p:cTn id="4" fill="hold">
+                            <p:stCondLst>
+                              <p:cond delay="0"/>
+                            </p:stCondLst>
+                            <p:childTnLst>
+                              <p:par>
+                                <p:cTn id="5" presetID="1" presetClass="mediacall" presetSubtype="0" fill="hold" nodeType="afterEffect">
+                                  <p:stCondLst>
+                                    <p:cond delay="0"/>
+                                  </p:stCondLst>
+                                  <p:childTnLst>
+                                    <p:cmd type="call" cmd="playFrom(0.0)">
+                                      <p:cBhvr>
+                                        <p:cTn id="6" dur="9411" fill="hold"/>
+                                        <p:tgtEl>
+                                          <p:spTgt spid="7"/>
+                                        </p:tgtEl>
+                                      </p:cBhvr>
+                                    </p:cmd>
+                                  </p:childTnLst>
+                                </p:cTn>
+                              </p:par>
+                            </p:childTnLst>
+                          </p:cTn>
+                        </p:par>
+                      </p:childTnLst>
+                    </p:cTn>
+                  </p:par>
+                  <p:par>
+                    <p:cTn id="7" fill="hold">
+                      <p:stCondLst>
+                        <p:cond delay="indefinite"/>
+                      </p:stCondLst>
+                      <p:childTnLst>
+                        <p:par>
+                          <p:cTn id="8" fill="hold">
+                            <p:stCondLst>
+                              <p:cond delay="0"/>
+                            </p:stCondLst>
+                            <p:childTnLst>
+                              <p:par>
+                                <p:cTn id="9" presetID="1" presetClass="entr" presetSubtype="0" fill="hold" nodeType="clickEffect">
+                                  <p:stCondLst>
+                                    <p:cond delay="0"/>
+                                  </p:stCondLst>
+                                  <p:childTnLst>
+                                    <p:set>
+                                      <p:cBhvr>
+                                        <p:cTn id="10" dur="1" fill="hold">
+                                          <p:stCondLst>
+                                            <p:cond delay="0"/>
+                                          </p:stCondLst>
+                                        </p:cTn>
+                                        <p:tgtEl>
+                                          <p:spTgt spid="4"/>
+                                        </p:tgtEl>
+                                        <p:attrNameLst>
+                                          <p:attrName>style.visibility</p:attrName>
+                                        </p:attrNameLst>
+                                      </p:cBhvr>
+                                      <p:to>
+                                        <p:strVal val="visible"/>
+                                      </p:to>
+                                    </p:set>
+                                  </p:childTnLst>
+                                </p:cTn>
+                              </p:par>
+                            </p:childTnLst>
+                          </p:cTn>
+                        </p:par>
+                      </p:childTnLst>
+                    </p:cTn>
+                  </p:par>
+                </p:childTnLst>
+              </p:cTn>
+              <p:prevCondLst>
+                <p:cond evt="onPrev" delay="0">
+                  <p:tgtEl>
+                    <p:sldTgt/>
+                  </p:tgtEl>
+                </p:cond>
+              </p:prevCondLst>
+              <p:nextCondLst>
+                <p:cond evt="onNext" delay="0">
+                  <p:tgtEl>
+                    <p:sldTgt/>
+                  </p:tgtEl>
+                </p:cond>
+              </p:nextCondLst>
+            </p:seq>
+            <p:audio>
+              <p:cMediaNode vol="80000" showWhenStopped="0">
+                <p:cTn id="11" fill="hold" display="0">
+                  <p:stCondLst>
+                    <p:cond delay="indefinite"/>
+                  </p:stCondLst>
+                  <p:endCondLst>
+                    <p:cond evt="onStopAudio" delay="0">
+                      <p:tgtEl>
+                        <p:sldTgt/>
+                      </p:tgtEl>
+                    </p:cond>
+                  </p:endCondLst>
+                </p:cTn>
+                <p:tgtEl>
+                  <p:spTgt spid="7"/>
+                </p:tgtEl>
+              </p:cMediaNode>
+            </p:audio>
+          </p:childTnLst>
+        </p:cTn>
+      </p:par>
+    </p:tnLst>
+  </p:timing>
 </p:sld>
 </file>
 

--- a/งานนำเสนอ.pptx
+++ b/งานนำเสนอ.pptx
@@ -7,14 +7,23 @@
   <p:sldIdLst>
     <p:sldId id="256" r:id="rId2"/>
     <p:sldId id="257" r:id="rId3"/>
-    <p:sldId id="258" r:id="rId4"/>
-    <p:sldId id="263" r:id="rId5"/>
-    <p:sldId id="259" r:id="rId6"/>
-    <p:sldId id="260" r:id="rId7"/>
-    <p:sldId id="261" r:id="rId8"/>
-    <p:sldId id="266" r:id="rId9"/>
-    <p:sldId id="264" r:id="rId10"/>
-    <p:sldId id="265" r:id="rId11"/>
+    <p:sldId id="270" r:id="rId4"/>
+    <p:sldId id="269" r:id="rId5"/>
+    <p:sldId id="271" r:id="rId6"/>
+    <p:sldId id="258" r:id="rId7"/>
+    <p:sldId id="272" r:id="rId8"/>
+    <p:sldId id="273" r:id="rId9"/>
+    <p:sldId id="275" r:id="rId10"/>
+    <p:sldId id="276" r:id="rId11"/>
+    <p:sldId id="263" r:id="rId12"/>
+    <p:sldId id="259" r:id="rId13"/>
+    <p:sldId id="260" r:id="rId14"/>
+    <p:sldId id="261" r:id="rId15"/>
+    <p:sldId id="266" r:id="rId16"/>
+    <p:sldId id="264" r:id="rId17"/>
+    <p:sldId id="267" r:id="rId18"/>
+    <p:sldId id="268" r:id="rId19"/>
+    <p:sldId id="265" r:id="rId20"/>
   </p:sldIdLst>
   <p:sldSz cx="12192000" cy="6858000"/>
   <p:notesSz cx="6858000" cy="9144000"/>
@@ -3782,13 +3791,18 @@
             <p:ph type="ctrTitle"/>
           </p:nvPr>
         </p:nvSpPr>
-        <p:spPr/>
+        <p:spPr>
+          <a:xfrm>
+            <a:off x="1097280" y="758952"/>
+            <a:ext cx="10058400" cy="3566160"/>
+          </a:xfrm>
+        </p:spPr>
         <p:txBody>
           <a:bodyPr/>
           <a:lstStyle/>
           <a:p>
             <a:r>
-              <a:rPr lang="en-US" dirty="0" err="1"/>
+              <a:rPr lang="en-US"/>
               <a:t>TimeNone</a:t>
             </a:r>
             <a:endParaRPr lang="th-TH" dirty="0"/>
@@ -3824,38 +3838,38 @@
           <a:lstStyle/>
           <a:p>
             <a:r>
-              <a:rPr lang="th-TH" dirty="0"/>
-              <a:t>นาย วรรณพงษ์  </a:t>
+              <a:rPr lang="th-TH">
+                <a:solidFill>
+                  <a:schemeClr val="tx1"/>
+                </a:solidFill>
+              </a:rPr>
+              <a:t>นาย วรรณพงษ์  ภัททิยไพบูลย์	รหัส 603410214-3</a:t>
             </a:r>
+          </a:p>
+          <a:p>
             <a:r>
-              <a:rPr lang="th-TH" dirty="0" err="1"/>
-              <a:t>ภั</a:t>
-            </a:r>
-            <a:r>
-              <a:rPr lang="th-TH" dirty="0"/>
-              <a:t>ทท</a:t>
-            </a:r>
-            <a:r>
-              <a:rPr lang="th-TH" dirty="0" err="1"/>
-              <a:t>ิย</a:t>
-            </a:r>
-            <a:r>
-              <a:rPr lang="th-TH" dirty="0"/>
-              <a:t>ไพบูลย์</a:t>
-            </a:r>
-          </a:p>
-          <a:p>
-            <a:r>
-              <a:rPr lang="th-TH" dirty="0"/>
+              <a:rPr lang="th-TH">
+                <a:solidFill>
+                  <a:schemeClr val="tx1"/>
+                </a:solidFill>
+              </a:rPr>
               <a:t>สาขาวิทยาการคอมพิวเตอร์และสารสนเทศ</a:t>
             </a:r>
           </a:p>
           <a:p>
             <a:r>
-              <a:rPr lang="th-TH" dirty="0"/>
+              <a:rPr lang="th-TH">
+                <a:solidFill>
+                  <a:schemeClr val="tx1"/>
+                </a:solidFill>
+              </a:rPr>
               <a:t>คณะวิทยาศาสตร์ประยุกต์และวิศวกรรมศาสตร์ มหาวิทยาลัยขอนแก่น วิทยาเขตหนองคาย</a:t>
             </a:r>
-            <a:endParaRPr lang="en-US" dirty="0"/>
+            <a:endParaRPr lang="en-US" dirty="0">
+              <a:solidFill>
+                <a:schemeClr val="tx1"/>
+              </a:solidFill>
+            </a:endParaRPr>
           </a:p>
         </p:txBody>
       </p:sp>
@@ -3875,6 +3889,14 @@
 <file path=ppt/slides/slide10.xml><?xml version="1.0" encoding="utf-8"?>
 <p:sld xmlns:a="http://schemas.openxmlformats.org/drawingml/2006/main" xmlns:r="http://schemas.openxmlformats.org/officeDocument/2006/relationships" xmlns:p="http://schemas.openxmlformats.org/presentationml/2006/main">
   <p:cSld>
+    <p:bg>
+      <p:bgPr>
+        <a:solidFill>
+          <a:schemeClr val="bg1"/>
+        </a:solidFill>
+        <a:effectLst/>
+      </p:bgPr>
+    </p:bg>
     <p:spTree>
       <p:nvGrpSpPr>
         <p:cNvPr id="1" name=""/>
@@ -3891,10 +3913,410 @@
       </p:grpSpPr>
       <p:sp>
         <p:nvSpPr>
+          <p:cNvPr id="21" name="Rectangle 9">
+            <a:extLst>
+              <a:ext uri="{FF2B5EF4-FFF2-40B4-BE49-F238E27FC236}">
+                <a16:creationId xmlns:a16="http://schemas.microsoft.com/office/drawing/2014/main" id="{4E4490D0-3672-446A-AC12-B4830333BDDD}"/>
+              </a:ext>
+            </a:extLst>
+          </p:cNvPr>
+          <p:cNvSpPr>
+            <a:spLocks noGrp="1" noRot="1" noChangeAspect="1" noMove="1" noResize="1" noEditPoints="1" noAdjustHandles="1" noChangeArrowheads="1" noChangeShapeType="1" noTextEdit="1"/>
+          </p:cNvSpPr>
+          <p:nvPr>
+            <p:extLst>
+              <p:ext uri="{386F3935-93C4-4BCD-93E2-E3B085C9AB24}">
+                <p16:designElem xmlns:p16="http://schemas.microsoft.com/office/powerpoint/2015/main" val="1"/>
+              </p:ext>
+            </p:extLst>
+          </p:nvPr>
+        </p:nvSpPr>
+        <p:spPr>
+          <a:xfrm>
+            <a:off x="3175" y="6400800"/>
+            <a:ext cx="12188825" cy="457200"/>
+          </a:xfrm>
+          <a:prstGeom prst="rect">
+            <a:avLst/>
+          </a:prstGeom>
+          <a:solidFill>
+            <a:schemeClr val="accent2"/>
+          </a:solidFill>
+          <a:ln>
+            <a:noFill/>
+          </a:ln>
+        </p:spPr>
+        <p:style>
+          <a:lnRef idx="2">
+            <a:schemeClr val="accent1">
+              <a:shade val="50000"/>
+            </a:schemeClr>
+          </a:lnRef>
+          <a:fillRef idx="1">
+            <a:schemeClr val="accent1"/>
+          </a:fillRef>
+          <a:effectRef idx="0">
+            <a:schemeClr val="accent1"/>
+          </a:effectRef>
+          <a:fontRef idx="minor">
+            <a:schemeClr val="lt1"/>
+          </a:fontRef>
+        </p:style>
+      </p:sp>
+      <p:sp>
+        <p:nvSpPr>
+          <p:cNvPr id="12" name="Rectangle 11">
+            <a:extLst>
+              <a:ext uri="{FF2B5EF4-FFF2-40B4-BE49-F238E27FC236}">
+                <a16:creationId xmlns:a16="http://schemas.microsoft.com/office/drawing/2014/main" id="{39CB82C2-DF65-4EC1-8280-F201D50F570B}"/>
+              </a:ext>
+            </a:extLst>
+          </p:cNvPr>
+          <p:cNvSpPr>
+            <a:spLocks noGrp="1" noRot="1" noChangeAspect="1" noMove="1" noResize="1" noEditPoints="1" noAdjustHandles="1" noChangeArrowheads="1" noChangeShapeType="1" noTextEdit="1"/>
+          </p:cNvSpPr>
+          <p:nvPr>
+            <p:extLst>
+              <p:ext uri="{386F3935-93C4-4BCD-93E2-E3B085C9AB24}">
+                <p16:designElem xmlns:p16="http://schemas.microsoft.com/office/powerpoint/2015/main" val="1"/>
+              </p:ext>
+            </p:extLst>
+          </p:nvPr>
+        </p:nvSpPr>
+        <p:spPr>
+          <a:xfrm>
+            <a:off x="15" y="6334316"/>
+            <a:ext cx="12188825" cy="64008"/>
+          </a:xfrm>
+          <a:prstGeom prst="rect">
+            <a:avLst/>
+          </a:prstGeom>
+          <a:solidFill>
+            <a:schemeClr val="accent1"/>
+          </a:solidFill>
+          <a:ln>
+            <a:noFill/>
+          </a:ln>
+        </p:spPr>
+        <p:style>
+          <a:lnRef idx="2">
+            <a:schemeClr val="accent1">
+              <a:shade val="50000"/>
+            </a:schemeClr>
+          </a:lnRef>
+          <a:fillRef idx="1">
+            <a:schemeClr val="accent1"/>
+          </a:fillRef>
+          <a:effectRef idx="0">
+            <a:schemeClr val="accent1"/>
+          </a:effectRef>
+          <a:fontRef idx="minor">
+            <a:schemeClr val="lt1"/>
+          </a:fontRef>
+        </p:style>
+      </p:sp>
+      <p:cxnSp>
+        <p:nvCxnSpPr>
+          <p:cNvPr id="14" name="Straight Connector 13">
+            <a:extLst>
+              <a:ext uri="{FF2B5EF4-FFF2-40B4-BE49-F238E27FC236}">
+                <a16:creationId xmlns:a16="http://schemas.microsoft.com/office/drawing/2014/main" id="{7E1D4427-852B-4B37-8E76-0E9F1810BA2A}"/>
+              </a:ext>
+            </a:extLst>
+          </p:cNvPr>
+          <p:cNvCxnSpPr>
+            <a:cxnSpLocks noGrp="1" noRot="1" noChangeAspect="1" noMove="1" noResize="1" noEditPoints="1" noAdjustHandles="1" noChangeArrowheads="1" noChangeShapeType="1"/>
+          </p:cNvCxnSpPr>
+          <p:nvPr>
+            <p:extLst>
+              <p:ext uri="{386F3935-93C4-4BCD-93E2-E3B085C9AB24}">
+                <p16:designElem xmlns:p16="http://schemas.microsoft.com/office/powerpoint/2015/main" val="1"/>
+              </p:ext>
+            </p:extLst>
+          </p:nvPr>
+        </p:nvCxnSpPr>
+        <p:spPr>
+          <a:xfrm>
+            <a:off x="1207658" y="4343400"/>
+            <a:ext cx="9875520" cy="0"/>
+          </a:xfrm>
+          <a:prstGeom prst="line">
+            <a:avLst/>
+          </a:prstGeom>
+          <a:ln w="6350">
+            <a:solidFill>
+              <a:schemeClr val="tx1">
+                <a:lumMod val="50000"/>
+                <a:lumOff val="50000"/>
+              </a:schemeClr>
+            </a:solidFill>
+          </a:ln>
+        </p:spPr>
+        <p:style>
+          <a:lnRef idx="1">
+            <a:schemeClr val="accent1"/>
+          </a:lnRef>
+          <a:fillRef idx="0">
+            <a:schemeClr val="accent1"/>
+          </a:fillRef>
+          <a:effectRef idx="0">
+            <a:schemeClr val="accent1"/>
+          </a:effectRef>
+          <a:fontRef idx="minor">
+            <a:schemeClr val="tx1"/>
+          </a:fontRef>
+        </p:style>
+      </p:cxnSp>
+      <p:sp useBgFill="1">
+        <p:nvSpPr>
+          <p:cNvPr id="16" name="Rectangle 15">
+            <a:extLst>
+              <a:ext uri="{FF2B5EF4-FFF2-40B4-BE49-F238E27FC236}">
+                <a16:creationId xmlns:a16="http://schemas.microsoft.com/office/drawing/2014/main" id="{5AE6C737-FF55-4064-94B7-0B21D2EB6045}"/>
+              </a:ext>
+            </a:extLst>
+          </p:cNvPr>
+          <p:cNvSpPr>
+            <a:spLocks noGrp="1" noRot="1" noChangeAspect="1" noMove="1" noResize="1" noEditPoints="1" noAdjustHandles="1" noChangeArrowheads="1" noChangeShapeType="1" noTextEdit="1"/>
+          </p:cNvSpPr>
+          <p:nvPr>
+            <p:extLst>
+              <p:ext uri="{386F3935-93C4-4BCD-93E2-E3B085C9AB24}">
+                <p16:designElem xmlns:p16="http://schemas.microsoft.com/office/powerpoint/2015/main" val="1"/>
+              </p:ext>
+            </p:extLst>
+          </p:nvPr>
+        </p:nvSpPr>
+        <p:spPr>
+          <a:xfrm>
+            <a:off x="0" y="0"/>
+            <a:ext cx="12192001" cy="6334316"/>
+          </a:xfrm>
+          <a:prstGeom prst="rect">
+            <a:avLst/>
+          </a:prstGeom>
+          <a:ln>
+            <a:noFill/>
+          </a:ln>
+        </p:spPr>
+        <p:style>
+          <a:lnRef idx="2">
+            <a:schemeClr val="accent1">
+              <a:shade val="50000"/>
+            </a:schemeClr>
+          </a:lnRef>
+          <a:fillRef idx="1">
+            <a:schemeClr val="accent1"/>
+          </a:fillRef>
+          <a:effectRef idx="0">
+            <a:schemeClr val="accent1"/>
+          </a:effectRef>
+          <a:fontRef idx="minor">
+            <a:schemeClr val="lt1"/>
+          </a:fontRef>
+        </p:style>
+        <p:txBody>
+          <a:bodyPr rtlCol="0" anchor="ctr"/>
+          <a:lstStyle/>
+          <a:p>
+            <a:pPr algn="ctr"/>
+            <a:endParaRPr lang="en-US"/>
+          </a:p>
+        </p:txBody>
+      </p:sp>
+      <p:sp>
+        <p:nvSpPr>
+          <p:cNvPr id="18" name="Rectangle 17">
+            <a:extLst>
+              <a:ext uri="{FF2B5EF4-FFF2-40B4-BE49-F238E27FC236}">
+                <a16:creationId xmlns:a16="http://schemas.microsoft.com/office/drawing/2014/main" id="{2D3DCA99-84AF-487A-BF72-91C5FA6B0B70}"/>
+              </a:ext>
+            </a:extLst>
+          </p:cNvPr>
+          <p:cNvSpPr>
+            <a:spLocks noGrp="1" noRot="1" noChangeAspect="1" noMove="1" noResize="1" noEditPoints="1" noAdjustHandles="1" noChangeArrowheads="1" noChangeShapeType="1" noTextEdit="1"/>
+          </p:cNvSpPr>
+          <p:nvPr>
+            <p:extLst>
+              <p:ext uri="{386F3935-93C4-4BCD-93E2-E3B085C9AB24}">
+                <p16:designElem xmlns:p16="http://schemas.microsoft.com/office/powerpoint/2015/main" val="1"/>
+              </p:ext>
+            </p:extLst>
+          </p:nvPr>
+        </p:nvSpPr>
+        <p:spPr>
+          <a:xfrm>
+            <a:off x="1" y="6400800"/>
+            <a:ext cx="12192000" cy="457200"/>
+          </a:xfrm>
+          <a:prstGeom prst="rect">
+            <a:avLst/>
+          </a:prstGeom>
+          <a:solidFill>
+            <a:schemeClr val="accent2"/>
+          </a:solidFill>
+          <a:ln>
+            <a:noFill/>
+          </a:ln>
+        </p:spPr>
+        <p:style>
+          <a:lnRef idx="2">
+            <a:schemeClr val="accent1">
+              <a:shade val="50000"/>
+            </a:schemeClr>
+          </a:lnRef>
+          <a:fillRef idx="1">
+            <a:schemeClr val="accent1"/>
+          </a:fillRef>
+          <a:effectRef idx="0">
+            <a:schemeClr val="accent1"/>
+          </a:effectRef>
+          <a:fontRef idx="minor">
+            <a:schemeClr val="lt1"/>
+          </a:fontRef>
+        </p:style>
+      </p:sp>
+      <p:sp>
+        <p:nvSpPr>
+          <p:cNvPr id="20" name="Rectangle 19">
+            <a:extLst>
+              <a:ext uri="{FF2B5EF4-FFF2-40B4-BE49-F238E27FC236}">
+                <a16:creationId xmlns:a16="http://schemas.microsoft.com/office/drawing/2014/main" id="{D8218D9F-38B6-4AE0-9051-5434D19A5277}"/>
+              </a:ext>
+            </a:extLst>
+          </p:cNvPr>
+          <p:cNvSpPr>
+            <a:spLocks noGrp="1" noRot="1" noChangeAspect="1" noMove="1" noResize="1" noEditPoints="1" noAdjustHandles="1" noChangeArrowheads="1" noChangeShapeType="1" noTextEdit="1"/>
+          </p:cNvSpPr>
+          <p:nvPr>
+            <p:extLst>
+              <p:ext uri="{386F3935-93C4-4BCD-93E2-E3B085C9AB24}">
+                <p16:designElem xmlns:p16="http://schemas.microsoft.com/office/powerpoint/2015/main" val="1"/>
+              </p:ext>
+            </p:extLst>
+          </p:nvPr>
+        </p:nvSpPr>
+        <p:spPr>
+          <a:xfrm>
+            <a:off x="15" y="6334316"/>
+            <a:ext cx="12191985" cy="66484"/>
+          </a:xfrm>
+          <a:prstGeom prst="rect">
+            <a:avLst/>
+          </a:prstGeom>
+          <a:solidFill>
+            <a:schemeClr val="accent1"/>
+          </a:solidFill>
+          <a:ln>
+            <a:noFill/>
+          </a:ln>
+        </p:spPr>
+        <p:style>
+          <a:lnRef idx="2">
+            <a:schemeClr val="accent1">
+              <a:shade val="50000"/>
+            </a:schemeClr>
+          </a:lnRef>
+          <a:fillRef idx="1">
+            <a:schemeClr val="accent1"/>
+          </a:fillRef>
+          <a:effectRef idx="0">
+            <a:schemeClr val="accent1"/>
+          </a:effectRef>
+          <a:fontRef idx="minor">
+            <a:schemeClr val="lt1"/>
+          </a:fontRef>
+        </p:style>
+      </p:sp>
+      <p:cxnSp>
+        <p:nvCxnSpPr>
+          <p:cNvPr id="22" name="Straight Connector 21">
+            <a:extLst>
+              <a:ext uri="{FF2B5EF4-FFF2-40B4-BE49-F238E27FC236}">
+                <a16:creationId xmlns:a16="http://schemas.microsoft.com/office/drawing/2014/main" id="{6B5B1DD8-6224-4137-8621-32982B00F9FC}"/>
+              </a:ext>
+            </a:extLst>
+          </p:cNvPr>
+          <p:cNvCxnSpPr>
+            <a:cxnSpLocks noGrp="1" noRot="1" noChangeAspect="1" noMove="1" noResize="1" noEditPoints="1" noAdjustHandles="1" noChangeArrowheads="1" noChangeShapeType="1"/>
+          </p:cNvCxnSpPr>
+          <p:nvPr>
+            <p:extLst>
+              <p:ext uri="{386F3935-93C4-4BCD-93E2-E3B085C9AB24}">
+                <p16:designElem xmlns:p16="http://schemas.microsoft.com/office/powerpoint/2015/main" val="1"/>
+              </p:ext>
+            </p:extLst>
+          </p:nvPr>
+        </p:nvCxnSpPr>
+        <p:spPr>
+          <a:xfrm>
+            <a:off x="6805053" y="4343400"/>
+            <a:ext cx="4389120" cy="0"/>
+          </a:xfrm>
+          <a:prstGeom prst="line">
+            <a:avLst/>
+          </a:prstGeom>
+          <a:ln w="6350">
+            <a:solidFill>
+              <a:schemeClr val="tx2">
+                <a:alpha val="90000"/>
+              </a:schemeClr>
+            </a:solidFill>
+          </a:ln>
+        </p:spPr>
+        <p:style>
+          <a:lnRef idx="1">
+            <a:schemeClr val="accent1"/>
+          </a:lnRef>
+          <a:fillRef idx="0">
+            <a:schemeClr val="accent1"/>
+          </a:fillRef>
+          <a:effectRef idx="0">
+            <a:schemeClr val="accent1"/>
+          </a:effectRef>
+          <a:fontRef idx="minor">
+            <a:schemeClr val="tx1"/>
+          </a:fontRef>
+        </p:style>
+      </p:cxnSp>
+      <p:pic>
+        <p:nvPicPr>
+          <p:cNvPr id="5" name="ตัวแทนเนื้อหา 4">
+            <a:extLst>
+              <a:ext uri="{FF2B5EF4-FFF2-40B4-BE49-F238E27FC236}">
+                <a16:creationId xmlns:a16="http://schemas.microsoft.com/office/drawing/2014/main" id="{E6AAB76F-A2EC-4767-8969-6F410DA337DE}"/>
+              </a:ext>
+            </a:extLst>
+          </p:cNvPr>
+          <p:cNvPicPr>
+            <a:picLocks noGrp="1" noChangeAspect="1"/>
+          </p:cNvPicPr>
+          <p:nvPr>
+            <p:ph idx="1"/>
+          </p:nvPr>
+        </p:nvPicPr>
+        <p:blipFill>
+          <a:blip r:embed="rId2"/>
+          <a:stretch>
+            <a:fillRect/>
+          </a:stretch>
+        </p:blipFill>
+        <p:spPr>
+          <a:xfrm>
+            <a:off x="2327799" y="185455"/>
+            <a:ext cx="2074403" cy="6146385"/>
+          </a:xfrm>
+          <a:prstGeom prst="rect">
+            <a:avLst/>
+          </a:prstGeom>
+        </p:spPr>
+      </p:pic>
+      <p:sp>
+        <p:nvSpPr>
           <p:cNvPr id="2" name="ชื่อเรื่อง 1">
             <a:extLst>
               <a:ext uri="{FF2B5EF4-FFF2-40B4-BE49-F238E27FC236}">
-                <a16:creationId xmlns:a16="http://schemas.microsoft.com/office/drawing/2014/main" id="{1BCEE619-6C32-40E4-8587-36FF78C84164}"/>
+                <a16:creationId xmlns:a16="http://schemas.microsoft.com/office/drawing/2014/main" id="{5AA4CBA2-E1DB-482D-A662-BF33089E10F4}"/>
               </a:ext>
             </a:extLst>
           </p:cNvPr>
@@ -3905,44 +4327,44 @@
             <p:ph type="title"/>
           </p:nvPr>
         </p:nvSpPr>
-        <p:spPr/>
+        <p:spPr>
+          <a:xfrm>
+            <a:off x="6730000" y="639097"/>
+            <a:ext cx="4813072" cy="3686015"/>
+          </a:xfrm>
+        </p:spPr>
         <p:txBody>
-          <a:bodyPr/>
+          <a:bodyPr vert="horz" lIns="91440" tIns="45720" rIns="91440" bIns="45720" rtlCol="0" anchor="b">
+            <a:normAutofit/>
+          </a:bodyPr>
           <a:lstStyle/>
           <a:p>
-            <a:endParaRPr lang="th-TH"/>
-          </a:p>
-        </p:txBody>
-      </p:sp>
-      <p:sp>
-        <p:nvSpPr>
-          <p:cNvPr id="3" name="ตัวแทนเนื้อหา 2">
-            <a:extLst>
-              <a:ext uri="{FF2B5EF4-FFF2-40B4-BE49-F238E27FC236}">
-                <a16:creationId xmlns:a16="http://schemas.microsoft.com/office/drawing/2014/main" id="{44576A54-665B-40D6-B21C-46F755ECC42E}"/>
-              </a:ext>
-            </a:extLst>
-          </p:cNvPr>
-          <p:cNvSpPr>
-            <a:spLocks noGrp="1"/>
-          </p:cNvSpPr>
-          <p:nvPr>
-            <p:ph idx="1"/>
-          </p:nvPr>
-        </p:nvSpPr>
-        <p:spPr/>
-        <p:txBody>
-          <a:bodyPr/>
-          <a:lstStyle/>
-          <a:p>
-            <a:endParaRPr lang="th-TH"/>
+            <a:r>
+              <a:rPr lang="th-TH" sz="8000" dirty="0">
+                <a:solidFill>
+                  <a:schemeClr val="tx1">
+                    <a:lumMod val="85000"/>
+                    <a:lumOff val="15000"/>
+                  </a:schemeClr>
+                </a:solidFill>
+              </a:rPr>
+              <a:t>นาฬิกาจับเวลา</a:t>
+            </a:r>
+            <a:endParaRPr lang="en-US" sz="8000" dirty="0">
+              <a:solidFill>
+                <a:schemeClr val="tx1">
+                  <a:lumMod val="85000"/>
+                  <a:lumOff val="15000"/>
+                </a:schemeClr>
+              </a:solidFill>
+            </a:endParaRPr>
           </a:p>
         </p:txBody>
       </p:sp>
     </p:spTree>
     <p:extLst>
       <p:ext uri="{BB962C8B-B14F-4D97-AF65-F5344CB8AC3E}">
-        <p14:creationId xmlns:p14="http://schemas.microsoft.com/office/powerpoint/2010/main" val="4124522545"/>
+        <p14:creationId xmlns:p14="http://schemas.microsoft.com/office/powerpoint/2010/main" val="1573628692"/>
       </p:ext>
     </p:extLst>
   </p:cSld>
@@ -3952,9 +4374,40 @@
 </p:sld>
 </file>
 
-<file path=ppt/slides/slide2.xml><?xml version="1.0" encoding="utf-8"?>
+<file path=ppt/slides/slide11.xml><?xml version="1.0" encoding="utf-8"?>
 <p:sld xmlns:a="http://schemas.openxmlformats.org/drawingml/2006/main" xmlns:r="http://schemas.openxmlformats.org/officeDocument/2006/relationships" xmlns:p="http://schemas.openxmlformats.org/presentationml/2006/main">
   <p:cSld>
+    <p:bg>
+      <p:bgPr>
+        <a:gradFill rotWithShape="1">
+          <a:gsLst>
+            <a:gs pos="0">
+              <a:schemeClr val="bg2">
+                <a:tint val="96000"/>
+                <a:shade val="99000"/>
+                <a:satMod val="140000"/>
+              </a:schemeClr>
+            </a:gs>
+            <a:gs pos="65000">
+              <a:schemeClr val="bg2">
+                <a:tint val="100000"/>
+                <a:shade val="80000"/>
+                <a:satMod val="130000"/>
+              </a:schemeClr>
+            </a:gs>
+            <a:gs pos="100000">
+              <a:schemeClr val="bg2">
+                <a:tint val="100000"/>
+                <a:shade val="48000"/>
+                <a:satMod val="120000"/>
+              </a:schemeClr>
+            </a:gs>
+          </a:gsLst>
+          <a:lin ang="16200000" scaled="0"/>
+        </a:gradFill>
+        <a:effectLst/>
+      </p:bgPr>
+    </p:bg>
     <p:spTree>
       <p:nvGrpSpPr>
         <p:cNvPr id="1" name=""/>
@@ -3971,10 +4424,327 @@
       </p:grpSpPr>
       <p:sp>
         <p:nvSpPr>
-          <p:cNvPr id="2" name="ชื่อเรื่อง 1">
-            <a:extLst>
-              <a:ext uri="{FF2B5EF4-FFF2-40B4-BE49-F238E27FC236}">
-                <a16:creationId xmlns:a16="http://schemas.microsoft.com/office/drawing/2014/main" id="{D83B59C7-93AD-4165-9935-D6A351676C45}"/>
+          <p:cNvPr id="10" name="Rectangle 9">
+            <a:extLst>
+              <a:ext uri="{FF2B5EF4-FFF2-40B4-BE49-F238E27FC236}">
+                <a16:creationId xmlns:a16="http://schemas.microsoft.com/office/drawing/2014/main" id="{52C0B2E1-0268-42EC-ABD3-94F81A05BCBD}"/>
+              </a:ext>
+            </a:extLst>
+          </p:cNvPr>
+          <p:cNvSpPr>
+            <a:spLocks noGrp="1" noRot="1" noChangeAspect="1" noMove="1" noResize="1" noEditPoints="1" noAdjustHandles="1" noChangeArrowheads="1" noChangeShapeType="1" noTextEdit="1"/>
+          </p:cNvSpPr>
+          <p:nvPr>
+            <p:extLst>
+              <p:ext uri="{386F3935-93C4-4BCD-93E2-E3B085C9AB24}">
+                <p16:designElem xmlns:p16="http://schemas.microsoft.com/office/powerpoint/2015/main" val="1"/>
+              </p:ext>
+            </p:extLst>
+          </p:nvPr>
+        </p:nvSpPr>
+        <p:spPr>
+          <a:xfrm>
+            <a:off x="3175" y="6400800"/>
+            <a:ext cx="12188825" cy="457200"/>
+          </a:xfrm>
+          <a:prstGeom prst="rect">
+            <a:avLst/>
+          </a:prstGeom>
+          <a:solidFill>
+            <a:schemeClr val="accent2"/>
+          </a:solidFill>
+          <a:ln>
+            <a:noFill/>
+          </a:ln>
+        </p:spPr>
+        <p:style>
+          <a:lnRef idx="2">
+            <a:schemeClr val="accent1">
+              <a:shade val="50000"/>
+            </a:schemeClr>
+          </a:lnRef>
+          <a:fillRef idx="1">
+            <a:schemeClr val="accent1"/>
+          </a:fillRef>
+          <a:effectRef idx="0">
+            <a:schemeClr val="accent1"/>
+          </a:effectRef>
+          <a:fontRef idx="minor">
+            <a:schemeClr val="lt1"/>
+          </a:fontRef>
+        </p:style>
+      </p:sp>
+      <p:sp>
+        <p:nvSpPr>
+          <p:cNvPr id="12" name="Rectangle 11">
+            <a:extLst>
+              <a:ext uri="{FF2B5EF4-FFF2-40B4-BE49-F238E27FC236}">
+                <a16:creationId xmlns:a16="http://schemas.microsoft.com/office/drawing/2014/main" id="{7D2256B4-48EA-40FC-BBC0-AA1EE6E0080C}"/>
+              </a:ext>
+            </a:extLst>
+          </p:cNvPr>
+          <p:cNvSpPr>
+            <a:spLocks noGrp="1" noRot="1" noChangeAspect="1" noMove="1" noResize="1" noEditPoints="1" noAdjustHandles="1" noChangeArrowheads="1" noChangeShapeType="1" noTextEdit="1"/>
+          </p:cNvSpPr>
+          <p:nvPr>
+            <p:extLst>
+              <p:ext uri="{386F3935-93C4-4BCD-93E2-E3B085C9AB24}">
+                <p16:designElem xmlns:p16="http://schemas.microsoft.com/office/powerpoint/2015/main" val="1"/>
+              </p:ext>
+            </p:extLst>
+          </p:nvPr>
+        </p:nvSpPr>
+        <p:spPr>
+          <a:xfrm>
+            <a:off x="15" y="6334316"/>
+            <a:ext cx="12188825" cy="64008"/>
+          </a:xfrm>
+          <a:prstGeom prst="rect">
+            <a:avLst/>
+          </a:prstGeom>
+          <a:solidFill>
+            <a:schemeClr val="accent1"/>
+          </a:solidFill>
+          <a:ln>
+            <a:noFill/>
+          </a:ln>
+        </p:spPr>
+        <p:style>
+          <a:lnRef idx="2">
+            <a:schemeClr val="accent1">
+              <a:shade val="50000"/>
+            </a:schemeClr>
+          </a:lnRef>
+          <a:fillRef idx="1">
+            <a:schemeClr val="accent1"/>
+          </a:fillRef>
+          <a:effectRef idx="0">
+            <a:schemeClr val="accent1"/>
+          </a:effectRef>
+          <a:fontRef idx="minor">
+            <a:schemeClr val="lt1"/>
+          </a:fontRef>
+        </p:style>
+      </p:sp>
+      <p:cxnSp>
+        <p:nvCxnSpPr>
+          <p:cNvPr id="14" name="Straight Connector 13">
+            <a:extLst>
+              <a:ext uri="{FF2B5EF4-FFF2-40B4-BE49-F238E27FC236}">
+                <a16:creationId xmlns:a16="http://schemas.microsoft.com/office/drawing/2014/main" id="{3D44BCCA-102D-4A9D-B1E4-2450CAF0B05E}"/>
+              </a:ext>
+            </a:extLst>
+          </p:cNvPr>
+          <p:cNvCxnSpPr>
+            <a:cxnSpLocks noGrp="1" noRot="1" noChangeAspect="1" noMove="1" noResize="1" noEditPoints="1" noAdjustHandles="1" noChangeArrowheads="1" noChangeShapeType="1"/>
+          </p:cNvCxnSpPr>
+          <p:nvPr>
+            <p:extLst>
+              <p:ext uri="{386F3935-93C4-4BCD-93E2-E3B085C9AB24}">
+                <p16:designElem xmlns:p16="http://schemas.microsoft.com/office/powerpoint/2015/main" val="1"/>
+              </p:ext>
+            </p:extLst>
+          </p:nvPr>
+        </p:nvCxnSpPr>
+        <p:spPr>
+          <a:xfrm>
+            <a:off x="1207658" y="4343400"/>
+            <a:ext cx="9875520" cy="0"/>
+          </a:xfrm>
+          <a:prstGeom prst="line">
+            <a:avLst/>
+          </a:prstGeom>
+          <a:ln w="6350">
+            <a:solidFill>
+              <a:schemeClr val="tx1">
+                <a:lumMod val="50000"/>
+                <a:lumOff val="50000"/>
+              </a:schemeClr>
+            </a:solidFill>
+          </a:ln>
+        </p:spPr>
+        <p:style>
+          <a:lnRef idx="1">
+            <a:schemeClr val="accent1"/>
+          </a:lnRef>
+          <a:fillRef idx="0">
+            <a:schemeClr val="accent1"/>
+          </a:fillRef>
+          <a:effectRef idx="0">
+            <a:schemeClr val="accent1"/>
+          </a:effectRef>
+          <a:fontRef idx="minor">
+            <a:schemeClr val="tx1"/>
+          </a:fontRef>
+        </p:style>
+      </p:cxnSp>
+      <p:sp useBgFill="1">
+        <p:nvSpPr>
+          <p:cNvPr id="16" name="Rectangle 15">
+            <a:extLst>
+              <a:ext uri="{FF2B5EF4-FFF2-40B4-BE49-F238E27FC236}">
+                <a16:creationId xmlns:a16="http://schemas.microsoft.com/office/drawing/2014/main" id="{FBDCECDC-EEE3-4128-AA5E-82A8C08796E8}"/>
+              </a:ext>
+            </a:extLst>
+          </p:cNvPr>
+          <p:cNvSpPr>
+            <a:spLocks noGrp="1" noRot="1" noChangeAspect="1" noMove="1" noResize="1" noEditPoints="1" noAdjustHandles="1" noChangeArrowheads="1" noChangeShapeType="1" noTextEdit="1"/>
+          </p:cNvSpPr>
+          <p:nvPr>
+            <p:extLst>
+              <p:ext uri="{386F3935-93C4-4BCD-93E2-E3B085C9AB24}">
+                <p16:designElem xmlns:p16="http://schemas.microsoft.com/office/powerpoint/2015/main" val="1"/>
+              </p:ext>
+            </p:extLst>
+          </p:nvPr>
+        </p:nvSpPr>
+        <p:spPr>
+          <a:xfrm>
+            <a:off x="1507" y="0"/>
+            <a:ext cx="12192000" cy="6858000"/>
+          </a:xfrm>
+          <a:prstGeom prst="rect">
+            <a:avLst/>
+          </a:prstGeom>
+          <a:ln>
+            <a:noFill/>
+          </a:ln>
+        </p:spPr>
+        <p:style>
+          <a:lnRef idx="2">
+            <a:schemeClr val="accent1">
+              <a:shade val="50000"/>
+            </a:schemeClr>
+          </a:lnRef>
+          <a:fillRef idx="1">
+            <a:schemeClr val="accent1"/>
+          </a:fillRef>
+          <a:effectRef idx="0">
+            <a:schemeClr val="accent1"/>
+          </a:effectRef>
+          <a:fontRef idx="minor">
+            <a:schemeClr val="lt1"/>
+          </a:fontRef>
+        </p:style>
+        <p:txBody>
+          <a:bodyPr rtlCol="0" anchor="ctr"/>
+          <a:lstStyle/>
+          <a:p>
+            <a:pPr algn="ctr"/>
+            <a:endParaRPr lang="en-US"/>
+          </a:p>
+        </p:txBody>
+      </p:sp>
+      <p:sp>
+        <p:nvSpPr>
+          <p:cNvPr id="18" name="Rectangle 17">
+            <a:extLst>
+              <a:ext uri="{FF2B5EF4-FFF2-40B4-BE49-F238E27FC236}">
+                <a16:creationId xmlns:a16="http://schemas.microsoft.com/office/drawing/2014/main" id="{4260EDE0-989C-4E16-AF94-F652294D828E}"/>
+              </a:ext>
+            </a:extLst>
+          </p:cNvPr>
+          <p:cNvSpPr>
+            <a:spLocks noGrp="1" noRot="1" noChangeAspect="1" noMove="1" noResize="1" noEditPoints="1" noAdjustHandles="1" noChangeArrowheads="1" noChangeShapeType="1" noTextEdit="1"/>
+          </p:cNvSpPr>
+          <p:nvPr>
+            <p:extLst>
+              <p:ext uri="{386F3935-93C4-4BCD-93E2-E3B085C9AB24}">
+                <p16:designElem xmlns:p16="http://schemas.microsoft.com/office/powerpoint/2015/main" val="1"/>
+              </p:ext>
+            </p:extLst>
+          </p:nvPr>
+        </p:nvSpPr>
+        <p:spPr bwMode="white">
+          <a:xfrm>
+            <a:off x="1507" y="4953000"/>
+            <a:ext cx="12188952" cy="1905000"/>
+          </a:xfrm>
+          <a:prstGeom prst="rect">
+            <a:avLst/>
+          </a:prstGeom>
+          <a:solidFill>
+            <a:schemeClr val="accent2"/>
+          </a:solidFill>
+          <a:ln>
+            <a:noFill/>
+          </a:ln>
+        </p:spPr>
+        <p:style>
+          <a:lnRef idx="2">
+            <a:schemeClr val="accent1">
+              <a:shade val="50000"/>
+            </a:schemeClr>
+          </a:lnRef>
+          <a:fillRef idx="1">
+            <a:schemeClr val="accent1"/>
+          </a:fillRef>
+          <a:effectRef idx="0">
+            <a:schemeClr val="accent1"/>
+          </a:effectRef>
+          <a:fontRef idx="minor">
+            <a:schemeClr val="lt1"/>
+          </a:fontRef>
+        </p:style>
+      </p:sp>
+      <p:sp>
+        <p:nvSpPr>
+          <p:cNvPr id="20" name="Rectangle 19">
+            <a:extLst>
+              <a:ext uri="{FF2B5EF4-FFF2-40B4-BE49-F238E27FC236}">
+                <a16:creationId xmlns:a16="http://schemas.microsoft.com/office/drawing/2014/main" id="{1F3985C0-E548-44D2-B30E-F3E42DADE133}"/>
+              </a:ext>
+            </a:extLst>
+          </p:cNvPr>
+          <p:cNvSpPr>
+            <a:spLocks noGrp="1" noRot="1" noChangeAspect="1" noMove="1" noResize="1" noEditPoints="1" noAdjustHandles="1" noChangeArrowheads="1" noChangeShapeType="1" noTextEdit="1"/>
+          </p:cNvSpPr>
+          <p:nvPr>
+            <p:extLst>
+              <p:ext uri="{386F3935-93C4-4BCD-93E2-E3B085C9AB24}">
+                <p16:designElem xmlns:p16="http://schemas.microsoft.com/office/powerpoint/2015/main" val="1"/>
+              </p:ext>
+            </p:extLst>
+          </p:nvPr>
+        </p:nvSpPr>
+        <p:spPr>
+          <a:xfrm>
+            <a:off x="1507" y="0"/>
+            <a:ext cx="12188952" cy="4970184"/>
+          </a:xfrm>
+          <a:prstGeom prst="rect">
+            <a:avLst/>
+          </a:prstGeom>
+          <a:solidFill>
+            <a:schemeClr val="accent1"/>
+          </a:solidFill>
+          <a:ln>
+            <a:noFill/>
+          </a:ln>
+        </p:spPr>
+        <p:style>
+          <a:lnRef idx="2">
+            <a:schemeClr val="accent1">
+              <a:shade val="50000"/>
+            </a:schemeClr>
+          </a:lnRef>
+          <a:fillRef idx="1">
+            <a:schemeClr val="accent1"/>
+          </a:fillRef>
+          <a:effectRef idx="0">
+            <a:schemeClr val="accent1"/>
+          </a:effectRef>
+          <a:fontRef idx="minor">
+            <a:schemeClr val="lt1"/>
+          </a:fontRef>
+        </p:style>
+      </p:sp>
+      <p:sp>
+        <p:nvSpPr>
+          <p:cNvPr id="4" name="ชื่อเรื่อง 3">
+            <a:extLst>
+              <a:ext uri="{FF2B5EF4-FFF2-40B4-BE49-F238E27FC236}">
+                <a16:creationId xmlns:a16="http://schemas.microsoft.com/office/drawing/2014/main" id="{CEED8209-5A32-4BA2-946C-70CBB28820A1}"/>
               </a:ext>
             </a:extLst>
           </p:cNvPr>
@@ -3985,180 +4755,24 @@
             <p:ph type="title"/>
           </p:nvPr>
         </p:nvSpPr>
-        <p:spPr/>
+        <p:spPr>
+          <a:xfrm>
+            <a:off x="1097280" y="758952"/>
+            <a:ext cx="10058400" cy="3892168"/>
+          </a:xfrm>
+        </p:spPr>
         <p:txBody>
-          <a:bodyPr/>
+          <a:bodyPr vert="horz" lIns="91440" tIns="45720" rIns="91440" bIns="45720" rtlCol="0" anchor="b">
+            <a:normAutofit/>
+          </a:bodyPr>
           <a:lstStyle/>
           <a:p>
             <a:r>
-              <a:rPr lang="th-TH" dirty="0"/>
-              <a:t>วัตถุประสงค์</a:t>
-            </a:r>
-          </a:p>
-        </p:txBody>
-      </p:sp>
-      <p:sp>
-        <p:nvSpPr>
-          <p:cNvPr id="3" name="ตัวแทนเนื้อหา 2">
-            <a:extLst>
-              <a:ext uri="{FF2B5EF4-FFF2-40B4-BE49-F238E27FC236}">
-                <a16:creationId xmlns:a16="http://schemas.microsoft.com/office/drawing/2014/main" id="{810F9BF5-297F-45CD-B911-AF711474F352}"/>
-              </a:ext>
-            </a:extLst>
-          </p:cNvPr>
-          <p:cNvSpPr>
-            <a:spLocks noGrp="1"/>
-          </p:cNvSpPr>
-          <p:nvPr>
-            <p:ph idx="1"/>
-          </p:nvPr>
-        </p:nvSpPr>
-        <p:spPr/>
-        <p:txBody>
-          <a:bodyPr/>
-          <a:lstStyle/>
-          <a:p>
-            <a:endParaRPr lang="th-TH" dirty="0"/>
-          </a:p>
-        </p:txBody>
-      </p:sp>
-    </p:spTree>
-    <p:extLst>
-      <p:ext uri="{BB962C8B-B14F-4D97-AF65-F5344CB8AC3E}">
-        <p14:creationId xmlns:p14="http://schemas.microsoft.com/office/powerpoint/2010/main" val="795774355"/>
-      </p:ext>
-    </p:extLst>
-  </p:cSld>
-  <p:clrMapOvr>
-    <a:masterClrMapping/>
-  </p:clrMapOvr>
-</p:sld>
-</file>
-
-<file path=ppt/slides/slide3.xml><?xml version="1.0" encoding="utf-8"?>
-<p:sld xmlns:a="http://schemas.openxmlformats.org/drawingml/2006/main" xmlns:r="http://schemas.openxmlformats.org/officeDocument/2006/relationships" xmlns:p="http://schemas.openxmlformats.org/presentationml/2006/main">
-  <p:cSld>
-    <p:spTree>
-      <p:nvGrpSpPr>
-        <p:cNvPr id="1" name=""/>
-        <p:cNvGrpSpPr/>
-        <p:nvPr/>
-      </p:nvGrpSpPr>
-      <p:grpSpPr>
-        <a:xfrm>
-          <a:off x="0" y="0"/>
-          <a:ext cx="0" cy="0"/>
-          <a:chOff x="0" y="0"/>
-          <a:chExt cx="0" cy="0"/>
-        </a:xfrm>
-      </p:grpSpPr>
-      <p:sp>
-        <p:nvSpPr>
-          <p:cNvPr id="2" name="ชื่อเรื่อง 1">
-            <a:extLst>
-              <a:ext uri="{FF2B5EF4-FFF2-40B4-BE49-F238E27FC236}">
-                <a16:creationId xmlns:a16="http://schemas.microsoft.com/office/drawing/2014/main" id="{D83B59C7-93AD-4165-9935-D6A351676C45}"/>
-              </a:ext>
-            </a:extLst>
-          </p:cNvPr>
-          <p:cNvSpPr>
-            <a:spLocks noGrp="1"/>
-          </p:cNvSpPr>
-          <p:nvPr>
-            <p:ph type="title"/>
-          </p:nvPr>
-        </p:nvSpPr>
-        <p:spPr/>
-        <p:txBody>
-          <a:bodyPr/>
-          <a:lstStyle/>
-          <a:p>
-            <a:r>
-              <a:rPr lang="en-US" dirty="0"/>
-              <a:t>Flowchart</a:t>
-            </a:r>
-            <a:endParaRPr lang="th-TH" dirty="0"/>
-          </a:p>
-        </p:txBody>
-      </p:sp>
-      <p:sp>
-        <p:nvSpPr>
-          <p:cNvPr id="3" name="ตัวแทนเนื้อหา 2">
-            <a:extLst>
-              <a:ext uri="{FF2B5EF4-FFF2-40B4-BE49-F238E27FC236}">
-                <a16:creationId xmlns:a16="http://schemas.microsoft.com/office/drawing/2014/main" id="{810F9BF5-297F-45CD-B911-AF711474F352}"/>
-              </a:ext>
-            </a:extLst>
-          </p:cNvPr>
-          <p:cNvSpPr>
-            <a:spLocks noGrp="1"/>
-          </p:cNvSpPr>
-          <p:nvPr>
-            <p:ph idx="1"/>
-          </p:nvPr>
-        </p:nvSpPr>
-        <p:spPr/>
-        <p:txBody>
-          <a:bodyPr/>
-          <a:lstStyle/>
-          <a:p>
-            <a:endParaRPr lang="th-TH"/>
-          </a:p>
-        </p:txBody>
-      </p:sp>
-    </p:spTree>
-    <p:extLst>
-      <p:ext uri="{BB962C8B-B14F-4D97-AF65-F5344CB8AC3E}">
-        <p14:creationId xmlns:p14="http://schemas.microsoft.com/office/powerpoint/2010/main" val="624340675"/>
-      </p:ext>
-    </p:extLst>
-  </p:cSld>
-  <p:clrMapOvr>
-    <a:masterClrMapping/>
-  </p:clrMapOvr>
-</p:sld>
-</file>
-
-<file path=ppt/slides/slide4.xml><?xml version="1.0" encoding="utf-8"?>
-<p:sld xmlns:a="http://schemas.openxmlformats.org/drawingml/2006/main" xmlns:r="http://schemas.openxmlformats.org/officeDocument/2006/relationships" xmlns:p="http://schemas.openxmlformats.org/presentationml/2006/main">
-  <p:cSld>
-    <p:spTree>
-      <p:nvGrpSpPr>
-        <p:cNvPr id="1" name=""/>
-        <p:cNvGrpSpPr/>
-        <p:nvPr/>
-      </p:nvGrpSpPr>
-      <p:grpSpPr>
-        <a:xfrm>
-          <a:off x="0" y="0"/>
-          <a:ext cx="0" cy="0"/>
-          <a:chOff x="0" y="0"/>
-          <a:chExt cx="0" cy="0"/>
-        </a:xfrm>
-      </p:grpSpPr>
-      <p:sp>
-        <p:nvSpPr>
-          <p:cNvPr id="4" name="ชื่อเรื่อง 3">
-            <a:extLst>
-              <a:ext uri="{FF2B5EF4-FFF2-40B4-BE49-F238E27FC236}">
-                <a16:creationId xmlns:a16="http://schemas.microsoft.com/office/drawing/2014/main" id="{CEED8209-5A32-4BA2-946C-70CBB28820A1}"/>
-              </a:ext>
-            </a:extLst>
-          </p:cNvPr>
-          <p:cNvSpPr>
-            <a:spLocks noGrp="1"/>
-          </p:cNvSpPr>
-          <p:nvPr>
-            <p:ph type="title"/>
-          </p:nvPr>
-        </p:nvSpPr>
-        <p:spPr/>
-        <p:txBody>
-          <a:bodyPr/>
-          <a:lstStyle/>
-          <a:p>
-            <a:r>
-              <a:rPr lang="th-TH" dirty="0"/>
+              <a:rPr lang="en-US">
+                <a:solidFill>
+                  <a:srgbClr val="FFFFFF"/>
+                </a:solidFill>
+              </a:rPr>
               <a:t>ตัวอย่างหน้าจอการทำงาน</a:t>
             </a:r>
           </a:p>
@@ -4180,12 +4794,23 @@
             <p:ph type="body" idx="1"/>
           </p:nvPr>
         </p:nvSpPr>
-        <p:spPr/>
+        <p:spPr>
+          <a:xfrm>
+            <a:off x="1100051" y="5225240"/>
+            <a:ext cx="10058400" cy="1143000"/>
+          </a:xfrm>
+        </p:spPr>
         <p:txBody>
-          <a:bodyPr/>
+          <a:bodyPr vert="horz" lIns="91440" tIns="45720" rIns="91440" bIns="45720" rtlCol="0">
+            <a:normAutofit/>
+          </a:bodyPr>
           <a:lstStyle/>
           <a:p>
-            <a:endParaRPr lang="th-TH"/>
+            <a:endParaRPr lang="en-US">
+              <a:solidFill>
+                <a:srgbClr val="FFFFFF"/>
+              </a:solidFill>
+            </a:endParaRPr>
           </a:p>
         </p:txBody>
       </p:sp>
@@ -4197,12 +4822,12 @@
     </p:extLst>
   </p:cSld>
   <p:clrMapOvr>
-    <a:masterClrMapping/>
+    <a:overrideClrMapping bg1="dk1" tx1="lt1" bg2="dk2" tx2="lt2" accent1="accent1" accent2="accent2" accent3="accent3" accent4="accent4" accent5="accent5" accent6="accent6" hlink="hlink" folHlink="folHlink"/>
   </p:clrMapOvr>
 </p:sld>
 </file>
 
-<file path=ppt/slides/slide5.xml><?xml version="1.0" encoding="utf-8"?>
+<file path=ppt/slides/slide12.xml><?xml version="1.0" encoding="utf-8"?>
 <p:sld xmlns:a="http://schemas.openxmlformats.org/drawingml/2006/main" xmlns:r="http://schemas.openxmlformats.org/officeDocument/2006/relationships" xmlns:p="http://schemas.openxmlformats.org/presentationml/2006/main">
   <p:cSld>
     <p:bg>
@@ -4575,6 +5200,304 @@
           </a:p>
         </p:txBody>
       </p:sp>
+      <p:cxnSp>
+        <p:nvCxnSpPr>
+          <p:cNvPr id="6" name="ลูกศรเชื่อมต่อแบบตรง 5">
+            <a:extLst>
+              <a:ext uri="{FF2B5EF4-FFF2-40B4-BE49-F238E27FC236}">
+                <a16:creationId xmlns:a16="http://schemas.microsoft.com/office/drawing/2014/main" id="{4F8CDA9B-D521-4700-A628-A5F15E00CEEC}"/>
+              </a:ext>
+            </a:extLst>
+          </p:cNvPr>
+          <p:cNvCxnSpPr>
+            <a:cxnSpLocks/>
+          </p:cNvCxnSpPr>
+          <p:nvPr/>
+        </p:nvCxnSpPr>
+        <p:spPr>
+          <a:xfrm flipV="1">
+            <a:off x="846306" y="2957210"/>
+            <a:ext cx="1429966" cy="1225684"/>
+          </a:xfrm>
+          <a:prstGeom prst="straightConnector1">
+            <a:avLst/>
+          </a:prstGeom>
+          <a:ln>
+            <a:tailEnd type="triangle"/>
+          </a:ln>
+        </p:spPr>
+        <p:style>
+          <a:lnRef idx="1">
+            <a:schemeClr val="accent1"/>
+          </a:lnRef>
+          <a:fillRef idx="0">
+            <a:schemeClr val="accent1"/>
+          </a:fillRef>
+          <a:effectRef idx="0">
+            <a:schemeClr val="accent1"/>
+          </a:effectRef>
+          <a:fontRef idx="minor">
+            <a:schemeClr val="tx1"/>
+          </a:fontRef>
+        </p:style>
+      </p:cxnSp>
+      <p:sp>
+        <p:nvSpPr>
+          <p:cNvPr id="8" name="กล่องข้อความ 7">
+            <a:extLst>
+              <a:ext uri="{FF2B5EF4-FFF2-40B4-BE49-F238E27FC236}">
+                <a16:creationId xmlns:a16="http://schemas.microsoft.com/office/drawing/2014/main" id="{415AA141-0322-400D-ACFE-C9B3CBD3D2E6}"/>
+              </a:ext>
+            </a:extLst>
+          </p:cNvPr>
+          <p:cNvSpPr txBox="1"/>
+          <p:nvPr/>
+        </p:nvSpPr>
+        <p:spPr>
+          <a:xfrm>
+            <a:off x="176920" y="4226828"/>
+            <a:ext cx="965329" cy="369332"/>
+          </a:xfrm>
+          <a:prstGeom prst="rect">
+            <a:avLst/>
+          </a:prstGeom>
+          <a:noFill/>
+        </p:spPr>
+        <p:txBody>
+          <a:bodyPr wrap="none" rtlCol="0">
+            <a:spAutoFit/>
+          </a:bodyPr>
+          <a:lstStyle/>
+          <a:p>
+            <a:r>
+              <a:rPr lang="th-TH" dirty="0"/>
+              <a:t>เวลาปัจจุบัน</a:t>
+            </a:r>
+          </a:p>
+        </p:txBody>
+      </p:sp>
+      <p:cxnSp>
+        <p:nvCxnSpPr>
+          <p:cNvPr id="10" name="ลูกศรเชื่อมต่อแบบตรง 9">
+            <a:extLst>
+              <a:ext uri="{FF2B5EF4-FFF2-40B4-BE49-F238E27FC236}">
+                <a16:creationId xmlns:a16="http://schemas.microsoft.com/office/drawing/2014/main" id="{8BB3C0E2-A503-4D5C-9E63-BF1B7F24FC25}"/>
+              </a:ext>
+            </a:extLst>
+          </p:cNvPr>
+          <p:cNvCxnSpPr/>
+          <p:nvPr/>
+        </p:nvCxnSpPr>
+        <p:spPr>
+          <a:xfrm flipH="1" flipV="1">
+            <a:off x="5214026" y="4182894"/>
+            <a:ext cx="2237361" cy="642025"/>
+          </a:xfrm>
+          <a:prstGeom prst="straightConnector1">
+            <a:avLst/>
+          </a:prstGeom>
+          <a:ln>
+            <a:tailEnd type="triangle"/>
+          </a:ln>
+        </p:spPr>
+        <p:style>
+          <a:lnRef idx="1">
+            <a:schemeClr val="accent1"/>
+          </a:lnRef>
+          <a:fillRef idx="0">
+            <a:schemeClr val="accent1"/>
+          </a:fillRef>
+          <a:effectRef idx="0">
+            <a:schemeClr val="accent1"/>
+          </a:effectRef>
+          <a:fontRef idx="minor">
+            <a:schemeClr val="tx1"/>
+          </a:fontRef>
+        </p:style>
+      </p:cxnSp>
+      <p:sp>
+        <p:nvSpPr>
+          <p:cNvPr id="11" name="กล่องข้อความ 10">
+            <a:extLst>
+              <a:ext uri="{FF2B5EF4-FFF2-40B4-BE49-F238E27FC236}">
+                <a16:creationId xmlns:a16="http://schemas.microsoft.com/office/drawing/2014/main" id="{1EE1D0A6-15DA-4198-9935-99730F3D6EF6}"/>
+              </a:ext>
+            </a:extLst>
+          </p:cNvPr>
+          <p:cNvSpPr txBox="1"/>
+          <p:nvPr/>
+        </p:nvSpPr>
+        <p:spPr>
+          <a:xfrm>
+            <a:off x="7489834" y="4704607"/>
+            <a:ext cx="800219" cy="369332"/>
+          </a:xfrm>
+          <a:prstGeom prst="rect">
+            <a:avLst/>
+          </a:prstGeom>
+          <a:noFill/>
+        </p:spPr>
+        <p:txBody>
+          <a:bodyPr wrap="none" rtlCol="0">
+            <a:spAutoFit/>
+          </a:bodyPr>
+          <a:lstStyle/>
+          <a:p>
+            <a:r>
+              <a:rPr lang="th-TH" dirty="0"/>
+              <a:t>วันเดือนปี</a:t>
+            </a:r>
+          </a:p>
+        </p:txBody>
+      </p:sp>
+      <p:cxnSp>
+        <p:nvCxnSpPr>
+          <p:cNvPr id="13" name="ลูกศรเชื่อมต่อแบบตรง 12">
+            <a:extLst>
+              <a:ext uri="{FF2B5EF4-FFF2-40B4-BE49-F238E27FC236}">
+                <a16:creationId xmlns:a16="http://schemas.microsoft.com/office/drawing/2014/main" id="{7572BF9F-F288-47E4-945B-1E78AE2AE45A}"/>
+              </a:ext>
+            </a:extLst>
+          </p:cNvPr>
+          <p:cNvCxnSpPr/>
+          <p:nvPr/>
+        </p:nvCxnSpPr>
+        <p:spPr>
+          <a:xfrm flipH="1" flipV="1">
+            <a:off x="4844374" y="4980562"/>
+            <a:ext cx="2782111" cy="583659"/>
+          </a:xfrm>
+          <a:prstGeom prst="straightConnector1">
+            <a:avLst/>
+          </a:prstGeom>
+          <a:ln>
+            <a:tailEnd type="triangle"/>
+          </a:ln>
+        </p:spPr>
+        <p:style>
+          <a:lnRef idx="1">
+            <a:schemeClr val="accent1"/>
+          </a:lnRef>
+          <a:fillRef idx="0">
+            <a:schemeClr val="accent1"/>
+          </a:fillRef>
+          <a:effectRef idx="0">
+            <a:schemeClr val="accent1"/>
+          </a:effectRef>
+          <a:fontRef idx="minor">
+            <a:schemeClr val="tx1"/>
+          </a:fontRef>
+        </p:style>
+      </p:cxnSp>
+      <p:sp>
+        <p:nvSpPr>
+          <p:cNvPr id="14" name="กล่องข้อความ 13">
+            <a:extLst>
+              <a:ext uri="{FF2B5EF4-FFF2-40B4-BE49-F238E27FC236}">
+                <a16:creationId xmlns:a16="http://schemas.microsoft.com/office/drawing/2014/main" id="{B529B0E0-86EB-4B4A-A04E-D37A925B005A}"/>
+              </a:ext>
+            </a:extLst>
+          </p:cNvPr>
+          <p:cNvSpPr txBox="1"/>
+          <p:nvPr/>
+        </p:nvSpPr>
+        <p:spPr>
+          <a:xfrm>
+            <a:off x="7752945" y="5539161"/>
+            <a:ext cx="1465466" cy="369332"/>
+          </a:xfrm>
+          <a:prstGeom prst="rect">
+            <a:avLst/>
+          </a:prstGeom>
+          <a:noFill/>
+        </p:spPr>
+        <p:txBody>
+          <a:bodyPr wrap="none" rtlCol="0">
+            <a:spAutoFit/>
+          </a:bodyPr>
+          <a:lstStyle/>
+          <a:p>
+            <a:r>
+              <a:rPr lang="th-TH" dirty="0"/>
+              <a:t>ปุ่มเพิ่มการแจ้งเตือน</a:t>
+            </a:r>
+          </a:p>
+        </p:txBody>
+      </p:sp>
+      <p:cxnSp>
+        <p:nvCxnSpPr>
+          <p:cNvPr id="20" name="ลูกศรเชื่อมต่อแบบตรง 19">
+            <a:extLst>
+              <a:ext uri="{FF2B5EF4-FFF2-40B4-BE49-F238E27FC236}">
+                <a16:creationId xmlns:a16="http://schemas.microsoft.com/office/drawing/2014/main" id="{554D3F5A-46CA-4406-8DDD-0D4DEA05AA09}"/>
+              </a:ext>
+            </a:extLst>
+          </p:cNvPr>
+          <p:cNvCxnSpPr/>
+          <p:nvPr/>
+        </p:nvCxnSpPr>
+        <p:spPr>
+          <a:xfrm flipV="1">
+            <a:off x="1142249" y="1364343"/>
+            <a:ext cx="541408" cy="595086"/>
+          </a:xfrm>
+          <a:prstGeom prst="straightConnector1">
+            <a:avLst/>
+          </a:prstGeom>
+          <a:ln>
+            <a:tailEnd type="triangle"/>
+          </a:ln>
+        </p:spPr>
+        <p:style>
+          <a:lnRef idx="1">
+            <a:schemeClr val="accent1"/>
+          </a:lnRef>
+          <a:fillRef idx="0">
+            <a:schemeClr val="accent1"/>
+          </a:fillRef>
+          <a:effectRef idx="0">
+            <a:schemeClr val="accent1"/>
+          </a:effectRef>
+          <a:fontRef idx="minor">
+            <a:schemeClr val="tx1"/>
+          </a:fontRef>
+        </p:style>
+      </p:cxnSp>
+      <p:sp>
+        <p:nvSpPr>
+          <p:cNvPr id="21" name="กล่องข้อความ 20">
+            <a:extLst>
+              <a:ext uri="{FF2B5EF4-FFF2-40B4-BE49-F238E27FC236}">
+                <a16:creationId xmlns:a16="http://schemas.microsoft.com/office/drawing/2014/main" id="{7A0906FD-D2F4-49DD-9781-25A22C4033CD}"/>
+              </a:ext>
+            </a:extLst>
+          </p:cNvPr>
+          <p:cNvSpPr txBox="1"/>
+          <p:nvPr/>
+        </p:nvSpPr>
+        <p:spPr>
+          <a:xfrm>
+            <a:off x="424853" y="1915887"/>
+            <a:ext cx="713657" cy="369332"/>
+          </a:xfrm>
+          <a:prstGeom prst="rect">
+            <a:avLst/>
+          </a:prstGeom>
+          <a:noFill/>
+        </p:spPr>
+        <p:txBody>
+          <a:bodyPr wrap="none" rtlCol="0">
+            <a:spAutoFit/>
+          </a:bodyPr>
+          <a:lstStyle/>
+          <a:p>
+            <a:r>
+              <a:rPr lang="th-TH" dirty="0"/>
+              <a:t>แถบเมนู</a:t>
+            </a:r>
+          </a:p>
+        </p:txBody>
+      </p:sp>
     </p:spTree>
     <p:extLst>
       <p:ext uri="{BB962C8B-B14F-4D97-AF65-F5344CB8AC3E}">
@@ -4588,7 +5511,7 @@
 </p:sld>
 </file>
 
-<file path=ppt/slides/slide6.xml><?xml version="1.0" encoding="utf-8"?>
+<file path=ppt/slides/slide13.xml><?xml version="1.0" encoding="utf-8"?>
 <p:sld xmlns:a="http://schemas.openxmlformats.org/drawingml/2006/main" xmlns:r="http://schemas.openxmlformats.org/officeDocument/2006/relationships" xmlns:p="http://schemas.openxmlformats.org/presentationml/2006/main">
   <p:cSld>
     <p:bg>
@@ -5133,7 +6056,7 @@
 </p:sld>
 </file>
 
-<file path=ppt/slides/slide7.xml><?xml version="1.0" encoding="utf-8"?>
+<file path=ppt/slides/slide14.xml><?xml version="1.0" encoding="utf-8"?>
 <p:sld xmlns:a="http://schemas.openxmlformats.org/drawingml/2006/main" xmlns:r="http://schemas.openxmlformats.org/officeDocument/2006/relationships" xmlns:p="http://schemas.openxmlformats.org/presentationml/2006/main">
   <p:cSld>
     <p:bg>
@@ -5602,7 +6525,7 @@
 </p:sld>
 </file>
 
-<file path=ppt/slides/slide8.xml><?xml version="1.0" encoding="utf-8"?>
+<file path=ppt/slides/slide15.xml><?xml version="1.0" encoding="utf-8"?>
 <p:sld xmlns:a="http://schemas.openxmlformats.org/drawingml/2006/main" xmlns:r="http://schemas.openxmlformats.org/officeDocument/2006/relationships" xmlns:p="http://schemas.openxmlformats.org/presentationml/2006/main">
   <p:cSld>
     <p:bg>
@@ -6071,7 +6994,7 @@
 </p:sld>
 </file>
 
-<file path=ppt/slides/slide9.xml><?xml version="1.0" encoding="utf-8"?>
+<file path=ppt/slides/slide16.xml><?xml version="1.0" encoding="utf-8"?>
 <p:sld xmlns:a="http://schemas.openxmlformats.org/drawingml/2006/main" xmlns:r="http://schemas.openxmlformats.org/officeDocument/2006/relationships" xmlns:p="http://schemas.openxmlformats.org/presentationml/2006/main">
   <p:cSld>
     <p:spTree>
@@ -6263,30 +7186,21 @@
                             </p:childTnLst>
                           </p:cTn>
                         </p:par>
-                      </p:childTnLst>
-                    </p:cTn>
-                  </p:par>
-                  <p:par>
-                    <p:cTn id="7" fill="hold">
-                      <p:stCondLst>
-                        <p:cond delay="indefinite"/>
-                      </p:stCondLst>
-                      <p:childTnLst>
                         <p:par>
-                          <p:cTn id="8" fill="hold">
+                          <p:cTn id="7" fill="hold">
                             <p:stCondLst>
-                              <p:cond delay="0"/>
+                              <p:cond delay="9411"/>
                             </p:stCondLst>
                             <p:childTnLst>
                               <p:par>
-                                <p:cTn id="9" presetID="1" presetClass="entr" presetSubtype="0" fill="hold" nodeType="clickEffect">
+                                <p:cTn id="8" presetID="1" presetClass="entr" presetSubtype="0" fill="hold" nodeType="afterEffect">
                                   <p:stCondLst>
                                     <p:cond delay="0"/>
                                   </p:stCondLst>
                                   <p:childTnLst>
                                     <p:set>
                                       <p:cBhvr>
-                                        <p:cTn id="10" dur="1" fill="hold">
+                                        <p:cTn id="9" dur="1" fill="hold">
                                           <p:stCondLst>
                                             <p:cond delay="0"/>
                                           </p:stCondLst>
@@ -6330,7 +7244,7 @@
             </p:seq>
             <p:audio>
               <p:cMediaNode vol="80000" showWhenStopped="0">
-                <p:cTn id="11" fill="hold" display="0">
+                <p:cTn id="10" fill="hold" display="0">
                   <p:stCondLst>
                     <p:cond delay="indefinite"/>
                   </p:stCondLst>
@@ -6352,6 +7266,4393 @@
       </p:par>
     </p:tnLst>
   </p:timing>
+</p:sld>
+</file>
+
+<file path=ppt/slides/slide17.xml><?xml version="1.0" encoding="utf-8"?>
+<p:sld xmlns:a="http://schemas.openxmlformats.org/drawingml/2006/main" xmlns:r="http://schemas.openxmlformats.org/officeDocument/2006/relationships" xmlns:p="http://schemas.openxmlformats.org/presentationml/2006/main">
+  <p:cSld>
+    <p:bg>
+      <p:bgPr>
+        <a:solidFill>
+          <a:schemeClr val="bg1"/>
+        </a:solidFill>
+        <a:effectLst/>
+      </p:bgPr>
+    </p:bg>
+    <p:spTree>
+      <p:nvGrpSpPr>
+        <p:cNvPr id="1" name=""/>
+        <p:cNvGrpSpPr/>
+        <p:nvPr/>
+      </p:nvGrpSpPr>
+      <p:grpSpPr>
+        <a:xfrm>
+          <a:off x="0" y="0"/>
+          <a:ext cx="0" cy="0"/>
+          <a:chOff x="0" y="0"/>
+          <a:chExt cx="0" cy="0"/>
+        </a:xfrm>
+      </p:grpSpPr>
+      <p:sp>
+        <p:nvSpPr>
+          <p:cNvPr id="20" name="Rectangle 19">
+            <a:extLst>
+              <a:ext uri="{FF2B5EF4-FFF2-40B4-BE49-F238E27FC236}">
+                <a16:creationId xmlns:a16="http://schemas.microsoft.com/office/drawing/2014/main" id="{4E4490D0-3672-446A-AC12-B4830333BDDD}"/>
+              </a:ext>
+            </a:extLst>
+          </p:cNvPr>
+          <p:cNvSpPr>
+            <a:spLocks noGrp="1" noRot="1" noChangeAspect="1" noMove="1" noResize="1" noEditPoints="1" noAdjustHandles="1" noChangeArrowheads="1" noChangeShapeType="1" noTextEdit="1"/>
+          </p:cNvSpPr>
+          <p:nvPr>
+            <p:extLst>
+              <p:ext uri="{386F3935-93C4-4BCD-93E2-E3B085C9AB24}">
+                <p16:designElem xmlns:p16="http://schemas.microsoft.com/office/powerpoint/2015/main" val="1"/>
+              </p:ext>
+            </p:extLst>
+          </p:nvPr>
+        </p:nvSpPr>
+        <p:spPr>
+          <a:xfrm>
+            <a:off x="3175" y="6400800"/>
+            <a:ext cx="12188825" cy="457200"/>
+          </a:xfrm>
+          <a:prstGeom prst="rect">
+            <a:avLst/>
+          </a:prstGeom>
+          <a:solidFill>
+            <a:schemeClr val="accent2"/>
+          </a:solidFill>
+          <a:ln>
+            <a:noFill/>
+          </a:ln>
+        </p:spPr>
+        <p:style>
+          <a:lnRef idx="2">
+            <a:schemeClr val="accent1">
+              <a:shade val="50000"/>
+            </a:schemeClr>
+          </a:lnRef>
+          <a:fillRef idx="1">
+            <a:schemeClr val="accent1"/>
+          </a:fillRef>
+          <a:effectRef idx="0">
+            <a:schemeClr val="accent1"/>
+          </a:effectRef>
+          <a:fontRef idx="minor">
+            <a:schemeClr val="lt1"/>
+          </a:fontRef>
+        </p:style>
+      </p:sp>
+      <p:sp>
+        <p:nvSpPr>
+          <p:cNvPr id="22" name="Rectangle 21">
+            <a:extLst>
+              <a:ext uri="{FF2B5EF4-FFF2-40B4-BE49-F238E27FC236}">
+                <a16:creationId xmlns:a16="http://schemas.microsoft.com/office/drawing/2014/main" id="{39CB82C2-DF65-4EC1-8280-F201D50F570B}"/>
+              </a:ext>
+            </a:extLst>
+          </p:cNvPr>
+          <p:cNvSpPr>
+            <a:spLocks noGrp="1" noRot="1" noChangeAspect="1" noMove="1" noResize="1" noEditPoints="1" noAdjustHandles="1" noChangeArrowheads="1" noChangeShapeType="1" noTextEdit="1"/>
+          </p:cNvSpPr>
+          <p:nvPr>
+            <p:extLst>
+              <p:ext uri="{386F3935-93C4-4BCD-93E2-E3B085C9AB24}">
+                <p16:designElem xmlns:p16="http://schemas.microsoft.com/office/powerpoint/2015/main" val="1"/>
+              </p:ext>
+            </p:extLst>
+          </p:nvPr>
+        </p:nvSpPr>
+        <p:spPr>
+          <a:xfrm>
+            <a:off x="15" y="6334316"/>
+            <a:ext cx="12188825" cy="64008"/>
+          </a:xfrm>
+          <a:prstGeom prst="rect">
+            <a:avLst/>
+          </a:prstGeom>
+          <a:solidFill>
+            <a:schemeClr val="accent1"/>
+          </a:solidFill>
+          <a:ln>
+            <a:noFill/>
+          </a:ln>
+        </p:spPr>
+        <p:style>
+          <a:lnRef idx="2">
+            <a:schemeClr val="accent1">
+              <a:shade val="50000"/>
+            </a:schemeClr>
+          </a:lnRef>
+          <a:fillRef idx="1">
+            <a:schemeClr val="accent1"/>
+          </a:fillRef>
+          <a:effectRef idx="0">
+            <a:schemeClr val="accent1"/>
+          </a:effectRef>
+          <a:fontRef idx="minor">
+            <a:schemeClr val="lt1"/>
+          </a:fontRef>
+        </p:style>
+      </p:sp>
+      <p:cxnSp>
+        <p:nvCxnSpPr>
+          <p:cNvPr id="24" name="Straight Connector 23">
+            <a:extLst>
+              <a:ext uri="{FF2B5EF4-FFF2-40B4-BE49-F238E27FC236}">
+                <a16:creationId xmlns:a16="http://schemas.microsoft.com/office/drawing/2014/main" id="{7E1D4427-852B-4B37-8E76-0E9F1810BA2A}"/>
+              </a:ext>
+            </a:extLst>
+          </p:cNvPr>
+          <p:cNvCxnSpPr>
+            <a:cxnSpLocks noGrp="1" noRot="1" noChangeAspect="1" noMove="1" noResize="1" noEditPoints="1" noAdjustHandles="1" noChangeArrowheads="1" noChangeShapeType="1"/>
+          </p:cNvCxnSpPr>
+          <p:nvPr>
+            <p:extLst>
+              <p:ext uri="{386F3935-93C4-4BCD-93E2-E3B085C9AB24}">
+                <p16:designElem xmlns:p16="http://schemas.microsoft.com/office/powerpoint/2015/main" val="1"/>
+              </p:ext>
+            </p:extLst>
+          </p:nvPr>
+        </p:nvCxnSpPr>
+        <p:spPr>
+          <a:xfrm>
+            <a:off x="1207658" y="4343400"/>
+            <a:ext cx="9875520" cy="0"/>
+          </a:xfrm>
+          <a:prstGeom prst="line">
+            <a:avLst/>
+          </a:prstGeom>
+          <a:ln w="6350">
+            <a:solidFill>
+              <a:schemeClr val="tx1">
+                <a:lumMod val="50000"/>
+                <a:lumOff val="50000"/>
+              </a:schemeClr>
+            </a:solidFill>
+          </a:ln>
+        </p:spPr>
+        <p:style>
+          <a:lnRef idx="1">
+            <a:schemeClr val="accent1"/>
+          </a:lnRef>
+          <a:fillRef idx="0">
+            <a:schemeClr val="accent1"/>
+          </a:fillRef>
+          <a:effectRef idx="0">
+            <a:schemeClr val="accent1"/>
+          </a:effectRef>
+          <a:fontRef idx="minor">
+            <a:schemeClr val="tx1"/>
+          </a:fontRef>
+        </p:style>
+      </p:cxnSp>
+      <p:sp useBgFill="1">
+        <p:nvSpPr>
+          <p:cNvPr id="26" name="Rectangle 25">
+            <a:extLst>
+              <a:ext uri="{FF2B5EF4-FFF2-40B4-BE49-F238E27FC236}">
+                <a16:creationId xmlns:a16="http://schemas.microsoft.com/office/drawing/2014/main" id="{5AE6C737-FF55-4064-94B7-0B21D2EB6045}"/>
+              </a:ext>
+            </a:extLst>
+          </p:cNvPr>
+          <p:cNvSpPr>
+            <a:spLocks noGrp="1" noRot="1" noChangeAspect="1" noMove="1" noResize="1" noEditPoints="1" noAdjustHandles="1" noChangeArrowheads="1" noChangeShapeType="1" noTextEdit="1"/>
+          </p:cNvSpPr>
+          <p:nvPr>
+            <p:extLst>
+              <p:ext uri="{386F3935-93C4-4BCD-93E2-E3B085C9AB24}">
+                <p16:designElem xmlns:p16="http://schemas.microsoft.com/office/powerpoint/2015/main" val="1"/>
+              </p:ext>
+            </p:extLst>
+          </p:nvPr>
+        </p:nvSpPr>
+        <p:spPr>
+          <a:xfrm>
+            <a:off x="0" y="0"/>
+            <a:ext cx="12192001" cy="6334316"/>
+          </a:xfrm>
+          <a:prstGeom prst="rect">
+            <a:avLst/>
+          </a:prstGeom>
+          <a:ln>
+            <a:noFill/>
+          </a:ln>
+        </p:spPr>
+        <p:style>
+          <a:lnRef idx="2">
+            <a:schemeClr val="accent1">
+              <a:shade val="50000"/>
+            </a:schemeClr>
+          </a:lnRef>
+          <a:fillRef idx="1">
+            <a:schemeClr val="accent1"/>
+          </a:fillRef>
+          <a:effectRef idx="0">
+            <a:schemeClr val="accent1"/>
+          </a:effectRef>
+          <a:fontRef idx="minor">
+            <a:schemeClr val="lt1"/>
+          </a:fontRef>
+        </p:style>
+        <p:txBody>
+          <a:bodyPr rtlCol="0" anchor="ctr"/>
+          <a:lstStyle/>
+          <a:p>
+            <a:pPr algn="ctr"/>
+            <a:endParaRPr lang="en-US"/>
+          </a:p>
+        </p:txBody>
+      </p:sp>
+      <p:sp>
+        <p:nvSpPr>
+          <p:cNvPr id="28" name="Rectangle 27">
+            <a:extLst>
+              <a:ext uri="{FF2B5EF4-FFF2-40B4-BE49-F238E27FC236}">
+                <a16:creationId xmlns:a16="http://schemas.microsoft.com/office/drawing/2014/main" id="{2D3DCA99-84AF-487A-BF72-91C5FA6B0B70}"/>
+              </a:ext>
+            </a:extLst>
+          </p:cNvPr>
+          <p:cNvSpPr>
+            <a:spLocks noGrp="1" noRot="1" noChangeAspect="1" noMove="1" noResize="1" noEditPoints="1" noAdjustHandles="1" noChangeArrowheads="1" noChangeShapeType="1" noTextEdit="1"/>
+          </p:cNvSpPr>
+          <p:nvPr>
+            <p:extLst>
+              <p:ext uri="{386F3935-93C4-4BCD-93E2-E3B085C9AB24}">
+                <p16:designElem xmlns:p16="http://schemas.microsoft.com/office/powerpoint/2015/main" val="1"/>
+              </p:ext>
+            </p:extLst>
+          </p:nvPr>
+        </p:nvSpPr>
+        <p:spPr>
+          <a:xfrm>
+            <a:off x="1" y="6400800"/>
+            <a:ext cx="12192000" cy="457200"/>
+          </a:xfrm>
+          <a:prstGeom prst="rect">
+            <a:avLst/>
+          </a:prstGeom>
+          <a:solidFill>
+            <a:schemeClr val="accent2"/>
+          </a:solidFill>
+          <a:ln>
+            <a:noFill/>
+          </a:ln>
+        </p:spPr>
+        <p:style>
+          <a:lnRef idx="2">
+            <a:schemeClr val="accent1">
+              <a:shade val="50000"/>
+            </a:schemeClr>
+          </a:lnRef>
+          <a:fillRef idx="1">
+            <a:schemeClr val="accent1"/>
+          </a:fillRef>
+          <a:effectRef idx="0">
+            <a:schemeClr val="accent1"/>
+          </a:effectRef>
+          <a:fontRef idx="minor">
+            <a:schemeClr val="lt1"/>
+          </a:fontRef>
+        </p:style>
+      </p:sp>
+      <p:sp>
+        <p:nvSpPr>
+          <p:cNvPr id="30" name="Rectangle 29">
+            <a:extLst>
+              <a:ext uri="{FF2B5EF4-FFF2-40B4-BE49-F238E27FC236}">
+                <a16:creationId xmlns:a16="http://schemas.microsoft.com/office/drawing/2014/main" id="{D8218D9F-38B6-4AE0-9051-5434D19A5277}"/>
+              </a:ext>
+            </a:extLst>
+          </p:cNvPr>
+          <p:cNvSpPr>
+            <a:spLocks noGrp="1" noRot="1" noChangeAspect="1" noMove="1" noResize="1" noEditPoints="1" noAdjustHandles="1" noChangeArrowheads="1" noChangeShapeType="1" noTextEdit="1"/>
+          </p:cNvSpPr>
+          <p:nvPr>
+            <p:extLst>
+              <p:ext uri="{386F3935-93C4-4BCD-93E2-E3B085C9AB24}">
+                <p16:designElem xmlns:p16="http://schemas.microsoft.com/office/powerpoint/2015/main" val="1"/>
+              </p:ext>
+            </p:extLst>
+          </p:nvPr>
+        </p:nvSpPr>
+        <p:spPr>
+          <a:xfrm>
+            <a:off x="15" y="6334316"/>
+            <a:ext cx="12191985" cy="66484"/>
+          </a:xfrm>
+          <a:prstGeom prst="rect">
+            <a:avLst/>
+          </a:prstGeom>
+          <a:solidFill>
+            <a:schemeClr val="accent1"/>
+          </a:solidFill>
+          <a:ln>
+            <a:noFill/>
+          </a:ln>
+        </p:spPr>
+        <p:style>
+          <a:lnRef idx="2">
+            <a:schemeClr val="accent1">
+              <a:shade val="50000"/>
+            </a:schemeClr>
+          </a:lnRef>
+          <a:fillRef idx="1">
+            <a:schemeClr val="accent1"/>
+          </a:fillRef>
+          <a:effectRef idx="0">
+            <a:schemeClr val="accent1"/>
+          </a:effectRef>
+          <a:fontRef idx="minor">
+            <a:schemeClr val="lt1"/>
+          </a:fontRef>
+        </p:style>
+      </p:sp>
+      <p:cxnSp>
+        <p:nvCxnSpPr>
+          <p:cNvPr id="32" name="Straight Connector 31">
+            <a:extLst>
+              <a:ext uri="{FF2B5EF4-FFF2-40B4-BE49-F238E27FC236}">
+                <a16:creationId xmlns:a16="http://schemas.microsoft.com/office/drawing/2014/main" id="{6B5B1DD8-6224-4137-8621-32982B00F9FC}"/>
+              </a:ext>
+            </a:extLst>
+          </p:cNvPr>
+          <p:cNvCxnSpPr>
+            <a:cxnSpLocks noGrp="1" noRot="1" noChangeAspect="1" noMove="1" noResize="1" noEditPoints="1" noAdjustHandles="1" noChangeArrowheads="1" noChangeShapeType="1"/>
+          </p:cNvCxnSpPr>
+          <p:nvPr>
+            <p:extLst>
+              <p:ext uri="{386F3935-93C4-4BCD-93E2-E3B085C9AB24}">
+                <p16:designElem xmlns:p16="http://schemas.microsoft.com/office/powerpoint/2015/main" val="1"/>
+              </p:ext>
+            </p:extLst>
+          </p:nvPr>
+        </p:nvCxnSpPr>
+        <p:spPr>
+          <a:xfrm>
+            <a:off x="6805053" y="4343400"/>
+            <a:ext cx="4389120" cy="0"/>
+          </a:xfrm>
+          <a:prstGeom prst="line">
+            <a:avLst/>
+          </a:prstGeom>
+          <a:ln w="6350">
+            <a:solidFill>
+              <a:schemeClr val="tx2">
+                <a:alpha val="90000"/>
+              </a:schemeClr>
+            </a:solidFill>
+          </a:ln>
+        </p:spPr>
+        <p:style>
+          <a:lnRef idx="1">
+            <a:schemeClr val="accent1"/>
+          </a:lnRef>
+          <a:fillRef idx="0">
+            <a:schemeClr val="accent1"/>
+          </a:fillRef>
+          <a:effectRef idx="0">
+            <a:schemeClr val="accent1"/>
+          </a:effectRef>
+          <a:fontRef idx="minor">
+            <a:schemeClr val="tx1"/>
+          </a:fontRef>
+        </p:style>
+      </p:cxnSp>
+      <p:pic>
+        <p:nvPicPr>
+          <p:cNvPr id="5" name="รูปภาพ 4" descr="รูปภาพประกอบด้วย ภาพหน้าจอ&#10;&#10;คำอธิบายที่สร้างขึ้นโดยมีความน่าเชื่อถือสูงมาก">
+            <a:extLst>
+              <a:ext uri="{FF2B5EF4-FFF2-40B4-BE49-F238E27FC236}">
+                <a16:creationId xmlns:a16="http://schemas.microsoft.com/office/drawing/2014/main" id="{0E0CB9FF-71B4-4A28-BB68-34ABB3CFA234}"/>
+              </a:ext>
+            </a:extLst>
+          </p:cNvPr>
+          <p:cNvPicPr>
+            <a:picLocks noChangeAspect="1"/>
+          </p:cNvPicPr>
+          <p:nvPr/>
+        </p:nvPicPr>
+        <p:blipFill>
+          <a:blip r:embed="rId2"/>
+          <a:stretch>
+            <a:fillRect/>
+          </a:stretch>
+        </p:blipFill>
+        <p:spPr>
+          <a:xfrm>
+            <a:off x="1326107" y="640081"/>
+            <a:ext cx="4077784" cy="5054156"/>
+          </a:xfrm>
+          <a:prstGeom prst="rect">
+            <a:avLst/>
+          </a:prstGeom>
+        </p:spPr>
+      </p:pic>
+      <p:sp>
+        <p:nvSpPr>
+          <p:cNvPr id="2" name="ชื่อเรื่อง 1">
+            <a:extLst>
+              <a:ext uri="{FF2B5EF4-FFF2-40B4-BE49-F238E27FC236}">
+                <a16:creationId xmlns:a16="http://schemas.microsoft.com/office/drawing/2014/main" id="{37461AB0-4CE5-48D0-A8DF-003CB0CF9E5A}"/>
+              </a:ext>
+            </a:extLst>
+          </p:cNvPr>
+          <p:cNvSpPr>
+            <a:spLocks noGrp="1"/>
+          </p:cNvSpPr>
+          <p:nvPr>
+            <p:ph type="title"/>
+          </p:nvPr>
+        </p:nvSpPr>
+        <p:spPr>
+          <a:xfrm>
+            <a:off x="6730000" y="639097"/>
+            <a:ext cx="4813072" cy="3686015"/>
+          </a:xfrm>
+        </p:spPr>
+        <p:txBody>
+          <a:bodyPr vert="horz" lIns="91440" tIns="45720" rIns="91440" bIns="45720" rtlCol="0" anchor="b">
+            <a:normAutofit/>
+          </a:bodyPr>
+          <a:lstStyle/>
+          <a:p>
+            <a:r>
+              <a:rPr lang="en-US" sz="8000">
+                <a:solidFill>
+                  <a:schemeClr val="tx1">
+                    <a:lumMod val="85000"/>
+                    <a:lumOff val="15000"/>
+                  </a:schemeClr>
+                </a:solidFill>
+              </a:rPr>
+              <a:t>นาฬิกาจับเวลา</a:t>
+            </a:r>
+          </a:p>
+        </p:txBody>
+      </p:sp>
+      <p:sp>
+        <p:nvSpPr>
+          <p:cNvPr id="3" name="ตัวแทนเนื้อหา 2">
+            <a:extLst>
+              <a:ext uri="{FF2B5EF4-FFF2-40B4-BE49-F238E27FC236}">
+                <a16:creationId xmlns:a16="http://schemas.microsoft.com/office/drawing/2014/main" id="{59A8E47A-8EC7-4FB1-9314-D6A69E3CBD59}"/>
+              </a:ext>
+            </a:extLst>
+          </p:cNvPr>
+          <p:cNvSpPr>
+            <a:spLocks noGrp="1"/>
+          </p:cNvSpPr>
+          <p:nvPr>
+            <p:ph idx="1"/>
+          </p:nvPr>
+        </p:nvSpPr>
+        <p:spPr>
+          <a:xfrm>
+            <a:off x="6729999" y="4455621"/>
+            <a:ext cx="4829101" cy="1238616"/>
+          </a:xfrm>
+        </p:spPr>
+        <p:txBody>
+          <a:bodyPr vert="horz" lIns="91440" tIns="45720" rIns="91440" bIns="45720" rtlCol="0">
+            <a:normAutofit/>
+          </a:bodyPr>
+          <a:lstStyle/>
+          <a:p>
+            <a:pPr marL="0" indent="0">
+              <a:buNone/>
+            </a:pPr>
+            <a:r>
+              <a:rPr lang="en-US" sz="2400" cap="all" spc="200" dirty="0" err="1">
+                <a:solidFill>
+                  <a:schemeClr val="tx1">
+                    <a:lumMod val="85000"/>
+                    <a:lumOff val="15000"/>
+                  </a:schemeClr>
+                </a:solidFill>
+                <a:latin typeface="+mj-lt"/>
+              </a:rPr>
+              <a:t>สามารถจับเวลา</a:t>
+            </a:r>
+            <a:r>
+              <a:rPr lang="en-US" sz="2400" cap="all" spc="200" dirty="0">
+                <a:solidFill>
+                  <a:schemeClr val="tx1">
+                    <a:lumMod val="85000"/>
+                    <a:lumOff val="15000"/>
+                  </a:schemeClr>
+                </a:solidFill>
+                <a:latin typeface="+mj-lt"/>
+              </a:rPr>
+              <a:t> </a:t>
+            </a:r>
+            <a:r>
+              <a:rPr lang="th-TH" sz="2400" cap="all" spc="200" dirty="0">
+                <a:solidFill>
+                  <a:schemeClr val="tx1">
+                    <a:lumMod val="85000"/>
+                    <a:lumOff val="15000"/>
+                  </a:schemeClr>
+                </a:solidFill>
+                <a:latin typeface="+mj-lt"/>
+              </a:rPr>
+              <a:t>หยุด และแบ่งเป็นรอบเวลาได้</a:t>
+            </a:r>
+            <a:endParaRPr lang="en-US" sz="2400" cap="all" spc="200" dirty="0">
+              <a:solidFill>
+                <a:schemeClr val="tx1">
+                  <a:lumMod val="85000"/>
+                  <a:lumOff val="15000"/>
+                </a:schemeClr>
+              </a:solidFill>
+              <a:latin typeface="+mj-lt"/>
+            </a:endParaRPr>
+          </a:p>
+        </p:txBody>
+      </p:sp>
+    </p:spTree>
+    <p:extLst>
+      <p:ext uri="{BB962C8B-B14F-4D97-AF65-F5344CB8AC3E}">
+        <p14:creationId xmlns:p14="http://schemas.microsoft.com/office/powerpoint/2010/main" val="546868711"/>
+      </p:ext>
+    </p:extLst>
+  </p:cSld>
+  <p:clrMapOvr>
+    <a:masterClrMapping/>
+  </p:clrMapOvr>
+</p:sld>
+</file>
+
+<file path=ppt/slides/slide18.xml><?xml version="1.0" encoding="utf-8"?>
+<p:sld xmlns:a="http://schemas.openxmlformats.org/drawingml/2006/main" xmlns:r="http://schemas.openxmlformats.org/officeDocument/2006/relationships" xmlns:p="http://schemas.openxmlformats.org/presentationml/2006/main">
+  <p:cSld>
+    <p:bg>
+      <p:bgPr>
+        <a:solidFill>
+          <a:schemeClr val="bg1"/>
+        </a:solidFill>
+        <a:effectLst/>
+      </p:bgPr>
+    </p:bg>
+    <p:spTree>
+      <p:nvGrpSpPr>
+        <p:cNvPr id="1" name=""/>
+        <p:cNvGrpSpPr/>
+        <p:nvPr/>
+      </p:nvGrpSpPr>
+      <p:grpSpPr>
+        <a:xfrm>
+          <a:off x="0" y="0"/>
+          <a:ext cx="0" cy="0"/>
+          <a:chOff x="0" y="0"/>
+          <a:chExt cx="0" cy="0"/>
+        </a:xfrm>
+      </p:grpSpPr>
+      <p:sp>
+        <p:nvSpPr>
+          <p:cNvPr id="66" name="Rectangle 65">
+            <a:extLst>
+              <a:ext uri="{FF2B5EF4-FFF2-40B4-BE49-F238E27FC236}">
+                <a16:creationId xmlns:a16="http://schemas.microsoft.com/office/drawing/2014/main" id="{BB2B8762-61F0-4F1B-9364-D633EE9D6AF5}"/>
+              </a:ext>
+            </a:extLst>
+          </p:cNvPr>
+          <p:cNvSpPr>
+            <a:spLocks noGrp="1" noRot="1" noChangeAspect="1" noMove="1" noResize="1" noEditPoints="1" noAdjustHandles="1" noChangeArrowheads="1" noChangeShapeType="1" noTextEdit="1"/>
+          </p:cNvSpPr>
+          <p:nvPr>
+            <p:extLst>
+              <p:ext uri="{386F3935-93C4-4BCD-93E2-E3B085C9AB24}">
+                <p16:designElem xmlns:p16="http://schemas.microsoft.com/office/powerpoint/2015/main" val="1"/>
+              </p:ext>
+            </p:extLst>
+          </p:nvPr>
+        </p:nvSpPr>
+        <p:spPr>
+          <a:xfrm>
+            <a:off x="3175" y="6400800"/>
+            <a:ext cx="12188825" cy="457200"/>
+          </a:xfrm>
+          <a:prstGeom prst="rect">
+            <a:avLst/>
+          </a:prstGeom>
+          <a:solidFill>
+            <a:schemeClr val="accent2"/>
+          </a:solidFill>
+          <a:ln>
+            <a:noFill/>
+          </a:ln>
+        </p:spPr>
+        <p:style>
+          <a:lnRef idx="2">
+            <a:schemeClr val="accent1">
+              <a:shade val="50000"/>
+            </a:schemeClr>
+          </a:lnRef>
+          <a:fillRef idx="1">
+            <a:schemeClr val="accent1"/>
+          </a:fillRef>
+          <a:effectRef idx="0">
+            <a:schemeClr val="accent1"/>
+          </a:effectRef>
+          <a:fontRef idx="minor">
+            <a:schemeClr val="lt1"/>
+          </a:fontRef>
+        </p:style>
+      </p:sp>
+      <p:sp>
+        <p:nvSpPr>
+          <p:cNvPr id="68" name="Rectangle 67">
+            <a:extLst>
+              <a:ext uri="{FF2B5EF4-FFF2-40B4-BE49-F238E27FC236}">
+                <a16:creationId xmlns:a16="http://schemas.microsoft.com/office/drawing/2014/main" id="{E97675C8-1328-460C-9EBF-6B446B67EAD3}"/>
+              </a:ext>
+            </a:extLst>
+          </p:cNvPr>
+          <p:cNvSpPr>
+            <a:spLocks noGrp="1" noRot="1" noChangeAspect="1" noMove="1" noResize="1" noEditPoints="1" noAdjustHandles="1" noChangeArrowheads="1" noChangeShapeType="1" noTextEdit="1"/>
+          </p:cNvSpPr>
+          <p:nvPr>
+            <p:extLst>
+              <p:ext uri="{386F3935-93C4-4BCD-93E2-E3B085C9AB24}">
+                <p16:designElem xmlns:p16="http://schemas.microsoft.com/office/powerpoint/2015/main" val="1"/>
+              </p:ext>
+            </p:extLst>
+          </p:nvPr>
+        </p:nvSpPr>
+        <p:spPr>
+          <a:xfrm>
+            <a:off x="15" y="6334316"/>
+            <a:ext cx="12188825" cy="64008"/>
+          </a:xfrm>
+          <a:prstGeom prst="rect">
+            <a:avLst/>
+          </a:prstGeom>
+          <a:solidFill>
+            <a:schemeClr val="accent1"/>
+          </a:solidFill>
+          <a:ln>
+            <a:noFill/>
+          </a:ln>
+        </p:spPr>
+        <p:style>
+          <a:lnRef idx="2">
+            <a:schemeClr val="accent1">
+              <a:shade val="50000"/>
+            </a:schemeClr>
+          </a:lnRef>
+          <a:fillRef idx="1">
+            <a:schemeClr val="accent1"/>
+          </a:fillRef>
+          <a:effectRef idx="0">
+            <a:schemeClr val="accent1"/>
+          </a:effectRef>
+          <a:fontRef idx="minor">
+            <a:schemeClr val="lt1"/>
+          </a:fontRef>
+        </p:style>
+      </p:sp>
+      <p:cxnSp>
+        <p:nvCxnSpPr>
+          <p:cNvPr id="70" name="Straight Connector 69">
+            <a:extLst>
+              <a:ext uri="{FF2B5EF4-FFF2-40B4-BE49-F238E27FC236}">
+                <a16:creationId xmlns:a16="http://schemas.microsoft.com/office/drawing/2014/main" id="{514EE78B-AF71-4195-A01B-F1165D9233BF}"/>
+              </a:ext>
+            </a:extLst>
+          </p:cNvPr>
+          <p:cNvCxnSpPr>
+            <a:cxnSpLocks noGrp="1" noRot="1" noChangeAspect="1" noMove="1" noResize="1" noEditPoints="1" noAdjustHandles="1" noChangeArrowheads="1" noChangeShapeType="1"/>
+          </p:cNvCxnSpPr>
+          <p:nvPr>
+            <p:extLst>
+              <p:ext uri="{386F3935-93C4-4BCD-93E2-E3B085C9AB24}">
+                <p16:designElem xmlns:p16="http://schemas.microsoft.com/office/powerpoint/2015/main" val="1"/>
+              </p:ext>
+            </p:extLst>
+          </p:nvPr>
+        </p:nvCxnSpPr>
+        <p:spPr>
+          <a:xfrm>
+            <a:off x="1207658" y="4343400"/>
+            <a:ext cx="9875520" cy="0"/>
+          </a:xfrm>
+          <a:prstGeom prst="line">
+            <a:avLst/>
+          </a:prstGeom>
+          <a:ln w="6350">
+            <a:solidFill>
+              <a:schemeClr val="tx1">
+                <a:lumMod val="50000"/>
+                <a:lumOff val="50000"/>
+              </a:schemeClr>
+            </a:solidFill>
+          </a:ln>
+        </p:spPr>
+        <p:style>
+          <a:lnRef idx="1">
+            <a:schemeClr val="accent1"/>
+          </a:lnRef>
+          <a:fillRef idx="0">
+            <a:schemeClr val="accent1"/>
+          </a:fillRef>
+          <a:effectRef idx="0">
+            <a:schemeClr val="accent1"/>
+          </a:effectRef>
+          <a:fontRef idx="minor">
+            <a:schemeClr val="tx1"/>
+          </a:fontRef>
+        </p:style>
+      </p:cxnSp>
+      <p:sp useBgFill="1">
+        <p:nvSpPr>
+          <p:cNvPr id="72" name="Rectangle 71">
+            <a:extLst>
+              <a:ext uri="{FF2B5EF4-FFF2-40B4-BE49-F238E27FC236}">
+                <a16:creationId xmlns:a16="http://schemas.microsoft.com/office/drawing/2014/main" id="{C6417104-D4C1-4710-9982-2154A7F48492}"/>
+              </a:ext>
+            </a:extLst>
+          </p:cNvPr>
+          <p:cNvSpPr>
+            <a:spLocks noGrp="1" noRot="1" noChangeAspect="1" noMove="1" noResize="1" noEditPoints="1" noAdjustHandles="1" noChangeArrowheads="1" noChangeShapeType="1" noTextEdit="1"/>
+          </p:cNvSpPr>
+          <p:nvPr>
+            <p:extLst>
+              <p:ext uri="{386F3935-93C4-4BCD-93E2-E3B085C9AB24}">
+                <p16:designElem xmlns:p16="http://schemas.microsoft.com/office/powerpoint/2015/main" val="1"/>
+              </p:ext>
+            </p:extLst>
+          </p:nvPr>
+        </p:nvSpPr>
+        <p:spPr>
+          <a:xfrm>
+            <a:off x="0" y="0"/>
+            <a:ext cx="12192001" cy="6334316"/>
+          </a:xfrm>
+          <a:prstGeom prst="rect">
+            <a:avLst/>
+          </a:prstGeom>
+          <a:ln>
+            <a:noFill/>
+          </a:ln>
+        </p:spPr>
+        <p:style>
+          <a:lnRef idx="2">
+            <a:schemeClr val="accent1">
+              <a:shade val="50000"/>
+            </a:schemeClr>
+          </a:lnRef>
+          <a:fillRef idx="1">
+            <a:schemeClr val="accent1"/>
+          </a:fillRef>
+          <a:effectRef idx="0">
+            <a:schemeClr val="accent1"/>
+          </a:effectRef>
+          <a:fontRef idx="minor">
+            <a:schemeClr val="lt1"/>
+          </a:fontRef>
+        </p:style>
+        <p:txBody>
+          <a:bodyPr rtlCol="0" anchor="ctr"/>
+          <a:lstStyle/>
+          <a:p>
+            <a:pPr algn="ctr"/>
+            <a:endParaRPr lang="en-US"/>
+          </a:p>
+        </p:txBody>
+      </p:sp>
+      <p:sp>
+        <p:nvSpPr>
+          <p:cNvPr id="74" name="Rectangle 73">
+            <a:extLst>
+              <a:ext uri="{FF2B5EF4-FFF2-40B4-BE49-F238E27FC236}">
+                <a16:creationId xmlns:a16="http://schemas.microsoft.com/office/drawing/2014/main" id="{07BDDC51-8BB2-42BE-8EA8-39B3E9AC1EF6}"/>
+              </a:ext>
+            </a:extLst>
+          </p:cNvPr>
+          <p:cNvSpPr>
+            <a:spLocks noGrp="1" noRot="1" noChangeAspect="1" noMove="1" noResize="1" noEditPoints="1" noAdjustHandles="1" noChangeArrowheads="1" noChangeShapeType="1" noTextEdit="1"/>
+          </p:cNvSpPr>
+          <p:nvPr>
+            <p:extLst>
+              <p:ext uri="{386F3935-93C4-4BCD-93E2-E3B085C9AB24}">
+                <p16:designElem xmlns:p16="http://schemas.microsoft.com/office/powerpoint/2015/main" val="1"/>
+              </p:ext>
+            </p:extLst>
+          </p:nvPr>
+        </p:nvSpPr>
+        <p:spPr>
+          <a:xfrm>
+            <a:off x="1" y="6400800"/>
+            <a:ext cx="12192000" cy="457200"/>
+          </a:xfrm>
+          <a:prstGeom prst="rect">
+            <a:avLst/>
+          </a:prstGeom>
+          <a:solidFill>
+            <a:schemeClr val="accent2"/>
+          </a:solidFill>
+          <a:ln>
+            <a:noFill/>
+          </a:ln>
+        </p:spPr>
+        <p:style>
+          <a:lnRef idx="2">
+            <a:schemeClr val="accent1">
+              <a:shade val="50000"/>
+            </a:schemeClr>
+          </a:lnRef>
+          <a:fillRef idx="1">
+            <a:schemeClr val="accent1"/>
+          </a:fillRef>
+          <a:effectRef idx="0">
+            <a:schemeClr val="accent1"/>
+          </a:effectRef>
+          <a:fontRef idx="minor">
+            <a:schemeClr val="lt1"/>
+          </a:fontRef>
+        </p:style>
+      </p:sp>
+      <p:sp>
+        <p:nvSpPr>
+          <p:cNvPr id="76" name="Rectangle 75">
+            <a:extLst>
+              <a:ext uri="{FF2B5EF4-FFF2-40B4-BE49-F238E27FC236}">
+                <a16:creationId xmlns:a16="http://schemas.microsoft.com/office/drawing/2014/main" id="{DA52A394-10F4-4AA5-90E4-634D1E919DBA}"/>
+              </a:ext>
+            </a:extLst>
+          </p:cNvPr>
+          <p:cNvSpPr>
+            <a:spLocks noGrp="1" noRot="1" noChangeAspect="1" noMove="1" noResize="1" noEditPoints="1" noAdjustHandles="1" noChangeArrowheads="1" noChangeShapeType="1" noTextEdit="1"/>
+          </p:cNvSpPr>
+          <p:nvPr>
+            <p:extLst>
+              <p:ext uri="{386F3935-93C4-4BCD-93E2-E3B085C9AB24}">
+                <p16:designElem xmlns:p16="http://schemas.microsoft.com/office/powerpoint/2015/main" val="1"/>
+              </p:ext>
+            </p:extLst>
+          </p:nvPr>
+        </p:nvSpPr>
+        <p:spPr>
+          <a:xfrm>
+            <a:off x="15" y="6334316"/>
+            <a:ext cx="12191985" cy="66484"/>
+          </a:xfrm>
+          <a:prstGeom prst="rect">
+            <a:avLst/>
+          </a:prstGeom>
+          <a:solidFill>
+            <a:schemeClr val="accent1"/>
+          </a:solidFill>
+          <a:ln>
+            <a:noFill/>
+          </a:ln>
+        </p:spPr>
+        <p:style>
+          <a:lnRef idx="2">
+            <a:schemeClr val="accent1">
+              <a:shade val="50000"/>
+            </a:schemeClr>
+          </a:lnRef>
+          <a:fillRef idx="1">
+            <a:schemeClr val="accent1"/>
+          </a:fillRef>
+          <a:effectRef idx="0">
+            <a:schemeClr val="accent1"/>
+          </a:effectRef>
+          <a:fontRef idx="minor">
+            <a:schemeClr val="lt1"/>
+          </a:fontRef>
+        </p:style>
+      </p:sp>
+      <p:cxnSp>
+        <p:nvCxnSpPr>
+          <p:cNvPr id="78" name="Straight Connector 77">
+            <a:extLst>
+              <a:ext uri="{FF2B5EF4-FFF2-40B4-BE49-F238E27FC236}">
+                <a16:creationId xmlns:a16="http://schemas.microsoft.com/office/drawing/2014/main" id="{04733B62-1719-4677-A612-CA0AC0AD7482}"/>
+              </a:ext>
+            </a:extLst>
+          </p:cNvPr>
+          <p:cNvCxnSpPr>
+            <a:cxnSpLocks noGrp="1" noRot="1" noChangeAspect="1" noMove="1" noResize="1" noEditPoints="1" noAdjustHandles="1" noChangeArrowheads="1" noChangeShapeType="1"/>
+          </p:cNvCxnSpPr>
+          <p:nvPr>
+            <p:extLst>
+              <p:ext uri="{386F3935-93C4-4BCD-93E2-E3B085C9AB24}">
+                <p16:designElem xmlns:p16="http://schemas.microsoft.com/office/powerpoint/2015/main" val="1"/>
+              </p:ext>
+            </p:extLst>
+          </p:nvPr>
+        </p:nvCxnSpPr>
+        <p:spPr>
+          <a:xfrm>
+            <a:off x="721086" y="5618770"/>
+            <a:ext cx="10515600" cy="0"/>
+          </a:xfrm>
+          <a:prstGeom prst="line">
+            <a:avLst/>
+          </a:prstGeom>
+          <a:ln w="6350">
+            <a:solidFill>
+              <a:schemeClr val="tx2">
+                <a:alpha val="90000"/>
+              </a:schemeClr>
+            </a:solidFill>
+          </a:ln>
+        </p:spPr>
+        <p:style>
+          <a:lnRef idx="1">
+            <a:schemeClr val="accent1"/>
+          </a:lnRef>
+          <a:fillRef idx="0">
+            <a:schemeClr val="accent1"/>
+          </a:fillRef>
+          <a:effectRef idx="0">
+            <a:schemeClr val="accent1"/>
+          </a:effectRef>
+          <a:fontRef idx="minor">
+            <a:schemeClr val="tx1"/>
+          </a:fontRef>
+        </p:style>
+      </p:cxnSp>
+      <p:pic>
+        <p:nvPicPr>
+          <p:cNvPr id="46" name="ตัวแทนเนื้อหา 4" descr="รูปภาพประกอบด้วย ภาพหน้าจอ&#10;&#10;คำอธิบายที่สร้างขึ้นโดยมีความน่าเชื่อถือสูงมาก">
+            <a:extLst>
+              <a:ext uri="{FF2B5EF4-FFF2-40B4-BE49-F238E27FC236}">
+                <a16:creationId xmlns:a16="http://schemas.microsoft.com/office/drawing/2014/main" id="{37455979-B492-4564-912E-C3793A56D2F5}"/>
+              </a:ext>
+            </a:extLst>
+          </p:cNvPr>
+          <p:cNvPicPr>
+            <a:picLocks noChangeAspect="1"/>
+          </p:cNvPicPr>
+          <p:nvPr/>
+        </p:nvPicPr>
+        <p:blipFill rotWithShape="1">
+          <a:blip r:embed="rId2"/>
+          <a:srcRect/>
+          <a:stretch/>
+        </p:blipFill>
+        <p:spPr>
+          <a:xfrm>
+            <a:off x="2860357" y="640080"/>
+            <a:ext cx="2906752" cy="3602736"/>
+          </a:xfrm>
+          <a:prstGeom prst="rect">
+            <a:avLst/>
+          </a:prstGeom>
+        </p:spPr>
+      </p:pic>
+      <p:pic>
+        <p:nvPicPr>
+          <p:cNvPr id="4" name="รูปภาพ 3" descr="รูปภาพประกอบด้วย ภาพหน้าจอ&#10;&#10;คำอธิบายที่สร้างขึ้นโดยมีความน่าเชื่อถือสูงมาก">
+            <a:extLst>
+              <a:ext uri="{FF2B5EF4-FFF2-40B4-BE49-F238E27FC236}">
+                <a16:creationId xmlns:a16="http://schemas.microsoft.com/office/drawing/2014/main" id="{0E99634B-4CD7-4E15-81E7-1A1E314B6666}"/>
+              </a:ext>
+            </a:extLst>
+          </p:cNvPr>
+          <p:cNvPicPr>
+            <a:picLocks noChangeAspect="1"/>
+          </p:cNvPicPr>
+          <p:nvPr/>
+        </p:nvPicPr>
+        <p:blipFill rotWithShape="1">
+          <a:blip r:embed="rId3"/>
+          <a:srcRect/>
+          <a:stretch/>
+        </p:blipFill>
+        <p:spPr>
+          <a:xfrm>
+            <a:off x="6424891" y="640080"/>
+            <a:ext cx="2906752" cy="3602736"/>
+          </a:xfrm>
+          <a:prstGeom prst="rect">
+            <a:avLst/>
+          </a:prstGeom>
+        </p:spPr>
+      </p:pic>
+      <p:sp>
+        <p:nvSpPr>
+          <p:cNvPr id="80" name="Rectangle 79">
+            <a:extLst>
+              <a:ext uri="{FF2B5EF4-FFF2-40B4-BE49-F238E27FC236}">
+                <a16:creationId xmlns:a16="http://schemas.microsoft.com/office/drawing/2014/main" id="{626F1402-2DEC-4071-84AF-350C7BF00D43}"/>
+              </a:ext>
+            </a:extLst>
+          </p:cNvPr>
+          <p:cNvSpPr>
+            <a:spLocks noGrp="1" noRot="1" noChangeAspect="1" noMove="1" noResize="1" noEditPoints="1" noAdjustHandles="1" noChangeArrowheads="1" noChangeShapeType="1" noTextEdit="1"/>
+          </p:cNvSpPr>
+          <p:nvPr>
+            <p:extLst>
+              <p:ext uri="{386F3935-93C4-4BCD-93E2-E3B085C9AB24}">
+                <p16:designElem xmlns:p16="http://schemas.microsoft.com/office/powerpoint/2015/main" val="1"/>
+              </p:ext>
+            </p:extLst>
+          </p:nvPr>
+        </p:nvSpPr>
+        <p:spPr>
+          <a:xfrm>
+            <a:off x="6063996" y="886968"/>
+            <a:ext cx="64008" cy="3108960"/>
+          </a:xfrm>
+          <a:prstGeom prst="rect">
+            <a:avLst/>
+          </a:prstGeom>
+          <a:ln>
+            <a:noFill/>
+          </a:ln>
+        </p:spPr>
+        <p:style>
+          <a:lnRef idx="2">
+            <a:schemeClr val="accent1">
+              <a:shade val="50000"/>
+            </a:schemeClr>
+          </a:lnRef>
+          <a:fillRef idx="1">
+            <a:schemeClr val="accent1"/>
+          </a:fillRef>
+          <a:effectRef idx="0">
+            <a:schemeClr val="accent1"/>
+          </a:effectRef>
+          <a:fontRef idx="minor">
+            <a:schemeClr val="lt1"/>
+          </a:fontRef>
+        </p:style>
+        <p:txBody>
+          <a:bodyPr rtlCol="0" anchor="ctr"/>
+          <a:lstStyle/>
+          <a:p>
+            <a:pPr algn="ctr"/>
+            <a:endParaRPr lang="en-US"/>
+          </a:p>
+        </p:txBody>
+      </p:sp>
+      <p:sp>
+        <p:nvSpPr>
+          <p:cNvPr id="2" name="ชื่อเรื่อง 1">
+            <a:extLst>
+              <a:ext uri="{FF2B5EF4-FFF2-40B4-BE49-F238E27FC236}">
+                <a16:creationId xmlns:a16="http://schemas.microsoft.com/office/drawing/2014/main" id="{2864EBC6-4C7A-48E3-B9B1-343C523B8DD3}"/>
+              </a:ext>
+            </a:extLst>
+          </p:cNvPr>
+          <p:cNvSpPr>
+            <a:spLocks noGrp="1"/>
+          </p:cNvSpPr>
+          <p:nvPr>
+            <p:ph type="title"/>
+          </p:nvPr>
+        </p:nvSpPr>
+        <p:spPr>
+          <a:xfrm>
+            <a:off x="633999" y="4550229"/>
+            <a:ext cx="10909073" cy="1057655"/>
+          </a:xfrm>
+        </p:spPr>
+        <p:txBody>
+          <a:bodyPr vert="horz" lIns="91440" tIns="45720" rIns="91440" bIns="45720" rtlCol="0" anchor="b">
+            <a:normAutofit/>
+          </a:bodyPr>
+          <a:lstStyle/>
+          <a:p>
+            <a:r>
+              <a:rPr lang="en-US" sz="6000">
+                <a:solidFill>
+                  <a:schemeClr val="tx1">
+                    <a:lumMod val="85000"/>
+                    <a:lumOff val="15000"/>
+                  </a:schemeClr>
+                </a:solidFill>
+              </a:rPr>
+              <a:t>สามารถกด แบ่งเวลา ได้</a:t>
+            </a:r>
+          </a:p>
+        </p:txBody>
+      </p:sp>
+      <p:sp>
+        <p:nvSpPr>
+          <p:cNvPr id="48" name="Content Placeholder 47"/>
+          <p:cNvSpPr>
+            <a:spLocks noGrp="1"/>
+          </p:cNvSpPr>
+          <p:nvPr>
+            <p:ph idx="1"/>
+          </p:nvPr>
+        </p:nvSpPr>
+        <p:spPr>
+          <a:xfrm>
+            <a:off x="633999" y="5727515"/>
+            <a:ext cx="10925101" cy="515477"/>
+          </a:xfrm>
+        </p:spPr>
+        <p:txBody>
+          <a:bodyPr vert="horz" lIns="91440" tIns="45720" rIns="91440" bIns="45720" rtlCol="0">
+            <a:normAutofit/>
+          </a:bodyPr>
+          <a:lstStyle/>
+          <a:p>
+            <a:pPr marL="0" indent="0">
+              <a:buNone/>
+            </a:pPr>
+            <a:r>
+              <a:rPr lang="en-US" cap="all" spc="200">
+                <a:solidFill>
+                  <a:schemeClr val="tx1">
+                    <a:lumMod val="85000"/>
+                    <a:lumOff val="15000"/>
+                  </a:schemeClr>
+                </a:solidFill>
+                <a:latin typeface="+mj-lt"/>
+              </a:rPr>
+              <a:t>และสามารถกด หยุดชั่วคราว ได้</a:t>
+            </a:r>
+          </a:p>
+        </p:txBody>
+      </p:sp>
+    </p:spTree>
+    <p:extLst>
+      <p:ext uri="{BB962C8B-B14F-4D97-AF65-F5344CB8AC3E}">
+        <p14:creationId xmlns:p14="http://schemas.microsoft.com/office/powerpoint/2010/main" val="1831916538"/>
+      </p:ext>
+    </p:extLst>
+  </p:cSld>
+  <p:clrMapOvr>
+    <a:masterClrMapping/>
+  </p:clrMapOvr>
+</p:sld>
+</file>
+
+<file path=ppt/slides/slide19.xml><?xml version="1.0" encoding="utf-8"?>
+<p:sld xmlns:a="http://schemas.openxmlformats.org/drawingml/2006/main" xmlns:r="http://schemas.openxmlformats.org/officeDocument/2006/relationships" xmlns:p="http://schemas.openxmlformats.org/presentationml/2006/main">
+  <p:cSld>
+    <p:bg>
+      <p:bgPr>
+        <a:solidFill>
+          <a:schemeClr val="bg1"/>
+        </a:solidFill>
+        <a:effectLst/>
+      </p:bgPr>
+    </p:bg>
+    <p:spTree>
+      <p:nvGrpSpPr>
+        <p:cNvPr id="1" name=""/>
+        <p:cNvGrpSpPr/>
+        <p:nvPr/>
+      </p:nvGrpSpPr>
+      <p:grpSpPr>
+        <a:xfrm>
+          <a:off x="0" y="0"/>
+          <a:ext cx="0" cy="0"/>
+          <a:chOff x="0" y="0"/>
+          <a:chExt cx="0" cy="0"/>
+        </a:xfrm>
+      </p:grpSpPr>
+      <p:sp>
+        <p:nvSpPr>
+          <p:cNvPr id="27" name="Rectangle 26">
+            <a:extLst>
+              <a:ext uri="{FF2B5EF4-FFF2-40B4-BE49-F238E27FC236}">
+                <a16:creationId xmlns:a16="http://schemas.microsoft.com/office/drawing/2014/main" id="{4E4490D0-3672-446A-AC12-B4830333BDDD}"/>
+              </a:ext>
+            </a:extLst>
+          </p:cNvPr>
+          <p:cNvSpPr>
+            <a:spLocks noGrp="1" noRot="1" noChangeAspect="1" noMove="1" noResize="1" noEditPoints="1" noAdjustHandles="1" noChangeArrowheads="1" noChangeShapeType="1" noTextEdit="1"/>
+          </p:cNvSpPr>
+          <p:nvPr>
+            <p:extLst>
+              <p:ext uri="{386F3935-93C4-4BCD-93E2-E3B085C9AB24}">
+                <p16:designElem xmlns:p16="http://schemas.microsoft.com/office/powerpoint/2015/main" val="1"/>
+              </p:ext>
+            </p:extLst>
+          </p:nvPr>
+        </p:nvSpPr>
+        <p:spPr>
+          <a:xfrm>
+            <a:off x="3175" y="6400800"/>
+            <a:ext cx="12188825" cy="457200"/>
+          </a:xfrm>
+          <a:prstGeom prst="rect">
+            <a:avLst/>
+          </a:prstGeom>
+          <a:solidFill>
+            <a:schemeClr val="accent2"/>
+          </a:solidFill>
+          <a:ln>
+            <a:noFill/>
+          </a:ln>
+        </p:spPr>
+        <p:style>
+          <a:lnRef idx="2">
+            <a:schemeClr val="accent1">
+              <a:shade val="50000"/>
+            </a:schemeClr>
+          </a:lnRef>
+          <a:fillRef idx="1">
+            <a:schemeClr val="accent1"/>
+          </a:fillRef>
+          <a:effectRef idx="0">
+            <a:schemeClr val="accent1"/>
+          </a:effectRef>
+          <a:fontRef idx="minor">
+            <a:schemeClr val="lt1"/>
+          </a:fontRef>
+        </p:style>
+      </p:sp>
+      <p:sp>
+        <p:nvSpPr>
+          <p:cNvPr id="29" name="Rectangle 28">
+            <a:extLst>
+              <a:ext uri="{FF2B5EF4-FFF2-40B4-BE49-F238E27FC236}">
+                <a16:creationId xmlns:a16="http://schemas.microsoft.com/office/drawing/2014/main" id="{39CB82C2-DF65-4EC1-8280-F201D50F570B}"/>
+              </a:ext>
+            </a:extLst>
+          </p:cNvPr>
+          <p:cNvSpPr>
+            <a:spLocks noGrp="1" noRot="1" noChangeAspect="1" noMove="1" noResize="1" noEditPoints="1" noAdjustHandles="1" noChangeArrowheads="1" noChangeShapeType="1" noTextEdit="1"/>
+          </p:cNvSpPr>
+          <p:nvPr>
+            <p:extLst>
+              <p:ext uri="{386F3935-93C4-4BCD-93E2-E3B085C9AB24}">
+                <p16:designElem xmlns:p16="http://schemas.microsoft.com/office/powerpoint/2015/main" val="1"/>
+              </p:ext>
+            </p:extLst>
+          </p:nvPr>
+        </p:nvSpPr>
+        <p:spPr>
+          <a:xfrm>
+            <a:off x="15" y="6334316"/>
+            <a:ext cx="12188825" cy="64008"/>
+          </a:xfrm>
+          <a:prstGeom prst="rect">
+            <a:avLst/>
+          </a:prstGeom>
+          <a:solidFill>
+            <a:schemeClr val="accent1"/>
+          </a:solidFill>
+          <a:ln>
+            <a:noFill/>
+          </a:ln>
+        </p:spPr>
+        <p:style>
+          <a:lnRef idx="2">
+            <a:schemeClr val="accent1">
+              <a:shade val="50000"/>
+            </a:schemeClr>
+          </a:lnRef>
+          <a:fillRef idx="1">
+            <a:schemeClr val="accent1"/>
+          </a:fillRef>
+          <a:effectRef idx="0">
+            <a:schemeClr val="accent1"/>
+          </a:effectRef>
+          <a:fontRef idx="minor">
+            <a:schemeClr val="lt1"/>
+          </a:fontRef>
+        </p:style>
+      </p:sp>
+      <p:cxnSp>
+        <p:nvCxnSpPr>
+          <p:cNvPr id="31" name="Straight Connector 30">
+            <a:extLst>
+              <a:ext uri="{FF2B5EF4-FFF2-40B4-BE49-F238E27FC236}">
+                <a16:creationId xmlns:a16="http://schemas.microsoft.com/office/drawing/2014/main" id="{7E1D4427-852B-4B37-8E76-0E9F1810BA2A}"/>
+              </a:ext>
+            </a:extLst>
+          </p:cNvPr>
+          <p:cNvCxnSpPr>
+            <a:cxnSpLocks noGrp="1" noRot="1" noChangeAspect="1" noMove="1" noResize="1" noEditPoints="1" noAdjustHandles="1" noChangeArrowheads="1" noChangeShapeType="1"/>
+          </p:cNvCxnSpPr>
+          <p:nvPr>
+            <p:extLst>
+              <p:ext uri="{386F3935-93C4-4BCD-93E2-E3B085C9AB24}">
+                <p16:designElem xmlns:p16="http://schemas.microsoft.com/office/powerpoint/2015/main" val="1"/>
+              </p:ext>
+            </p:extLst>
+          </p:nvPr>
+        </p:nvCxnSpPr>
+        <p:spPr>
+          <a:xfrm>
+            <a:off x="1207658" y="4343400"/>
+            <a:ext cx="9875520" cy="0"/>
+          </a:xfrm>
+          <a:prstGeom prst="line">
+            <a:avLst/>
+          </a:prstGeom>
+          <a:ln w="6350">
+            <a:solidFill>
+              <a:schemeClr val="tx1">
+                <a:lumMod val="50000"/>
+                <a:lumOff val="50000"/>
+              </a:schemeClr>
+            </a:solidFill>
+          </a:ln>
+        </p:spPr>
+        <p:style>
+          <a:lnRef idx="1">
+            <a:schemeClr val="accent1"/>
+          </a:lnRef>
+          <a:fillRef idx="0">
+            <a:schemeClr val="accent1"/>
+          </a:fillRef>
+          <a:effectRef idx="0">
+            <a:schemeClr val="accent1"/>
+          </a:effectRef>
+          <a:fontRef idx="minor">
+            <a:schemeClr val="tx1"/>
+          </a:fontRef>
+        </p:style>
+      </p:cxnSp>
+      <p:sp useBgFill="1">
+        <p:nvSpPr>
+          <p:cNvPr id="33" name="Rectangle 32">
+            <a:extLst>
+              <a:ext uri="{FF2B5EF4-FFF2-40B4-BE49-F238E27FC236}">
+                <a16:creationId xmlns:a16="http://schemas.microsoft.com/office/drawing/2014/main" id="{5AE6C737-FF55-4064-94B7-0B21D2EB6045}"/>
+              </a:ext>
+            </a:extLst>
+          </p:cNvPr>
+          <p:cNvSpPr>
+            <a:spLocks noGrp="1" noRot="1" noChangeAspect="1" noMove="1" noResize="1" noEditPoints="1" noAdjustHandles="1" noChangeArrowheads="1" noChangeShapeType="1" noTextEdit="1"/>
+          </p:cNvSpPr>
+          <p:nvPr>
+            <p:extLst>
+              <p:ext uri="{386F3935-93C4-4BCD-93E2-E3B085C9AB24}">
+                <p16:designElem xmlns:p16="http://schemas.microsoft.com/office/powerpoint/2015/main" val="1"/>
+              </p:ext>
+            </p:extLst>
+          </p:nvPr>
+        </p:nvSpPr>
+        <p:spPr>
+          <a:xfrm>
+            <a:off x="0" y="0"/>
+            <a:ext cx="12192001" cy="6334316"/>
+          </a:xfrm>
+          <a:prstGeom prst="rect">
+            <a:avLst/>
+          </a:prstGeom>
+          <a:ln>
+            <a:noFill/>
+          </a:ln>
+        </p:spPr>
+        <p:style>
+          <a:lnRef idx="2">
+            <a:schemeClr val="accent1">
+              <a:shade val="50000"/>
+            </a:schemeClr>
+          </a:lnRef>
+          <a:fillRef idx="1">
+            <a:schemeClr val="accent1"/>
+          </a:fillRef>
+          <a:effectRef idx="0">
+            <a:schemeClr val="accent1"/>
+          </a:effectRef>
+          <a:fontRef idx="minor">
+            <a:schemeClr val="lt1"/>
+          </a:fontRef>
+        </p:style>
+        <p:txBody>
+          <a:bodyPr rtlCol="0" anchor="ctr"/>
+          <a:lstStyle/>
+          <a:p>
+            <a:pPr algn="ctr"/>
+            <a:endParaRPr lang="en-US"/>
+          </a:p>
+        </p:txBody>
+      </p:sp>
+      <p:sp>
+        <p:nvSpPr>
+          <p:cNvPr id="35" name="Rectangle 34">
+            <a:extLst>
+              <a:ext uri="{FF2B5EF4-FFF2-40B4-BE49-F238E27FC236}">
+                <a16:creationId xmlns:a16="http://schemas.microsoft.com/office/drawing/2014/main" id="{2D3DCA99-84AF-487A-BF72-91C5FA6B0B70}"/>
+              </a:ext>
+            </a:extLst>
+          </p:cNvPr>
+          <p:cNvSpPr>
+            <a:spLocks noGrp="1" noRot="1" noChangeAspect="1" noMove="1" noResize="1" noEditPoints="1" noAdjustHandles="1" noChangeArrowheads="1" noChangeShapeType="1" noTextEdit="1"/>
+          </p:cNvSpPr>
+          <p:nvPr>
+            <p:extLst>
+              <p:ext uri="{386F3935-93C4-4BCD-93E2-E3B085C9AB24}">
+                <p16:designElem xmlns:p16="http://schemas.microsoft.com/office/powerpoint/2015/main" val="1"/>
+              </p:ext>
+            </p:extLst>
+          </p:nvPr>
+        </p:nvSpPr>
+        <p:spPr>
+          <a:xfrm>
+            <a:off x="1" y="6400800"/>
+            <a:ext cx="12192000" cy="457200"/>
+          </a:xfrm>
+          <a:prstGeom prst="rect">
+            <a:avLst/>
+          </a:prstGeom>
+          <a:solidFill>
+            <a:schemeClr val="accent2"/>
+          </a:solidFill>
+          <a:ln>
+            <a:noFill/>
+          </a:ln>
+        </p:spPr>
+        <p:style>
+          <a:lnRef idx="2">
+            <a:schemeClr val="accent1">
+              <a:shade val="50000"/>
+            </a:schemeClr>
+          </a:lnRef>
+          <a:fillRef idx="1">
+            <a:schemeClr val="accent1"/>
+          </a:fillRef>
+          <a:effectRef idx="0">
+            <a:schemeClr val="accent1"/>
+          </a:effectRef>
+          <a:fontRef idx="minor">
+            <a:schemeClr val="lt1"/>
+          </a:fontRef>
+        </p:style>
+      </p:sp>
+      <p:sp>
+        <p:nvSpPr>
+          <p:cNvPr id="37" name="Rectangle 36">
+            <a:extLst>
+              <a:ext uri="{FF2B5EF4-FFF2-40B4-BE49-F238E27FC236}">
+                <a16:creationId xmlns:a16="http://schemas.microsoft.com/office/drawing/2014/main" id="{D8218D9F-38B6-4AE0-9051-5434D19A5277}"/>
+              </a:ext>
+            </a:extLst>
+          </p:cNvPr>
+          <p:cNvSpPr>
+            <a:spLocks noGrp="1" noRot="1" noChangeAspect="1" noMove="1" noResize="1" noEditPoints="1" noAdjustHandles="1" noChangeArrowheads="1" noChangeShapeType="1" noTextEdit="1"/>
+          </p:cNvSpPr>
+          <p:nvPr>
+            <p:extLst>
+              <p:ext uri="{386F3935-93C4-4BCD-93E2-E3B085C9AB24}">
+                <p16:designElem xmlns:p16="http://schemas.microsoft.com/office/powerpoint/2015/main" val="1"/>
+              </p:ext>
+            </p:extLst>
+          </p:nvPr>
+        </p:nvSpPr>
+        <p:spPr>
+          <a:xfrm>
+            <a:off x="15" y="6334316"/>
+            <a:ext cx="12191985" cy="66484"/>
+          </a:xfrm>
+          <a:prstGeom prst="rect">
+            <a:avLst/>
+          </a:prstGeom>
+          <a:solidFill>
+            <a:schemeClr val="accent1"/>
+          </a:solidFill>
+          <a:ln>
+            <a:noFill/>
+          </a:ln>
+        </p:spPr>
+        <p:style>
+          <a:lnRef idx="2">
+            <a:schemeClr val="accent1">
+              <a:shade val="50000"/>
+            </a:schemeClr>
+          </a:lnRef>
+          <a:fillRef idx="1">
+            <a:schemeClr val="accent1"/>
+          </a:fillRef>
+          <a:effectRef idx="0">
+            <a:schemeClr val="accent1"/>
+          </a:effectRef>
+          <a:fontRef idx="minor">
+            <a:schemeClr val="lt1"/>
+          </a:fontRef>
+        </p:style>
+      </p:sp>
+      <p:cxnSp>
+        <p:nvCxnSpPr>
+          <p:cNvPr id="39" name="Straight Connector 38">
+            <a:extLst>
+              <a:ext uri="{FF2B5EF4-FFF2-40B4-BE49-F238E27FC236}">
+                <a16:creationId xmlns:a16="http://schemas.microsoft.com/office/drawing/2014/main" id="{6B5B1DD8-6224-4137-8621-32982B00F9FC}"/>
+              </a:ext>
+            </a:extLst>
+          </p:cNvPr>
+          <p:cNvCxnSpPr>
+            <a:cxnSpLocks noGrp="1" noRot="1" noChangeAspect="1" noMove="1" noResize="1" noEditPoints="1" noAdjustHandles="1" noChangeArrowheads="1" noChangeShapeType="1"/>
+          </p:cNvCxnSpPr>
+          <p:nvPr>
+            <p:extLst>
+              <p:ext uri="{386F3935-93C4-4BCD-93E2-E3B085C9AB24}">
+                <p16:designElem xmlns:p16="http://schemas.microsoft.com/office/powerpoint/2015/main" val="1"/>
+              </p:ext>
+            </p:extLst>
+          </p:nvPr>
+        </p:nvCxnSpPr>
+        <p:spPr>
+          <a:xfrm>
+            <a:off x="6805053" y="4343400"/>
+            <a:ext cx="4389120" cy="0"/>
+          </a:xfrm>
+          <a:prstGeom prst="line">
+            <a:avLst/>
+          </a:prstGeom>
+          <a:ln w="6350">
+            <a:solidFill>
+              <a:schemeClr val="tx2">
+                <a:alpha val="90000"/>
+              </a:schemeClr>
+            </a:solidFill>
+          </a:ln>
+        </p:spPr>
+        <p:style>
+          <a:lnRef idx="1">
+            <a:schemeClr val="accent1"/>
+          </a:lnRef>
+          <a:fillRef idx="0">
+            <a:schemeClr val="accent1"/>
+          </a:fillRef>
+          <a:effectRef idx="0">
+            <a:schemeClr val="accent1"/>
+          </a:effectRef>
+          <a:fontRef idx="minor">
+            <a:schemeClr val="tx1"/>
+          </a:fontRef>
+        </p:style>
+      </p:cxnSp>
+      <p:pic>
+        <p:nvPicPr>
+          <p:cNvPr id="7" name="รูปภาพ 3" descr="รูปภาพประกอบด้วย ภาพหน้าจอ&#10;&#10;คำอธิบายที่สร้างขึ้นโดยมีความน่าเชื่อถือสูงมาก">
+            <a:extLst>
+              <a:ext uri="{FF2B5EF4-FFF2-40B4-BE49-F238E27FC236}">
+                <a16:creationId xmlns:a16="http://schemas.microsoft.com/office/drawing/2014/main" id="{66135AD3-3F19-4759-BF51-0983527724C7}"/>
+              </a:ext>
+            </a:extLst>
+          </p:cNvPr>
+          <p:cNvPicPr>
+            <a:picLocks noGrp="1" noChangeAspect="1"/>
+          </p:cNvPicPr>
+          <p:nvPr>
+            <p:ph idx="1"/>
+          </p:nvPr>
+        </p:nvPicPr>
+        <p:blipFill>
+          <a:blip r:embed="rId2"/>
+          <a:stretch>
+            <a:fillRect/>
+          </a:stretch>
+        </p:blipFill>
+        <p:spPr>
+          <a:xfrm>
+            <a:off x="816323" y="640081"/>
+            <a:ext cx="5097353" cy="5054156"/>
+          </a:xfrm>
+          <a:prstGeom prst="rect">
+            <a:avLst/>
+          </a:prstGeom>
+        </p:spPr>
+      </p:pic>
+      <p:sp>
+        <p:nvSpPr>
+          <p:cNvPr id="2" name="ชื่อเรื่อง 1">
+            <a:extLst>
+              <a:ext uri="{FF2B5EF4-FFF2-40B4-BE49-F238E27FC236}">
+                <a16:creationId xmlns:a16="http://schemas.microsoft.com/office/drawing/2014/main" id="{1BCEE619-6C32-40E4-8587-36FF78C84164}"/>
+              </a:ext>
+            </a:extLst>
+          </p:cNvPr>
+          <p:cNvSpPr>
+            <a:spLocks noGrp="1"/>
+          </p:cNvSpPr>
+          <p:nvPr>
+            <p:ph type="title"/>
+          </p:nvPr>
+        </p:nvSpPr>
+        <p:spPr>
+          <a:xfrm>
+            <a:off x="6730000" y="639097"/>
+            <a:ext cx="4813072" cy="3686015"/>
+          </a:xfrm>
+        </p:spPr>
+        <p:txBody>
+          <a:bodyPr vert="horz" lIns="91440" tIns="45720" rIns="91440" bIns="45720" rtlCol="0" anchor="b">
+            <a:normAutofit/>
+          </a:bodyPr>
+          <a:lstStyle/>
+          <a:p>
+            <a:r>
+              <a:rPr lang="en-US" sz="8000">
+                <a:solidFill>
+                  <a:schemeClr val="tx1">
+                    <a:lumMod val="85000"/>
+                    <a:lumOff val="15000"/>
+                  </a:schemeClr>
+                </a:solidFill>
+              </a:rPr>
+              <a:t>หน้าเกี่ยวกับโปรแกรม</a:t>
+            </a:r>
+            <a:endParaRPr lang="en-US" sz="8000" dirty="0">
+              <a:solidFill>
+                <a:schemeClr val="tx1">
+                  <a:lumMod val="85000"/>
+                  <a:lumOff val="15000"/>
+                </a:schemeClr>
+              </a:solidFill>
+            </a:endParaRPr>
+          </a:p>
+        </p:txBody>
+      </p:sp>
+    </p:spTree>
+    <p:extLst>
+      <p:ext uri="{BB962C8B-B14F-4D97-AF65-F5344CB8AC3E}">
+        <p14:creationId xmlns:p14="http://schemas.microsoft.com/office/powerpoint/2010/main" val="4124522545"/>
+      </p:ext>
+    </p:extLst>
+  </p:cSld>
+  <p:clrMapOvr>
+    <a:masterClrMapping/>
+  </p:clrMapOvr>
+</p:sld>
+</file>
+
+<file path=ppt/slides/slide2.xml><?xml version="1.0" encoding="utf-8"?>
+<p:sld xmlns:a="http://schemas.openxmlformats.org/drawingml/2006/main" xmlns:r="http://schemas.openxmlformats.org/officeDocument/2006/relationships" xmlns:p="http://schemas.openxmlformats.org/presentationml/2006/main">
+  <p:cSld>
+    <p:spTree>
+      <p:nvGrpSpPr>
+        <p:cNvPr id="1" name=""/>
+        <p:cNvGrpSpPr/>
+        <p:nvPr/>
+      </p:nvGrpSpPr>
+      <p:grpSpPr>
+        <a:xfrm>
+          <a:off x="0" y="0"/>
+          <a:ext cx="0" cy="0"/>
+          <a:chOff x="0" y="0"/>
+          <a:chExt cx="0" cy="0"/>
+        </a:xfrm>
+      </p:grpSpPr>
+      <p:sp>
+        <p:nvSpPr>
+          <p:cNvPr id="2" name="ชื่อเรื่อง 1">
+            <a:extLst>
+              <a:ext uri="{FF2B5EF4-FFF2-40B4-BE49-F238E27FC236}">
+                <a16:creationId xmlns:a16="http://schemas.microsoft.com/office/drawing/2014/main" id="{D83B59C7-93AD-4165-9935-D6A351676C45}"/>
+              </a:ext>
+            </a:extLst>
+          </p:cNvPr>
+          <p:cNvSpPr>
+            <a:spLocks noGrp="1"/>
+          </p:cNvSpPr>
+          <p:nvPr>
+            <p:ph type="title"/>
+          </p:nvPr>
+        </p:nvSpPr>
+        <p:spPr/>
+        <p:txBody>
+          <a:bodyPr/>
+          <a:lstStyle/>
+          <a:p>
+            <a:r>
+              <a:rPr lang="th-TH" dirty="0"/>
+              <a:t>วัตถุประสงค์</a:t>
+            </a:r>
+          </a:p>
+        </p:txBody>
+      </p:sp>
+      <p:sp>
+        <p:nvSpPr>
+          <p:cNvPr id="3" name="ตัวแทนเนื้อหา 2">
+            <a:extLst>
+              <a:ext uri="{FF2B5EF4-FFF2-40B4-BE49-F238E27FC236}">
+                <a16:creationId xmlns:a16="http://schemas.microsoft.com/office/drawing/2014/main" id="{810F9BF5-297F-45CD-B911-AF711474F352}"/>
+              </a:ext>
+            </a:extLst>
+          </p:cNvPr>
+          <p:cNvSpPr>
+            <a:spLocks noGrp="1"/>
+          </p:cNvSpPr>
+          <p:nvPr>
+            <p:ph idx="1"/>
+          </p:nvPr>
+        </p:nvSpPr>
+        <p:spPr/>
+        <p:txBody>
+          <a:bodyPr>
+            <a:normAutofit/>
+          </a:bodyPr>
+          <a:lstStyle/>
+          <a:p>
+            <a:pPr>
+              <a:buFont typeface="Arial" panose="020B0604020202020204" pitchFamily="34" charset="0"/>
+              <a:buChar char="•"/>
+            </a:pPr>
+            <a:r>
+              <a:rPr lang="th-TH" sz="2800" dirty="0">
+                <a:cs typeface="+mj-cs"/>
+              </a:rPr>
+              <a:t>เพื่อศึกษาการเขียนโปรแกรมด้วย </a:t>
+            </a:r>
+            <a:r>
+              <a:rPr lang="en-US" sz="2800" dirty="0">
+                <a:cs typeface="+mj-cs"/>
+              </a:rPr>
+              <a:t>Windows Form </a:t>
+            </a:r>
+            <a:r>
+              <a:rPr lang="th-TH" sz="2800" dirty="0">
+                <a:cs typeface="+mj-cs"/>
+              </a:rPr>
+              <a:t>ใน </a:t>
+            </a:r>
+            <a:r>
+              <a:rPr lang="en-US" sz="2800" dirty="0">
+                <a:cs typeface="+mj-cs"/>
+              </a:rPr>
+              <a:t>C#</a:t>
+            </a:r>
+          </a:p>
+          <a:p>
+            <a:pPr>
+              <a:buFont typeface="Arial" panose="020B0604020202020204" pitchFamily="34" charset="0"/>
+              <a:buChar char="•"/>
+            </a:pPr>
+            <a:r>
+              <a:rPr lang="th-TH" sz="2800" dirty="0">
+                <a:cs typeface="+mj-cs"/>
+              </a:rPr>
+              <a:t>เพื่อเป็นโปรแกรมแจ้งเตือนตามเวลาในระบบปฏิบัติการ </a:t>
+            </a:r>
+            <a:r>
+              <a:rPr lang="en-US" sz="2800" dirty="0">
+                <a:cs typeface="+mj-cs"/>
+              </a:rPr>
+              <a:t>Windows</a:t>
+            </a:r>
+          </a:p>
+          <a:p>
+            <a:pPr>
+              <a:buFont typeface="Arial" panose="020B0604020202020204" pitchFamily="34" charset="0"/>
+              <a:buChar char="•"/>
+            </a:pPr>
+            <a:r>
+              <a:rPr lang="th-TH" sz="2800" dirty="0">
+                <a:cs typeface="+mj-cs"/>
+              </a:rPr>
+              <a:t>เพื่อเป็นโปรแกรมสำหรับใช้สั่งงานรันโปรแกรมตามเวลาที่กำหนด</a:t>
+            </a:r>
+          </a:p>
+        </p:txBody>
+      </p:sp>
+    </p:spTree>
+    <p:extLst>
+      <p:ext uri="{BB962C8B-B14F-4D97-AF65-F5344CB8AC3E}">
+        <p14:creationId xmlns:p14="http://schemas.microsoft.com/office/powerpoint/2010/main" val="795774355"/>
+      </p:ext>
+    </p:extLst>
+  </p:cSld>
+  <p:clrMapOvr>
+    <a:masterClrMapping/>
+  </p:clrMapOvr>
+</p:sld>
+</file>
+
+<file path=ppt/slides/slide3.xml><?xml version="1.0" encoding="utf-8"?>
+<p:sld xmlns:a="http://schemas.openxmlformats.org/drawingml/2006/main" xmlns:r="http://schemas.openxmlformats.org/officeDocument/2006/relationships" xmlns:p="http://schemas.openxmlformats.org/presentationml/2006/main">
+  <p:cSld>
+    <p:spTree>
+      <p:nvGrpSpPr>
+        <p:cNvPr id="1" name=""/>
+        <p:cNvGrpSpPr/>
+        <p:nvPr/>
+      </p:nvGrpSpPr>
+      <p:grpSpPr>
+        <a:xfrm>
+          <a:off x="0" y="0"/>
+          <a:ext cx="0" cy="0"/>
+          <a:chOff x="0" y="0"/>
+          <a:chExt cx="0" cy="0"/>
+        </a:xfrm>
+      </p:grpSpPr>
+      <p:sp>
+        <p:nvSpPr>
+          <p:cNvPr id="2" name="ชื่อเรื่อง 1">
+            <a:extLst>
+              <a:ext uri="{FF2B5EF4-FFF2-40B4-BE49-F238E27FC236}">
+                <a16:creationId xmlns:a16="http://schemas.microsoft.com/office/drawing/2014/main" id="{953EFE8C-9C26-4F49-96B8-CA51CC0BF908}"/>
+              </a:ext>
+            </a:extLst>
+          </p:cNvPr>
+          <p:cNvSpPr>
+            <a:spLocks noGrp="1"/>
+          </p:cNvSpPr>
+          <p:nvPr>
+            <p:ph type="title"/>
+          </p:nvPr>
+        </p:nvSpPr>
+        <p:spPr/>
+        <p:txBody>
+          <a:bodyPr/>
+          <a:lstStyle/>
+          <a:p>
+            <a:r>
+              <a:rPr lang="th-TH" dirty="0"/>
+              <a:t>ขอบเขตของโปรเจคที่ทำ</a:t>
+            </a:r>
+          </a:p>
+        </p:txBody>
+      </p:sp>
+      <p:sp>
+        <p:nvSpPr>
+          <p:cNvPr id="3" name="ตัวแทนเนื้อหา 2">
+            <a:extLst>
+              <a:ext uri="{FF2B5EF4-FFF2-40B4-BE49-F238E27FC236}">
+                <a16:creationId xmlns:a16="http://schemas.microsoft.com/office/drawing/2014/main" id="{C01A5C63-B876-465E-B589-CE2915C0857F}"/>
+              </a:ext>
+            </a:extLst>
+          </p:cNvPr>
+          <p:cNvSpPr>
+            <a:spLocks noGrp="1"/>
+          </p:cNvSpPr>
+          <p:nvPr>
+            <p:ph idx="1"/>
+          </p:nvPr>
+        </p:nvSpPr>
+        <p:spPr/>
+        <p:txBody>
+          <a:bodyPr>
+            <a:normAutofit/>
+          </a:bodyPr>
+          <a:lstStyle/>
+          <a:p>
+            <a:pPr>
+              <a:buFont typeface="Wingdings" panose="05000000000000000000" pitchFamily="2" charset="2"/>
+              <a:buChar char="Ø"/>
+            </a:pPr>
+            <a:r>
+              <a:rPr lang="th-TH" sz="2400" dirty="0"/>
+              <a:t>รองรับเฉพาะระบบปฏิบัติการ </a:t>
+            </a:r>
+            <a:r>
+              <a:rPr lang="en-US" sz="2400" dirty="0"/>
+              <a:t>Windows </a:t>
+            </a:r>
+            <a:r>
+              <a:rPr lang="th-TH" sz="2400" dirty="0"/>
+              <a:t>เท่านั้น</a:t>
+            </a:r>
+          </a:p>
+          <a:p>
+            <a:pPr>
+              <a:buFont typeface="Wingdings" panose="05000000000000000000" pitchFamily="2" charset="2"/>
+              <a:buChar char="Ø"/>
+            </a:pPr>
+            <a:r>
+              <a:rPr lang="th-TH" sz="2400" dirty="0"/>
+              <a:t>สามารถแจ้งเตือนระดับนาที ไม่รองรับระดับวินาที</a:t>
+            </a:r>
+          </a:p>
+        </p:txBody>
+      </p:sp>
+    </p:spTree>
+    <p:extLst>
+      <p:ext uri="{BB962C8B-B14F-4D97-AF65-F5344CB8AC3E}">
+        <p14:creationId xmlns:p14="http://schemas.microsoft.com/office/powerpoint/2010/main" val="1957831382"/>
+      </p:ext>
+    </p:extLst>
+  </p:cSld>
+  <p:clrMapOvr>
+    <a:masterClrMapping/>
+  </p:clrMapOvr>
+</p:sld>
+</file>
+
+<file path=ppt/slides/slide4.xml><?xml version="1.0" encoding="utf-8"?>
+<p:sld xmlns:a="http://schemas.openxmlformats.org/drawingml/2006/main" xmlns:r="http://schemas.openxmlformats.org/officeDocument/2006/relationships" xmlns:p="http://schemas.openxmlformats.org/presentationml/2006/main">
+  <p:cSld>
+    <p:spTree>
+      <p:nvGrpSpPr>
+        <p:cNvPr id="1" name=""/>
+        <p:cNvGrpSpPr/>
+        <p:nvPr/>
+      </p:nvGrpSpPr>
+      <p:grpSpPr>
+        <a:xfrm>
+          <a:off x="0" y="0"/>
+          <a:ext cx="0" cy="0"/>
+          <a:chOff x="0" y="0"/>
+          <a:chExt cx="0" cy="0"/>
+        </a:xfrm>
+      </p:grpSpPr>
+      <p:sp>
+        <p:nvSpPr>
+          <p:cNvPr id="2" name="ชื่อเรื่อง 1">
+            <a:extLst>
+              <a:ext uri="{FF2B5EF4-FFF2-40B4-BE49-F238E27FC236}">
+                <a16:creationId xmlns:a16="http://schemas.microsoft.com/office/drawing/2014/main" id="{302DDC47-3EA7-4533-8945-0A3BAB476FF4}"/>
+              </a:ext>
+            </a:extLst>
+          </p:cNvPr>
+          <p:cNvSpPr>
+            <a:spLocks noGrp="1"/>
+          </p:cNvSpPr>
+          <p:nvPr>
+            <p:ph type="title"/>
+          </p:nvPr>
+        </p:nvSpPr>
+        <p:spPr/>
+        <p:txBody>
+          <a:bodyPr/>
+          <a:lstStyle/>
+          <a:p>
+            <a:r>
+              <a:rPr lang="th-TH" dirty="0"/>
+              <a:t>ฟังก์ชันของโปรแกรม</a:t>
+            </a:r>
+          </a:p>
+        </p:txBody>
+      </p:sp>
+      <p:sp>
+        <p:nvSpPr>
+          <p:cNvPr id="3" name="ตัวแทนเนื้อหา 2">
+            <a:extLst>
+              <a:ext uri="{FF2B5EF4-FFF2-40B4-BE49-F238E27FC236}">
+                <a16:creationId xmlns:a16="http://schemas.microsoft.com/office/drawing/2014/main" id="{6BD7C38C-4DA4-45EF-B81C-1CB860965EC5}"/>
+              </a:ext>
+            </a:extLst>
+          </p:cNvPr>
+          <p:cNvSpPr>
+            <a:spLocks noGrp="1"/>
+          </p:cNvSpPr>
+          <p:nvPr>
+            <p:ph idx="1"/>
+          </p:nvPr>
+        </p:nvSpPr>
+        <p:spPr/>
+        <p:txBody>
+          <a:bodyPr>
+            <a:normAutofit/>
+          </a:bodyPr>
+          <a:lstStyle/>
+          <a:p>
+            <a:pPr>
+              <a:buFont typeface="Wingdings" panose="05000000000000000000" pitchFamily="2" charset="2"/>
+              <a:buChar char="Ø"/>
+            </a:pPr>
+            <a:r>
+              <a:rPr lang="th-TH" sz="2800" dirty="0"/>
+              <a:t>สามารถแจ้งเตือนตามเวลาที่กำหนดได้</a:t>
+            </a:r>
+          </a:p>
+          <a:p>
+            <a:pPr>
+              <a:buFont typeface="Wingdings" panose="05000000000000000000" pitchFamily="2" charset="2"/>
+              <a:buChar char="Ø"/>
+            </a:pPr>
+            <a:r>
+              <a:rPr lang="th-TH" sz="2800" dirty="0"/>
+              <a:t>สามารถแจ้งเตือนตามวันในสัปดาห์ที่กำหนดได้</a:t>
+            </a:r>
+          </a:p>
+          <a:p>
+            <a:pPr>
+              <a:buFont typeface="Wingdings" panose="05000000000000000000" pitchFamily="2" charset="2"/>
+              <a:buChar char="Ø"/>
+            </a:pPr>
+            <a:r>
+              <a:rPr lang="th-TH" sz="2800" dirty="0"/>
+              <a:t>สามารถนับถอยหลังได้</a:t>
+            </a:r>
+          </a:p>
+        </p:txBody>
+      </p:sp>
+    </p:spTree>
+    <p:extLst>
+      <p:ext uri="{BB962C8B-B14F-4D97-AF65-F5344CB8AC3E}">
+        <p14:creationId xmlns:p14="http://schemas.microsoft.com/office/powerpoint/2010/main" val="3569844850"/>
+      </p:ext>
+    </p:extLst>
+  </p:cSld>
+  <p:clrMapOvr>
+    <a:masterClrMapping/>
+  </p:clrMapOvr>
+</p:sld>
+</file>
+
+<file path=ppt/slides/slide5.xml><?xml version="1.0" encoding="utf-8"?>
+<p:sld xmlns:a="http://schemas.openxmlformats.org/drawingml/2006/main" xmlns:r="http://schemas.openxmlformats.org/officeDocument/2006/relationships" xmlns:p="http://schemas.openxmlformats.org/presentationml/2006/main">
+  <p:cSld>
+    <p:bg>
+      <p:bgPr>
+        <a:gradFill rotWithShape="1">
+          <a:gsLst>
+            <a:gs pos="0">
+              <a:schemeClr val="bg2">
+                <a:tint val="96000"/>
+                <a:shade val="99000"/>
+                <a:satMod val="140000"/>
+              </a:schemeClr>
+            </a:gs>
+            <a:gs pos="65000">
+              <a:schemeClr val="bg2">
+                <a:tint val="100000"/>
+                <a:shade val="80000"/>
+                <a:satMod val="130000"/>
+              </a:schemeClr>
+            </a:gs>
+            <a:gs pos="100000">
+              <a:schemeClr val="bg2">
+                <a:tint val="100000"/>
+                <a:shade val="48000"/>
+                <a:satMod val="120000"/>
+              </a:schemeClr>
+            </a:gs>
+          </a:gsLst>
+          <a:lin ang="16200000" scaled="0"/>
+        </a:gradFill>
+        <a:effectLst/>
+      </p:bgPr>
+    </p:bg>
+    <p:spTree>
+      <p:nvGrpSpPr>
+        <p:cNvPr id="1" name=""/>
+        <p:cNvGrpSpPr/>
+        <p:nvPr/>
+      </p:nvGrpSpPr>
+      <p:grpSpPr>
+        <a:xfrm>
+          <a:off x="0" y="0"/>
+          <a:ext cx="0" cy="0"/>
+          <a:chOff x="0" y="0"/>
+          <a:chExt cx="0" cy="0"/>
+        </a:xfrm>
+      </p:grpSpPr>
+      <p:sp>
+        <p:nvSpPr>
+          <p:cNvPr id="22" name="Rectangle 9">
+            <a:extLst>
+              <a:ext uri="{FF2B5EF4-FFF2-40B4-BE49-F238E27FC236}">
+                <a16:creationId xmlns:a16="http://schemas.microsoft.com/office/drawing/2014/main" id="{52C0B2E1-0268-42EC-ABD3-94F81A05BCBD}"/>
+              </a:ext>
+            </a:extLst>
+          </p:cNvPr>
+          <p:cNvSpPr>
+            <a:spLocks noGrp="1" noRot="1" noChangeAspect="1" noMove="1" noResize="1" noEditPoints="1" noAdjustHandles="1" noChangeArrowheads="1" noChangeShapeType="1" noTextEdit="1"/>
+          </p:cNvSpPr>
+          <p:nvPr>
+            <p:extLst>
+              <p:ext uri="{386F3935-93C4-4BCD-93E2-E3B085C9AB24}">
+                <p16:designElem xmlns:p16="http://schemas.microsoft.com/office/powerpoint/2015/main" val="1"/>
+              </p:ext>
+            </p:extLst>
+          </p:nvPr>
+        </p:nvSpPr>
+        <p:spPr>
+          <a:xfrm>
+            <a:off x="3175" y="6400800"/>
+            <a:ext cx="12188825" cy="457200"/>
+          </a:xfrm>
+          <a:prstGeom prst="rect">
+            <a:avLst/>
+          </a:prstGeom>
+          <a:solidFill>
+            <a:schemeClr val="accent2"/>
+          </a:solidFill>
+          <a:ln>
+            <a:noFill/>
+          </a:ln>
+        </p:spPr>
+        <p:style>
+          <a:lnRef idx="2">
+            <a:schemeClr val="accent1">
+              <a:shade val="50000"/>
+            </a:schemeClr>
+          </a:lnRef>
+          <a:fillRef idx="1">
+            <a:schemeClr val="accent1"/>
+          </a:fillRef>
+          <a:effectRef idx="0">
+            <a:schemeClr val="accent1"/>
+          </a:effectRef>
+          <a:fontRef idx="minor">
+            <a:schemeClr val="lt1"/>
+          </a:fontRef>
+        </p:style>
+      </p:sp>
+      <p:sp>
+        <p:nvSpPr>
+          <p:cNvPr id="23" name="Rectangle 11">
+            <a:extLst>
+              <a:ext uri="{FF2B5EF4-FFF2-40B4-BE49-F238E27FC236}">
+                <a16:creationId xmlns:a16="http://schemas.microsoft.com/office/drawing/2014/main" id="{7D2256B4-48EA-40FC-BBC0-AA1EE6E0080C}"/>
+              </a:ext>
+            </a:extLst>
+          </p:cNvPr>
+          <p:cNvSpPr>
+            <a:spLocks noGrp="1" noRot="1" noChangeAspect="1" noMove="1" noResize="1" noEditPoints="1" noAdjustHandles="1" noChangeArrowheads="1" noChangeShapeType="1" noTextEdit="1"/>
+          </p:cNvSpPr>
+          <p:nvPr>
+            <p:extLst>
+              <p:ext uri="{386F3935-93C4-4BCD-93E2-E3B085C9AB24}">
+                <p16:designElem xmlns:p16="http://schemas.microsoft.com/office/powerpoint/2015/main" val="1"/>
+              </p:ext>
+            </p:extLst>
+          </p:nvPr>
+        </p:nvSpPr>
+        <p:spPr>
+          <a:xfrm>
+            <a:off x="15" y="6334316"/>
+            <a:ext cx="12188825" cy="64008"/>
+          </a:xfrm>
+          <a:prstGeom prst="rect">
+            <a:avLst/>
+          </a:prstGeom>
+          <a:solidFill>
+            <a:schemeClr val="accent1"/>
+          </a:solidFill>
+          <a:ln>
+            <a:noFill/>
+          </a:ln>
+        </p:spPr>
+        <p:style>
+          <a:lnRef idx="2">
+            <a:schemeClr val="accent1">
+              <a:shade val="50000"/>
+            </a:schemeClr>
+          </a:lnRef>
+          <a:fillRef idx="1">
+            <a:schemeClr val="accent1"/>
+          </a:fillRef>
+          <a:effectRef idx="0">
+            <a:schemeClr val="accent1"/>
+          </a:effectRef>
+          <a:fontRef idx="minor">
+            <a:schemeClr val="lt1"/>
+          </a:fontRef>
+        </p:style>
+      </p:sp>
+      <p:cxnSp>
+        <p:nvCxnSpPr>
+          <p:cNvPr id="24" name="Straight Connector 13">
+            <a:extLst>
+              <a:ext uri="{FF2B5EF4-FFF2-40B4-BE49-F238E27FC236}">
+                <a16:creationId xmlns:a16="http://schemas.microsoft.com/office/drawing/2014/main" id="{3D44BCCA-102D-4A9D-B1E4-2450CAF0B05E}"/>
+              </a:ext>
+            </a:extLst>
+          </p:cNvPr>
+          <p:cNvCxnSpPr>
+            <a:cxnSpLocks noGrp="1" noRot="1" noChangeAspect="1" noMove="1" noResize="1" noEditPoints="1" noAdjustHandles="1" noChangeArrowheads="1" noChangeShapeType="1"/>
+          </p:cNvCxnSpPr>
+          <p:nvPr>
+            <p:extLst>
+              <p:ext uri="{386F3935-93C4-4BCD-93E2-E3B085C9AB24}">
+                <p16:designElem xmlns:p16="http://schemas.microsoft.com/office/powerpoint/2015/main" val="1"/>
+              </p:ext>
+            </p:extLst>
+          </p:nvPr>
+        </p:nvCxnSpPr>
+        <p:spPr>
+          <a:xfrm>
+            <a:off x="1207658" y="4343400"/>
+            <a:ext cx="9875520" cy="0"/>
+          </a:xfrm>
+          <a:prstGeom prst="line">
+            <a:avLst/>
+          </a:prstGeom>
+          <a:ln w="6350">
+            <a:solidFill>
+              <a:schemeClr val="tx1">
+                <a:lumMod val="50000"/>
+                <a:lumOff val="50000"/>
+              </a:schemeClr>
+            </a:solidFill>
+          </a:ln>
+        </p:spPr>
+        <p:style>
+          <a:lnRef idx="1">
+            <a:schemeClr val="accent1"/>
+          </a:lnRef>
+          <a:fillRef idx="0">
+            <a:schemeClr val="accent1"/>
+          </a:fillRef>
+          <a:effectRef idx="0">
+            <a:schemeClr val="accent1"/>
+          </a:effectRef>
+          <a:fontRef idx="minor">
+            <a:schemeClr val="tx1"/>
+          </a:fontRef>
+        </p:style>
+      </p:cxnSp>
+      <p:sp useBgFill="1">
+        <p:nvSpPr>
+          <p:cNvPr id="25" name="Rectangle 15">
+            <a:extLst>
+              <a:ext uri="{FF2B5EF4-FFF2-40B4-BE49-F238E27FC236}">
+                <a16:creationId xmlns:a16="http://schemas.microsoft.com/office/drawing/2014/main" id="{FBDCECDC-EEE3-4128-AA5E-82A8C08796E8}"/>
+              </a:ext>
+            </a:extLst>
+          </p:cNvPr>
+          <p:cNvSpPr>
+            <a:spLocks noGrp="1" noRot="1" noChangeAspect="1" noMove="1" noResize="1" noEditPoints="1" noAdjustHandles="1" noChangeArrowheads="1" noChangeShapeType="1" noTextEdit="1"/>
+          </p:cNvSpPr>
+          <p:nvPr>
+            <p:extLst>
+              <p:ext uri="{386F3935-93C4-4BCD-93E2-E3B085C9AB24}">
+                <p16:designElem xmlns:p16="http://schemas.microsoft.com/office/powerpoint/2015/main" val="1"/>
+              </p:ext>
+            </p:extLst>
+          </p:nvPr>
+        </p:nvSpPr>
+        <p:spPr>
+          <a:xfrm>
+            <a:off x="1507" y="0"/>
+            <a:ext cx="12192000" cy="6858000"/>
+          </a:xfrm>
+          <a:prstGeom prst="rect">
+            <a:avLst/>
+          </a:prstGeom>
+          <a:ln>
+            <a:noFill/>
+          </a:ln>
+        </p:spPr>
+        <p:style>
+          <a:lnRef idx="2">
+            <a:schemeClr val="accent1">
+              <a:shade val="50000"/>
+            </a:schemeClr>
+          </a:lnRef>
+          <a:fillRef idx="1">
+            <a:schemeClr val="accent1"/>
+          </a:fillRef>
+          <a:effectRef idx="0">
+            <a:schemeClr val="accent1"/>
+          </a:effectRef>
+          <a:fontRef idx="minor">
+            <a:schemeClr val="lt1"/>
+          </a:fontRef>
+        </p:style>
+        <p:txBody>
+          <a:bodyPr rtlCol="0" anchor="ctr"/>
+          <a:lstStyle/>
+          <a:p>
+            <a:pPr algn="ctr"/>
+            <a:endParaRPr lang="en-US"/>
+          </a:p>
+        </p:txBody>
+      </p:sp>
+      <p:sp>
+        <p:nvSpPr>
+          <p:cNvPr id="26" name="Rectangle 17">
+            <a:extLst>
+              <a:ext uri="{FF2B5EF4-FFF2-40B4-BE49-F238E27FC236}">
+                <a16:creationId xmlns:a16="http://schemas.microsoft.com/office/drawing/2014/main" id="{4260EDE0-989C-4E16-AF94-F652294D828E}"/>
+              </a:ext>
+            </a:extLst>
+          </p:cNvPr>
+          <p:cNvSpPr>
+            <a:spLocks noGrp="1" noRot="1" noChangeAspect="1" noMove="1" noResize="1" noEditPoints="1" noAdjustHandles="1" noChangeArrowheads="1" noChangeShapeType="1" noTextEdit="1"/>
+          </p:cNvSpPr>
+          <p:nvPr>
+            <p:extLst>
+              <p:ext uri="{386F3935-93C4-4BCD-93E2-E3B085C9AB24}">
+                <p16:designElem xmlns:p16="http://schemas.microsoft.com/office/powerpoint/2015/main" val="1"/>
+              </p:ext>
+            </p:extLst>
+          </p:nvPr>
+        </p:nvSpPr>
+        <p:spPr bwMode="white">
+          <a:xfrm>
+            <a:off x="1507" y="4953000"/>
+            <a:ext cx="12188952" cy="1905000"/>
+          </a:xfrm>
+          <a:prstGeom prst="rect">
+            <a:avLst/>
+          </a:prstGeom>
+          <a:solidFill>
+            <a:schemeClr val="accent2"/>
+          </a:solidFill>
+          <a:ln>
+            <a:noFill/>
+          </a:ln>
+        </p:spPr>
+        <p:style>
+          <a:lnRef idx="2">
+            <a:schemeClr val="accent1">
+              <a:shade val="50000"/>
+            </a:schemeClr>
+          </a:lnRef>
+          <a:fillRef idx="1">
+            <a:schemeClr val="accent1"/>
+          </a:fillRef>
+          <a:effectRef idx="0">
+            <a:schemeClr val="accent1"/>
+          </a:effectRef>
+          <a:fontRef idx="minor">
+            <a:schemeClr val="lt1"/>
+          </a:fontRef>
+        </p:style>
+      </p:sp>
+      <p:sp>
+        <p:nvSpPr>
+          <p:cNvPr id="27" name="Rectangle 19">
+            <a:extLst>
+              <a:ext uri="{FF2B5EF4-FFF2-40B4-BE49-F238E27FC236}">
+                <a16:creationId xmlns:a16="http://schemas.microsoft.com/office/drawing/2014/main" id="{1F3985C0-E548-44D2-B30E-F3E42DADE133}"/>
+              </a:ext>
+            </a:extLst>
+          </p:cNvPr>
+          <p:cNvSpPr>
+            <a:spLocks noGrp="1" noRot="1" noChangeAspect="1" noMove="1" noResize="1" noEditPoints="1" noAdjustHandles="1" noChangeArrowheads="1" noChangeShapeType="1" noTextEdit="1"/>
+          </p:cNvSpPr>
+          <p:nvPr>
+            <p:extLst>
+              <p:ext uri="{386F3935-93C4-4BCD-93E2-E3B085C9AB24}">
+                <p16:designElem xmlns:p16="http://schemas.microsoft.com/office/powerpoint/2015/main" val="1"/>
+              </p:ext>
+            </p:extLst>
+          </p:nvPr>
+        </p:nvSpPr>
+        <p:spPr>
+          <a:xfrm>
+            <a:off x="1507" y="0"/>
+            <a:ext cx="12188952" cy="4970184"/>
+          </a:xfrm>
+          <a:prstGeom prst="rect">
+            <a:avLst/>
+          </a:prstGeom>
+          <a:solidFill>
+            <a:schemeClr val="accent1"/>
+          </a:solidFill>
+          <a:ln>
+            <a:noFill/>
+          </a:ln>
+        </p:spPr>
+        <p:style>
+          <a:lnRef idx="2">
+            <a:schemeClr val="accent1">
+              <a:shade val="50000"/>
+            </a:schemeClr>
+          </a:lnRef>
+          <a:fillRef idx="1">
+            <a:schemeClr val="accent1"/>
+          </a:fillRef>
+          <a:effectRef idx="0">
+            <a:schemeClr val="accent1"/>
+          </a:effectRef>
+          <a:fontRef idx="minor">
+            <a:schemeClr val="lt1"/>
+          </a:fontRef>
+        </p:style>
+      </p:sp>
+      <p:sp>
+        <p:nvSpPr>
+          <p:cNvPr id="4" name="ชื่อเรื่อง 3">
+            <a:extLst>
+              <a:ext uri="{FF2B5EF4-FFF2-40B4-BE49-F238E27FC236}">
+                <a16:creationId xmlns:a16="http://schemas.microsoft.com/office/drawing/2014/main" id="{DB413C13-B1E9-4408-91B3-A9A48EF79EBE}"/>
+              </a:ext>
+            </a:extLst>
+          </p:cNvPr>
+          <p:cNvSpPr>
+            <a:spLocks noGrp="1"/>
+          </p:cNvSpPr>
+          <p:nvPr>
+            <p:ph type="title"/>
+          </p:nvPr>
+        </p:nvSpPr>
+        <p:spPr>
+          <a:xfrm>
+            <a:off x="1097280" y="758952"/>
+            <a:ext cx="10058400" cy="3892168"/>
+          </a:xfrm>
+        </p:spPr>
+        <p:txBody>
+          <a:bodyPr vert="horz" lIns="91440" tIns="45720" rIns="91440" bIns="45720" rtlCol="0" anchor="b">
+            <a:normAutofit/>
+          </a:bodyPr>
+          <a:lstStyle/>
+          <a:p>
+            <a:r>
+              <a:rPr lang="en-US">
+                <a:solidFill>
+                  <a:srgbClr val="FFFFFF"/>
+                </a:solidFill>
+              </a:rPr>
+              <a:t>Flowchart</a:t>
+            </a:r>
+          </a:p>
+        </p:txBody>
+      </p:sp>
+      <p:sp>
+        <p:nvSpPr>
+          <p:cNvPr id="5" name="ตัวแทนข้อความ 4">
+            <a:extLst>
+              <a:ext uri="{FF2B5EF4-FFF2-40B4-BE49-F238E27FC236}">
+                <a16:creationId xmlns:a16="http://schemas.microsoft.com/office/drawing/2014/main" id="{0F017782-BB63-420A-9AC3-FF2425427481}"/>
+              </a:ext>
+            </a:extLst>
+          </p:cNvPr>
+          <p:cNvSpPr>
+            <a:spLocks noGrp="1"/>
+          </p:cNvSpPr>
+          <p:nvPr>
+            <p:ph type="body" idx="1"/>
+          </p:nvPr>
+        </p:nvSpPr>
+        <p:spPr>
+          <a:xfrm>
+            <a:off x="1100051" y="5225240"/>
+            <a:ext cx="10058400" cy="1143000"/>
+          </a:xfrm>
+        </p:spPr>
+        <p:txBody>
+          <a:bodyPr vert="horz" lIns="91440" tIns="45720" rIns="91440" bIns="45720" rtlCol="0">
+            <a:normAutofit/>
+          </a:bodyPr>
+          <a:lstStyle/>
+          <a:p>
+            <a:endParaRPr lang="en-US">
+              <a:solidFill>
+                <a:srgbClr val="FFFFFF"/>
+              </a:solidFill>
+            </a:endParaRPr>
+          </a:p>
+        </p:txBody>
+      </p:sp>
+    </p:spTree>
+    <p:extLst>
+      <p:ext uri="{BB962C8B-B14F-4D97-AF65-F5344CB8AC3E}">
+        <p14:creationId xmlns:p14="http://schemas.microsoft.com/office/powerpoint/2010/main" val="2359435523"/>
+      </p:ext>
+    </p:extLst>
+  </p:cSld>
+  <p:clrMapOvr>
+    <a:overrideClrMapping bg1="dk1" tx1="lt1" bg2="dk2" tx2="lt2" accent1="accent1" accent2="accent2" accent3="accent3" accent4="accent4" accent5="accent5" accent6="accent6" hlink="hlink" folHlink="folHlink"/>
+  </p:clrMapOvr>
+</p:sld>
+</file>
+
+<file path=ppt/slides/slide6.xml><?xml version="1.0" encoding="utf-8"?>
+<p:sld xmlns:a="http://schemas.openxmlformats.org/drawingml/2006/main" xmlns:r="http://schemas.openxmlformats.org/officeDocument/2006/relationships" xmlns:p="http://schemas.openxmlformats.org/presentationml/2006/main">
+  <p:cSld>
+    <p:bg>
+      <p:bgPr>
+        <a:solidFill>
+          <a:schemeClr val="bg1"/>
+        </a:solidFill>
+        <a:effectLst/>
+      </p:bgPr>
+    </p:bg>
+    <p:spTree>
+      <p:nvGrpSpPr>
+        <p:cNvPr id="1" name=""/>
+        <p:cNvGrpSpPr/>
+        <p:nvPr/>
+      </p:nvGrpSpPr>
+      <p:grpSpPr>
+        <a:xfrm>
+          <a:off x="0" y="0"/>
+          <a:ext cx="0" cy="0"/>
+          <a:chOff x="0" y="0"/>
+          <a:chExt cx="0" cy="0"/>
+        </a:xfrm>
+      </p:grpSpPr>
+      <p:sp>
+        <p:nvSpPr>
+          <p:cNvPr id="84" name="Rectangle 83">
+            <a:extLst>
+              <a:ext uri="{FF2B5EF4-FFF2-40B4-BE49-F238E27FC236}">
+                <a16:creationId xmlns:a16="http://schemas.microsoft.com/office/drawing/2014/main" id="{4E4490D0-3672-446A-AC12-B4830333BDDD}"/>
+              </a:ext>
+            </a:extLst>
+          </p:cNvPr>
+          <p:cNvSpPr>
+            <a:spLocks noGrp="1" noRot="1" noChangeAspect="1" noMove="1" noResize="1" noEditPoints="1" noAdjustHandles="1" noChangeArrowheads="1" noChangeShapeType="1" noTextEdit="1"/>
+          </p:cNvSpPr>
+          <p:nvPr>
+            <p:extLst>
+              <p:ext uri="{386F3935-93C4-4BCD-93E2-E3B085C9AB24}">
+                <p16:designElem xmlns:p16="http://schemas.microsoft.com/office/powerpoint/2015/main" val="1"/>
+              </p:ext>
+            </p:extLst>
+          </p:nvPr>
+        </p:nvSpPr>
+        <p:spPr>
+          <a:xfrm>
+            <a:off x="3175" y="6400800"/>
+            <a:ext cx="12188825" cy="457200"/>
+          </a:xfrm>
+          <a:prstGeom prst="rect">
+            <a:avLst/>
+          </a:prstGeom>
+          <a:solidFill>
+            <a:schemeClr val="accent2"/>
+          </a:solidFill>
+          <a:ln>
+            <a:noFill/>
+          </a:ln>
+        </p:spPr>
+        <p:style>
+          <a:lnRef idx="2">
+            <a:schemeClr val="accent1">
+              <a:shade val="50000"/>
+            </a:schemeClr>
+          </a:lnRef>
+          <a:fillRef idx="1">
+            <a:schemeClr val="accent1"/>
+          </a:fillRef>
+          <a:effectRef idx="0">
+            <a:schemeClr val="accent1"/>
+          </a:effectRef>
+          <a:fontRef idx="minor">
+            <a:schemeClr val="lt1"/>
+          </a:fontRef>
+        </p:style>
+      </p:sp>
+      <p:sp>
+        <p:nvSpPr>
+          <p:cNvPr id="86" name="Rectangle 85">
+            <a:extLst>
+              <a:ext uri="{FF2B5EF4-FFF2-40B4-BE49-F238E27FC236}">
+                <a16:creationId xmlns:a16="http://schemas.microsoft.com/office/drawing/2014/main" id="{39CB82C2-DF65-4EC1-8280-F201D50F570B}"/>
+              </a:ext>
+            </a:extLst>
+          </p:cNvPr>
+          <p:cNvSpPr>
+            <a:spLocks noGrp="1" noRot="1" noChangeAspect="1" noMove="1" noResize="1" noEditPoints="1" noAdjustHandles="1" noChangeArrowheads="1" noChangeShapeType="1" noTextEdit="1"/>
+          </p:cNvSpPr>
+          <p:nvPr>
+            <p:extLst>
+              <p:ext uri="{386F3935-93C4-4BCD-93E2-E3B085C9AB24}">
+                <p16:designElem xmlns:p16="http://schemas.microsoft.com/office/powerpoint/2015/main" val="1"/>
+              </p:ext>
+            </p:extLst>
+          </p:nvPr>
+        </p:nvSpPr>
+        <p:spPr>
+          <a:xfrm>
+            <a:off x="15" y="6334316"/>
+            <a:ext cx="12188825" cy="64008"/>
+          </a:xfrm>
+          <a:prstGeom prst="rect">
+            <a:avLst/>
+          </a:prstGeom>
+          <a:solidFill>
+            <a:schemeClr val="accent1"/>
+          </a:solidFill>
+          <a:ln>
+            <a:noFill/>
+          </a:ln>
+        </p:spPr>
+        <p:style>
+          <a:lnRef idx="2">
+            <a:schemeClr val="accent1">
+              <a:shade val="50000"/>
+            </a:schemeClr>
+          </a:lnRef>
+          <a:fillRef idx="1">
+            <a:schemeClr val="accent1"/>
+          </a:fillRef>
+          <a:effectRef idx="0">
+            <a:schemeClr val="accent1"/>
+          </a:effectRef>
+          <a:fontRef idx="minor">
+            <a:schemeClr val="lt1"/>
+          </a:fontRef>
+        </p:style>
+      </p:sp>
+      <p:cxnSp>
+        <p:nvCxnSpPr>
+          <p:cNvPr id="88" name="Straight Connector 87">
+            <a:extLst>
+              <a:ext uri="{FF2B5EF4-FFF2-40B4-BE49-F238E27FC236}">
+                <a16:creationId xmlns:a16="http://schemas.microsoft.com/office/drawing/2014/main" id="{7E1D4427-852B-4B37-8E76-0E9F1810BA2A}"/>
+              </a:ext>
+            </a:extLst>
+          </p:cNvPr>
+          <p:cNvCxnSpPr>
+            <a:cxnSpLocks noGrp="1" noRot="1" noChangeAspect="1" noMove="1" noResize="1" noEditPoints="1" noAdjustHandles="1" noChangeArrowheads="1" noChangeShapeType="1"/>
+          </p:cNvCxnSpPr>
+          <p:nvPr>
+            <p:extLst>
+              <p:ext uri="{386F3935-93C4-4BCD-93E2-E3B085C9AB24}">
+                <p16:designElem xmlns:p16="http://schemas.microsoft.com/office/powerpoint/2015/main" val="1"/>
+              </p:ext>
+            </p:extLst>
+          </p:nvPr>
+        </p:nvCxnSpPr>
+        <p:spPr>
+          <a:xfrm>
+            <a:off x="1207658" y="4343400"/>
+            <a:ext cx="9875520" cy="0"/>
+          </a:xfrm>
+          <a:prstGeom prst="line">
+            <a:avLst/>
+          </a:prstGeom>
+          <a:ln w="6350">
+            <a:solidFill>
+              <a:schemeClr val="tx1">
+                <a:lumMod val="50000"/>
+                <a:lumOff val="50000"/>
+              </a:schemeClr>
+            </a:solidFill>
+          </a:ln>
+        </p:spPr>
+        <p:style>
+          <a:lnRef idx="1">
+            <a:schemeClr val="accent1"/>
+          </a:lnRef>
+          <a:fillRef idx="0">
+            <a:schemeClr val="accent1"/>
+          </a:fillRef>
+          <a:effectRef idx="0">
+            <a:schemeClr val="accent1"/>
+          </a:effectRef>
+          <a:fontRef idx="minor">
+            <a:schemeClr val="tx1"/>
+          </a:fontRef>
+        </p:style>
+      </p:cxnSp>
+      <p:sp useBgFill="1">
+        <p:nvSpPr>
+          <p:cNvPr id="90" name="Rectangle 89">
+            <a:extLst>
+              <a:ext uri="{FF2B5EF4-FFF2-40B4-BE49-F238E27FC236}">
+                <a16:creationId xmlns:a16="http://schemas.microsoft.com/office/drawing/2014/main" id="{5A1B47C8-47A0-4A88-8830-6DEA3B5DE392}"/>
+              </a:ext>
+            </a:extLst>
+          </p:cNvPr>
+          <p:cNvSpPr>
+            <a:spLocks noGrp="1" noRot="1" noChangeAspect="1" noMove="1" noResize="1" noEditPoints="1" noAdjustHandles="1" noChangeArrowheads="1" noChangeShapeType="1" noTextEdit="1"/>
+          </p:cNvSpPr>
+          <p:nvPr>
+            <p:extLst>
+              <p:ext uri="{386F3935-93C4-4BCD-93E2-E3B085C9AB24}">
+                <p16:designElem xmlns:p16="http://schemas.microsoft.com/office/powerpoint/2015/main" val="1"/>
+              </p:ext>
+            </p:extLst>
+          </p:nvPr>
+        </p:nvSpPr>
+        <p:spPr>
+          <a:xfrm>
+            <a:off x="0" y="0"/>
+            <a:ext cx="12192000" cy="6858000"/>
+          </a:xfrm>
+          <a:prstGeom prst="rect">
+            <a:avLst/>
+          </a:prstGeom>
+          <a:ln>
+            <a:noFill/>
+          </a:ln>
+        </p:spPr>
+        <p:style>
+          <a:lnRef idx="2">
+            <a:schemeClr val="accent1">
+              <a:shade val="50000"/>
+            </a:schemeClr>
+          </a:lnRef>
+          <a:fillRef idx="1001">
+            <a:schemeClr val="lt1"/>
+          </a:fillRef>
+          <a:effectRef idx="0">
+            <a:schemeClr val="accent1"/>
+          </a:effectRef>
+          <a:fontRef idx="minor">
+            <a:schemeClr val="lt1"/>
+          </a:fontRef>
+        </p:style>
+        <p:txBody>
+          <a:bodyPr rtlCol="0" anchor="ctr"/>
+          <a:lstStyle/>
+          <a:p>
+            <a:pPr algn="ctr"/>
+            <a:endParaRPr lang="en-US"/>
+          </a:p>
+        </p:txBody>
+      </p:sp>
+      <p:sp>
+        <p:nvSpPr>
+          <p:cNvPr id="92" name="Rectangle 91">
+            <a:extLst>
+              <a:ext uri="{FF2B5EF4-FFF2-40B4-BE49-F238E27FC236}">
+                <a16:creationId xmlns:a16="http://schemas.microsoft.com/office/drawing/2014/main" id="{984BBFDD-E720-4805-A9C8-129FBBF6DD70}"/>
+              </a:ext>
+            </a:extLst>
+          </p:cNvPr>
+          <p:cNvSpPr>
+            <a:spLocks noGrp="1" noRot="1" noChangeAspect="1" noMove="1" noResize="1" noEditPoints="1" noAdjustHandles="1" noChangeArrowheads="1" noChangeShapeType="1" noTextEdit="1"/>
+          </p:cNvSpPr>
+          <p:nvPr>
+            <p:extLst>
+              <p:ext uri="{386F3935-93C4-4BCD-93E2-E3B085C9AB24}">
+                <p16:designElem xmlns:p16="http://schemas.microsoft.com/office/powerpoint/2015/main" val="1"/>
+              </p:ext>
+            </p:extLst>
+          </p:nvPr>
+        </p:nvSpPr>
+        <p:spPr bwMode="white">
+          <a:xfrm>
+            <a:off x="7613486" y="0"/>
+            <a:ext cx="4584734" cy="6858000"/>
+          </a:xfrm>
+          <a:prstGeom prst="rect">
+            <a:avLst/>
+          </a:prstGeom>
+          <a:solidFill>
+            <a:schemeClr val="accent2"/>
+          </a:solidFill>
+          <a:ln>
+            <a:noFill/>
+          </a:ln>
+        </p:spPr>
+        <p:style>
+          <a:lnRef idx="2">
+            <a:schemeClr val="accent1">
+              <a:shade val="50000"/>
+            </a:schemeClr>
+          </a:lnRef>
+          <a:fillRef idx="1">
+            <a:schemeClr val="accent1"/>
+          </a:fillRef>
+          <a:effectRef idx="0">
+            <a:schemeClr val="accent1"/>
+          </a:effectRef>
+          <a:fontRef idx="minor">
+            <a:schemeClr val="lt1"/>
+          </a:fontRef>
+        </p:style>
+      </p:sp>
+      <p:sp>
+        <p:nvSpPr>
+          <p:cNvPr id="94" name="Rectangle 93">
+            <a:extLst>
+              <a:ext uri="{FF2B5EF4-FFF2-40B4-BE49-F238E27FC236}">
+                <a16:creationId xmlns:a16="http://schemas.microsoft.com/office/drawing/2014/main" id="{5AC4BE46-4A77-42FE-9D15-065CDB2F847C}"/>
+              </a:ext>
+            </a:extLst>
+          </p:cNvPr>
+          <p:cNvSpPr>
+            <a:spLocks noGrp="1" noRot="1" noChangeAspect="1" noMove="1" noResize="1" noEditPoints="1" noAdjustHandles="1" noChangeArrowheads="1" noChangeShapeType="1" noTextEdit="1"/>
+          </p:cNvSpPr>
+          <p:nvPr>
+            <p:extLst>
+              <p:ext uri="{386F3935-93C4-4BCD-93E2-E3B085C9AB24}">
+                <p16:designElem xmlns:p16="http://schemas.microsoft.com/office/powerpoint/2015/main" val="1"/>
+              </p:ext>
+            </p:extLst>
+          </p:nvPr>
+        </p:nvSpPr>
+        <p:spPr>
+          <a:xfrm>
+            <a:off x="7556906" y="0"/>
+            <a:ext cx="64008" cy="6858000"/>
+          </a:xfrm>
+          <a:prstGeom prst="rect">
+            <a:avLst/>
+          </a:prstGeom>
+          <a:solidFill>
+            <a:schemeClr val="accent1"/>
+          </a:solidFill>
+          <a:ln>
+            <a:noFill/>
+          </a:ln>
+        </p:spPr>
+        <p:style>
+          <a:lnRef idx="2">
+            <a:schemeClr val="accent1">
+              <a:shade val="50000"/>
+            </a:schemeClr>
+          </a:lnRef>
+          <a:fillRef idx="1">
+            <a:schemeClr val="accent1"/>
+          </a:fillRef>
+          <a:effectRef idx="0">
+            <a:schemeClr val="accent1"/>
+          </a:effectRef>
+          <a:fontRef idx="minor">
+            <a:schemeClr val="lt1"/>
+          </a:fontRef>
+        </p:style>
+      </p:sp>
+      <p:sp>
+        <p:nvSpPr>
+          <p:cNvPr id="2" name="ชื่อเรื่อง 1">
+            <a:extLst>
+              <a:ext uri="{FF2B5EF4-FFF2-40B4-BE49-F238E27FC236}">
+                <a16:creationId xmlns:a16="http://schemas.microsoft.com/office/drawing/2014/main" id="{D83B59C7-93AD-4165-9935-D6A351676C45}"/>
+              </a:ext>
+            </a:extLst>
+          </p:cNvPr>
+          <p:cNvSpPr>
+            <a:spLocks noGrp="1"/>
+          </p:cNvSpPr>
+          <p:nvPr>
+            <p:ph type="title"/>
+          </p:nvPr>
+        </p:nvSpPr>
+        <p:spPr>
+          <a:xfrm>
+            <a:off x="8096885" y="640080"/>
+            <a:ext cx="3659246" cy="2926080"/>
+          </a:xfrm>
+        </p:spPr>
+        <p:txBody>
+          <a:bodyPr vert="horz" lIns="91440" tIns="45720" rIns="91440" bIns="45720" rtlCol="0" anchor="b">
+            <a:normAutofit/>
+          </a:bodyPr>
+          <a:lstStyle/>
+          <a:p>
+            <a:r>
+              <a:rPr lang="en-US" sz="4400">
+                <a:solidFill>
+                  <a:srgbClr val="FFFFFF"/>
+                </a:solidFill>
+              </a:rPr>
+              <a:t>ส่วน home</a:t>
+            </a:r>
+            <a:endParaRPr lang="en-US" sz="4400" dirty="0">
+              <a:solidFill>
+                <a:srgbClr val="FFFFFF"/>
+              </a:solidFill>
+            </a:endParaRPr>
+          </a:p>
+        </p:txBody>
+      </p:sp>
+      <p:sp>
+        <p:nvSpPr>
+          <p:cNvPr id="28" name="Content Placeholder 27"/>
+          <p:cNvSpPr>
+            <a:spLocks noGrp="1"/>
+          </p:cNvSpPr>
+          <p:nvPr>
+            <p:ph idx="1"/>
+          </p:nvPr>
+        </p:nvSpPr>
+        <p:spPr>
+          <a:xfrm>
+            <a:off x="8096885" y="3578084"/>
+            <a:ext cx="3659246" cy="2639835"/>
+          </a:xfrm>
+        </p:spPr>
+        <p:txBody>
+          <a:bodyPr vert="horz" lIns="91440" tIns="45720" rIns="91440" bIns="45720" rtlCol="0">
+            <a:normAutofit/>
+          </a:bodyPr>
+          <a:lstStyle/>
+          <a:p>
+            <a:pPr marL="0" indent="0">
+              <a:buNone/>
+            </a:pPr>
+            <a:r>
+              <a:rPr lang="en-US" sz="1500" cap="all" spc="200">
+                <a:solidFill>
+                  <a:srgbClr val="FFFFFF"/>
+                </a:solidFill>
+                <a:latin typeface="+mj-lt"/>
+              </a:rPr>
+              <a:t>มีการเรียกใช้งาน โปรแกรมการแจ้งเตือน ซึ่งเป็นโปรแกรมย่อยในโปรแกรม</a:t>
+            </a:r>
+          </a:p>
+        </p:txBody>
+      </p:sp>
+      <p:pic>
+        <p:nvPicPr>
+          <p:cNvPr id="32" name="รูปภาพ 31">
+            <a:extLst>
+              <a:ext uri="{FF2B5EF4-FFF2-40B4-BE49-F238E27FC236}">
+                <a16:creationId xmlns:a16="http://schemas.microsoft.com/office/drawing/2014/main" id="{DCCBF1EF-7490-41B7-B66F-E00595498543}"/>
+              </a:ext>
+            </a:extLst>
+          </p:cNvPr>
+          <p:cNvPicPr>
+            <a:picLocks noChangeAspect="1"/>
+          </p:cNvPicPr>
+          <p:nvPr/>
+        </p:nvPicPr>
+        <p:blipFill>
+          <a:blip r:embed="rId2"/>
+          <a:stretch>
+            <a:fillRect/>
+          </a:stretch>
+        </p:blipFill>
+        <p:spPr>
+          <a:xfrm>
+            <a:off x="1540679" y="0"/>
+            <a:ext cx="4756355" cy="6858000"/>
+          </a:xfrm>
+          <a:prstGeom prst="rect">
+            <a:avLst/>
+          </a:prstGeom>
+        </p:spPr>
+      </p:pic>
+    </p:spTree>
+    <p:extLst>
+      <p:ext uri="{BB962C8B-B14F-4D97-AF65-F5344CB8AC3E}">
+        <p14:creationId xmlns:p14="http://schemas.microsoft.com/office/powerpoint/2010/main" val="624340675"/>
+      </p:ext>
+    </p:extLst>
+  </p:cSld>
+  <p:clrMapOvr>
+    <a:masterClrMapping/>
+  </p:clrMapOvr>
+</p:sld>
+</file>
+
+<file path=ppt/slides/slide7.xml><?xml version="1.0" encoding="utf-8"?>
+<p:sld xmlns:a="http://schemas.openxmlformats.org/drawingml/2006/main" xmlns:r="http://schemas.openxmlformats.org/officeDocument/2006/relationships" xmlns:p="http://schemas.openxmlformats.org/presentationml/2006/main">
+  <p:cSld>
+    <p:bg>
+      <p:bgPr>
+        <a:solidFill>
+          <a:schemeClr val="bg1"/>
+        </a:solidFill>
+        <a:effectLst/>
+      </p:bgPr>
+    </p:bg>
+    <p:spTree>
+      <p:nvGrpSpPr>
+        <p:cNvPr id="1" name=""/>
+        <p:cNvGrpSpPr/>
+        <p:nvPr/>
+      </p:nvGrpSpPr>
+      <p:grpSpPr>
+        <a:xfrm>
+          <a:off x="0" y="0"/>
+          <a:ext cx="0" cy="0"/>
+          <a:chOff x="0" y="0"/>
+          <a:chExt cx="0" cy="0"/>
+        </a:xfrm>
+      </p:grpSpPr>
+      <p:sp>
+        <p:nvSpPr>
+          <p:cNvPr id="64" name="Rectangle 52">
+            <a:extLst>
+              <a:ext uri="{FF2B5EF4-FFF2-40B4-BE49-F238E27FC236}">
+                <a16:creationId xmlns:a16="http://schemas.microsoft.com/office/drawing/2014/main" id="{4E4490D0-3672-446A-AC12-B4830333BDDD}"/>
+              </a:ext>
+            </a:extLst>
+          </p:cNvPr>
+          <p:cNvSpPr>
+            <a:spLocks noGrp="1" noRot="1" noChangeAspect="1" noMove="1" noResize="1" noEditPoints="1" noAdjustHandles="1" noChangeArrowheads="1" noChangeShapeType="1" noTextEdit="1"/>
+          </p:cNvSpPr>
+          <p:nvPr>
+            <p:extLst>
+              <p:ext uri="{386F3935-93C4-4BCD-93E2-E3B085C9AB24}">
+                <p16:designElem xmlns:p16="http://schemas.microsoft.com/office/powerpoint/2015/main" val="1"/>
+              </p:ext>
+            </p:extLst>
+          </p:nvPr>
+        </p:nvSpPr>
+        <p:spPr>
+          <a:xfrm>
+            <a:off x="3175" y="6400800"/>
+            <a:ext cx="12188825" cy="457200"/>
+          </a:xfrm>
+          <a:prstGeom prst="rect">
+            <a:avLst/>
+          </a:prstGeom>
+          <a:solidFill>
+            <a:schemeClr val="accent2"/>
+          </a:solidFill>
+          <a:ln>
+            <a:noFill/>
+          </a:ln>
+        </p:spPr>
+        <p:style>
+          <a:lnRef idx="2">
+            <a:schemeClr val="accent1">
+              <a:shade val="50000"/>
+            </a:schemeClr>
+          </a:lnRef>
+          <a:fillRef idx="1">
+            <a:schemeClr val="accent1"/>
+          </a:fillRef>
+          <a:effectRef idx="0">
+            <a:schemeClr val="accent1"/>
+          </a:effectRef>
+          <a:fontRef idx="minor">
+            <a:schemeClr val="lt1"/>
+          </a:fontRef>
+        </p:style>
+      </p:sp>
+      <p:sp>
+        <p:nvSpPr>
+          <p:cNvPr id="55" name="Rectangle 54">
+            <a:extLst>
+              <a:ext uri="{FF2B5EF4-FFF2-40B4-BE49-F238E27FC236}">
+                <a16:creationId xmlns:a16="http://schemas.microsoft.com/office/drawing/2014/main" id="{39CB82C2-DF65-4EC1-8280-F201D50F570B}"/>
+              </a:ext>
+            </a:extLst>
+          </p:cNvPr>
+          <p:cNvSpPr>
+            <a:spLocks noGrp="1" noRot="1" noChangeAspect="1" noMove="1" noResize="1" noEditPoints="1" noAdjustHandles="1" noChangeArrowheads="1" noChangeShapeType="1" noTextEdit="1"/>
+          </p:cNvSpPr>
+          <p:nvPr>
+            <p:extLst>
+              <p:ext uri="{386F3935-93C4-4BCD-93E2-E3B085C9AB24}">
+                <p16:designElem xmlns:p16="http://schemas.microsoft.com/office/powerpoint/2015/main" val="1"/>
+              </p:ext>
+            </p:extLst>
+          </p:nvPr>
+        </p:nvSpPr>
+        <p:spPr>
+          <a:xfrm>
+            <a:off x="15" y="6334316"/>
+            <a:ext cx="12188825" cy="64008"/>
+          </a:xfrm>
+          <a:prstGeom prst="rect">
+            <a:avLst/>
+          </a:prstGeom>
+          <a:solidFill>
+            <a:schemeClr val="accent1"/>
+          </a:solidFill>
+          <a:ln>
+            <a:noFill/>
+          </a:ln>
+        </p:spPr>
+        <p:style>
+          <a:lnRef idx="2">
+            <a:schemeClr val="accent1">
+              <a:shade val="50000"/>
+            </a:schemeClr>
+          </a:lnRef>
+          <a:fillRef idx="1">
+            <a:schemeClr val="accent1"/>
+          </a:fillRef>
+          <a:effectRef idx="0">
+            <a:schemeClr val="accent1"/>
+          </a:effectRef>
+          <a:fontRef idx="minor">
+            <a:schemeClr val="lt1"/>
+          </a:fontRef>
+        </p:style>
+      </p:sp>
+      <p:cxnSp>
+        <p:nvCxnSpPr>
+          <p:cNvPr id="57" name="Straight Connector 56">
+            <a:extLst>
+              <a:ext uri="{FF2B5EF4-FFF2-40B4-BE49-F238E27FC236}">
+                <a16:creationId xmlns:a16="http://schemas.microsoft.com/office/drawing/2014/main" id="{7E1D4427-852B-4B37-8E76-0E9F1810BA2A}"/>
+              </a:ext>
+            </a:extLst>
+          </p:cNvPr>
+          <p:cNvCxnSpPr>
+            <a:cxnSpLocks noGrp="1" noRot="1" noChangeAspect="1" noMove="1" noResize="1" noEditPoints="1" noAdjustHandles="1" noChangeArrowheads="1" noChangeShapeType="1"/>
+          </p:cNvCxnSpPr>
+          <p:nvPr>
+            <p:extLst>
+              <p:ext uri="{386F3935-93C4-4BCD-93E2-E3B085C9AB24}">
+                <p16:designElem xmlns:p16="http://schemas.microsoft.com/office/powerpoint/2015/main" val="1"/>
+              </p:ext>
+            </p:extLst>
+          </p:nvPr>
+        </p:nvCxnSpPr>
+        <p:spPr>
+          <a:xfrm>
+            <a:off x="1207658" y="4343400"/>
+            <a:ext cx="9875520" cy="0"/>
+          </a:xfrm>
+          <a:prstGeom prst="line">
+            <a:avLst/>
+          </a:prstGeom>
+          <a:ln w="6350">
+            <a:solidFill>
+              <a:schemeClr val="tx1">
+                <a:lumMod val="50000"/>
+                <a:lumOff val="50000"/>
+              </a:schemeClr>
+            </a:solidFill>
+          </a:ln>
+        </p:spPr>
+        <p:style>
+          <a:lnRef idx="1">
+            <a:schemeClr val="accent1"/>
+          </a:lnRef>
+          <a:fillRef idx="0">
+            <a:schemeClr val="accent1"/>
+          </a:fillRef>
+          <a:effectRef idx="0">
+            <a:schemeClr val="accent1"/>
+          </a:effectRef>
+          <a:fontRef idx="minor">
+            <a:schemeClr val="tx1"/>
+          </a:fontRef>
+        </p:style>
+      </p:cxnSp>
+      <p:sp useBgFill="1">
+        <p:nvSpPr>
+          <p:cNvPr id="59" name="Rectangle 58">
+            <a:extLst>
+              <a:ext uri="{FF2B5EF4-FFF2-40B4-BE49-F238E27FC236}">
+                <a16:creationId xmlns:a16="http://schemas.microsoft.com/office/drawing/2014/main" id="{5AE6C737-FF55-4064-94B7-0B21D2EB6045}"/>
+              </a:ext>
+            </a:extLst>
+          </p:cNvPr>
+          <p:cNvSpPr>
+            <a:spLocks noGrp="1" noRot="1" noChangeAspect="1" noMove="1" noResize="1" noEditPoints="1" noAdjustHandles="1" noChangeArrowheads="1" noChangeShapeType="1" noTextEdit="1"/>
+          </p:cNvSpPr>
+          <p:nvPr>
+            <p:extLst>
+              <p:ext uri="{386F3935-93C4-4BCD-93E2-E3B085C9AB24}">
+                <p16:designElem xmlns:p16="http://schemas.microsoft.com/office/powerpoint/2015/main" val="1"/>
+              </p:ext>
+            </p:extLst>
+          </p:nvPr>
+        </p:nvSpPr>
+        <p:spPr>
+          <a:xfrm>
+            <a:off x="0" y="0"/>
+            <a:ext cx="12192001" cy="6334316"/>
+          </a:xfrm>
+          <a:prstGeom prst="rect">
+            <a:avLst/>
+          </a:prstGeom>
+          <a:ln>
+            <a:noFill/>
+          </a:ln>
+        </p:spPr>
+        <p:style>
+          <a:lnRef idx="2">
+            <a:schemeClr val="accent1">
+              <a:shade val="50000"/>
+            </a:schemeClr>
+          </a:lnRef>
+          <a:fillRef idx="1">
+            <a:schemeClr val="accent1"/>
+          </a:fillRef>
+          <a:effectRef idx="0">
+            <a:schemeClr val="accent1"/>
+          </a:effectRef>
+          <a:fontRef idx="minor">
+            <a:schemeClr val="lt1"/>
+          </a:fontRef>
+        </p:style>
+        <p:txBody>
+          <a:bodyPr rtlCol="0" anchor="ctr"/>
+          <a:lstStyle/>
+          <a:p>
+            <a:pPr algn="ctr"/>
+            <a:endParaRPr lang="en-US"/>
+          </a:p>
+        </p:txBody>
+      </p:sp>
+      <p:sp>
+        <p:nvSpPr>
+          <p:cNvPr id="61" name="Rectangle 60">
+            <a:extLst>
+              <a:ext uri="{FF2B5EF4-FFF2-40B4-BE49-F238E27FC236}">
+                <a16:creationId xmlns:a16="http://schemas.microsoft.com/office/drawing/2014/main" id="{2D3DCA99-84AF-487A-BF72-91C5FA6B0B70}"/>
+              </a:ext>
+            </a:extLst>
+          </p:cNvPr>
+          <p:cNvSpPr>
+            <a:spLocks noGrp="1" noRot="1" noChangeAspect="1" noMove="1" noResize="1" noEditPoints="1" noAdjustHandles="1" noChangeArrowheads="1" noChangeShapeType="1" noTextEdit="1"/>
+          </p:cNvSpPr>
+          <p:nvPr>
+            <p:extLst>
+              <p:ext uri="{386F3935-93C4-4BCD-93E2-E3B085C9AB24}">
+                <p16:designElem xmlns:p16="http://schemas.microsoft.com/office/powerpoint/2015/main" val="1"/>
+              </p:ext>
+            </p:extLst>
+          </p:nvPr>
+        </p:nvSpPr>
+        <p:spPr>
+          <a:xfrm>
+            <a:off x="1" y="6400800"/>
+            <a:ext cx="12192000" cy="457200"/>
+          </a:xfrm>
+          <a:prstGeom prst="rect">
+            <a:avLst/>
+          </a:prstGeom>
+          <a:solidFill>
+            <a:schemeClr val="accent2"/>
+          </a:solidFill>
+          <a:ln>
+            <a:noFill/>
+          </a:ln>
+        </p:spPr>
+        <p:style>
+          <a:lnRef idx="2">
+            <a:schemeClr val="accent1">
+              <a:shade val="50000"/>
+            </a:schemeClr>
+          </a:lnRef>
+          <a:fillRef idx="1">
+            <a:schemeClr val="accent1"/>
+          </a:fillRef>
+          <a:effectRef idx="0">
+            <a:schemeClr val="accent1"/>
+          </a:effectRef>
+          <a:fontRef idx="minor">
+            <a:schemeClr val="lt1"/>
+          </a:fontRef>
+        </p:style>
+      </p:sp>
+      <p:sp>
+        <p:nvSpPr>
+          <p:cNvPr id="63" name="Rectangle 62">
+            <a:extLst>
+              <a:ext uri="{FF2B5EF4-FFF2-40B4-BE49-F238E27FC236}">
+                <a16:creationId xmlns:a16="http://schemas.microsoft.com/office/drawing/2014/main" id="{D8218D9F-38B6-4AE0-9051-5434D19A5277}"/>
+              </a:ext>
+            </a:extLst>
+          </p:cNvPr>
+          <p:cNvSpPr>
+            <a:spLocks noGrp="1" noRot="1" noChangeAspect="1" noMove="1" noResize="1" noEditPoints="1" noAdjustHandles="1" noChangeArrowheads="1" noChangeShapeType="1" noTextEdit="1"/>
+          </p:cNvSpPr>
+          <p:nvPr>
+            <p:extLst>
+              <p:ext uri="{386F3935-93C4-4BCD-93E2-E3B085C9AB24}">
+                <p16:designElem xmlns:p16="http://schemas.microsoft.com/office/powerpoint/2015/main" val="1"/>
+              </p:ext>
+            </p:extLst>
+          </p:nvPr>
+        </p:nvSpPr>
+        <p:spPr>
+          <a:xfrm>
+            <a:off x="15" y="6334316"/>
+            <a:ext cx="12191985" cy="66484"/>
+          </a:xfrm>
+          <a:prstGeom prst="rect">
+            <a:avLst/>
+          </a:prstGeom>
+          <a:solidFill>
+            <a:schemeClr val="accent1"/>
+          </a:solidFill>
+          <a:ln>
+            <a:noFill/>
+          </a:ln>
+        </p:spPr>
+        <p:style>
+          <a:lnRef idx="2">
+            <a:schemeClr val="accent1">
+              <a:shade val="50000"/>
+            </a:schemeClr>
+          </a:lnRef>
+          <a:fillRef idx="1">
+            <a:schemeClr val="accent1"/>
+          </a:fillRef>
+          <a:effectRef idx="0">
+            <a:schemeClr val="accent1"/>
+          </a:effectRef>
+          <a:fontRef idx="minor">
+            <a:schemeClr val="lt1"/>
+          </a:fontRef>
+        </p:style>
+      </p:sp>
+      <p:cxnSp>
+        <p:nvCxnSpPr>
+          <p:cNvPr id="65" name="Straight Connector 64">
+            <a:extLst>
+              <a:ext uri="{FF2B5EF4-FFF2-40B4-BE49-F238E27FC236}">
+                <a16:creationId xmlns:a16="http://schemas.microsoft.com/office/drawing/2014/main" id="{6B5B1DD8-6224-4137-8621-32982B00F9FC}"/>
+              </a:ext>
+            </a:extLst>
+          </p:cNvPr>
+          <p:cNvCxnSpPr>
+            <a:cxnSpLocks noGrp="1" noRot="1" noChangeAspect="1" noMove="1" noResize="1" noEditPoints="1" noAdjustHandles="1" noChangeArrowheads="1" noChangeShapeType="1"/>
+          </p:cNvCxnSpPr>
+          <p:nvPr>
+            <p:extLst>
+              <p:ext uri="{386F3935-93C4-4BCD-93E2-E3B085C9AB24}">
+                <p16:designElem xmlns:p16="http://schemas.microsoft.com/office/powerpoint/2015/main" val="1"/>
+              </p:ext>
+            </p:extLst>
+          </p:nvPr>
+        </p:nvCxnSpPr>
+        <p:spPr>
+          <a:xfrm>
+            <a:off x="6805053" y="4343400"/>
+            <a:ext cx="4389120" cy="0"/>
+          </a:xfrm>
+          <a:prstGeom prst="line">
+            <a:avLst/>
+          </a:prstGeom>
+          <a:ln w="6350">
+            <a:solidFill>
+              <a:schemeClr val="tx2">
+                <a:alpha val="90000"/>
+              </a:schemeClr>
+            </a:solidFill>
+          </a:ln>
+        </p:spPr>
+        <p:style>
+          <a:lnRef idx="1">
+            <a:schemeClr val="accent1"/>
+          </a:lnRef>
+          <a:fillRef idx="0">
+            <a:schemeClr val="accent1"/>
+          </a:fillRef>
+          <a:effectRef idx="0">
+            <a:schemeClr val="accent1"/>
+          </a:effectRef>
+          <a:fontRef idx="minor">
+            <a:schemeClr val="tx1"/>
+          </a:fontRef>
+        </p:style>
+      </p:cxnSp>
+      <p:pic>
+        <p:nvPicPr>
+          <p:cNvPr id="9" name="ตัวแทนเนื้อหา 8">
+            <a:extLst>
+              <a:ext uri="{FF2B5EF4-FFF2-40B4-BE49-F238E27FC236}">
+                <a16:creationId xmlns:a16="http://schemas.microsoft.com/office/drawing/2014/main" id="{8A0A412D-001E-46EB-96B8-9201E4E9BBE2}"/>
+              </a:ext>
+            </a:extLst>
+          </p:cNvPr>
+          <p:cNvPicPr>
+            <a:picLocks noGrp="1" noChangeAspect="1"/>
+          </p:cNvPicPr>
+          <p:nvPr>
+            <p:ph idx="1"/>
+          </p:nvPr>
+        </p:nvPicPr>
+        <p:blipFill>
+          <a:blip r:embed="rId2"/>
+          <a:stretch>
+            <a:fillRect/>
+          </a:stretch>
+        </p:blipFill>
+        <p:spPr>
+          <a:xfrm>
+            <a:off x="1487193" y="33888"/>
+            <a:ext cx="3769125" cy="6468919"/>
+          </a:xfrm>
+          <a:prstGeom prst="rect">
+            <a:avLst/>
+          </a:prstGeom>
+        </p:spPr>
+      </p:pic>
+      <p:sp>
+        <p:nvSpPr>
+          <p:cNvPr id="2" name="ชื่อเรื่อง 1">
+            <a:extLst>
+              <a:ext uri="{FF2B5EF4-FFF2-40B4-BE49-F238E27FC236}">
+                <a16:creationId xmlns:a16="http://schemas.microsoft.com/office/drawing/2014/main" id="{5416FC8F-6787-4B35-8DFD-D79E8AEB30E2}"/>
+              </a:ext>
+            </a:extLst>
+          </p:cNvPr>
+          <p:cNvSpPr>
+            <a:spLocks noGrp="1"/>
+          </p:cNvSpPr>
+          <p:nvPr>
+            <p:ph type="title"/>
+          </p:nvPr>
+        </p:nvSpPr>
+        <p:spPr>
+          <a:xfrm>
+            <a:off x="6730000" y="639097"/>
+            <a:ext cx="4813072" cy="3686015"/>
+          </a:xfrm>
+        </p:spPr>
+        <p:txBody>
+          <a:bodyPr vert="horz" lIns="91440" tIns="45720" rIns="91440" bIns="45720" rtlCol="0" anchor="b">
+            <a:normAutofit/>
+          </a:bodyPr>
+          <a:lstStyle/>
+          <a:p>
+            <a:r>
+              <a:rPr lang="en-US" sz="8000">
+                <a:solidFill>
+                  <a:schemeClr val="tx1">
+                    <a:lumMod val="85000"/>
+                    <a:lumOff val="15000"/>
+                  </a:schemeClr>
+                </a:solidFill>
+              </a:rPr>
+              <a:t>โปรแกรมแจ้งเตือน</a:t>
+            </a:r>
+          </a:p>
+        </p:txBody>
+      </p:sp>
+    </p:spTree>
+    <p:extLst>
+      <p:ext uri="{BB962C8B-B14F-4D97-AF65-F5344CB8AC3E}">
+        <p14:creationId xmlns:p14="http://schemas.microsoft.com/office/powerpoint/2010/main" val="1910864991"/>
+      </p:ext>
+    </p:extLst>
+  </p:cSld>
+  <p:clrMapOvr>
+    <a:masterClrMapping/>
+  </p:clrMapOvr>
+</p:sld>
+</file>
+
+<file path=ppt/slides/slide8.xml><?xml version="1.0" encoding="utf-8"?>
+<p:sld xmlns:a="http://schemas.openxmlformats.org/drawingml/2006/main" xmlns:r="http://schemas.openxmlformats.org/officeDocument/2006/relationships" xmlns:p="http://schemas.openxmlformats.org/presentationml/2006/main">
+  <p:cSld>
+    <p:bg>
+      <p:bgPr>
+        <a:solidFill>
+          <a:schemeClr val="bg1"/>
+        </a:solidFill>
+        <a:effectLst/>
+      </p:bgPr>
+    </p:bg>
+    <p:spTree>
+      <p:nvGrpSpPr>
+        <p:cNvPr id="1" name=""/>
+        <p:cNvGrpSpPr/>
+        <p:nvPr/>
+      </p:nvGrpSpPr>
+      <p:grpSpPr>
+        <a:xfrm>
+          <a:off x="0" y="0"/>
+          <a:ext cx="0" cy="0"/>
+          <a:chOff x="0" y="0"/>
+          <a:chExt cx="0" cy="0"/>
+        </a:xfrm>
+      </p:grpSpPr>
+      <p:sp>
+        <p:nvSpPr>
+          <p:cNvPr id="21" name="Rectangle 9">
+            <a:extLst>
+              <a:ext uri="{FF2B5EF4-FFF2-40B4-BE49-F238E27FC236}">
+                <a16:creationId xmlns:a16="http://schemas.microsoft.com/office/drawing/2014/main" id="{4E4490D0-3672-446A-AC12-B4830333BDDD}"/>
+              </a:ext>
+            </a:extLst>
+          </p:cNvPr>
+          <p:cNvSpPr>
+            <a:spLocks noGrp="1" noRot="1" noChangeAspect="1" noMove="1" noResize="1" noEditPoints="1" noAdjustHandles="1" noChangeArrowheads="1" noChangeShapeType="1" noTextEdit="1"/>
+          </p:cNvSpPr>
+          <p:nvPr>
+            <p:extLst>
+              <p:ext uri="{386F3935-93C4-4BCD-93E2-E3B085C9AB24}">
+                <p16:designElem xmlns:p16="http://schemas.microsoft.com/office/powerpoint/2015/main" val="1"/>
+              </p:ext>
+            </p:extLst>
+          </p:nvPr>
+        </p:nvSpPr>
+        <p:spPr>
+          <a:xfrm>
+            <a:off x="3175" y="6400800"/>
+            <a:ext cx="12188825" cy="457200"/>
+          </a:xfrm>
+          <a:prstGeom prst="rect">
+            <a:avLst/>
+          </a:prstGeom>
+          <a:solidFill>
+            <a:schemeClr val="accent2"/>
+          </a:solidFill>
+          <a:ln>
+            <a:noFill/>
+          </a:ln>
+        </p:spPr>
+        <p:style>
+          <a:lnRef idx="2">
+            <a:schemeClr val="accent1">
+              <a:shade val="50000"/>
+            </a:schemeClr>
+          </a:lnRef>
+          <a:fillRef idx="1">
+            <a:schemeClr val="accent1"/>
+          </a:fillRef>
+          <a:effectRef idx="0">
+            <a:schemeClr val="accent1"/>
+          </a:effectRef>
+          <a:fontRef idx="minor">
+            <a:schemeClr val="lt1"/>
+          </a:fontRef>
+        </p:style>
+      </p:sp>
+      <p:sp>
+        <p:nvSpPr>
+          <p:cNvPr id="12" name="Rectangle 11">
+            <a:extLst>
+              <a:ext uri="{FF2B5EF4-FFF2-40B4-BE49-F238E27FC236}">
+                <a16:creationId xmlns:a16="http://schemas.microsoft.com/office/drawing/2014/main" id="{39CB82C2-DF65-4EC1-8280-F201D50F570B}"/>
+              </a:ext>
+            </a:extLst>
+          </p:cNvPr>
+          <p:cNvSpPr>
+            <a:spLocks noGrp="1" noRot="1" noChangeAspect="1" noMove="1" noResize="1" noEditPoints="1" noAdjustHandles="1" noChangeArrowheads="1" noChangeShapeType="1" noTextEdit="1"/>
+          </p:cNvSpPr>
+          <p:nvPr>
+            <p:extLst>
+              <p:ext uri="{386F3935-93C4-4BCD-93E2-E3B085C9AB24}">
+                <p16:designElem xmlns:p16="http://schemas.microsoft.com/office/powerpoint/2015/main" val="1"/>
+              </p:ext>
+            </p:extLst>
+          </p:nvPr>
+        </p:nvSpPr>
+        <p:spPr>
+          <a:xfrm>
+            <a:off x="15" y="6334316"/>
+            <a:ext cx="12188825" cy="64008"/>
+          </a:xfrm>
+          <a:prstGeom prst="rect">
+            <a:avLst/>
+          </a:prstGeom>
+          <a:solidFill>
+            <a:schemeClr val="accent1"/>
+          </a:solidFill>
+          <a:ln>
+            <a:noFill/>
+          </a:ln>
+        </p:spPr>
+        <p:style>
+          <a:lnRef idx="2">
+            <a:schemeClr val="accent1">
+              <a:shade val="50000"/>
+            </a:schemeClr>
+          </a:lnRef>
+          <a:fillRef idx="1">
+            <a:schemeClr val="accent1"/>
+          </a:fillRef>
+          <a:effectRef idx="0">
+            <a:schemeClr val="accent1"/>
+          </a:effectRef>
+          <a:fontRef idx="minor">
+            <a:schemeClr val="lt1"/>
+          </a:fontRef>
+        </p:style>
+      </p:sp>
+      <p:cxnSp>
+        <p:nvCxnSpPr>
+          <p:cNvPr id="14" name="Straight Connector 13">
+            <a:extLst>
+              <a:ext uri="{FF2B5EF4-FFF2-40B4-BE49-F238E27FC236}">
+                <a16:creationId xmlns:a16="http://schemas.microsoft.com/office/drawing/2014/main" id="{7E1D4427-852B-4B37-8E76-0E9F1810BA2A}"/>
+              </a:ext>
+            </a:extLst>
+          </p:cNvPr>
+          <p:cNvCxnSpPr>
+            <a:cxnSpLocks noGrp="1" noRot="1" noChangeAspect="1" noMove="1" noResize="1" noEditPoints="1" noAdjustHandles="1" noChangeArrowheads="1" noChangeShapeType="1"/>
+          </p:cNvCxnSpPr>
+          <p:nvPr>
+            <p:extLst>
+              <p:ext uri="{386F3935-93C4-4BCD-93E2-E3B085C9AB24}">
+                <p16:designElem xmlns:p16="http://schemas.microsoft.com/office/powerpoint/2015/main" val="1"/>
+              </p:ext>
+            </p:extLst>
+          </p:nvPr>
+        </p:nvCxnSpPr>
+        <p:spPr>
+          <a:xfrm>
+            <a:off x="1207658" y="4343400"/>
+            <a:ext cx="9875520" cy="0"/>
+          </a:xfrm>
+          <a:prstGeom prst="line">
+            <a:avLst/>
+          </a:prstGeom>
+          <a:ln w="6350">
+            <a:solidFill>
+              <a:schemeClr val="tx1">
+                <a:lumMod val="50000"/>
+                <a:lumOff val="50000"/>
+              </a:schemeClr>
+            </a:solidFill>
+          </a:ln>
+        </p:spPr>
+        <p:style>
+          <a:lnRef idx="1">
+            <a:schemeClr val="accent1"/>
+          </a:lnRef>
+          <a:fillRef idx="0">
+            <a:schemeClr val="accent1"/>
+          </a:fillRef>
+          <a:effectRef idx="0">
+            <a:schemeClr val="accent1"/>
+          </a:effectRef>
+          <a:fontRef idx="minor">
+            <a:schemeClr val="tx1"/>
+          </a:fontRef>
+        </p:style>
+      </p:cxnSp>
+      <p:sp useBgFill="1">
+        <p:nvSpPr>
+          <p:cNvPr id="16" name="Rectangle 15">
+            <a:extLst>
+              <a:ext uri="{FF2B5EF4-FFF2-40B4-BE49-F238E27FC236}">
+                <a16:creationId xmlns:a16="http://schemas.microsoft.com/office/drawing/2014/main" id="{5AE6C737-FF55-4064-94B7-0B21D2EB6045}"/>
+              </a:ext>
+            </a:extLst>
+          </p:cNvPr>
+          <p:cNvSpPr>
+            <a:spLocks noGrp="1" noRot="1" noChangeAspect="1" noMove="1" noResize="1" noEditPoints="1" noAdjustHandles="1" noChangeArrowheads="1" noChangeShapeType="1" noTextEdit="1"/>
+          </p:cNvSpPr>
+          <p:nvPr>
+            <p:extLst>
+              <p:ext uri="{386F3935-93C4-4BCD-93E2-E3B085C9AB24}">
+                <p16:designElem xmlns:p16="http://schemas.microsoft.com/office/powerpoint/2015/main" val="1"/>
+              </p:ext>
+            </p:extLst>
+          </p:nvPr>
+        </p:nvSpPr>
+        <p:spPr>
+          <a:xfrm>
+            <a:off x="0" y="0"/>
+            <a:ext cx="12192001" cy="6334316"/>
+          </a:xfrm>
+          <a:prstGeom prst="rect">
+            <a:avLst/>
+          </a:prstGeom>
+          <a:ln>
+            <a:noFill/>
+          </a:ln>
+        </p:spPr>
+        <p:style>
+          <a:lnRef idx="2">
+            <a:schemeClr val="accent1">
+              <a:shade val="50000"/>
+            </a:schemeClr>
+          </a:lnRef>
+          <a:fillRef idx="1">
+            <a:schemeClr val="accent1"/>
+          </a:fillRef>
+          <a:effectRef idx="0">
+            <a:schemeClr val="accent1"/>
+          </a:effectRef>
+          <a:fontRef idx="minor">
+            <a:schemeClr val="lt1"/>
+          </a:fontRef>
+        </p:style>
+        <p:txBody>
+          <a:bodyPr rtlCol="0" anchor="ctr"/>
+          <a:lstStyle/>
+          <a:p>
+            <a:pPr algn="ctr"/>
+            <a:endParaRPr lang="en-US"/>
+          </a:p>
+        </p:txBody>
+      </p:sp>
+      <p:sp>
+        <p:nvSpPr>
+          <p:cNvPr id="18" name="Rectangle 17">
+            <a:extLst>
+              <a:ext uri="{FF2B5EF4-FFF2-40B4-BE49-F238E27FC236}">
+                <a16:creationId xmlns:a16="http://schemas.microsoft.com/office/drawing/2014/main" id="{2D3DCA99-84AF-487A-BF72-91C5FA6B0B70}"/>
+              </a:ext>
+            </a:extLst>
+          </p:cNvPr>
+          <p:cNvSpPr>
+            <a:spLocks noGrp="1" noRot="1" noChangeAspect="1" noMove="1" noResize="1" noEditPoints="1" noAdjustHandles="1" noChangeArrowheads="1" noChangeShapeType="1" noTextEdit="1"/>
+          </p:cNvSpPr>
+          <p:nvPr>
+            <p:extLst>
+              <p:ext uri="{386F3935-93C4-4BCD-93E2-E3B085C9AB24}">
+                <p16:designElem xmlns:p16="http://schemas.microsoft.com/office/powerpoint/2015/main" val="1"/>
+              </p:ext>
+            </p:extLst>
+          </p:nvPr>
+        </p:nvSpPr>
+        <p:spPr>
+          <a:xfrm>
+            <a:off x="1" y="6400800"/>
+            <a:ext cx="12192000" cy="457200"/>
+          </a:xfrm>
+          <a:prstGeom prst="rect">
+            <a:avLst/>
+          </a:prstGeom>
+          <a:solidFill>
+            <a:schemeClr val="accent2"/>
+          </a:solidFill>
+          <a:ln>
+            <a:noFill/>
+          </a:ln>
+        </p:spPr>
+        <p:style>
+          <a:lnRef idx="2">
+            <a:schemeClr val="accent1">
+              <a:shade val="50000"/>
+            </a:schemeClr>
+          </a:lnRef>
+          <a:fillRef idx="1">
+            <a:schemeClr val="accent1"/>
+          </a:fillRef>
+          <a:effectRef idx="0">
+            <a:schemeClr val="accent1"/>
+          </a:effectRef>
+          <a:fontRef idx="minor">
+            <a:schemeClr val="lt1"/>
+          </a:fontRef>
+        </p:style>
+      </p:sp>
+      <p:sp>
+        <p:nvSpPr>
+          <p:cNvPr id="20" name="Rectangle 19">
+            <a:extLst>
+              <a:ext uri="{FF2B5EF4-FFF2-40B4-BE49-F238E27FC236}">
+                <a16:creationId xmlns:a16="http://schemas.microsoft.com/office/drawing/2014/main" id="{D8218D9F-38B6-4AE0-9051-5434D19A5277}"/>
+              </a:ext>
+            </a:extLst>
+          </p:cNvPr>
+          <p:cNvSpPr>
+            <a:spLocks noGrp="1" noRot="1" noChangeAspect="1" noMove="1" noResize="1" noEditPoints="1" noAdjustHandles="1" noChangeArrowheads="1" noChangeShapeType="1" noTextEdit="1"/>
+          </p:cNvSpPr>
+          <p:nvPr>
+            <p:extLst>
+              <p:ext uri="{386F3935-93C4-4BCD-93E2-E3B085C9AB24}">
+                <p16:designElem xmlns:p16="http://schemas.microsoft.com/office/powerpoint/2015/main" val="1"/>
+              </p:ext>
+            </p:extLst>
+          </p:nvPr>
+        </p:nvSpPr>
+        <p:spPr>
+          <a:xfrm>
+            <a:off x="15" y="6334316"/>
+            <a:ext cx="12191985" cy="66484"/>
+          </a:xfrm>
+          <a:prstGeom prst="rect">
+            <a:avLst/>
+          </a:prstGeom>
+          <a:solidFill>
+            <a:schemeClr val="accent1"/>
+          </a:solidFill>
+          <a:ln>
+            <a:noFill/>
+          </a:ln>
+        </p:spPr>
+        <p:style>
+          <a:lnRef idx="2">
+            <a:schemeClr val="accent1">
+              <a:shade val="50000"/>
+            </a:schemeClr>
+          </a:lnRef>
+          <a:fillRef idx="1">
+            <a:schemeClr val="accent1"/>
+          </a:fillRef>
+          <a:effectRef idx="0">
+            <a:schemeClr val="accent1"/>
+          </a:effectRef>
+          <a:fontRef idx="minor">
+            <a:schemeClr val="lt1"/>
+          </a:fontRef>
+        </p:style>
+      </p:sp>
+      <p:cxnSp>
+        <p:nvCxnSpPr>
+          <p:cNvPr id="22" name="Straight Connector 21">
+            <a:extLst>
+              <a:ext uri="{FF2B5EF4-FFF2-40B4-BE49-F238E27FC236}">
+                <a16:creationId xmlns:a16="http://schemas.microsoft.com/office/drawing/2014/main" id="{6B5B1DD8-6224-4137-8621-32982B00F9FC}"/>
+              </a:ext>
+            </a:extLst>
+          </p:cNvPr>
+          <p:cNvCxnSpPr>
+            <a:cxnSpLocks noGrp="1" noRot="1" noChangeAspect="1" noMove="1" noResize="1" noEditPoints="1" noAdjustHandles="1" noChangeArrowheads="1" noChangeShapeType="1"/>
+          </p:cNvCxnSpPr>
+          <p:nvPr>
+            <p:extLst>
+              <p:ext uri="{386F3935-93C4-4BCD-93E2-E3B085C9AB24}">
+                <p16:designElem xmlns:p16="http://schemas.microsoft.com/office/powerpoint/2015/main" val="1"/>
+              </p:ext>
+            </p:extLst>
+          </p:nvPr>
+        </p:nvCxnSpPr>
+        <p:spPr>
+          <a:xfrm>
+            <a:off x="6805053" y="4343400"/>
+            <a:ext cx="4389120" cy="0"/>
+          </a:xfrm>
+          <a:prstGeom prst="line">
+            <a:avLst/>
+          </a:prstGeom>
+          <a:ln w="6350">
+            <a:solidFill>
+              <a:schemeClr val="tx2">
+                <a:alpha val="90000"/>
+              </a:schemeClr>
+            </a:solidFill>
+          </a:ln>
+        </p:spPr>
+        <p:style>
+          <a:lnRef idx="1">
+            <a:schemeClr val="accent1"/>
+          </a:lnRef>
+          <a:fillRef idx="0">
+            <a:schemeClr val="accent1"/>
+          </a:fillRef>
+          <a:effectRef idx="0">
+            <a:schemeClr val="accent1"/>
+          </a:effectRef>
+          <a:fontRef idx="minor">
+            <a:schemeClr val="tx1"/>
+          </a:fontRef>
+        </p:style>
+      </p:cxnSp>
+      <p:pic>
+        <p:nvPicPr>
+          <p:cNvPr id="5" name="ตัวแทนเนื้อหา 4">
+            <a:extLst>
+              <a:ext uri="{FF2B5EF4-FFF2-40B4-BE49-F238E27FC236}">
+                <a16:creationId xmlns:a16="http://schemas.microsoft.com/office/drawing/2014/main" id="{0FD2D1A1-2DA6-4E34-8D11-24FD668F168E}"/>
+              </a:ext>
+            </a:extLst>
+          </p:cNvPr>
+          <p:cNvPicPr>
+            <a:picLocks noGrp="1" noChangeAspect="1"/>
+          </p:cNvPicPr>
+          <p:nvPr>
+            <p:ph idx="1"/>
+          </p:nvPr>
+        </p:nvPicPr>
+        <p:blipFill>
+          <a:blip r:embed="rId2"/>
+          <a:stretch>
+            <a:fillRect/>
+          </a:stretch>
+        </p:blipFill>
+        <p:spPr>
+          <a:xfrm>
+            <a:off x="1840507" y="0"/>
+            <a:ext cx="3258604" cy="6658887"/>
+          </a:xfrm>
+          <a:prstGeom prst="rect">
+            <a:avLst/>
+          </a:prstGeom>
+        </p:spPr>
+      </p:pic>
+      <p:sp>
+        <p:nvSpPr>
+          <p:cNvPr id="2" name="ชื่อเรื่อง 1">
+            <a:extLst>
+              <a:ext uri="{FF2B5EF4-FFF2-40B4-BE49-F238E27FC236}">
+                <a16:creationId xmlns:a16="http://schemas.microsoft.com/office/drawing/2014/main" id="{86135C4A-B3DC-43F6-8327-9FFE6792DDE3}"/>
+              </a:ext>
+            </a:extLst>
+          </p:cNvPr>
+          <p:cNvSpPr>
+            <a:spLocks noGrp="1"/>
+          </p:cNvSpPr>
+          <p:nvPr>
+            <p:ph type="title"/>
+          </p:nvPr>
+        </p:nvSpPr>
+        <p:spPr>
+          <a:xfrm>
+            <a:off x="6730000" y="639097"/>
+            <a:ext cx="4813072" cy="3686015"/>
+          </a:xfrm>
+        </p:spPr>
+        <p:txBody>
+          <a:bodyPr vert="horz" lIns="91440" tIns="45720" rIns="91440" bIns="45720" rtlCol="0" anchor="b">
+            <a:normAutofit/>
+          </a:bodyPr>
+          <a:lstStyle/>
+          <a:p>
+            <a:r>
+              <a:rPr lang="th-TH" sz="8000" dirty="0">
+                <a:solidFill>
+                  <a:schemeClr val="tx1">
+                    <a:lumMod val="85000"/>
+                    <a:lumOff val="15000"/>
+                  </a:schemeClr>
+                </a:solidFill>
+              </a:rPr>
+              <a:t>โปรแกรมเพิ่มการแจ้งเตือน</a:t>
+            </a:r>
+            <a:endParaRPr lang="en-US" sz="8000" dirty="0">
+              <a:solidFill>
+                <a:schemeClr val="tx1">
+                  <a:lumMod val="85000"/>
+                  <a:lumOff val="15000"/>
+                </a:schemeClr>
+              </a:solidFill>
+            </a:endParaRPr>
+          </a:p>
+        </p:txBody>
+      </p:sp>
+    </p:spTree>
+    <p:extLst>
+      <p:ext uri="{BB962C8B-B14F-4D97-AF65-F5344CB8AC3E}">
+        <p14:creationId xmlns:p14="http://schemas.microsoft.com/office/powerpoint/2010/main" val="2454360176"/>
+      </p:ext>
+    </p:extLst>
+  </p:cSld>
+  <p:clrMapOvr>
+    <a:masterClrMapping/>
+  </p:clrMapOvr>
+</p:sld>
+</file>
+
+<file path=ppt/slides/slide9.xml><?xml version="1.0" encoding="utf-8"?>
+<p:sld xmlns:a="http://schemas.openxmlformats.org/drawingml/2006/main" xmlns:r="http://schemas.openxmlformats.org/officeDocument/2006/relationships" xmlns:p="http://schemas.openxmlformats.org/presentationml/2006/main">
+  <p:cSld>
+    <p:bg>
+      <p:bgPr>
+        <a:solidFill>
+          <a:schemeClr val="bg1"/>
+        </a:solidFill>
+        <a:effectLst/>
+      </p:bgPr>
+    </p:bg>
+    <p:spTree>
+      <p:nvGrpSpPr>
+        <p:cNvPr id="1" name=""/>
+        <p:cNvGrpSpPr/>
+        <p:nvPr/>
+      </p:nvGrpSpPr>
+      <p:grpSpPr>
+        <a:xfrm>
+          <a:off x="0" y="0"/>
+          <a:ext cx="0" cy="0"/>
+          <a:chOff x="0" y="0"/>
+          <a:chExt cx="0" cy="0"/>
+        </a:xfrm>
+      </p:grpSpPr>
+      <p:sp>
+        <p:nvSpPr>
+          <p:cNvPr id="10" name="Rectangle 9">
+            <a:extLst>
+              <a:ext uri="{FF2B5EF4-FFF2-40B4-BE49-F238E27FC236}">
+                <a16:creationId xmlns:a16="http://schemas.microsoft.com/office/drawing/2014/main" id="{4E4490D0-3672-446A-AC12-B4830333BDDD}"/>
+              </a:ext>
+            </a:extLst>
+          </p:cNvPr>
+          <p:cNvSpPr>
+            <a:spLocks noGrp="1" noRot="1" noChangeAspect="1" noMove="1" noResize="1" noEditPoints="1" noAdjustHandles="1" noChangeArrowheads="1" noChangeShapeType="1" noTextEdit="1"/>
+          </p:cNvSpPr>
+          <p:nvPr>
+            <p:extLst>
+              <p:ext uri="{386F3935-93C4-4BCD-93E2-E3B085C9AB24}">
+                <p16:designElem xmlns:p16="http://schemas.microsoft.com/office/powerpoint/2015/main" val="1"/>
+              </p:ext>
+            </p:extLst>
+          </p:nvPr>
+        </p:nvSpPr>
+        <p:spPr>
+          <a:xfrm>
+            <a:off x="3175" y="6400800"/>
+            <a:ext cx="12188825" cy="457200"/>
+          </a:xfrm>
+          <a:prstGeom prst="rect">
+            <a:avLst/>
+          </a:prstGeom>
+          <a:solidFill>
+            <a:schemeClr val="accent2"/>
+          </a:solidFill>
+          <a:ln>
+            <a:noFill/>
+          </a:ln>
+        </p:spPr>
+        <p:style>
+          <a:lnRef idx="2">
+            <a:schemeClr val="accent1">
+              <a:shade val="50000"/>
+            </a:schemeClr>
+          </a:lnRef>
+          <a:fillRef idx="1">
+            <a:schemeClr val="accent1"/>
+          </a:fillRef>
+          <a:effectRef idx="0">
+            <a:schemeClr val="accent1"/>
+          </a:effectRef>
+          <a:fontRef idx="minor">
+            <a:schemeClr val="lt1"/>
+          </a:fontRef>
+        </p:style>
+      </p:sp>
+      <p:sp>
+        <p:nvSpPr>
+          <p:cNvPr id="12" name="Rectangle 11">
+            <a:extLst>
+              <a:ext uri="{FF2B5EF4-FFF2-40B4-BE49-F238E27FC236}">
+                <a16:creationId xmlns:a16="http://schemas.microsoft.com/office/drawing/2014/main" id="{39CB82C2-DF65-4EC1-8280-F201D50F570B}"/>
+              </a:ext>
+            </a:extLst>
+          </p:cNvPr>
+          <p:cNvSpPr>
+            <a:spLocks noGrp="1" noRot="1" noChangeAspect="1" noMove="1" noResize="1" noEditPoints="1" noAdjustHandles="1" noChangeArrowheads="1" noChangeShapeType="1" noTextEdit="1"/>
+          </p:cNvSpPr>
+          <p:nvPr>
+            <p:extLst>
+              <p:ext uri="{386F3935-93C4-4BCD-93E2-E3B085C9AB24}">
+                <p16:designElem xmlns:p16="http://schemas.microsoft.com/office/powerpoint/2015/main" val="1"/>
+              </p:ext>
+            </p:extLst>
+          </p:nvPr>
+        </p:nvSpPr>
+        <p:spPr>
+          <a:xfrm>
+            <a:off x="15" y="6334316"/>
+            <a:ext cx="12188825" cy="64008"/>
+          </a:xfrm>
+          <a:prstGeom prst="rect">
+            <a:avLst/>
+          </a:prstGeom>
+          <a:solidFill>
+            <a:schemeClr val="accent1"/>
+          </a:solidFill>
+          <a:ln>
+            <a:noFill/>
+          </a:ln>
+        </p:spPr>
+        <p:style>
+          <a:lnRef idx="2">
+            <a:schemeClr val="accent1">
+              <a:shade val="50000"/>
+            </a:schemeClr>
+          </a:lnRef>
+          <a:fillRef idx="1">
+            <a:schemeClr val="accent1"/>
+          </a:fillRef>
+          <a:effectRef idx="0">
+            <a:schemeClr val="accent1"/>
+          </a:effectRef>
+          <a:fontRef idx="minor">
+            <a:schemeClr val="lt1"/>
+          </a:fontRef>
+        </p:style>
+      </p:sp>
+      <p:cxnSp>
+        <p:nvCxnSpPr>
+          <p:cNvPr id="14" name="Straight Connector 13">
+            <a:extLst>
+              <a:ext uri="{FF2B5EF4-FFF2-40B4-BE49-F238E27FC236}">
+                <a16:creationId xmlns:a16="http://schemas.microsoft.com/office/drawing/2014/main" id="{7E1D4427-852B-4B37-8E76-0E9F1810BA2A}"/>
+              </a:ext>
+            </a:extLst>
+          </p:cNvPr>
+          <p:cNvCxnSpPr>
+            <a:cxnSpLocks noGrp="1" noRot="1" noChangeAspect="1" noMove="1" noResize="1" noEditPoints="1" noAdjustHandles="1" noChangeArrowheads="1" noChangeShapeType="1"/>
+          </p:cNvCxnSpPr>
+          <p:nvPr>
+            <p:extLst>
+              <p:ext uri="{386F3935-93C4-4BCD-93E2-E3B085C9AB24}">
+                <p16:designElem xmlns:p16="http://schemas.microsoft.com/office/powerpoint/2015/main" val="1"/>
+              </p:ext>
+            </p:extLst>
+          </p:nvPr>
+        </p:nvCxnSpPr>
+        <p:spPr>
+          <a:xfrm>
+            <a:off x="1207658" y="4343400"/>
+            <a:ext cx="9875520" cy="0"/>
+          </a:xfrm>
+          <a:prstGeom prst="line">
+            <a:avLst/>
+          </a:prstGeom>
+          <a:ln w="6350">
+            <a:solidFill>
+              <a:schemeClr val="tx1">
+                <a:lumMod val="50000"/>
+                <a:lumOff val="50000"/>
+              </a:schemeClr>
+            </a:solidFill>
+          </a:ln>
+        </p:spPr>
+        <p:style>
+          <a:lnRef idx="1">
+            <a:schemeClr val="accent1"/>
+          </a:lnRef>
+          <a:fillRef idx="0">
+            <a:schemeClr val="accent1"/>
+          </a:fillRef>
+          <a:effectRef idx="0">
+            <a:schemeClr val="accent1"/>
+          </a:effectRef>
+          <a:fontRef idx="minor">
+            <a:schemeClr val="tx1"/>
+          </a:fontRef>
+        </p:style>
+      </p:cxnSp>
+      <p:sp useBgFill="1">
+        <p:nvSpPr>
+          <p:cNvPr id="16" name="Rectangle 15">
+            <a:extLst>
+              <a:ext uri="{FF2B5EF4-FFF2-40B4-BE49-F238E27FC236}">
+                <a16:creationId xmlns:a16="http://schemas.microsoft.com/office/drawing/2014/main" id="{5AE6C737-FF55-4064-94B7-0B21D2EB6045}"/>
+              </a:ext>
+            </a:extLst>
+          </p:cNvPr>
+          <p:cNvSpPr>
+            <a:spLocks noGrp="1" noRot="1" noChangeAspect="1" noMove="1" noResize="1" noEditPoints="1" noAdjustHandles="1" noChangeArrowheads="1" noChangeShapeType="1" noTextEdit="1"/>
+          </p:cNvSpPr>
+          <p:nvPr>
+            <p:extLst>
+              <p:ext uri="{386F3935-93C4-4BCD-93E2-E3B085C9AB24}">
+                <p16:designElem xmlns:p16="http://schemas.microsoft.com/office/powerpoint/2015/main" val="1"/>
+              </p:ext>
+            </p:extLst>
+          </p:nvPr>
+        </p:nvSpPr>
+        <p:spPr>
+          <a:xfrm>
+            <a:off x="0" y="0"/>
+            <a:ext cx="12192001" cy="6334316"/>
+          </a:xfrm>
+          <a:prstGeom prst="rect">
+            <a:avLst/>
+          </a:prstGeom>
+          <a:ln>
+            <a:noFill/>
+          </a:ln>
+        </p:spPr>
+        <p:style>
+          <a:lnRef idx="2">
+            <a:schemeClr val="accent1">
+              <a:shade val="50000"/>
+            </a:schemeClr>
+          </a:lnRef>
+          <a:fillRef idx="1">
+            <a:schemeClr val="accent1"/>
+          </a:fillRef>
+          <a:effectRef idx="0">
+            <a:schemeClr val="accent1"/>
+          </a:effectRef>
+          <a:fontRef idx="minor">
+            <a:schemeClr val="lt1"/>
+          </a:fontRef>
+        </p:style>
+        <p:txBody>
+          <a:bodyPr rtlCol="0" anchor="ctr"/>
+          <a:lstStyle/>
+          <a:p>
+            <a:pPr algn="ctr"/>
+            <a:endParaRPr lang="en-US"/>
+          </a:p>
+        </p:txBody>
+      </p:sp>
+      <p:sp>
+        <p:nvSpPr>
+          <p:cNvPr id="18" name="Rectangle 17">
+            <a:extLst>
+              <a:ext uri="{FF2B5EF4-FFF2-40B4-BE49-F238E27FC236}">
+                <a16:creationId xmlns:a16="http://schemas.microsoft.com/office/drawing/2014/main" id="{2D3DCA99-84AF-487A-BF72-91C5FA6B0B70}"/>
+              </a:ext>
+            </a:extLst>
+          </p:cNvPr>
+          <p:cNvSpPr>
+            <a:spLocks noGrp="1" noRot="1" noChangeAspect="1" noMove="1" noResize="1" noEditPoints="1" noAdjustHandles="1" noChangeArrowheads="1" noChangeShapeType="1" noTextEdit="1"/>
+          </p:cNvSpPr>
+          <p:nvPr>
+            <p:extLst>
+              <p:ext uri="{386F3935-93C4-4BCD-93E2-E3B085C9AB24}">
+                <p16:designElem xmlns:p16="http://schemas.microsoft.com/office/powerpoint/2015/main" val="1"/>
+              </p:ext>
+            </p:extLst>
+          </p:nvPr>
+        </p:nvSpPr>
+        <p:spPr>
+          <a:xfrm>
+            <a:off x="1" y="6400800"/>
+            <a:ext cx="12192000" cy="457200"/>
+          </a:xfrm>
+          <a:prstGeom prst="rect">
+            <a:avLst/>
+          </a:prstGeom>
+          <a:solidFill>
+            <a:schemeClr val="accent2"/>
+          </a:solidFill>
+          <a:ln>
+            <a:noFill/>
+          </a:ln>
+        </p:spPr>
+        <p:style>
+          <a:lnRef idx="2">
+            <a:schemeClr val="accent1">
+              <a:shade val="50000"/>
+            </a:schemeClr>
+          </a:lnRef>
+          <a:fillRef idx="1">
+            <a:schemeClr val="accent1"/>
+          </a:fillRef>
+          <a:effectRef idx="0">
+            <a:schemeClr val="accent1"/>
+          </a:effectRef>
+          <a:fontRef idx="minor">
+            <a:schemeClr val="lt1"/>
+          </a:fontRef>
+        </p:style>
+      </p:sp>
+      <p:sp>
+        <p:nvSpPr>
+          <p:cNvPr id="20" name="Rectangle 19">
+            <a:extLst>
+              <a:ext uri="{FF2B5EF4-FFF2-40B4-BE49-F238E27FC236}">
+                <a16:creationId xmlns:a16="http://schemas.microsoft.com/office/drawing/2014/main" id="{D8218D9F-38B6-4AE0-9051-5434D19A5277}"/>
+              </a:ext>
+            </a:extLst>
+          </p:cNvPr>
+          <p:cNvSpPr>
+            <a:spLocks noGrp="1" noRot="1" noChangeAspect="1" noMove="1" noResize="1" noEditPoints="1" noAdjustHandles="1" noChangeArrowheads="1" noChangeShapeType="1" noTextEdit="1"/>
+          </p:cNvSpPr>
+          <p:nvPr>
+            <p:extLst>
+              <p:ext uri="{386F3935-93C4-4BCD-93E2-E3B085C9AB24}">
+                <p16:designElem xmlns:p16="http://schemas.microsoft.com/office/powerpoint/2015/main" val="1"/>
+              </p:ext>
+            </p:extLst>
+          </p:nvPr>
+        </p:nvSpPr>
+        <p:spPr>
+          <a:xfrm>
+            <a:off x="15" y="6334316"/>
+            <a:ext cx="12191985" cy="66484"/>
+          </a:xfrm>
+          <a:prstGeom prst="rect">
+            <a:avLst/>
+          </a:prstGeom>
+          <a:solidFill>
+            <a:schemeClr val="accent1"/>
+          </a:solidFill>
+          <a:ln>
+            <a:noFill/>
+          </a:ln>
+        </p:spPr>
+        <p:style>
+          <a:lnRef idx="2">
+            <a:schemeClr val="accent1">
+              <a:shade val="50000"/>
+            </a:schemeClr>
+          </a:lnRef>
+          <a:fillRef idx="1">
+            <a:schemeClr val="accent1"/>
+          </a:fillRef>
+          <a:effectRef idx="0">
+            <a:schemeClr val="accent1"/>
+          </a:effectRef>
+          <a:fontRef idx="minor">
+            <a:schemeClr val="lt1"/>
+          </a:fontRef>
+        </p:style>
+      </p:sp>
+      <p:cxnSp>
+        <p:nvCxnSpPr>
+          <p:cNvPr id="22" name="Straight Connector 21">
+            <a:extLst>
+              <a:ext uri="{FF2B5EF4-FFF2-40B4-BE49-F238E27FC236}">
+                <a16:creationId xmlns:a16="http://schemas.microsoft.com/office/drawing/2014/main" id="{6B5B1DD8-6224-4137-8621-32982B00F9FC}"/>
+              </a:ext>
+            </a:extLst>
+          </p:cNvPr>
+          <p:cNvCxnSpPr>
+            <a:cxnSpLocks noGrp="1" noRot="1" noChangeAspect="1" noMove="1" noResize="1" noEditPoints="1" noAdjustHandles="1" noChangeArrowheads="1" noChangeShapeType="1"/>
+          </p:cNvCxnSpPr>
+          <p:nvPr>
+            <p:extLst>
+              <p:ext uri="{386F3935-93C4-4BCD-93E2-E3B085C9AB24}">
+                <p16:designElem xmlns:p16="http://schemas.microsoft.com/office/powerpoint/2015/main" val="1"/>
+              </p:ext>
+            </p:extLst>
+          </p:nvPr>
+        </p:nvCxnSpPr>
+        <p:spPr>
+          <a:xfrm>
+            <a:off x="6805053" y="4343400"/>
+            <a:ext cx="4389120" cy="0"/>
+          </a:xfrm>
+          <a:prstGeom prst="line">
+            <a:avLst/>
+          </a:prstGeom>
+          <a:ln w="6350">
+            <a:solidFill>
+              <a:schemeClr val="tx2">
+                <a:alpha val="90000"/>
+              </a:schemeClr>
+            </a:solidFill>
+          </a:ln>
+        </p:spPr>
+        <p:style>
+          <a:lnRef idx="1">
+            <a:schemeClr val="accent1"/>
+          </a:lnRef>
+          <a:fillRef idx="0">
+            <a:schemeClr val="accent1"/>
+          </a:fillRef>
+          <a:effectRef idx="0">
+            <a:schemeClr val="accent1"/>
+          </a:effectRef>
+          <a:fontRef idx="minor">
+            <a:schemeClr val="tx1"/>
+          </a:fontRef>
+        </p:style>
+      </p:cxnSp>
+      <p:pic>
+        <p:nvPicPr>
+          <p:cNvPr id="7" name="ตัวแทนเนื้อหา 5">
+            <a:extLst>
+              <a:ext uri="{FF2B5EF4-FFF2-40B4-BE49-F238E27FC236}">
+                <a16:creationId xmlns:a16="http://schemas.microsoft.com/office/drawing/2014/main" id="{B0048A21-4183-460E-8089-760500032F23}"/>
+              </a:ext>
+            </a:extLst>
+          </p:cNvPr>
+          <p:cNvPicPr>
+            <a:picLocks noGrp="1" noChangeAspect="1"/>
+          </p:cNvPicPr>
+          <p:nvPr>
+            <p:ph idx="1"/>
+          </p:nvPr>
+        </p:nvPicPr>
+        <p:blipFill>
+          <a:blip r:embed="rId2"/>
+          <a:stretch>
+            <a:fillRect/>
+          </a:stretch>
+        </p:blipFill>
+        <p:spPr>
+          <a:xfrm>
+            <a:off x="1108822" y="233680"/>
+            <a:ext cx="4278126" cy="5984501"/>
+          </a:xfrm>
+          <a:prstGeom prst="rect">
+            <a:avLst/>
+          </a:prstGeom>
+        </p:spPr>
+      </p:pic>
+      <p:sp>
+        <p:nvSpPr>
+          <p:cNvPr id="2" name="ชื่อเรื่อง 1">
+            <a:extLst>
+              <a:ext uri="{FF2B5EF4-FFF2-40B4-BE49-F238E27FC236}">
+                <a16:creationId xmlns:a16="http://schemas.microsoft.com/office/drawing/2014/main" id="{BD5959A1-057C-4DC7-8BF6-6D37142B73C1}"/>
+              </a:ext>
+            </a:extLst>
+          </p:cNvPr>
+          <p:cNvSpPr>
+            <a:spLocks noGrp="1"/>
+          </p:cNvSpPr>
+          <p:nvPr>
+            <p:ph type="title"/>
+          </p:nvPr>
+        </p:nvSpPr>
+        <p:spPr>
+          <a:xfrm>
+            <a:off x="6495770" y="639097"/>
+            <a:ext cx="5405944" cy="3686015"/>
+          </a:xfrm>
+        </p:spPr>
+        <p:txBody>
+          <a:bodyPr vert="horz" lIns="91440" tIns="45720" rIns="91440" bIns="45720" rtlCol="0" anchor="b">
+            <a:normAutofit/>
+          </a:bodyPr>
+          <a:lstStyle/>
+          <a:p>
+            <a:r>
+              <a:rPr lang="th-TH" sz="8000" dirty="0">
+                <a:solidFill>
+                  <a:schemeClr val="tx1">
+                    <a:lumMod val="85000"/>
+                    <a:lumOff val="15000"/>
+                  </a:schemeClr>
+                </a:solidFill>
+              </a:rPr>
+              <a:t>นาฬิกานับถอยหลัง</a:t>
+            </a:r>
+            <a:endParaRPr lang="en-US" sz="8000" dirty="0">
+              <a:solidFill>
+                <a:schemeClr val="tx1">
+                  <a:lumMod val="85000"/>
+                  <a:lumOff val="15000"/>
+                </a:schemeClr>
+              </a:solidFill>
+            </a:endParaRPr>
+          </a:p>
+        </p:txBody>
+      </p:sp>
+    </p:spTree>
+    <p:extLst>
+      <p:ext uri="{BB962C8B-B14F-4D97-AF65-F5344CB8AC3E}">
+        <p14:creationId xmlns:p14="http://schemas.microsoft.com/office/powerpoint/2010/main" val="2676100312"/>
+      </p:ext>
+    </p:extLst>
+  </p:cSld>
+  <p:clrMapOvr>
+    <a:masterClrMapping/>
+  </p:clrMapOvr>
 </p:sld>
 </file>
 

--- a/งานนำเสนอ.pptx
+++ b/งานนำเสนอ.pptx
@@ -23,7 +23,11 @@
     <p:sldId id="264" r:id="rId17"/>
     <p:sldId id="267" r:id="rId18"/>
     <p:sldId id="268" r:id="rId19"/>
-    <p:sldId id="265" r:id="rId20"/>
+    <p:sldId id="277" r:id="rId20"/>
+    <p:sldId id="278" r:id="rId21"/>
+    <p:sldId id="279" r:id="rId22"/>
+    <p:sldId id="265" r:id="rId23"/>
+    <p:sldId id="280" r:id="rId24"/>
   </p:sldIdLst>
   <p:sldSz cx="12192000" cy="6858000"/>
   <p:notesSz cx="6858000" cy="9144000"/>
@@ -5160,41 +5164,41 @@
           <a:lstStyle/>
           <a:p>
             <a:pPr>
-              <a:buFont typeface="Arial" panose="020B0604020202020204" pitchFamily="34" charset="0"/>
-              <a:buChar char="•"/>
+              <a:buFont typeface="Wingdings" panose="05000000000000000000" pitchFamily="2" charset="2"/>
+              <a:buChar char="Ø"/>
             </a:pPr>
             <a:r>
-              <a:rPr lang="th-TH" dirty="0"/>
+              <a:rPr lang="th-TH" sz="2400" dirty="0"/>
               <a:t>จะโชว์เวลาปัจจุบัน และ วันเดือนปีปัจจุบัน</a:t>
             </a:r>
           </a:p>
           <a:p>
             <a:pPr>
-              <a:buFont typeface="Arial" panose="020B0604020202020204" pitchFamily="34" charset="0"/>
-              <a:buChar char="•"/>
+              <a:buFont typeface="Wingdings" panose="05000000000000000000" pitchFamily="2" charset="2"/>
+              <a:buChar char="Ø"/>
             </a:pPr>
             <a:r>
-              <a:rPr lang="th-TH" dirty="0"/>
+              <a:rPr lang="th-TH" sz="2400" dirty="0"/>
               <a:t>ที่แถบหัวข้อโปรแกรมจะโชว์เวลาปัจจุบัน</a:t>
             </a:r>
           </a:p>
           <a:p>
             <a:pPr>
-              <a:buFont typeface="Arial" panose="020B0604020202020204" pitchFamily="34" charset="0"/>
-              <a:buChar char="•"/>
+              <a:buFont typeface="Wingdings" panose="05000000000000000000" pitchFamily="2" charset="2"/>
+              <a:buChar char="Ø"/>
             </a:pPr>
             <a:r>
-              <a:rPr lang="th-TH" dirty="0"/>
+              <a:rPr lang="th-TH" sz="2400" dirty="0"/>
               <a:t>ที่แถบเมนูใต้แถบหัวโปรแกรม จะมีเมนูพื้นฐานในโปรแกรม</a:t>
             </a:r>
           </a:p>
           <a:p>
             <a:pPr>
-              <a:buFont typeface="Arial" panose="020B0604020202020204" pitchFamily="34" charset="0"/>
-              <a:buChar char="•"/>
+              <a:buFont typeface="Wingdings" panose="05000000000000000000" pitchFamily="2" charset="2"/>
+              <a:buChar char="Ø"/>
             </a:pPr>
             <a:r>
-              <a:rPr lang="th-TH" dirty="0"/>
+              <a:rPr lang="th-TH" sz="2400" dirty="0"/>
               <a:t>มีปุ่มเพิ่มการแจ้งเตือนอยู่ตรงกลาง</a:t>
             </a:r>
           </a:p>
@@ -5329,7 +5333,7 @@
         </p:nvSpPr>
         <p:spPr>
           <a:xfrm>
-            <a:off x="7489834" y="4704607"/>
+            <a:off x="7372407" y="4729412"/>
             <a:ext cx="800219" cy="369332"/>
           </a:xfrm>
           <a:prstGeom prst="rect">
@@ -6358,20 +6362,22 @@
           </a:bodyPr>
           <a:lstStyle/>
           <a:p>
-            <a:pPr marL="0" indent="0">
-              <a:buNone/>
+            <a:pPr>
+              <a:buFont typeface="Wingdings" panose="05000000000000000000" pitchFamily="2" charset="2"/>
+              <a:buChar char="Ø"/>
             </a:pPr>
             <a:r>
-              <a:rPr lang="th-TH" dirty="0"/>
+              <a:rPr lang="th-TH" sz="2400" dirty="0"/>
               <a:t>คลิกเลือกชั่วโมง นาที แล้วบันทึก</a:t>
             </a:r>
           </a:p>
           <a:p>
-            <a:pPr marL="0" indent="0">
-              <a:buNone/>
+            <a:pPr>
+              <a:buFont typeface="Wingdings" panose="05000000000000000000" pitchFamily="2" charset="2"/>
+              <a:buChar char="Ø"/>
             </a:pPr>
             <a:r>
-              <a:rPr lang="th-TH" dirty="0"/>
+              <a:rPr lang="th-TH" sz="2400" dirty="0"/>
               <a:t>แล้วกดเลือกวันในสัปดาห์ แล้วต้องกดเลือกให้ เปิดใช้งานหรือไม่</a:t>
             </a:r>
           </a:p>
@@ -6857,20 +6863,22 @@
           </a:bodyPr>
           <a:lstStyle/>
           <a:p>
-            <a:pPr marL="0" indent="0">
-              <a:buNone/>
+            <a:pPr>
+              <a:buFont typeface="Wingdings" panose="05000000000000000000" pitchFamily="2" charset="2"/>
+              <a:buChar char="Ø"/>
             </a:pPr>
             <a:r>
-              <a:rPr lang="th-TH" dirty="0"/>
+              <a:rPr lang="th-TH" sz="2400" dirty="0"/>
               <a:t>คลิกเลือกชั่วโมง นาที แล้วบันทึก</a:t>
             </a:r>
           </a:p>
           <a:p>
-            <a:pPr marL="0" indent="0">
-              <a:buNone/>
+            <a:pPr>
+              <a:buFont typeface="Wingdings" panose="05000000000000000000" pitchFamily="2" charset="2"/>
+              <a:buChar char="Ø"/>
             </a:pPr>
             <a:r>
-              <a:rPr lang="th-TH" dirty="0"/>
+              <a:rPr lang="th-TH" sz="2400" dirty="0"/>
               <a:t>แล้วกดเลือกวันในสัปดาห์ แล้วต้องกดเลือกให้ เปิดใช้งานหรือไม่</a:t>
             </a:r>
           </a:p>
@@ -8454,168 +8462,12 @@
           <a:chExt cx="0" cy="0"/>
         </a:xfrm>
       </p:grpSpPr>
-      <p:sp>
-        <p:nvSpPr>
-          <p:cNvPr id="27" name="Rectangle 26">
-            <a:extLst>
-              <a:ext uri="{FF2B5EF4-FFF2-40B4-BE49-F238E27FC236}">
-                <a16:creationId xmlns:a16="http://schemas.microsoft.com/office/drawing/2014/main" id="{4E4490D0-3672-446A-AC12-B4830333BDDD}"/>
-              </a:ext>
-            </a:extLst>
-          </p:cNvPr>
-          <p:cNvSpPr>
-            <a:spLocks noGrp="1" noRot="1" noChangeAspect="1" noMove="1" noResize="1" noEditPoints="1" noAdjustHandles="1" noChangeArrowheads="1" noChangeShapeType="1" noTextEdit="1"/>
-          </p:cNvSpPr>
-          <p:nvPr>
-            <p:extLst>
-              <p:ext uri="{386F3935-93C4-4BCD-93E2-E3B085C9AB24}">
-                <p16:designElem xmlns:p16="http://schemas.microsoft.com/office/powerpoint/2015/main" val="1"/>
-              </p:ext>
-            </p:extLst>
-          </p:nvPr>
-        </p:nvSpPr>
-        <p:spPr>
-          <a:xfrm>
-            <a:off x="3175" y="6400800"/>
-            <a:ext cx="12188825" cy="457200"/>
-          </a:xfrm>
-          <a:prstGeom prst="rect">
-            <a:avLst/>
-          </a:prstGeom>
-          <a:solidFill>
-            <a:schemeClr val="accent2"/>
-          </a:solidFill>
-          <a:ln>
-            <a:noFill/>
-          </a:ln>
-        </p:spPr>
-        <p:style>
-          <a:lnRef idx="2">
-            <a:schemeClr val="accent1">
-              <a:shade val="50000"/>
-            </a:schemeClr>
-          </a:lnRef>
-          <a:fillRef idx="1">
-            <a:schemeClr val="accent1"/>
-          </a:fillRef>
-          <a:effectRef idx="0">
-            <a:schemeClr val="accent1"/>
-          </a:effectRef>
-          <a:fontRef idx="minor">
-            <a:schemeClr val="lt1"/>
-          </a:fontRef>
-        </p:style>
-      </p:sp>
-      <p:sp>
-        <p:nvSpPr>
-          <p:cNvPr id="29" name="Rectangle 28">
-            <a:extLst>
-              <a:ext uri="{FF2B5EF4-FFF2-40B4-BE49-F238E27FC236}">
-                <a16:creationId xmlns:a16="http://schemas.microsoft.com/office/drawing/2014/main" id="{39CB82C2-DF65-4EC1-8280-F201D50F570B}"/>
-              </a:ext>
-            </a:extLst>
-          </p:cNvPr>
-          <p:cNvSpPr>
-            <a:spLocks noGrp="1" noRot="1" noChangeAspect="1" noMove="1" noResize="1" noEditPoints="1" noAdjustHandles="1" noChangeArrowheads="1" noChangeShapeType="1" noTextEdit="1"/>
-          </p:cNvSpPr>
-          <p:nvPr>
-            <p:extLst>
-              <p:ext uri="{386F3935-93C4-4BCD-93E2-E3B085C9AB24}">
-                <p16:designElem xmlns:p16="http://schemas.microsoft.com/office/powerpoint/2015/main" val="1"/>
-              </p:ext>
-            </p:extLst>
-          </p:nvPr>
-        </p:nvSpPr>
-        <p:spPr>
-          <a:xfrm>
-            <a:off x="15" y="6334316"/>
-            <a:ext cx="12188825" cy="64008"/>
-          </a:xfrm>
-          <a:prstGeom prst="rect">
-            <a:avLst/>
-          </a:prstGeom>
-          <a:solidFill>
-            <a:schemeClr val="accent1"/>
-          </a:solidFill>
-          <a:ln>
-            <a:noFill/>
-          </a:ln>
-        </p:spPr>
-        <p:style>
-          <a:lnRef idx="2">
-            <a:schemeClr val="accent1">
-              <a:shade val="50000"/>
-            </a:schemeClr>
-          </a:lnRef>
-          <a:fillRef idx="1">
-            <a:schemeClr val="accent1"/>
-          </a:fillRef>
-          <a:effectRef idx="0">
-            <a:schemeClr val="accent1"/>
-          </a:effectRef>
-          <a:fontRef idx="minor">
-            <a:schemeClr val="lt1"/>
-          </a:fontRef>
-        </p:style>
-      </p:sp>
-      <p:cxnSp>
-        <p:nvCxnSpPr>
-          <p:cNvPr id="31" name="Straight Connector 30">
-            <a:extLst>
-              <a:ext uri="{FF2B5EF4-FFF2-40B4-BE49-F238E27FC236}">
-                <a16:creationId xmlns:a16="http://schemas.microsoft.com/office/drawing/2014/main" id="{7E1D4427-852B-4B37-8E76-0E9F1810BA2A}"/>
-              </a:ext>
-            </a:extLst>
-          </p:cNvPr>
-          <p:cNvCxnSpPr>
-            <a:cxnSpLocks noGrp="1" noRot="1" noChangeAspect="1" noMove="1" noResize="1" noEditPoints="1" noAdjustHandles="1" noChangeArrowheads="1" noChangeShapeType="1"/>
-          </p:cNvCxnSpPr>
-          <p:nvPr>
-            <p:extLst>
-              <p:ext uri="{386F3935-93C4-4BCD-93E2-E3B085C9AB24}">
-                <p16:designElem xmlns:p16="http://schemas.microsoft.com/office/powerpoint/2015/main" val="1"/>
-              </p:ext>
-            </p:extLst>
-          </p:nvPr>
-        </p:nvCxnSpPr>
-        <p:spPr>
-          <a:xfrm>
-            <a:off x="1207658" y="4343400"/>
-            <a:ext cx="9875520" cy="0"/>
-          </a:xfrm>
-          <a:prstGeom prst="line">
-            <a:avLst/>
-          </a:prstGeom>
-          <a:ln w="6350">
-            <a:solidFill>
-              <a:schemeClr val="tx1">
-                <a:lumMod val="50000"/>
-                <a:lumOff val="50000"/>
-              </a:schemeClr>
-            </a:solidFill>
-          </a:ln>
-        </p:spPr>
-        <p:style>
-          <a:lnRef idx="1">
-            <a:schemeClr val="accent1"/>
-          </a:lnRef>
-          <a:fillRef idx="0">
-            <a:schemeClr val="accent1"/>
-          </a:fillRef>
-          <a:effectRef idx="0">
-            <a:schemeClr val="accent1"/>
-          </a:effectRef>
-          <a:fontRef idx="minor">
-            <a:schemeClr val="tx1"/>
-          </a:fontRef>
-        </p:style>
-      </p:cxnSp>
       <p:sp useBgFill="1">
         <p:nvSpPr>
-          <p:cNvPr id="33" name="Rectangle 32">
-            <a:extLst>
-              <a:ext uri="{FF2B5EF4-FFF2-40B4-BE49-F238E27FC236}">
-                <a16:creationId xmlns:a16="http://schemas.microsoft.com/office/drawing/2014/main" id="{5AE6C737-FF55-4064-94B7-0B21D2EB6045}"/>
+          <p:cNvPr id="47" name="Rectangle 46">
+            <a:extLst>
+              <a:ext uri="{FF2B5EF4-FFF2-40B4-BE49-F238E27FC236}">
+                <a16:creationId xmlns:a16="http://schemas.microsoft.com/office/drawing/2014/main" id="{52ABB703-2B0E-4C3B-B4A2-F3973548E561}"/>
               </a:ext>
             </a:extLst>
           </p:cNvPr>
@@ -8669,10 +8521,10 @@
       </p:sp>
       <p:sp>
         <p:nvSpPr>
-          <p:cNvPr id="35" name="Rectangle 34">
-            <a:extLst>
-              <a:ext uri="{FF2B5EF4-FFF2-40B4-BE49-F238E27FC236}">
-                <a16:creationId xmlns:a16="http://schemas.microsoft.com/office/drawing/2014/main" id="{2D3DCA99-84AF-487A-BF72-91C5FA6B0B70}"/>
+          <p:cNvPr id="49" name="Rectangle 48">
+            <a:extLst>
+              <a:ext uri="{FF2B5EF4-FFF2-40B4-BE49-F238E27FC236}">
+                <a16:creationId xmlns:a16="http://schemas.microsoft.com/office/drawing/2014/main" id="{82A73093-4B9D-420D-B17E-52293703A1D4}"/>
               </a:ext>
             </a:extLst>
           </p:cNvPr>
@@ -8721,10 +8573,10 @@
       </p:sp>
       <p:sp>
         <p:nvSpPr>
-          <p:cNvPr id="37" name="Rectangle 36">
-            <a:extLst>
-              <a:ext uri="{FF2B5EF4-FFF2-40B4-BE49-F238E27FC236}">
-                <a16:creationId xmlns:a16="http://schemas.microsoft.com/office/drawing/2014/main" id="{D8218D9F-38B6-4AE0-9051-5434D19A5277}"/>
+          <p:cNvPr id="51" name="Rectangle 50">
+            <a:extLst>
+              <a:ext uri="{FF2B5EF4-FFF2-40B4-BE49-F238E27FC236}">
+                <a16:creationId xmlns:a16="http://schemas.microsoft.com/office/drawing/2014/main" id="{E95DA498-D9A2-4DA9-B9DA-B3776E08CF7E}"/>
               </a:ext>
             </a:extLst>
           </p:cNvPr>
@@ -8773,10 +8625,10 @@
       </p:sp>
       <p:cxnSp>
         <p:nvCxnSpPr>
-          <p:cNvPr id="39" name="Straight Connector 38">
-            <a:extLst>
-              <a:ext uri="{FF2B5EF4-FFF2-40B4-BE49-F238E27FC236}">
-                <a16:creationId xmlns:a16="http://schemas.microsoft.com/office/drawing/2014/main" id="{6B5B1DD8-6224-4137-8621-32982B00F9FC}"/>
+          <p:cNvPr id="53" name="Straight Connector 52">
+            <a:extLst>
+              <a:ext uri="{FF2B5EF4-FFF2-40B4-BE49-F238E27FC236}">
+                <a16:creationId xmlns:a16="http://schemas.microsoft.com/office/drawing/2014/main" id="{9C21570E-E159-49A6-9891-FA397B7A92D3}"/>
               </a:ext>
             </a:extLst>
           </p:cNvPr>
@@ -8793,15 +8645,17 @@
         </p:nvCxnSpPr>
         <p:spPr>
           <a:xfrm>
-            <a:off x="6805053" y="4343400"/>
-            <a:ext cx="4389120" cy="0"/>
+            <a:off x="6411684" y="2086188"/>
+            <a:ext cx="4748808" cy="0"/>
           </a:xfrm>
           <a:prstGeom prst="line">
             <a:avLst/>
           </a:prstGeom>
           <a:ln w="6350">
             <a:solidFill>
-              <a:schemeClr val="tx2">
+              <a:schemeClr val="tx1">
+                <a:lumMod val="50000"/>
+                <a:lumOff val="50000"/>
                 <a:alpha val="90000"/>
               </a:schemeClr>
             </a:solidFill>
@@ -8824,30 +8678,27 @@
       </p:cxnSp>
       <p:pic>
         <p:nvPicPr>
-          <p:cNvPr id="7" name="รูปภาพ 3" descr="รูปภาพประกอบด้วย ภาพหน้าจอ&#10;&#10;คำอธิบายที่สร้างขึ้นโดยมีความน่าเชื่อถือสูงมาก">
-            <a:extLst>
-              <a:ext uri="{FF2B5EF4-FFF2-40B4-BE49-F238E27FC236}">
-                <a16:creationId xmlns:a16="http://schemas.microsoft.com/office/drawing/2014/main" id="{66135AD3-3F19-4759-BF51-0983527724C7}"/>
+          <p:cNvPr id="42" name="รูปภาพ 3">
+            <a:extLst>
+              <a:ext uri="{FF2B5EF4-FFF2-40B4-BE49-F238E27FC236}">
+                <a16:creationId xmlns:a16="http://schemas.microsoft.com/office/drawing/2014/main" id="{50FE77DD-18EF-4954-AA3D-0A30E8EBE35F}"/>
               </a:ext>
             </a:extLst>
           </p:cNvPr>
           <p:cNvPicPr>
-            <a:picLocks noGrp="1" noChangeAspect="1"/>
+            <a:picLocks noChangeAspect="1"/>
           </p:cNvPicPr>
-          <p:nvPr>
-            <p:ph idx="1"/>
-          </p:nvPr>
+          <p:nvPr/>
         </p:nvPicPr>
-        <p:blipFill>
+        <p:blipFill rotWithShape="1">
           <a:blip r:embed="rId2"/>
-          <a:stretch>
-            <a:fillRect/>
-          </a:stretch>
+          <a:srcRect/>
+          <a:stretch/>
         </p:blipFill>
         <p:spPr>
           <a:xfrm>
-            <a:off x="816323" y="640081"/>
-            <a:ext cx="5097353" cy="5054156"/>
+            <a:off x="707648" y="645106"/>
+            <a:ext cx="5322714" cy="5247747"/>
           </a:xfrm>
           <a:prstGeom prst="rect">
             <a:avLst/>
@@ -8859,7 +8710,7 @@
           <p:cNvPr id="2" name="ชื่อเรื่อง 1">
             <a:extLst>
               <a:ext uri="{FF2B5EF4-FFF2-40B4-BE49-F238E27FC236}">
-                <a16:creationId xmlns:a16="http://schemas.microsoft.com/office/drawing/2014/main" id="{1BCEE619-6C32-40E4-8587-36FF78C84164}"/>
+                <a16:creationId xmlns:a16="http://schemas.microsoft.com/office/drawing/2014/main" id="{4D5194CE-DBF6-4D22-8AC2-C0038D722D37}"/>
               </a:ext>
             </a:extLst>
           </p:cNvPr>
@@ -8872,42 +8723,72 @@
         </p:nvSpPr>
         <p:spPr>
           <a:xfrm>
-            <a:off x="6730000" y="639097"/>
-            <a:ext cx="4813072" cy="3686015"/>
+            <a:off x="6411685" y="634946"/>
+            <a:ext cx="5127171" cy="1450757"/>
           </a:xfrm>
         </p:spPr>
         <p:txBody>
-          <a:bodyPr vert="horz" lIns="91440" tIns="45720" rIns="91440" bIns="45720" rtlCol="0" anchor="b">
+          <a:bodyPr vert="horz" lIns="91440" tIns="45720" rIns="91440" bIns="45720" rtlCol="0">
             <a:normAutofit/>
           </a:bodyPr>
           <a:lstStyle/>
           <a:p>
             <a:r>
-              <a:rPr lang="en-US" sz="8000">
-                <a:solidFill>
-                  <a:schemeClr val="tx1">
-                    <a:lumMod val="85000"/>
-                    <a:lumOff val="15000"/>
-                  </a:schemeClr>
-                </a:solidFill>
-              </a:rPr>
-              <a:t>หน้าเกี่ยวกับโปรแกรม</a:t>
+              <a:rPr lang="th-TH" dirty="0"/>
+              <a:t>นาฬิกานับถอยหลัง</a:t>
             </a:r>
-            <a:endParaRPr lang="en-US" sz="8000" dirty="0">
-              <a:solidFill>
-                <a:schemeClr val="tx1">
-                  <a:lumMod val="85000"/>
-                  <a:lumOff val="15000"/>
-                </a:schemeClr>
-              </a:solidFill>
-            </a:endParaRPr>
+            <a:endParaRPr lang="en-US" dirty="0"/>
+          </a:p>
+        </p:txBody>
+      </p:sp>
+      <p:sp>
+        <p:nvSpPr>
+          <p:cNvPr id="44" name="Content Placeholder 43"/>
+          <p:cNvSpPr>
+            <a:spLocks noGrp="1"/>
+          </p:cNvSpPr>
+          <p:nvPr>
+            <p:ph idx="1"/>
+          </p:nvPr>
+        </p:nvSpPr>
+        <p:spPr>
+          <a:xfrm>
+            <a:off x="6411684" y="2198914"/>
+            <a:ext cx="5127172" cy="3670180"/>
+          </a:xfrm>
+        </p:spPr>
+        <p:txBody>
+          <a:bodyPr>
+            <a:normAutofit/>
+          </a:bodyPr>
+          <a:lstStyle/>
+          <a:p>
+            <a:pPr>
+              <a:buFont typeface="Wingdings" panose="05000000000000000000" pitchFamily="2" charset="2"/>
+              <a:buChar char="Ø"/>
+            </a:pPr>
+            <a:r>
+              <a:rPr lang="th-TH" sz="2400" dirty="0"/>
+              <a:t>สามารถนับถอยหลังเวลาได้</a:t>
+            </a:r>
+          </a:p>
+          <a:p>
+            <a:pPr>
+              <a:buFont typeface="Wingdings" panose="05000000000000000000" pitchFamily="2" charset="2"/>
+              <a:buChar char="Ø"/>
+            </a:pPr>
+            <a:r>
+              <a:rPr lang="th-TH" sz="2400" dirty="0"/>
+              <a:t>สามารถตั้งค่าเวลาใหม่ได้</a:t>
+            </a:r>
+            <a:endParaRPr lang="en-US" sz="2400" dirty="0"/>
           </a:p>
         </p:txBody>
       </p:sp>
     </p:spTree>
     <p:extLst>
       <p:ext uri="{BB962C8B-B14F-4D97-AF65-F5344CB8AC3E}">
-        <p14:creationId xmlns:p14="http://schemas.microsoft.com/office/powerpoint/2010/main" val="4124522545"/>
+        <p14:creationId xmlns:p14="http://schemas.microsoft.com/office/powerpoint/2010/main" val="1779142706"/>
       </p:ext>
     </p:extLst>
   </p:cSld>
@@ -9059,6 +8940,2237 @@
 </p:sld>
 </file>
 
+<file path=ppt/slides/slide20.xml><?xml version="1.0" encoding="utf-8"?>
+<p:sld xmlns:a="http://schemas.openxmlformats.org/drawingml/2006/main" xmlns:r="http://schemas.openxmlformats.org/officeDocument/2006/relationships" xmlns:p="http://schemas.openxmlformats.org/presentationml/2006/main">
+  <p:cSld>
+    <p:bg>
+      <p:bgPr>
+        <a:solidFill>
+          <a:schemeClr val="bg1"/>
+        </a:solidFill>
+        <a:effectLst/>
+      </p:bgPr>
+    </p:bg>
+    <p:spTree>
+      <p:nvGrpSpPr>
+        <p:cNvPr id="1" name=""/>
+        <p:cNvGrpSpPr/>
+        <p:nvPr/>
+      </p:nvGrpSpPr>
+      <p:grpSpPr>
+        <a:xfrm>
+          <a:off x="0" y="0"/>
+          <a:ext cx="0" cy="0"/>
+          <a:chOff x="0" y="0"/>
+          <a:chExt cx="0" cy="0"/>
+        </a:xfrm>
+      </p:grpSpPr>
+      <p:sp useBgFill="1">
+        <p:nvSpPr>
+          <p:cNvPr id="19" name="Rectangle 9">
+            <a:extLst>
+              <a:ext uri="{FF2B5EF4-FFF2-40B4-BE49-F238E27FC236}">
+                <a16:creationId xmlns:a16="http://schemas.microsoft.com/office/drawing/2014/main" id="{C3F32490-CF6A-459E-BBFE-90557857A1B4}"/>
+              </a:ext>
+            </a:extLst>
+          </p:cNvPr>
+          <p:cNvSpPr>
+            <a:spLocks noGrp="1" noRot="1" noChangeAspect="1" noMove="1" noResize="1" noEditPoints="1" noAdjustHandles="1" noChangeArrowheads="1" noChangeShapeType="1" noTextEdit="1"/>
+          </p:cNvSpPr>
+          <p:nvPr>
+            <p:extLst>
+              <p:ext uri="{386F3935-93C4-4BCD-93E2-E3B085C9AB24}">
+                <p16:designElem xmlns:p16="http://schemas.microsoft.com/office/powerpoint/2015/main" val="1"/>
+              </p:ext>
+            </p:extLst>
+          </p:nvPr>
+        </p:nvSpPr>
+        <p:spPr>
+          <a:xfrm>
+            <a:off x="0" y="0"/>
+            <a:ext cx="12192001" cy="6334316"/>
+          </a:xfrm>
+          <a:prstGeom prst="rect">
+            <a:avLst/>
+          </a:prstGeom>
+          <a:ln>
+            <a:noFill/>
+          </a:ln>
+        </p:spPr>
+        <p:style>
+          <a:lnRef idx="2">
+            <a:schemeClr val="accent1">
+              <a:shade val="50000"/>
+            </a:schemeClr>
+          </a:lnRef>
+          <a:fillRef idx="1">
+            <a:schemeClr val="accent1"/>
+          </a:fillRef>
+          <a:effectRef idx="0">
+            <a:schemeClr val="accent1"/>
+          </a:effectRef>
+          <a:fontRef idx="minor">
+            <a:schemeClr val="lt1"/>
+          </a:fontRef>
+        </p:style>
+        <p:txBody>
+          <a:bodyPr rtlCol="0" anchor="ctr"/>
+          <a:lstStyle/>
+          <a:p>
+            <a:pPr algn="ctr"/>
+            <a:endParaRPr lang="en-US"/>
+          </a:p>
+        </p:txBody>
+      </p:sp>
+      <p:sp>
+        <p:nvSpPr>
+          <p:cNvPr id="21" name="Rectangle 11">
+            <a:extLst>
+              <a:ext uri="{FF2B5EF4-FFF2-40B4-BE49-F238E27FC236}">
+                <a16:creationId xmlns:a16="http://schemas.microsoft.com/office/drawing/2014/main" id="{055BE0DD-04F0-42E3-9EDE-2129B4A55CF4}"/>
+              </a:ext>
+            </a:extLst>
+          </p:cNvPr>
+          <p:cNvSpPr>
+            <a:spLocks noGrp="1" noRot="1" noChangeAspect="1" noMove="1" noResize="1" noEditPoints="1" noAdjustHandles="1" noChangeArrowheads="1" noChangeShapeType="1" noTextEdit="1"/>
+          </p:cNvSpPr>
+          <p:nvPr>
+            <p:extLst>
+              <p:ext uri="{386F3935-93C4-4BCD-93E2-E3B085C9AB24}">
+                <p16:designElem xmlns:p16="http://schemas.microsoft.com/office/powerpoint/2015/main" val="1"/>
+              </p:ext>
+            </p:extLst>
+          </p:nvPr>
+        </p:nvSpPr>
+        <p:spPr>
+          <a:xfrm>
+            <a:off x="1" y="6400800"/>
+            <a:ext cx="12192000" cy="457200"/>
+          </a:xfrm>
+          <a:prstGeom prst="rect">
+            <a:avLst/>
+          </a:prstGeom>
+          <a:solidFill>
+            <a:schemeClr val="accent2"/>
+          </a:solidFill>
+          <a:ln>
+            <a:noFill/>
+          </a:ln>
+        </p:spPr>
+        <p:style>
+          <a:lnRef idx="2">
+            <a:schemeClr val="accent1">
+              <a:shade val="50000"/>
+            </a:schemeClr>
+          </a:lnRef>
+          <a:fillRef idx="1">
+            <a:schemeClr val="accent1"/>
+          </a:fillRef>
+          <a:effectRef idx="0">
+            <a:schemeClr val="accent1"/>
+          </a:effectRef>
+          <a:fontRef idx="minor">
+            <a:schemeClr val="lt1"/>
+          </a:fontRef>
+        </p:style>
+      </p:sp>
+      <p:sp>
+        <p:nvSpPr>
+          <p:cNvPr id="23" name="Rectangle 13">
+            <a:extLst>
+              <a:ext uri="{FF2B5EF4-FFF2-40B4-BE49-F238E27FC236}">
+                <a16:creationId xmlns:a16="http://schemas.microsoft.com/office/drawing/2014/main" id="{25621158-452E-4C14-8946-B331F0D1C38F}"/>
+              </a:ext>
+            </a:extLst>
+          </p:cNvPr>
+          <p:cNvSpPr>
+            <a:spLocks noGrp="1" noRot="1" noChangeAspect="1" noMove="1" noResize="1" noEditPoints="1" noAdjustHandles="1" noChangeArrowheads="1" noChangeShapeType="1" noTextEdit="1"/>
+          </p:cNvSpPr>
+          <p:nvPr>
+            <p:extLst>
+              <p:ext uri="{386F3935-93C4-4BCD-93E2-E3B085C9AB24}">
+                <p16:designElem xmlns:p16="http://schemas.microsoft.com/office/powerpoint/2015/main" val="1"/>
+              </p:ext>
+            </p:extLst>
+          </p:nvPr>
+        </p:nvSpPr>
+        <p:spPr>
+          <a:xfrm>
+            <a:off x="15" y="6334316"/>
+            <a:ext cx="12191985" cy="66484"/>
+          </a:xfrm>
+          <a:prstGeom prst="rect">
+            <a:avLst/>
+          </a:prstGeom>
+          <a:solidFill>
+            <a:schemeClr val="accent1"/>
+          </a:solidFill>
+          <a:ln>
+            <a:noFill/>
+          </a:ln>
+        </p:spPr>
+        <p:style>
+          <a:lnRef idx="2">
+            <a:schemeClr val="accent1">
+              <a:shade val="50000"/>
+            </a:schemeClr>
+          </a:lnRef>
+          <a:fillRef idx="1">
+            <a:schemeClr val="accent1"/>
+          </a:fillRef>
+          <a:effectRef idx="0">
+            <a:schemeClr val="accent1"/>
+          </a:effectRef>
+          <a:fontRef idx="minor">
+            <a:schemeClr val="lt1"/>
+          </a:fontRef>
+        </p:style>
+      </p:sp>
+      <p:cxnSp>
+        <p:nvCxnSpPr>
+          <p:cNvPr id="25" name="Straight Connector 15">
+            <a:extLst>
+              <a:ext uri="{FF2B5EF4-FFF2-40B4-BE49-F238E27FC236}">
+                <a16:creationId xmlns:a16="http://schemas.microsoft.com/office/drawing/2014/main" id="{373C1DFC-81C5-498E-9907-7AAE6F0416B1}"/>
+              </a:ext>
+            </a:extLst>
+          </p:cNvPr>
+          <p:cNvCxnSpPr>
+            <a:cxnSpLocks noGrp="1" noRot="1" noChangeAspect="1" noMove="1" noResize="1" noEditPoints="1" noAdjustHandles="1" noChangeArrowheads="1" noChangeShapeType="1"/>
+          </p:cNvCxnSpPr>
+          <p:nvPr>
+            <p:extLst>
+              <p:ext uri="{386F3935-93C4-4BCD-93E2-E3B085C9AB24}">
+                <p16:designElem xmlns:p16="http://schemas.microsoft.com/office/powerpoint/2015/main" val="1"/>
+              </p:ext>
+            </p:extLst>
+          </p:nvPr>
+        </p:nvCxnSpPr>
+        <p:spPr>
+          <a:xfrm>
+            <a:off x="7046569" y="2085703"/>
+            <a:ext cx="4114800" cy="0"/>
+          </a:xfrm>
+          <a:prstGeom prst="line">
+            <a:avLst/>
+          </a:prstGeom>
+          <a:ln w="6350">
+            <a:solidFill>
+              <a:schemeClr val="tx1">
+                <a:lumMod val="50000"/>
+                <a:lumOff val="50000"/>
+                <a:alpha val="90000"/>
+              </a:schemeClr>
+            </a:solidFill>
+          </a:ln>
+        </p:spPr>
+        <p:style>
+          <a:lnRef idx="1">
+            <a:schemeClr val="accent1"/>
+          </a:lnRef>
+          <a:fillRef idx="0">
+            <a:schemeClr val="accent1"/>
+          </a:fillRef>
+          <a:effectRef idx="0">
+            <a:schemeClr val="accent1"/>
+          </a:effectRef>
+          <a:fontRef idx="minor">
+            <a:schemeClr val="tx1"/>
+          </a:fontRef>
+        </p:style>
+      </p:cxnSp>
+      <p:sp>
+        <p:nvSpPr>
+          <p:cNvPr id="18" name="Rectangle 17">
+            <a:extLst>
+              <a:ext uri="{FF2B5EF4-FFF2-40B4-BE49-F238E27FC236}">
+                <a16:creationId xmlns:a16="http://schemas.microsoft.com/office/drawing/2014/main" id="{3489CAE3-3AE0-4268-81CA-A98516EAD013}"/>
+              </a:ext>
+            </a:extLst>
+          </p:cNvPr>
+          <p:cNvSpPr>
+            <a:spLocks noGrp="1" noRot="1" noChangeAspect="1" noMove="1" noResize="1" noEditPoints="1" noAdjustHandles="1" noChangeArrowheads="1" noChangeShapeType="1" noTextEdit="1"/>
+          </p:cNvSpPr>
+          <p:nvPr>
+            <p:extLst>
+              <p:ext uri="{386F3935-93C4-4BCD-93E2-E3B085C9AB24}">
+                <p16:designElem xmlns:p16="http://schemas.microsoft.com/office/powerpoint/2015/main" val="1"/>
+              </p:ext>
+            </p:extLst>
+          </p:nvPr>
+        </p:nvSpPr>
+        <p:spPr>
+          <a:xfrm>
+            <a:off x="0" y="0"/>
+            <a:ext cx="6479458" cy="6334316"/>
+          </a:xfrm>
+          <a:prstGeom prst="rect">
+            <a:avLst/>
+          </a:prstGeom>
+          <a:solidFill>
+            <a:schemeClr val="bg2"/>
+          </a:solidFill>
+          <a:ln>
+            <a:noFill/>
+          </a:ln>
+        </p:spPr>
+        <p:style>
+          <a:lnRef idx="2">
+            <a:schemeClr val="accent1">
+              <a:shade val="50000"/>
+            </a:schemeClr>
+          </a:lnRef>
+          <a:fillRef idx="1">
+            <a:schemeClr val="accent1"/>
+          </a:fillRef>
+          <a:effectRef idx="0">
+            <a:schemeClr val="accent1"/>
+          </a:effectRef>
+          <a:fontRef idx="minor">
+            <a:schemeClr val="lt1"/>
+          </a:fontRef>
+        </p:style>
+        <p:txBody>
+          <a:bodyPr rtlCol="0" anchor="ctr"/>
+          <a:lstStyle/>
+          <a:p>
+            <a:pPr algn="ctr"/>
+            <a:endParaRPr lang="en-US"/>
+          </a:p>
+        </p:txBody>
+      </p:sp>
+      <p:sp>
+        <p:nvSpPr>
+          <p:cNvPr id="20" name="Rectangle 19">
+            <a:extLst>
+              <a:ext uri="{FF2B5EF4-FFF2-40B4-BE49-F238E27FC236}">
+                <a16:creationId xmlns:a16="http://schemas.microsoft.com/office/drawing/2014/main" id="{FC2AD4A0-4FAA-4F52-A315-4224B27BE052}"/>
+              </a:ext>
+            </a:extLst>
+          </p:cNvPr>
+          <p:cNvSpPr>
+            <a:spLocks noGrp="1" noRot="1" noChangeAspect="1" noMove="1" noResize="1" noEditPoints="1" noAdjustHandles="1" noChangeArrowheads="1" noChangeShapeType="1" noTextEdit="1"/>
+          </p:cNvSpPr>
+          <p:nvPr>
+            <p:extLst>
+              <p:ext uri="{386F3935-93C4-4BCD-93E2-E3B085C9AB24}">
+                <p16:designElem xmlns:p16="http://schemas.microsoft.com/office/powerpoint/2015/main" val="1"/>
+              </p:ext>
+            </p:extLst>
+          </p:nvPr>
+        </p:nvSpPr>
+        <p:spPr>
+          <a:xfrm>
+            <a:off x="3512061" y="321733"/>
+            <a:ext cx="2583939" cy="1955250"/>
+          </a:xfrm>
+          <a:prstGeom prst="rect">
+            <a:avLst/>
+          </a:prstGeom>
+          <a:solidFill>
+            <a:schemeClr val="accent1"/>
+          </a:solidFill>
+          <a:ln>
+            <a:noFill/>
+          </a:ln>
+        </p:spPr>
+        <p:style>
+          <a:lnRef idx="2">
+            <a:schemeClr val="accent1">
+              <a:shade val="50000"/>
+            </a:schemeClr>
+          </a:lnRef>
+          <a:fillRef idx="1">
+            <a:schemeClr val="accent1"/>
+          </a:fillRef>
+          <a:effectRef idx="0">
+            <a:schemeClr val="accent1"/>
+          </a:effectRef>
+          <a:fontRef idx="minor">
+            <a:schemeClr val="lt1"/>
+          </a:fontRef>
+        </p:style>
+        <p:txBody>
+          <a:bodyPr rtlCol="0" anchor="ctr"/>
+          <a:lstStyle/>
+          <a:p>
+            <a:pPr algn="ctr"/>
+            <a:endParaRPr lang="en-US"/>
+          </a:p>
+        </p:txBody>
+      </p:sp>
+      <p:sp>
+        <p:nvSpPr>
+          <p:cNvPr id="22" name="Rectangle 21">
+            <a:extLst>
+              <a:ext uri="{FF2B5EF4-FFF2-40B4-BE49-F238E27FC236}">
+                <a16:creationId xmlns:a16="http://schemas.microsoft.com/office/drawing/2014/main" id="{8A4EEE51-0307-4CE8-813E-AE3BCEBA2442}"/>
+              </a:ext>
+            </a:extLst>
+          </p:cNvPr>
+          <p:cNvSpPr>
+            <a:spLocks noGrp="1" noRot="1" noChangeAspect="1" noMove="1" noResize="1" noEditPoints="1" noAdjustHandles="1" noChangeArrowheads="1" noChangeShapeType="1" noTextEdit="1"/>
+          </p:cNvSpPr>
+          <p:nvPr>
+            <p:extLst>
+              <p:ext uri="{386F3935-93C4-4BCD-93E2-E3B085C9AB24}">
+                <p16:designElem xmlns:p16="http://schemas.microsoft.com/office/powerpoint/2015/main" val="1"/>
+              </p:ext>
+            </p:extLst>
+          </p:nvPr>
+        </p:nvSpPr>
+        <p:spPr>
+          <a:xfrm>
+            <a:off x="321733" y="3879167"/>
+            <a:ext cx="3057906" cy="2135564"/>
+          </a:xfrm>
+          <a:prstGeom prst="rect">
+            <a:avLst/>
+          </a:prstGeom>
+          <a:solidFill>
+            <a:schemeClr val="bg2">
+              <a:lumMod val="75000"/>
+            </a:schemeClr>
+          </a:solidFill>
+          <a:ln>
+            <a:noFill/>
+          </a:ln>
+        </p:spPr>
+        <p:style>
+          <a:lnRef idx="2">
+            <a:schemeClr val="accent1">
+              <a:shade val="50000"/>
+            </a:schemeClr>
+          </a:lnRef>
+          <a:fillRef idx="1">
+            <a:schemeClr val="accent1"/>
+          </a:fillRef>
+          <a:effectRef idx="0">
+            <a:schemeClr val="accent1"/>
+          </a:effectRef>
+          <a:fontRef idx="minor">
+            <a:schemeClr val="lt1"/>
+          </a:fontRef>
+        </p:style>
+        <p:txBody>
+          <a:bodyPr rtlCol="0" anchor="ctr"/>
+          <a:lstStyle/>
+          <a:p>
+            <a:pPr algn="ctr"/>
+            <a:endParaRPr lang="en-US"/>
+          </a:p>
+        </p:txBody>
+      </p:sp>
+      <p:sp>
+        <p:nvSpPr>
+          <p:cNvPr id="24" name="Rectangle 23">
+            <a:extLst>
+              <a:ext uri="{FF2B5EF4-FFF2-40B4-BE49-F238E27FC236}">
+                <a16:creationId xmlns:a16="http://schemas.microsoft.com/office/drawing/2014/main" id="{852BC338-7802-42D3-85C9-B665508F4282}"/>
+              </a:ext>
+            </a:extLst>
+          </p:cNvPr>
+          <p:cNvSpPr>
+            <a:spLocks noGrp="1" noRot="1" noChangeAspect="1" noMove="1" noResize="1" noEditPoints="1" noAdjustHandles="1" noChangeArrowheads="1" noChangeShapeType="1" noTextEdit="1"/>
+          </p:cNvSpPr>
+          <p:nvPr>
+            <p:extLst>
+              <p:ext uri="{386F3935-93C4-4BCD-93E2-E3B085C9AB24}">
+                <p16:designElem xmlns:p16="http://schemas.microsoft.com/office/powerpoint/2015/main" val="1"/>
+              </p:ext>
+            </p:extLst>
+          </p:nvPr>
+        </p:nvSpPr>
+        <p:spPr>
+          <a:xfrm>
+            <a:off x="321733" y="321733"/>
+            <a:ext cx="3057906" cy="3408237"/>
+          </a:xfrm>
+          <a:prstGeom prst="rect">
+            <a:avLst/>
+          </a:prstGeom>
+          <a:solidFill>
+            <a:srgbClr val="FFFFFF"/>
+          </a:solidFill>
+          <a:ln w="63500">
+            <a:noFill/>
+            <a:miter lim="800000"/>
+          </a:ln>
+        </p:spPr>
+        <p:style>
+          <a:lnRef idx="2">
+            <a:schemeClr val="accent1">
+              <a:shade val="50000"/>
+            </a:schemeClr>
+          </a:lnRef>
+          <a:fillRef idx="1">
+            <a:schemeClr val="accent1"/>
+          </a:fillRef>
+          <a:effectRef idx="0">
+            <a:schemeClr val="accent1"/>
+          </a:effectRef>
+          <a:fontRef idx="minor">
+            <a:schemeClr val="lt1"/>
+          </a:fontRef>
+        </p:style>
+        <p:txBody>
+          <a:bodyPr rtlCol="0" anchor="ctr"/>
+          <a:lstStyle/>
+          <a:p>
+            <a:pPr algn="ctr"/>
+            <a:endParaRPr lang="en-US"/>
+          </a:p>
+        </p:txBody>
+      </p:sp>
+      <p:sp>
+        <p:nvSpPr>
+          <p:cNvPr id="26" name="Rectangle 25">
+            <a:extLst>
+              <a:ext uri="{FF2B5EF4-FFF2-40B4-BE49-F238E27FC236}">
+                <a16:creationId xmlns:a16="http://schemas.microsoft.com/office/drawing/2014/main" id="{E9D9FBD3-6E57-4B12-A90A-386ED8F084F0}"/>
+              </a:ext>
+            </a:extLst>
+          </p:cNvPr>
+          <p:cNvSpPr>
+            <a:spLocks noGrp="1" noRot="1" noChangeAspect="1" noMove="1" noResize="1" noEditPoints="1" noAdjustHandles="1" noChangeArrowheads="1" noChangeShapeType="1" noTextEdit="1"/>
+          </p:cNvSpPr>
+          <p:nvPr>
+            <p:extLst>
+              <p:ext uri="{386F3935-93C4-4BCD-93E2-E3B085C9AB24}">
+                <p16:designElem xmlns:p16="http://schemas.microsoft.com/office/powerpoint/2015/main" val="1"/>
+              </p:ext>
+            </p:extLst>
+          </p:nvPr>
+        </p:nvSpPr>
+        <p:spPr>
+          <a:xfrm>
+            <a:off x="3528588" y="2451014"/>
+            <a:ext cx="2567411" cy="3532765"/>
+          </a:xfrm>
+          <a:prstGeom prst="rect">
+            <a:avLst/>
+          </a:prstGeom>
+          <a:solidFill>
+            <a:srgbClr val="FFFFFF"/>
+          </a:solidFill>
+          <a:ln w="63500">
+            <a:noFill/>
+            <a:miter lim="800000"/>
+          </a:ln>
+        </p:spPr>
+        <p:style>
+          <a:lnRef idx="2">
+            <a:schemeClr val="accent1">
+              <a:shade val="50000"/>
+            </a:schemeClr>
+          </a:lnRef>
+          <a:fillRef idx="1">
+            <a:schemeClr val="accent1"/>
+          </a:fillRef>
+          <a:effectRef idx="0">
+            <a:schemeClr val="accent1"/>
+          </a:effectRef>
+          <a:fontRef idx="minor">
+            <a:schemeClr val="lt1"/>
+          </a:fontRef>
+        </p:style>
+        <p:txBody>
+          <a:bodyPr rtlCol="0" anchor="ctr"/>
+          <a:lstStyle/>
+          <a:p>
+            <a:pPr algn="ctr"/>
+            <a:endParaRPr lang="en-US"/>
+          </a:p>
+        </p:txBody>
+      </p:sp>
+      <p:pic>
+        <p:nvPicPr>
+          <p:cNvPr id="5" name="รูปภาพ 4" descr="รูปภาพประกอบด้วย ภาพหน้าจอ&#10;&#10;คำอธิบายที่สร้างขึ้นโดยมีความน่าเชื่อถือสูงมาก">
+            <a:extLst>
+              <a:ext uri="{FF2B5EF4-FFF2-40B4-BE49-F238E27FC236}">
+                <a16:creationId xmlns:a16="http://schemas.microsoft.com/office/drawing/2014/main" id="{450B6B47-D13C-4A82-A8A3-BA311598A63B}"/>
+              </a:ext>
+            </a:extLst>
+          </p:cNvPr>
+          <p:cNvPicPr>
+            <a:picLocks noChangeAspect="1"/>
+          </p:cNvPicPr>
+          <p:nvPr/>
+        </p:nvPicPr>
+        <p:blipFill>
+          <a:blip r:embed="rId2"/>
+          <a:stretch>
+            <a:fillRect/>
+          </a:stretch>
+        </p:blipFill>
+        <p:spPr>
+          <a:xfrm>
+            <a:off x="458336" y="991313"/>
+            <a:ext cx="2784700" cy="2069078"/>
+          </a:xfrm>
+          <a:prstGeom prst="rect">
+            <a:avLst/>
+          </a:prstGeom>
+        </p:spPr>
+      </p:pic>
+      <p:pic>
+        <p:nvPicPr>
+          <p:cNvPr id="4" name="รูปภาพ 3" descr="รูปภาพประกอบด้วย ภาพหน้าจอ&#10;&#10;คำอธิบายที่สร้างขึ้นโดยมีความน่าเชื่อถือสูงมาก">
+            <a:extLst>
+              <a:ext uri="{FF2B5EF4-FFF2-40B4-BE49-F238E27FC236}">
+                <a16:creationId xmlns:a16="http://schemas.microsoft.com/office/drawing/2014/main" id="{1F801685-6E00-40AB-AF05-322505648663}"/>
+              </a:ext>
+            </a:extLst>
+          </p:cNvPr>
+          <p:cNvPicPr>
+            <a:picLocks noChangeAspect="1"/>
+          </p:cNvPicPr>
+          <p:nvPr/>
+        </p:nvPicPr>
+        <p:blipFill>
+          <a:blip r:embed="rId3"/>
+          <a:stretch>
+            <a:fillRect/>
+          </a:stretch>
+        </p:blipFill>
+        <p:spPr>
+          <a:xfrm>
+            <a:off x="3664752" y="3037530"/>
+            <a:ext cx="2295082" cy="2359732"/>
+          </a:xfrm>
+          <a:prstGeom prst="rect">
+            <a:avLst/>
+          </a:prstGeom>
+        </p:spPr>
+      </p:pic>
+      <p:sp>
+        <p:nvSpPr>
+          <p:cNvPr id="2" name="ชื่อเรื่อง 1">
+            <a:extLst>
+              <a:ext uri="{FF2B5EF4-FFF2-40B4-BE49-F238E27FC236}">
+                <a16:creationId xmlns:a16="http://schemas.microsoft.com/office/drawing/2014/main" id="{82B121C1-53A2-4706-81FB-84E1B8CA860E}"/>
+              </a:ext>
+            </a:extLst>
+          </p:cNvPr>
+          <p:cNvSpPr>
+            <a:spLocks noGrp="1"/>
+          </p:cNvSpPr>
+          <p:nvPr>
+            <p:ph type="title"/>
+          </p:nvPr>
+        </p:nvSpPr>
+        <p:spPr>
+          <a:xfrm>
+            <a:off x="6956868" y="634946"/>
+            <a:ext cx="4592874" cy="1450757"/>
+          </a:xfrm>
+        </p:spPr>
+        <p:txBody>
+          <a:bodyPr>
+            <a:normAutofit/>
+          </a:bodyPr>
+          <a:lstStyle/>
+          <a:p>
+            <a:r>
+              <a:rPr lang="th-TH" dirty="0"/>
+              <a:t>นาฬิกานับถอยหลัง</a:t>
+            </a:r>
+          </a:p>
+        </p:txBody>
+      </p:sp>
+      <p:sp>
+        <p:nvSpPr>
+          <p:cNvPr id="3" name="ตัวแทนเนื้อหา 2">
+            <a:extLst>
+              <a:ext uri="{FF2B5EF4-FFF2-40B4-BE49-F238E27FC236}">
+                <a16:creationId xmlns:a16="http://schemas.microsoft.com/office/drawing/2014/main" id="{AB54CBF3-2F85-454B-B939-8ABE6B080AE3}"/>
+              </a:ext>
+            </a:extLst>
+          </p:cNvPr>
+          <p:cNvSpPr>
+            <a:spLocks noGrp="1"/>
+          </p:cNvSpPr>
+          <p:nvPr>
+            <p:ph idx="1"/>
+          </p:nvPr>
+        </p:nvSpPr>
+        <p:spPr>
+          <a:xfrm>
+            <a:off x="6956868" y="2198914"/>
+            <a:ext cx="4592874" cy="3670180"/>
+          </a:xfrm>
+        </p:spPr>
+        <p:txBody>
+          <a:bodyPr>
+            <a:normAutofit/>
+          </a:bodyPr>
+          <a:lstStyle/>
+          <a:p>
+            <a:r>
+              <a:rPr lang="th-TH" sz="2400" dirty="0"/>
+              <a:t>กำหนดเวลานับถอยหลัง นาที วินาที แล้วกด บันทึก จะขึ้นเวลาที่จะนับถอยหลังในหน่วยวินาที</a:t>
+            </a:r>
+          </a:p>
+        </p:txBody>
+      </p:sp>
+    </p:spTree>
+    <p:extLst>
+      <p:ext uri="{BB962C8B-B14F-4D97-AF65-F5344CB8AC3E}">
+        <p14:creationId xmlns:p14="http://schemas.microsoft.com/office/powerpoint/2010/main" val="2773752546"/>
+      </p:ext>
+    </p:extLst>
+  </p:cSld>
+  <p:clrMapOvr>
+    <a:masterClrMapping/>
+  </p:clrMapOvr>
+</p:sld>
+</file>
+
+<file path=ppt/slides/slide21.xml><?xml version="1.0" encoding="utf-8"?>
+<p:sld xmlns:a="http://schemas.openxmlformats.org/drawingml/2006/main" xmlns:r="http://schemas.openxmlformats.org/officeDocument/2006/relationships" xmlns:p="http://schemas.openxmlformats.org/presentationml/2006/main">
+  <p:cSld>
+    <p:bg>
+      <p:bgPr>
+        <a:solidFill>
+          <a:schemeClr val="bg1"/>
+        </a:solidFill>
+        <a:effectLst/>
+      </p:bgPr>
+    </p:bg>
+    <p:spTree>
+      <p:nvGrpSpPr>
+        <p:cNvPr id="1" name=""/>
+        <p:cNvGrpSpPr/>
+        <p:nvPr/>
+      </p:nvGrpSpPr>
+      <p:grpSpPr>
+        <a:xfrm>
+          <a:off x="0" y="0"/>
+          <a:ext cx="0" cy="0"/>
+          <a:chOff x="0" y="0"/>
+          <a:chExt cx="0" cy="0"/>
+        </a:xfrm>
+      </p:grpSpPr>
+      <p:sp useBgFill="1">
+        <p:nvSpPr>
+          <p:cNvPr id="19" name="Rectangle 9">
+            <a:extLst>
+              <a:ext uri="{FF2B5EF4-FFF2-40B4-BE49-F238E27FC236}">
+                <a16:creationId xmlns:a16="http://schemas.microsoft.com/office/drawing/2014/main" id="{4CFCD50F-4BF3-4733-BD42-5567080A7017}"/>
+              </a:ext>
+            </a:extLst>
+          </p:cNvPr>
+          <p:cNvSpPr>
+            <a:spLocks noGrp="1" noRot="1" noChangeAspect="1" noMove="1" noResize="1" noEditPoints="1" noAdjustHandles="1" noChangeArrowheads="1" noChangeShapeType="1" noTextEdit="1"/>
+          </p:cNvSpPr>
+          <p:nvPr>
+            <p:extLst>
+              <p:ext uri="{386F3935-93C4-4BCD-93E2-E3B085C9AB24}">
+                <p16:designElem xmlns:p16="http://schemas.microsoft.com/office/powerpoint/2015/main" val="1"/>
+              </p:ext>
+            </p:extLst>
+          </p:nvPr>
+        </p:nvSpPr>
+        <p:spPr>
+          <a:xfrm>
+            <a:off x="0" y="0"/>
+            <a:ext cx="12192001" cy="6334316"/>
+          </a:xfrm>
+          <a:prstGeom prst="rect">
+            <a:avLst/>
+          </a:prstGeom>
+          <a:ln>
+            <a:noFill/>
+          </a:ln>
+        </p:spPr>
+        <p:style>
+          <a:lnRef idx="2">
+            <a:schemeClr val="accent1">
+              <a:shade val="50000"/>
+            </a:schemeClr>
+          </a:lnRef>
+          <a:fillRef idx="1">
+            <a:schemeClr val="accent1"/>
+          </a:fillRef>
+          <a:effectRef idx="0">
+            <a:schemeClr val="accent1"/>
+          </a:effectRef>
+          <a:fontRef idx="minor">
+            <a:schemeClr val="lt1"/>
+          </a:fontRef>
+        </p:style>
+        <p:txBody>
+          <a:bodyPr rtlCol="0" anchor="ctr"/>
+          <a:lstStyle/>
+          <a:p>
+            <a:pPr algn="ctr"/>
+            <a:endParaRPr lang="en-US"/>
+          </a:p>
+        </p:txBody>
+      </p:sp>
+      <p:sp>
+        <p:nvSpPr>
+          <p:cNvPr id="21" name="Rectangle 11">
+            <a:extLst>
+              <a:ext uri="{FF2B5EF4-FFF2-40B4-BE49-F238E27FC236}">
+                <a16:creationId xmlns:a16="http://schemas.microsoft.com/office/drawing/2014/main" id="{7B07ECB0-AC96-4F4F-AB0C-44EA1353CE09}"/>
+              </a:ext>
+            </a:extLst>
+          </p:cNvPr>
+          <p:cNvSpPr>
+            <a:spLocks noGrp="1" noRot="1" noChangeAspect="1" noMove="1" noResize="1" noEditPoints="1" noAdjustHandles="1" noChangeArrowheads="1" noChangeShapeType="1" noTextEdit="1"/>
+          </p:cNvSpPr>
+          <p:nvPr>
+            <p:extLst>
+              <p:ext uri="{386F3935-93C4-4BCD-93E2-E3B085C9AB24}">
+                <p16:designElem xmlns:p16="http://schemas.microsoft.com/office/powerpoint/2015/main" val="1"/>
+              </p:ext>
+            </p:extLst>
+          </p:nvPr>
+        </p:nvSpPr>
+        <p:spPr>
+          <a:xfrm>
+            <a:off x="1" y="6400800"/>
+            <a:ext cx="12192000" cy="457200"/>
+          </a:xfrm>
+          <a:prstGeom prst="rect">
+            <a:avLst/>
+          </a:prstGeom>
+          <a:solidFill>
+            <a:schemeClr val="accent2"/>
+          </a:solidFill>
+          <a:ln>
+            <a:noFill/>
+          </a:ln>
+        </p:spPr>
+        <p:style>
+          <a:lnRef idx="2">
+            <a:schemeClr val="accent1">
+              <a:shade val="50000"/>
+            </a:schemeClr>
+          </a:lnRef>
+          <a:fillRef idx="1">
+            <a:schemeClr val="accent1"/>
+          </a:fillRef>
+          <a:effectRef idx="0">
+            <a:schemeClr val="accent1"/>
+          </a:effectRef>
+          <a:fontRef idx="minor">
+            <a:schemeClr val="lt1"/>
+          </a:fontRef>
+        </p:style>
+      </p:sp>
+      <p:sp>
+        <p:nvSpPr>
+          <p:cNvPr id="23" name="Rectangle 13">
+            <a:extLst>
+              <a:ext uri="{FF2B5EF4-FFF2-40B4-BE49-F238E27FC236}">
+                <a16:creationId xmlns:a16="http://schemas.microsoft.com/office/drawing/2014/main" id="{54D683B1-E7B7-4AF5-8BF1-00757F13FBE1}"/>
+              </a:ext>
+            </a:extLst>
+          </p:cNvPr>
+          <p:cNvSpPr>
+            <a:spLocks noGrp="1" noRot="1" noChangeAspect="1" noMove="1" noResize="1" noEditPoints="1" noAdjustHandles="1" noChangeArrowheads="1" noChangeShapeType="1" noTextEdit="1"/>
+          </p:cNvSpPr>
+          <p:nvPr>
+            <p:extLst>
+              <p:ext uri="{386F3935-93C4-4BCD-93E2-E3B085C9AB24}">
+                <p16:designElem xmlns:p16="http://schemas.microsoft.com/office/powerpoint/2015/main" val="1"/>
+              </p:ext>
+            </p:extLst>
+          </p:nvPr>
+        </p:nvSpPr>
+        <p:spPr>
+          <a:xfrm>
+            <a:off x="15" y="6334316"/>
+            <a:ext cx="12191985" cy="66484"/>
+          </a:xfrm>
+          <a:prstGeom prst="rect">
+            <a:avLst/>
+          </a:prstGeom>
+          <a:solidFill>
+            <a:schemeClr val="accent1"/>
+          </a:solidFill>
+          <a:ln>
+            <a:noFill/>
+          </a:ln>
+        </p:spPr>
+        <p:style>
+          <a:lnRef idx="2">
+            <a:schemeClr val="accent1">
+              <a:shade val="50000"/>
+            </a:schemeClr>
+          </a:lnRef>
+          <a:fillRef idx="1">
+            <a:schemeClr val="accent1"/>
+          </a:fillRef>
+          <a:effectRef idx="0">
+            <a:schemeClr val="accent1"/>
+          </a:effectRef>
+          <a:fontRef idx="minor">
+            <a:schemeClr val="lt1"/>
+          </a:fontRef>
+        </p:style>
+      </p:sp>
+      <p:cxnSp>
+        <p:nvCxnSpPr>
+          <p:cNvPr id="25" name="Straight Connector 15">
+            <a:extLst>
+              <a:ext uri="{FF2B5EF4-FFF2-40B4-BE49-F238E27FC236}">
+                <a16:creationId xmlns:a16="http://schemas.microsoft.com/office/drawing/2014/main" id="{E622A300-A12E-4C3D-A574-71AFFA8F2B51}"/>
+              </a:ext>
+            </a:extLst>
+          </p:cNvPr>
+          <p:cNvCxnSpPr>
+            <a:cxnSpLocks noGrp="1" noRot="1" noChangeAspect="1" noMove="1" noResize="1" noEditPoints="1" noAdjustHandles="1" noChangeArrowheads="1" noChangeShapeType="1"/>
+          </p:cNvCxnSpPr>
+          <p:nvPr>
+            <p:extLst>
+              <p:ext uri="{386F3935-93C4-4BCD-93E2-E3B085C9AB24}">
+                <p16:designElem xmlns:p16="http://schemas.microsoft.com/office/powerpoint/2015/main" val="1"/>
+              </p:ext>
+            </p:extLst>
+          </p:nvPr>
+        </p:nvCxnSpPr>
+        <p:spPr>
+          <a:xfrm>
+            <a:off x="6840096" y="2085703"/>
+            <a:ext cx="4114800" cy="0"/>
+          </a:xfrm>
+          <a:prstGeom prst="line">
+            <a:avLst/>
+          </a:prstGeom>
+          <a:ln w="6350">
+            <a:solidFill>
+              <a:schemeClr val="tx1">
+                <a:lumMod val="50000"/>
+                <a:lumOff val="50000"/>
+                <a:alpha val="90000"/>
+              </a:schemeClr>
+            </a:solidFill>
+          </a:ln>
+        </p:spPr>
+        <p:style>
+          <a:lnRef idx="1">
+            <a:schemeClr val="accent1"/>
+          </a:lnRef>
+          <a:fillRef idx="0">
+            <a:schemeClr val="accent1"/>
+          </a:fillRef>
+          <a:effectRef idx="0">
+            <a:schemeClr val="accent1"/>
+          </a:effectRef>
+          <a:fontRef idx="minor">
+            <a:schemeClr val="tx1"/>
+          </a:fontRef>
+        </p:style>
+      </p:cxnSp>
+      <p:sp>
+        <p:nvSpPr>
+          <p:cNvPr id="18" name="Rectangle 17">
+            <a:extLst>
+              <a:ext uri="{FF2B5EF4-FFF2-40B4-BE49-F238E27FC236}">
+                <a16:creationId xmlns:a16="http://schemas.microsoft.com/office/drawing/2014/main" id="{C24F77B6-3AFC-4981-A39A-15994073E10F}"/>
+              </a:ext>
+            </a:extLst>
+          </p:cNvPr>
+          <p:cNvSpPr>
+            <a:spLocks noGrp="1" noRot="1" noChangeAspect="1" noMove="1" noResize="1" noEditPoints="1" noAdjustHandles="1" noChangeArrowheads="1" noChangeShapeType="1" noTextEdit="1"/>
+          </p:cNvSpPr>
+          <p:nvPr>
+            <p:extLst>
+              <p:ext uri="{386F3935-93C4-4BCD-93E2-E3B085C9AB24}">
+                <p16:designElem xmlns:p16="http://schemas.microsoft.com/office/powerpoint/2015/main" val="1"/>
+              </p:ext>
+            </p:extLst>
+          </p:nvPr>
+        </p:nvSpPr>
+        <p:spPr>
+          <a:xfrm>
+            <a:off x="3512061" y="321733"/>
+            <a:ext cx="2583939" cy="1955250"/>
+          </a:xfrm>
+          <a:prstGeom prst="rect">
+            <a:avLst/>
+          </a:prstGeom>
+          <a:solidFill>
+            <a:schemeClr val="accent1"/>
+          </a:solidFill>
+          <a:ln>
+            <a:noFill/>
+          </a:ln>
+        </p:spPr>
+        <p:style>
+          <a:lnRef idx="2">
+            <a:schemeClr val="accent1">
+              <a:shade val="50000"/>
+            </a:schemeClr>
+          </a:lnRef>
+          <a:fillRef idx="1">
+            <a:schemeClr val="accent1"/>
+          </a:fillRef>
+          <a:effectRef idx="0">
+            <a:schemeClr val="accent1"/>
+          </a:effectRef>
+          <a:fontRef idx="minor">
+            <a:schemeClr val="lt1"/>
+          </a:fontRef>
+        </p:style>
+        <p:txBody>
+          <a:bodyPr rtlCol="0" anchor="ctr"/>
+          <a:lstStyle/>
+          <a:p>
+            <a:pPr algn="ctr"/>
+            <a:endParaRPr lang="en-US"/>
+          </a:p>
+        </p:txBody>
+      </p:sp>
+      <p:sp>
+        <p:nvSpPr>
+          <p:cNvPr id="20" name="Rectangle 19">
+            <a:extLst>
+              <a:ext uri="{FF2B5EF4-FFF2-40B4-BE49-F238E27FC236}">
+                <a16:creationId xmlns:a16="http://schemas.microsoft.com/office/drawing/2014/main" id="{B7D21A87-2874-4438-84BA-E02F7C632784}"/>
+              </a:ext>
+            </a:extLst>
+          </p:cNvPr>
+          <p:cNvSpPr>
+            <a:spLocks noGrp="1" noRot="1" noChangeAspect="1" noMove="1" noResize="1" noEditPoints="1" noAdjustHandles="1" noChangeArrowheads="1" noChangeShapeType="1" noTextEdit="1"/>
+          </p:cNvSpPr>
+          <p:nvPr>
+            <p:extLst>
+              <p:ext uri="{386F3935-93C4-4BCD-93E2-E3B085C9AB24}">
+                <p16:designElem xmlns:p16="http://schemas.microsoft.com/office/powerpoint/2015/main" val="1"/>
+              </p:ext>
+            </p:extLst>
+          </p:nvPr>
+        </p:nvSpPr>
+        <p:spPr>
+          <a:xfrm>
+            <a:off x="321733" y="3879167"/>
+            <a:ext cx="3057906" cy="2135564"/>
+          </a:xfrm>
+          <a:prstGeom prst="rect">
+            <a:avLst/>
+          </a:prstGeom>
+          <a:solidFill>
+            <a:schemeClr val="bg2">
+              <a:lumMod val="90000"/>
+            </a:schemeClr>
+          </a:solidFill>
+          <a:ln>
+            <a:noFill/>
+          </a:ln>
+        </p:spPr>
+        <p:style>
+          <a:lnRef idx="2">
+            <a:schemeClr val="accent1">
+              <a:shade val="50000"/>
+            </a:schemeClr>
+          </a:lnRef>
+          <a:fillRef idx="1">
+            <a:schemeClr val="accent1"/>
+          </a:fillRef>
+          <a:effectRef idx="0">
+            <a:schemeClr val="accent1"/>
+          </a:effectRef>
+          <a:fontRef idx="minor">
+            <a:schemeClr val="lt1"/>
+          </a:fontRef>
+        </p:style>
+        <p:txBody>
+          <a:bodyPr rtlCol="0" anchor="ctr"/>
+          <a:lstStyle/>
+          <a:p>
+            <a:pPr algn="ctr"/>
+            <a:endParaRPr lang="en-US"/>
+          </a:p>
+        </p:txBody>
+      </p:sp>
+      <p:sp>
+        <p:nvSpPr>
+          <p:cNvPr id="22" name="Rectangle 21">
+            <a:extLst>
+              <a:ext uri="{FF2B5EF4-FFF2-40B4-BE49-F238E27FC236}">
+                <a16:creationId xmlns:a16="http://schemas.microsoft.com/office/drawing/2014/main" id="{97C2466A-2320-4205-BDC2-056CD8BC2C53}"/>
+              </a:ext>
+            </a:extLst>
+          </p:cNvPr>
+          <p:cNvSpPr>
+            <a:spLocks noGrp="1" noRot="1" noChangeAspect="1" noMove="1" noResize="1" noEditPoints="1" noAdjustHandles="1" noChangeArrowheads="1" noChangeShapeType="1" noTextEdit="1"/>
+          </p:cNvSpPr>
+          <p:nvPr>
+            <p:extLst>
+              <p:ext uri="{386F3935-93C4-4BCD-93E2-E3B085C9AB24}">
+                <p16:designElem xmlns:p16="http://schemas.microsoft.com/office/powerpoint/2015/main" val="1"/>
+              </p:ext>
+            </p:extLst>
+          </p:nvPr>
+        </p:nvSpPr>
+        <p:spPr>
+          <a:xfrm>
+            <a:off x="321733" y="321733"/>
+            <a:ext cx="3057906" cy="3408237"/>
+          </a:xfrm>
+          <a:prstGeom prst="rect">
+            <a:avLst/>
+          </a:prstGeom>
+          <a:solidFill>
+            <a:srgbClr val="FFFFFF"/>
+          </a:solidFill>
+          <a:ln w="63500">
+            <a:solidFill>
+              <a:schemeClr val="accent1"/>
+            </a:solidFill>
+            <a:miter lim="800000"/>
+          </a:ln>
+        </p:spPr>
+        <p:style>
+          <a:lnRef idx="2">
+            <a:schemeClr val="accent1">
+              <a:shade val="50000"/>
+            </a:schemeClr>
+          </a:lnRef>
+          <a:fillRef idx="1">
+            <a:schemeClr val="accent1"/>
+          </a:fillRef>
+          <a:effectRef idx="0">
+            <a:schemeClr val="accent1"/>
+          </a:effectRef>
+          <a:fontRef idx="minor">
+            <a:schemeClr val="lt1"/>
+          </a:fontRef>
+        </p:style>
+        <p:txBody>
+          <a:bodyPr rtlCol="0" anchor="ctr"/>
+          <a:lstStyle/>
+          <a:p>
+            <a:pPr algn="ctr"/>
+            <a:endParaRPr lang="en-US"/>
+          </a:p>
+        </p:txBody>
+      </p:sp>
+      <p:sp>
+        <p:nvSpPr>
+          <p:cNvPr id="24" name="Rectangle 23">
+            <a:extLst>
+              <a:ext uri="{FF2B5EF4-FFF2-40B4-BE49-F238E27FC236}">
+                <a16:creationId xmlns:a16="http://schemas.microsoft.com/office/drawing/2014/main" id="{0B0A69F5-520C-404C-9614-071AAE13870F}"/>
+              </a:ext>
+            </a:extLst>
+          </p:cNvPr>
+          <p:cNvSpPr>
+            <a:spLocks noGrp="1" noRot="1" noChangeAspect="1" noMove="1" noResize="1" noEditPoints="1" noAdjustHandles="1" noChangeArrowheads="1" noChangeShapeType="1" noTextEdit="1"/>
+          </p:cNvSpPr>
+          <p:nvPr>
+            <p:extLst>
+              <p:ext uri="{386F3935-93C4-4BCD-93E2-E3B085C9AB24}">
+                <p16:designElem xmlns:p16="http://schemas.microsoft.com/office/powerpoint/2015/main" val="1"/>
+              </p:ext>
+            </p:extLst>
+          </p:nvPr>
+        </p:nvSpPr>
+        <p:spPr>
+          <a:xfrm>
+            <a:off x="3528588" y="2451014"/>
+            <a:ext cx="2567411" cy="3532765"/>
+          </a:xfrm>
+          <a:prstGeom prst="rect">
+            <a:avLst/>
+          </a:prstGeom>
+          <a:solidFill>
+            <a:srgbClr val="FFFFFF"/>
+          </a:solidFill>
+          <a:ln w="63500">
+            <a:solidFill>
+              <a:schemeClr val="accent1"/>
+            </a:solidFill>
+            <a:miter lim="800000"/>
+          </a:ln>
+        </p:spPr>
+        <p:style>
+          <a:lnRef idx="2">
+            <a:schemeClr val="accent1">
+              <a:shade val="50000"/>
+            </a:schemeClr>
+          </a:lnRef>
+          <a:fillRef idx="1">
+            <a:schemeClr val="accent1"/>
+          </a:fillRef>
+          <a:effectRef idx="0">
+            <a:schemeClr val="accent1"/>
+          </a:effectRef>
+          <a:fontRef idx="minor">
+            <a:schemeClr val="lt1"/>
+          </a:fontRef>
+        </p:style>
+        <p:txBody>
+          <a:bodyPr rtlCol="0" anchor="ctr"/>
+          <a:lstStyle/>
+          <a:p>
+            <a:pPr algn="ctr"/>
+            <a:endParaRPr lang="en-US"/>
+          </a:p>
+        </p:txBody>
+      </p:sp>
+      <p:pic>
+        <p:nvPicPr>
+          <p:cNvPr id="5" name="รูปภาพ 4" descr="รูปภาพประกอบด้วย ภาพหน้าจอ&#10;&#10;คำอธิบายที่สร้างขึ้นโดยมีความน่าเชื่อถือสูงมาก">
+            <a:extLst>
+              <a:ext uri="{FF2B5EF4-FFF2-40B4-BE49-F238E27FC236}">
+                <a16:creationId xmlns:a16="http://schemas.microsoft.com/office/drawing/2014/main" id="{DC2BD019-70D7-4F5D-B929-367AF3A35226}"/>
+              </a:ext>
+            </a:extLst>
+          </p:cNvPr>
+          <p:cNvPicPr>
+            <a:picLocks noChangeAspect="1"/>
+          </p:cNvPicPr>
+          <p:nvPr/>
+        </p:nvPicPr>
+        <p:blipFill>
+          <a:blip r:embed="rId2"/>
+          <a:stretch>
+            <a:fillRect/>
+          </a:stretch>
+        </p:blipFill>
+        <p:spPr>
+          <a:xfrm>
+            <a:off x="458336" y="991313"/>
+            <a:ext cx="2784700" cy="2069078"/>
+          </a:xfrm>
+          <a:prstGeom prst="rect">
+            <a:avLst/>
+          </a:prstGeom>
+        </p:spPr>
+      </p:pic>
+      <p:pic>
+        <p:nvPicPr>
+          <p:cNvPr id="4" name="รูปภาพ 3" descr="รูปภาพประกอบด้วย ภาพหน้าจอ&#10;&#10;คำอธิบายที่สร้างขึ้นโดยมีความน่าเชื่อถือสูงมาก">
+            <a:extLst>
+              <a:ext uri="{FF2B5EF4-FFF2-40B4-BE49-F238E27FC236}">
+                <a16:creationId xmlns:a16="http://schemas.microsoft.com/office/drawing/2014/main" id="{6E59260F-A528-42F5-8BB5-2B49ADB79FDA}"/>
+              </a:ext>
+            </a:extLst>
+          </p:cNvPr>
+          <p:cNvPicPr>
+            <a:picLocks noChangeAspect="1"/>
+          </p:cNvPicPr>
+          <p:nvPr/>
+        </p:nvPicPr>
+        <p:blipFill>
+          <a:blip r:embed="rId3"/>
+          <a:stretch>
+            <a:fillRect/>
+          </a:stretch>
+        </p:blipFill>
+        <p:spPr>
+          <a:xfrm>
+            <a:off x="3664752" y="3086018"/>
+            <a:ext cx="2295082" cy="2262756"/>
+          </a:xfrm>
+          <a:prstGeom prst="rect">
+            <a:avLst/>
+          </a:prstGeom>
+        </p:spPr>
+      </p:pic>
+      <p:sp>
+        <p:nvSpPr>
+          <p:cNvPr id="2" name="ชื่อเรื่อง 1">
+            <a:extLst>
+              <a:ext uri="{FF2B5EF4-FFF2-40B4-BE49-F238E27FC236}">
+                <a16:creationId xmlns:a16="http://schemas.microsoft.com/office/drawing/2014/main" id="{BB8A7A8B-47DC-4506-8C80-22CFC61BB983}"/>
+              </a:ext>
+            </a:extLst>
+          </p:cNvPr>
+          <p:cNvSpPr>
+            <a:spLocks noGrp="1"/>
+          </p:cNvSpPr>
+          <p:nvPr>
+            <p:ph type="title"/>
+          </p:nvPr>
+        </p:nvSpPr>
+        <p:spPr>
+          <a:xfrm>
+            <a:off x="6728459" y="634946"/>
+            <a:ext cx="4821283" cy="1450757"/>
+          </a:xfrm>
+        </p:spPr>
+        <p:txBody>
+          <a:bodyPr>
+            <a:normAutofit/>
+          </a:bodyPr>
+          <a:lstStyle/>
+          <a:p>
+            <a:r>
+              <a:rPr lang="th-TH" dirty="0"/>
+              <a:t>นาฬิกานับถอยหลัง</a:t>
+            </a:r>
+          </a:p>
+        </p:txBody>
+      </p:sp>
+      <p:sp>
+        <p:nvSpPr>
+          <p:cNvPr id="3" name="ตัวแทนเนื้อหา 2">
+            <a:extLst>
+              <a:ext uri="{FF2B5EF4-FFF2-40B4-BE49-F238E27FC236}">
+                <a16:creationId xmlns:a16="http://schemas.microsoft.com/office/drawing/2014/main" id="{C347E7C0-282E-432B-A604-F63AE99EF7A1}"/>
+              </a:ext>
+            </a:extLst>
+          </p:cNvPr>
+          <p:cNvSpPr>
+            <a:spLocks noGrp="1"/>
+          </p:cNvSpPr>
+          <p:nvPr>
+            <p:ph idx="1"/>
+          </p:nvPr>
+        </p:nvSpPr>
+        <p:spPr>
+          <a:xfrm>
+            <a:off x="6728459" y="2198914"/>
+            <a:ext cx="4821283" cy="3670180"/>
+          </a:xfrm>
+        </p:spPr>
+        <p:txBody>
+          <a:bodyPr>
+            <a:normAutofit/>
+          </a:bodyPr>
+          <a:lstStyle/>
+          <a:p>
+            <a:pPr>
+              <a:buFont typeface="Wingdings" panose="05000000000000000000" pitchFamily="2" charset="2"/>
+              <a:buChar char="Ø"/>
+            </a:pPr>
+            <a:r>
+              <a:rPr lang="th-TH" sz="2400" dirty="0"/>
+              <a:t>พอกด </a:t>
+            </a:r>
+            <a:r>
+              <a:rPr lang="en-US" sz="2400" dirty="0"/>
+              <a:t>OK </a:t>
+            </a:r>
+            <a:r>
+              <a:rPr lang="th-TH" sz="2400" dirty="0"/>
+              <a:t>จะเริ่มการนับถอยหลัง และ ปุ่มเริ่มนับถอยหลังก็จะเปลี่ยนเป็นปุ่ม กำลังนับถอยหลัง...</a:t>
+            </a:r>
+          </a:p>
+          <a:p>
+            <a:pPr>
+              <a:buFont typeface="Wingdings" panose="05000000000000000000" pitchFamily="2" charset="2"/>
+              <a:buChar char="Ø"/>
+            </a:pPr>
+            <a:r>
+              <a:rPr lang="th-TH" sz="2400" dirty="0"/>
+              <a:t>ปุ่มตั้งค่าเวลา เปลี่ยนเป็น หยุดและตั้งค่าเวลาใหม่</a:t>
+            </a:r>
+          </a:p>
+        </p:txBody>
+      </p:sp>
+    </p:spTree>
+    <p:extLst>
+      <p:ext uri="{BB962C8B-B14F-4D97-AF65-F5344CB8AC3E}">
+        <p14:creationId xmlns:p14="http://schemas.microsoft.com/office/powerpoint/2010/main" val="2772789877"/>
+      </p:ext>
+    </p:extLst>
+  </p:cSld>
+  <p:clrMapOvr>
+    <a:masterClrMapping/>
+  </p:clrMapOvr>
+</p:sld>
+</file>
+
+<file path=ppt/slides/slide22.xml><?xml version="1.0" encoding="utf-8"?>
+<p:sld xmlns:a="http://schemas.openxmlformats.org/drawingml/2006/main" xmlns:r="http://schemas.openxmlformats.org/officeDocument/2006/relationships" xmlns:p="http://schemas.openxmlformats.org/presentationml/2006/main">
+  <p:cSld>
+    <p:bg>
+      <p:bgPr>
+        <a:solidFill>
+          <a:schemeClr val="bg1"/>
+        </a:solidFill>
+        <a:effectLst/>
+      </p:bgPr>
+    </p:bg>
+    <p:spTree>
+      <p:nvGrpSpPr>
+        <p:cNvPr id="1" name=""/>
+        <p:cNvGrpSpPr/>
+        <p:nvPr/>
+      </p:nvGrpSpPr>
+      <p:grpSpPr>
+        <a:xfrm>
+          <a:off x="0" y="0"/>
+          <a:ext cx="0" cy="0"/>
+          <a:chOff x="0" y="0"/>
+          <a:chExt cx="0" cy="0"/>
+        </a:xfrm>
+      </p:grpSpPr>
+      <p:sp>
+        <p:nvSpPr>
+          <p:cNvPr id="27" name="Rectangle 26">
+            <a:extLst>
+              <a:ext uri="{FF2B5EF4-FFF2-40B4-BE49-F238E27FC236}">
+                <a16:creationId xmlns:a16="http://schemas.microsoft.com/office/drawing/2014/main" id="{4E4490D0-3672-446A-AC12-B4830333BDDD}"/>
+              </a:ext>
+            </a:extLst>
+          </p:cNvPr>
+          <p:cNvSpPr>
+            <a:spLocks noGrp="1" noRot="1" noChangeAspect="1" noMove="1" noResize="1" noEditPoints="1" noAdjustHandles="1" noChangeArrowheads="1" noChangeShapeType="1" noTextEdit="1"/>
+          </p:cNvSpPr>
+          <p:nvPr>
+            <p:extLst>
+              <p:ext uri="{386F3935-93C4-4BCD-93E2-E3B085C9AB24}">
+                <p16:designElem xmlns:p16="http://schemas.microsoft.com/office/powerpoint/2015/main" val="1"/>
+              </p:ext>
+            </p:extLst>
+          </p:nvPr>
+        </p:nvSpPr>
+        <p:spPr>
+          <a:xfrm>
+            <a:off x="3175" y="6400800"/>
+            <a:ext cx="12188825" cy="457200"/>
+          </a:xfrm>
+          <a:prstGeom prst="rect">
+            <a:avLst/>
+          </a:prstGeom>
+          <a:solidFill>
+            <a:schemeClr val="accent2"/>
+          </a:solidFill>
+          <a:ln>
+            <a:noFill/>
+          </a:ln>
+        </p:spPr>
+        <p:style>
+          <a:lnRef idx="2">
+            <a:schemeClr val="accent1">
+              <a:shade val="50000"/>
+            </a:schemeClr>
+          </a:lnRef>
+          <a:fillRef idx="1">
+            <a:schemeClr val="accent1"/>
+          </a:fillRef>
+          <a:effectRef idx="0">
+            <a:schemeClr val="accent1"/>
+          </a:effectRef>
+          <a:fontRef idx="minor">
+            <a:schemeClr val="lt1"/>
+          </a:fontRef>
+        </p:style>
+      </p:sp>
+      <p:sp>
+        <p:nvSpPr>
+          <p:cNvPr id="29" name="Rectangle 28">
+            <a:extLst>
+              <a:ext uri="{FF2B5EF4-FFF2-40B4-BE49-F238E27FC236}">
+                <a16:creationId xmlns:a16="http://schemas.microsoft.com/office/drawing/2014/main" id="{39CB82C2-DF65-4EC1-8280-F201D50F570B}"/>
+              </a:ext>
+            </a:extLst>
+          </p:cNvPr>
+          <p:cNvSpPr>
+            <a:spLocks noGrp="1" noRot="1" noChangeAspect="1" noMove="1" noResize="1" noEditPoints="1" noAdjustHandles="1" noChangeArrowheads="1" noChangeShapeType="1" noTextEdit="1"/>
+          </p:cNvSpPr>
+          <p:nvPr>
+            <p:extLst>
+              <p:ext uri="{386F3935-93C4-4BCD-93E2-E3B085C9AB24}">
+                <p16:designElem xmlns:p16="http://schemas.microsoft.com/office/powerpoint/2015/main" val="1"/>
+              </p:ext>
+            </p:extLst>
+          </p:nvPr>
+        </p:nvSpPr>
+        <p:spPr>
+          <a:xfrm>
+            <a:off x="15" y="6334316"/>
+            <a:ext cx="12188825" cy="64008"/>
+          </a:xfrm>
+          <a:prstGeom prst="rect">
+            <a:avLst/>
+          </a:prstGeom>
+          <a:solidFill>
+            <a:schemeClr val="accent1"/>
+          </a:solidFill>
+          <a:ln>
+            <a:noFill/>
+          </a:ln>
+        </p:spPr>
+        <p:style>
+          <a:lnRef idx="2">
+            <a:schemeClr val="accent1">
+              <a:shade val="50000"/>
+            </a:schemeClr>
+          </a:lnRef>
+          <a:fillRef idx="1">
+            <a:schemeClr val="accent1"/>
+          </a:fillRef>
+          <a:effectRef idx="0">
+            <a:schemeClr val="accent1"/>
+          </a:effectRef>
+          <a:fontRef idx="minor">
+            <a:schemeClr val="lt1"/>
+          </a:fontRef>
+        </p:style>
+      </p:sp>
+      <p:cxnSp>
+        <p:nvCxnSpPr>
+          <p:cNvPr id="31" name="Straight Connector 30">
+            <a:extLst>
+              <a:ext uri="{FF2B5EF4-FFF2-40B4-BE49-F238E27FC236}">
+                <a16:creationId xmlns:a16="http://schemas.microsoft.com/office/drawing/2014/main" id="{7E1D4427-852B-4B37-8E76-0E9F1810BA2A}"/>
+              </a:ext>
+            </a:extLst>
+          </p:cNvPr>
+          <p:cNvCxnSpPr>
+            <a:cxnSpLocks noGrp="1" noRot="1" noChangeAspect="1" noMove="1" noResize="1" noEditPoints="1" noAdjustHandles="1" noChangeArrowheads="1" noChangeShapeType="1"/>
+          </p:cNvCxnSpPr>
+          <p:nvPr>
+            <p:extLst>
+              <p:ext uri="{386F3935-93C4-4BCD-93E2-E3B085C9AB24}">
+                <p16:designElem xmlns:p16="http://schemas.microsoft.com/office/powerpoint/2015/main" val="1"/>
+              </p:ext>
+            </p:extLst>
+          </p:nvPr>
+        </p:nvCxnSpPr>
+        <p:spPr>
+          <a:xfrm>
+            <a:off x="1207658" y="4343400"/>
+            <a:ext cx="9875520" cy="0"/>
+          </a:xfrm>
+          <a:prstGeom prst="line">
+            <a:avLst/>
+          </a:prstGeom>
+          <a:ln w="6350">
+            <a:solidFill>
+              <a:schemeClr val="tx1">
+                <a:lumMod val="50000"/>
+                <a:lumOff val="50000"/>
+              </a:schemeClr>
+            </a:solidFill>
+          </a:ln>
+        </p:spPr>
+        <p:style>
+          <a:lnRef idx="1">
+            <a:schemeClr val="accent1"/>
+          </a:lnRef>
+          <a:fillRef idx="0">
+            <a:schemeClr val="accent1"/>
+          </a:fillRef>
+          <a:effectRef idx="0">
+            <a:schemeClr val="accent1"/>
+          </a:effectRef>
+          <a:fontRef idx="minor">
+            <a:schemeClr val="tx1"/>
+          </a:fontRef>
+        </p:style>
+      </p:cxnSp>
+      <p:sp useBgFill="1">
+        <p:nvSpPr>
+          <p:cNvPr id="33" name="Rectangle 32">
+            <a:extLst>
+              <a:ext uri="{FF2B5EF4-FFF2-40B4-BE49-F238E27FC236}">
+                <a16:creationId xmlns:a16="http://schemas.microsoft.com/office/drawing/2014/main" id="{5AE6C737-FF55-4064-94B7-0B21D2EB6045}"/>
+              </a:ext>
+            </a:extLst>
+          </p:cNvPr>
+          <p:cNvSpPr>
+            <a:spLocks noGrp="1" noRot="1" noChangeAspect="1" noMove="1" noResize="1" noEditPoints="1" noAdjustHandles="1" noChangeArrowheads="1" noChangeShapeType="1" noTextEdit="1"/>
+          </p:cNvSpPr>
+          <p:nvPr>
+            <p:extLst>
+              <p:ext uri="{386F3935-93C4-4BCD-93E2-E3B085C9AB24}">
+                <p16:designElem xmlns:p16="http://schemas.microsoft.com/office/powerpoint/2015/main" val="1"/>
+              </p:ext>
+            </p:extLst>
+          </p:nvPr>
+        </p:nvSpPr>
+        <p:spPr>
+          <a:xfrm>
+            <a:off x="0" y="0"/>
+            <a:ext cx="12192001" cy="6334316"/>
+          </a:xfrm>
+          <a:prstGeom prst="rect">
+            <a:avLst/>
+          </a:prstGeom>
+          <a:ln>
+            <a:noFill/>
+          </a:ln>
+        </p:spPr>
+        <p:style>
+          <a:lnRef idx="2">
+            <a:schemeClr val="accent1">
+              <a:shade val="50000"/>
+            </a:schemeClr>
+          </a:lnRef>
+          <a:fillRef idx="1">
+            <a:schemeClr val="accent1"/>
+          </a:fillRef>
+          <a:effectRef idx="0">
+            <a:schemeClr val="accent1"/>
+          </a:effectRef>
+          <a:fontRef idx="minor">
+            <a:schemeClr val="lt1"/>
+          </a:fontRef>
+        </p:style>
+        <p:txBody>
+          <a:bodyPr rtlCol="0" anchor="ctr"/>
+          <a:lstStyle/>
+          <a:p>
+            <a:pPr algn="ctr"/>
+            <a:endParaRPr lang="en-US"/>
+          </a:p>
+        </p:txBody>
+      </p:sp>
+      <p:sp>
+        <p:nvSpPr>
+          <p:cNvPr id="35" name="Rectangle 34">
+            <a:extLst>
+              <a:ext uri="{FF2B5EF4-FFF2-40B4-BE49-F238E27FC236}">
+                <a16:creationId xmlns:a16="http://schemas.microsoft.com/office/drawing/2014/main" id="{2D3DCA99-84AF-487A-BF72-91C5FA6B0B70}"/>
+              </a:ext>
+            </a:extLst>
+          </p:cNvPr>
+          <p:cNvSpPr>
+            <a:spLocks noGrp="1" noRot="1" noChangeAspect="1" noMove="1" noResize="1" noEditPoints="1" noAdjustHandles="1" noChangeArrowheads="1" noChangeShapeType="1" noTextEdit="1"/>
+          </p:cNvSpPr>
+          <p:nvPr>
+            <p:extLst>
+              <p:ext uri="{386F3935-93C4-4BCD-93E2-E3B085C9AB24}">
+                <p16:designElem xmlns:p16="http://schemas.microsoft.com/office/powerpoint/2015/main" val="1"/>
+              </p:ext>
+            </p:extLst>
+          </p:nvPr>
+        </p:nvSpPr>
+        <p:spPr>
+          <a:xfrm>
+            <a:off x="1" y="6400800"/>
+            <a:ext cx="12192000" cy="457200"/>
+          </a:xfrm>
+          <a:prstGeom prst="rect">
+            <a:avLst/>
+          </a:prstGeom>
+          <a:solidFill>
+            <a:schemeClr val="accent2"/>
+          </a:solidFill>
+          <a:ln>
+            <a:noFill/>
+          </a:ln>
+        </p:spPr>
+        <p:style>
+          <a:lnRef idx="2">
+            <a:schemeClr val="accent1">
+              <a:shade val="50000"/>
+            </a:schemeClr>
+          </a:lnRef>
+          <a:fillRef idx="1">
+            <a:schemeClr val="accent1"/>
+          </a:fillRef>
+          <a:effectRef idx="0">
+            <a:schemeClr val="accent1"/>
+          </a:effectRef>
+          <a:fontRef idx="minor">
+            <a:schemeClr val="lt1"/>
+          </a:fontRef>
+        </p:style>
+      </p:sp>
+      <p:sp>
+        <p:nvSpPr>
+          <p:cNvPr id="37" name="Rectangle 36">
+            <a:extLst>
+              <a:ext uri="{FF2B5EF4-FFF2-40B4-BE49-F238E27FC236}">
+                <a16:creationId xmlns:a16="http://schemas.microsoft.com/office/drawing/2014/main" id="{D8218D9F-38B6-4AE0-9051-5434D19A5277}"/>
+              </a:ext>
+            </a:extLst>
+          </p:cNvPr>
+          <p:cNvSpPr>
+            <a:spLocks noGrp="1" noRot="1" noChangeAspect="1" noMove="1" noResize="1" noEditPoints="1" noAdjustHandles="1" noChangeArrowheads="1" noChangeShapeType="1" noTextEdit="1"/>
+          </p:cNvSpPr>
+          <p:nvPr>
+            <p:extLst>
+              <p:ext uri="{386F3935-93C4-4BCD-93E2-E3B085C9AB24}">
+                <p16:designElem xmlns:p16="http://schemas.microsoft.com/office/powerpoint/2015/main" val="1"/>
+              </p:ext>
+            </p:extLst>
+          </p:nvPr>
+        </p:nvSpPr>
+        <p:spPr>
+          <a:xfrm>
+            <a:off x="15" y="6334316"/>
+            <a:ext cx="12191985" cy="66484"/>
+          </a:xfrm>
+          <a:prstGeom prst="rect">
+            <a:avLst/>
+          </a:prstGeom>
+          <a:solidFill>
+            <a:schemeClr val="accent1"/>
+          </a:solidFill>
+          <a:ln>
+            <a:noFill/>
+          </a:ln>
+        </p:spPr>
+        <p:style>
+          <a:lnRef idx="2">
+            <a:schemeClr val="accent1">
+              <a:shade val="50000"/>
+            </a:schemeClr>
+          </a:lnRef>
+          <a:fillRef idx="1">
+            <a:schemeClr val="accent1"/>
+          </a:fillRef>
+          <a:effectRef idx="0">
+            <a:schemeClr val="accent1"/>
+          </a:effectRef>
+          <a:fontRef idx="minor">
+            <a:schemeClr val="lt1"/>
+          </a:fontRef>
+        </p:style>
+      </p:sp>
+      <p:cxnSp>
+        <p:nvCxnSpPr>
+          <p:cNvPr id="39" name="Straight Connector 38">
+            <a:extLst>
+              <a:ext uri="{FF2B5EF4-FFF2-40B4-BE49-F238E27FC236}">
+                <a16:creationId xmlns:a16="http://schemas.microsoft.com/office/drawing/2014/main" id="{6B5B1DD8-6224-4137-8621-32982B00F9FC}"/>
+              </a:ext>
+            </a:extLst>
+          </p:cNvPr>
+          <p:cNvCxnSpPr>
+            <a:cxnSpLocks noGrp="1" noRot="1" noChangeAspect="1" noMove="1" noResize="1" noEditPoints="1" noAdjustHandles="1" noChangeArrowheads="1" noChangeShapeType="1"/>
+          </p:cNvCxnSpPr>
+          <p:nvPr>
+            <p:extLst>
+              <p:ext uri="{386F3935-93C4-4BCD-93E2-E3B085C9AB24}">
+                <p16:designElem xmlns:p16="http://schemas.microsoft.com/office/powerpoint/2015/main" val="1"/>
+              </p:ext>
+            </p:extLst>
+          </p:nvPr>
+        </p:nvCxnSpPr>
+        <p:spPr>
+          <a:xfrm>
+            <a:off x="6805053" y="4343400"/>
+            <a:ext cx="4389120" cy="0"/>
+          </a:xfrm>
+          <a:prstGeom prst="line">
+            <a:avLst/>
+          </a:prstGeom>
+          <a:ln w="6350">
+            <a:solidFill>
+              <a:schemeClr val="tx2">
+                <a:alpha val="90000"/>
+              </a:schemeClr>
+            </a:solidFill>
+          </a:ln>
+        </p:spPr>
+        <p:style>
+          <a:lnRef idx="1">
+            <a:schemeClr val="accent1"/>
+          </a:lnRef>
+          <a:fillRef idx="0">
+            <a:schemeClr val="accent1"/>
+          </a:fillRef>
+          <a:effectRef idx="0">
+            <a:schemeClr val="accent1"/>
+          </a:effectRef>
+          <a:fontRef idx="minor">
+            <a:schemeClr val="tx1"/>
+          </a:fontRef>
+        </p:style>
+      </p:cxnSp>
+      <p:pic>
+        <p:nvPicPr>
+          <p:cNvPr id="7" name="รูปภาพ 3" descr="รูปภาพประกอบด้วย ภาพหน้าจอ&#10;&#10;คำอธิบายที่สร้างขึ้นโดยมีความน่าเชื่อถือสูงมาก">
+            <a:extLst>
+              <a:ext uri="{FF2B5EF4-FFF2-40B4-BE49-F238E27FC236}">
+                <a16:creationId xmlns:a16="http://schemas.microsoft.com/office/drawing/2014/main" id="{66135AD3-3F19-4759-BF51-0983527724C7}"/>
+              </a:ext>
+            </a:extLst>
+          </p:cNvPr>
+          <p:cNvPicPr>
+            <a:picLocks noGrp="1" noChangeAspect="1"/>
+          </p:cNvPicPr>
+          <p:nvPr>
+            <p:ph idx="1"/>
+          </p:nvPr>
+        </p:nvPicPr>
+        <p:blipFill>
+          <a:blip r:embed="rId2"/>
+          <a:stretch>
+            <a:fillRect/>
+          </a:stretch>
+        </p:blipFill>
+        <p:spPr>
+          <a:xfrm>
+            <a:off x="816323" y="640081"/>
+            <a:ext cx="5097353" cy="5054156"/>
+          </a:xfrm>
+          <a:prstGeom prst="rect">
+            <a:avLst/>
+          </a:prstGeom>
+        </p:spPr>
+      </p:pic>
+      <p:sp>
+        <p:nvSpPr>
+          <p:cNvPr id="2" name="ชื่อเรื่อง 1">
+            <a:extLst>
+              <a:ext uri="{FF2B5EF4-FFF2-40B4-BE49-F238E27FC236}">
+                <a16:creationId xmlns:a16="http://schemas.microsoft.com/office/drawing/2014/main" id="{1BCEE619-6C32-40E4-8587-36FF78C84164}"/>
+              </a:ext>
+            </a:extLst>
+          </p:cNvPr>
+          <p:cNvSpPr>
+            <a:spLocks noGrp="1"/>
+          </p:cNvSpPr>
+          <p:nvPr>
+            <p:ph type="title"/>
+          </p:nvPr>
+        </p:nvSpPr>
+        <p:spPr>
+          <a:xfrm>
+            <a:off x="6730000" y="639097"/>
+            <a:ext cx="4813072" cy="3686015"/>
+          </a:xfrm>
+        </p:spPr>
+        <p:txBody>
+          <a:bodyPr vert="horz" lIns="91440" tIns="45720" rIns="91440" bIns="45720" rtlCol="0" anchor="b">
+            <a:normAutofit/>
+          </a:bodyPr>
+          <a:lstStyle/>
+          <a:p>
+            <a:r>
+              <a:rPr lang="en-US" sz="8000">
+                <a:solidFill>
+                  <a:schemeClr val="tx1">
+                    <a:lumMod val="85000"/>
+                    <a:lumOff val="15000"/>
+                  </a:schemeClr>
+                </a:solidFill>
+              </a:rPr>
+              <a:t>หน้าเกี่ยวกับโปรแกรม</a:t>
+            </a:r>
+            <a:endParaRPr lang="en-US" sz="8000" dirty="0">
+              <a:solidFill>
+                <a:schemeClr val="tx1">
+                  <a:lumMod val="85000"/>
+                  <a:lumOff val="15000"/>
+                </a:schemeClr>
+              </a:solidFill>
+            </a:endParaRPr>
+          </a:p>
+        </p:txBody>
+      </p:sp>
+    </p:spTree>
+    <p:extLst>
+      <p:ext uri="{BB962C8B-B14F-4D97-AF65-F5344CB8AC3E}">
+        <p14:creationId xmlns:p14="http://schemas.microsoft.com/office/powerpoint/2010/main" val="4124522545"/>
+      </p:ext>
+    </p:extLst>
+  </p:cSld>
+  <p:clrMapOvr>
+    <a:masterClrMapping/>
+  </p:clrMapOvr>
+</p:sld>
+</file>
+
+<file path=ppt/slides/slide23.xml><?xml version="1.0" encoding="utf-8"?>
+<p:sld xmlns:a="http://schemas.openxmlformats.org/drawingml/2006/main" xmlns:r="http://schemas.openxmlformats.org/officeDocument/2006/relationships" xmlns:p="http://schemas.openxmlformats.org/presentationml/2006/main">
+  <p:cSld>
+    <p:bg>
+      <p:bgPr>
+        <a:solidFill>
+          <a:schemeClr val="bg1"/>
+        </a:solidFill>
+        <a:effectLst/>
+      </p:bgPr>
+    </p:bg>
+    <p:spTree>
+      <p:nvGrpSpPr>
+        <p:cNvPr id="1" name=""/>
+        <p:cNvGrpSpPr/>
+        <p:nvPr/>
+      </p:nvGrpSpPr>
+      <p:grpSpPr>
+        <a:xfrm>
+          <a:off x="0" y="0"/>
+          <a:ext cx="0" cy="0"/>
+          <a:chOff x="0" y="0"/>
+          <a:chExt cx="0" cy="0"/>
+        </a:xfrm>
+      </p:grpSpPr>
+      <p:sp>
+        <p:nvSpPr>
+          <p:cNvPr id="9" name="Rectangle 8">
+            <a:extLst>
+              <a:ext uri="{FF2B5EF4-FFF2-40B4-BE49-F238E27FC236}">
+                <a16:creationId xmlns:a16="http://schemas.microsoft.com/office/drawing/2014/main" id="{52C0B2E1-0268-42EC-ABD3-94F81A05BCBD}"/>
+              </a:ext>
+            </a:extLst>
+          </p:cNvPr>
+          <p:cNvSpPr>
+            <a:spLocks noGrp="1" noRot="1" noChangeAspect="1" noMove="1" noResize="1" noEditPoints="1" noAdjustHandles="1" noChangeArrowheads="1" noChangeShapeType="1" noTextEdit="1"/>
+          </p:cNvSpPr>
+          <p:nvPr>
+            <p:extLst>
+              <p:ext uri="{386F3935-93C4-4BCD-93E2-E3B085C9AB24}">
+                <p16:designElem xmlns:p16="http://schemas.microsoft.com/office/powerpoint/2015/main" val="1"/>
+              </p:ext>
+            </p:extLst>
+          </p:nvPr>
+        </p:nvSpPr>
+        <p:spPr>
+          <a:xfrm>
+            <a:off x="3175" y="6400800"/>
+            <a:ext cx="12188825" cy="457200"/>
+          </a:xfrm>
+          <a:prstGeom prst="rect">
+            <a:avLst/>
+          </a:prstGeom>
+          <a:solidFill>
+            <a:schemeClr val="accent2"/>
+          </a:solidFill>
+          <a:ln>
+            <a:noFill/>
+          </a:ln>
+        </p:spPr>
+        <p:style>
+          <a:lnRef idx="2">
+            <a:schemeClr val="accent1">
+              <a:shade val="50000"/>
+            </a:schemeClr>
+          </a:lnRef>
+          <a:fillRef idx="1">
+            <a:schemeClr val="accent1"/>
+          </a:fillRef>
+          <a:effectRef idx="0">
+            <a:schemeClr val="accent1"/>
+          </a:effectRef>
+          <a:fontRef idx="minor">
+            <a:schemeClr val="lt1"/>
+          </a:fontRef>
+        </p:style>
+      </p:sp>
+      <p:sp>
+        <p:nvSpPr>
+          <p:cNvPr id="11" name="Rectangle 10">
+            <a:extLst>
+              <a:ext uri="{FF2B5EF4-FFF2-40B4-BE49-F238E27FC236}">
+                <a16:creationId xmlns:a16="http://schemas.microsoft.com/office/drawing/2014/main" id="{7D2256B4-48EA-40FC-BBC0-AA1EE6E0080C}"/>
+              </a:ext>
+            </a:extLst>
+          </p:cNvPr>
+          <p:cNvSpPr>
+            <a:spLocks noGrp="1" noRot="1" noChangeAspect="1" noMove="1" noResize="1" noEditPoints="1" noAdjustHandles="1" noChangeArrowheads="1" noChangeShapeType="1" noTextEdit="1"/>
+          </p:cNvSpPr>
+          <p:nvPr>
+            <p:extLst>
+              <p:ext uri="{386F3935-93C4-4BCD-93E2-E3B085C9AB24}">
+                <p16:designElem xmlns:p16="http://schemas.microsoft.com/office/powerpoint/2015/main" val="1"/>
+              </p:ext>
+            </p:extLst>
+          </p:nvPr>
+        </p:nvSpPr>
+        <p:spPr>
+          <a:xfrm>
+            <a:off x="15" y="6334316"/>
+            <a:ext cx="12188825" cy="64008"/>
+          </a:xfrm>
+          <a:prstGeom prst="rect">
+            <a:avLst/>
+          </a:prstGeom>
+          <a:solidFill>
+            <a:schemeClr val="accent1"/>
+          </a:solidFill>
+          <a:ln>
+            <a:noFill/>
+          </a:ln>
+        </p:spPr>
+        <p:style>
+          <a:lnRef idx="2">
+            <a:schemeClr val="accent1">
+              <a:shade val="50000"/>
+            </a:schemeClr>
+          </a:lnRef>
+          <a:fillRef idx="1">
+            <a:schemeClr val="accent1"/>
+          </a:fillRef>
+          <a:effectRef idx="0">
+            <a:schemeClr val="accent1"/>
+          </a:effectRef>
+          <a:fontRef idx="minor">
+            <a:schemeClr val="lt1"/>
+          </a:fontRef>
+        </p:style>
+      </p:sp>
+      <p:cxnSp>
+        <p:nvCxnSpPr>
+          <p:cNvPr id="13" name="Straight Connector 12">
+            <a:extLst>
+              <a:ext uri="{FF2B5EF4-FFF2-40B4-BE49-F238E27FC236}">
+                <a16:creationId xmlns:a16="http://schemas.microsoft.com/office/drawing/2014/main" id="{3D44BCCA-102D-4A9D-B1E4-2450CAF0B05E}"/>
+              </a:ext>
+            </a:extLst>
+          </p:cNvPr>
+          <p:cNvCxnSpPr>
+            <a:cxnSpLocks noGrp="1" noRot="1" noChangeAspect="1" noMove="1" noResize="1" noEditPoints="1" noAdjustHandles="1" noChangeArrowheads="1" noChangeShapeType="1"/>
+          </p:cNvCxnSpPr>
+          <p:nvPr>
+            <p:extLst>
+              <p:ext uri="{386F3935-93C4-4BCD-93E2-E3B085C9AB24}">
+                <p16:designElem xmlns:p16="http://schemas.microsoft.com/office/powerpoint/2015/main" val="1"/>
+              </p:ext>
+            </p:extLst>
+          </p:nvPr>
+        </p:nvCxnSpPr>
+        <p:spPr>
+          <a:xfrm>
+            <a:off x="1207658" y="4343400"/>
+            <a:ext cx="9875520" cy="0"/>
+          </a:xfrm>
+          <a:prstGeom prst="line">
+            <a:avLst/>
+          </a:prstGeom>
+          <a:ln w="6350">
+            <a:solidFill>
+              <a:schemeClr val="tx1">
+                <a:lumMod val="50000"/>
+                <a:lumOff val="50000"/>
+              </a:schemeClr>
+            </a:solidFill>
+          </a:ln>
+        </p:spPr>
+        <p:style>
+          <a:lnRef idx="1">
+            <a:schemeClr val="accent1"/>
+          </a:lnRef>
+          <a:fillRef idx="0">
+            <a:schemeClr val="accent1"/>
+          </a:fillRef>
+          <a:effectRef idx="0">
+            <a:schemeClr val="accent1"/>
+          </a:effectRef>
+          <a:fontRef idx="minor">
+            <a:schemeClr val="tx1"/>
+          </a:fontRef>
+        </p:style>
+      </p:cxnSp>
+      <p:sp useBgFill="1">
+        <p:nvSpPr>
+          <p:cNvPr id="15" name="Rectangle 14">
+            <a:extLst>
+              <a:ext uri="{FF2B5EF4-FFF2-40B4-BE49-F238E27FC236}">
+                <a16:creationId xmlns:a16="http://schemas.microsoft.com/office/drawing/2014/main" id="{FBDCECDC-EEE3-4128-AA5E-82A8C08796E8}"/>
+              </a:ext>
+            </a:extLst>
+          </p:cNvPr>
+          <p:cNvSpPr>
+            <a:spLocks noGrp="1" noRot="1" noChangeAspect="1" noMove="1" noResize="1" noEditPoints="1" noAdjustHandles="1" noChangeArrowheads="1" noChangeShapeType="1" noTextEdit="1"/>
+          </p:cNvSpPr>
+          <p:nvPr>
+            <p:extLst>
+              <p:ext uri="{386F3935-93C4-4BCD-93E2-E3B085C9AB24}">
+                <p16:designElem xmlns:p16="http://schemas.microsoft.com/office/powerpoint/2015/main" val="1"/>
+              </p:ext>
+            </p:extLst>
+          </p:nvPr>
+        </p:nvSpPr>
+        <p:spPr>
+          <a:xfrm>
+            <a:off x="1507" y="0"/>
+            <a:ext cx="12192000" cy="6858000"/>
+          </a:xfrm>
+          <a:prstGeom prst="rect">
+            <a:avLst/>
+          </a:prstGeom>
+          <a:ln>
+            <a:noFill/>
+          </a:ln>
+        </p:spPr>
+        <p:style>
+          <a:lnRef idx="2">
+            <a:schemeClr val="accent1">
+              <a:shade val="50000"/>
+            </a:schemeClr>
+          </a:lnRef>
+          <a:fillRef idx="1">
+            <a:schemeClr val="accent1"/>
+          </a:fillRef>
+          <a:effectRef idx="0">
+            <a:schemeClr val="accent1"/>
+          </a:effectRef>
+          <a:fontRef idx="minor">
+            <a:schemeClr val="lt1"/>
+          </a:fontRef>
+        </p:style>
+        <p:txBody>
+          <a:bodyPr rtlCol="0" anchor="ctr"/>
+          <a:lstStyle/>
+          <a:p>
+            <a:pPr algn="ctr"/>
+            <a:endParaRPr lang="en-US"/>
+          </a:p>
+        </p:txBody>
+      </p:sp>
+      <p:sp>
+        <p:nvSpPr>
+          <p:cNvPr id="17" name="Rectangle 16">
+            <a:extLst>
+              <a:ext uri="{FF2B5EF4-FFF2-40B4-BE49-F238E27FC236}">
+                <a16:creationId xmlns:a16="http://schemas.microsoft.com/office/drawing/2014/main" id="{4260EDE0-989C-4E16-AF94-F652294D828E}"/>
+              </a:ext>
+            </a:extLst>
+          </p:cNvPr>
+          <p:cNvSpPr>
+            <a:spLocks noGrp="1" noRot="1" noChangeAspect="1" noMove="1" noResize="1" noEditPoints="1" noAdjustHandles="1" noChangeArrowheads="1" noChangeShapeType="1" noTextEdit="1"/>
+          </p:cNvSpPr>
+          <p:nvPr>
+            <p:extLst>
+              <p:ext uri="{386F3935-93C4-4BCD-93E2-E3B085C9AB24}">
+                <p16:designElem xmlns:p16="http://schemas.microsoft.com/office/powerpoint/2015/main" val="1"/>
+              </p:ext>
+            </p:extLst>
+          </p:nvPr>
+        </p:nvSpPr>
+        <p:spPr bwMode="white">
+          <a:xfrm>
+            <a:off x="1507" y="4953000"/>
+            <a:ext cx="12188952" cy="1905000"/>
+          </a:xfrm>
+          <a:prstGeom prst="rect">
+            <a:avLst/>
+          </a:prstGeom>
+          <a:solidFill>
+            <a:schemeClr val="accent2"/>
+          </a:solidFill>
+          <a:ln>
+            <a:noFill/>
+          </a:ln>
+        </p:spPr>
+        <p:style>
+          <a:lnRef idx="2">
+            <a:schemeClr val="accent1">
+              <a:shade val="50000"/>
+            </a:schemeClr>
+          </a:lnRef>
+          <a:fillRef idx="1">
+            <a:schemeClr val="accent1"/>
+          </a:fillRef>
+          <a:effectRef idx="0">
+            <a:schemeClr val="accent1"/>
+          </a:effectRef>
+          <a:fontRef idx="minor">
+            <a:schemeClr val="lt1"/>
+          </a:fontRef>
+        </p:style>
+      </p:sp>
+      <p:sp>
+        <p:nvSpPr>
+          <p:cNvPr id="19" name="Rectangle 18">
+            <a:extLst>
+              <a:ext uri="{FF2B5EF4-FFF2-40B4-BE49-F238E27FC236}">
+                <a16:creationId xmlns:a16="http://schemas.microsoft.com/office/drawing/2014/main" id="{1F3985C0-E548-44D2-B30E-F3E42DADE133}"/>
+              </a:ext>
+            </a:extLst>
+          </p:cNvPr>
+          <p:cNvSpPr>
+            <a:spLocks noGrp="1" noRot="1" noChangeAspect="1" noMove="1" noResize="1" noEditPoints="1" noAdjustHandles="1" noChangeArrowheads="1" noChangeShapeType="1" noTextEdit="1"/>
+          </p:cNvSpPr>
+          <p:nvPr>
+            <p:extLst>
+              <p:ext uri="{386F3935-93C4-4BCD-93E2-E3B085C9AB24}">
+                <p16:designElem xmlns:p16="http://schemas.microsoft.com/office/powerpoint/2015/main" val="1"/>
+              </p:ext>
+            </p:extLst>
+          </p:nvPr>
+        </p:nvSpPr>
+        <p:spPr>
+          <a:xfrm>
+            <a:off x="1507" y="4906176"/>
+            <a:ext cx="12188952" cy="64008"/>
+          </a:xfrm>
+          <a:prstGeom prst="rect">
+            <a:avLst/>
+          </a:prstGeom>
+          <a:solidFill>
+            <a:schemeClr val="accent1"/>
+          </a:solidFill>
+          <a:ln>
+            <a:noFill/>
+          </a:ln>
+        </p:spPr>
+        <p:style>
+          <a:lnRef idx="2">
+            <a:schemeClr val="accent1">
+              <a:shade val="50000"/>
+            </a:schemeClr>
+          </a:lnRef>
+          <a:fillRef idx="1">
+            <a:schemeClr val="accent1"/>
+          </a:fillRef>
+          <a:effectRef idx="0">
+            <a:schemeClr val="accent1"/>
+          </a:effectRef>
+          <a:fontRef idx="minor">
+            <a:schemeClr val="lt1"/>
+          </a:fontRef>
+        </p:style>
+      </p:sp>
+      <p:sp>
+        <p:nvSpPr>
+          <p:cNvPr id="4" name="ชื่อเรื่อง 3">
+            <a:extLst>
+              <a:ext uri="{FF2B5EF4-FFF2-40B4-BE49-F238E27FC236}">
+                <a16:creationId xmlns:a16="http://schemas.microsoft.com/office/drawing/2014/main" id="{3A4ADB42-F4FD-485B-9361-11D9D3217F97}"/>
+              </a:ext>
+            </a:extLst>
+          </p:cNvPr>
+          <p:cNvSpPr>
+            <a:spLocks noGrp="1"/>
+          </p:cNvSpPr>
+          <p:nvPr>
+            <p:ph type="title"/>
+          </p:nvPr>
+        </p:nvSpPr>
+        <p:spPr>
+          <a:xfrm>
+            <a:off x="1097280" y="758952"/>
+            <a:ext cx="10058400" cy="3892168"/>
+          </a:xfrm>
+        </p:spPr>
+        <p:txBody>
+          <a:bodyPr vert="horz" lIns="91440" tIns="45720" rIns="91440" bIns="45720" rtlCol="0" anchor="b">
+            <a:normAutofit/>
+          </a:bodyPr>
+          <a:lstStyle/>
+          <a:p>
+            <a:r>
+              <a:rPr lang="th-TH" sz="8000" dirty="0">
+                <a:solidFill>
+                  <a:schemeClr val="tx1">
+                    <a:lumMod val="85000"/>
+                    <a:lumOff val="15000"/>
+                  </a:schemeClr>
+                </a:solidFill>
+              </a:rPr>
+              <a:t>ขอบคุณที่รับฟัง</a:t>
+            </a:r>
+            <a:endParaRPr lang="en-US" sz="8000" dirty="0">
+              <a:solidFill>
+                <a:schemeClr val="tx1">
+                  <a:lumMod val="85000"/>
+                  <a:lumOff val="15000"/>
+                </a:schemeClr>
+              </a:solidFill>
+            </a:endParaRPr>
+          </a:p>
+        </p:txBody>
+      </p:sp>
+    </p:spTree>
+    <p:extLst>
+      <p:ext uri="{BB962C8B-B14F-4D97-AF65-F5344CB8AC3E}">
+        <p14:creationId xmlns:p14="http://schemas.microsoft.com/office/powerpoint/2010/main" val="2475977356"/>
+      </p:ext>
+    </p:extLst>
+  </p:cSld>
+  <p:clrMapOvr>
+    <a:masterClrMapping/>
+  </p:clrMapOvr>
+</p:sld>
+</file>
+
 <file path=ppt/slides/slide3.xml><?xml version="1.0" encoding="utf-8"?>
 <p:sld xmlns:a="http://schemas.openxmlformats.org/drawingml/2006/main" xmlns:r="http://schemas.openxmlformats.org/officeDocument/2006/relationships" xmlns:p="http://schemas.openxmlformats.org/presentationml/2006/main">
   <p:cSld>
@@ -9152,6 +11264,16 @@
             <a:r>
               <a:rPr lang="th-TH" sz="2400" dirty="0"/>
               <a:t>สามารถแจ้งเตือนระดับนาที ไม่รองรับระดับวินาที</a:t>
+            </a:r>
+          </a:p>
+          <a:p>
+            <a:pPr>
+              <a:buFont typeface="Wingdings" panose="05000000000000000000" pitchFamily="2" charset="2"/>
+              <a:buChar char="Ø"/>
+            </a:pPr>
+            <a:r>
+              <a:rPr lang="th-TH" sz="2400" dirty="0"/>
+              <a:t>ไม่สามารถหยุดเวลาชั่วคราวในการนับถอยหลังได้</a:t>
             </a:r>
           </a:p>
         </p:txBody>
@@ -9761,7 +11883,7 @@
       </p:grpSpPr>
       <p:sp>
         <p:nvSpPr>
-          <p:cNvPr id="84" name="Rectangle 83">
+          <p:cNvPr id="99" name="Rectangle 98">
             <a:extLst>
               <a:ext uri="{FF2B5EF4-FFF2-40B4-BE49-F238E27FC236}">
                 <a16:creationId xmlns:a16="http://schemas.microsoft.com/office/drawing/2014/main" id="{4E4490D0-3672-446A-AC12-B4830333BDDD}"/>
@@ -9813,7 +11935,7 @@
       </p:sp>
       <p:sp>
         <p:nvSpPr>
-          <p:cNvPr id="86" name="Rectangle 85">
+          <p:cNvPr id="101" name="Rectangle 100">
             <a:extLst>
               <a:ext uri="{FF2B5EF4-FFF2-40B4-BE49-F238E27FC236}">
                 <a16:creationId xmlns:a16="http://schemas.microsoft.com/office/drawing/2014/main" id="{39CB82C2-DF65-4EC1-8280-F201D50F570B}"/>
@@ -9865,7 +11987,7 @@
       </p:sp>
       <p:cxnSp>
         <p:nvCxnSpPr>
-          <p:cNvPr id="88" name="Straight Connector 87">
+          <p:cNvPr id="103" name="Straight Connector 102">
             <a:extLst>
               <a:ext uri="{FF2B5EF4-FFF2-40B4-BE49-F238E27FC236}">
                 <a16:creationId xmlns:a16="http://schemas.microsoft.com/office/drawing/2014/main" id="{7E1D4427-852B-4B37-8E76-0E9F1810BA2A}"/>
@@ -9917,10 +12039,10 @@
       </p:cxnSp>
       <p:sp useBgFill="1">
         <p:nvSpPr>
-          <p:cNvPr id="90" name="Rectangle 89">
-            <a:extLst>
-              <a:ext uri="{FF2B5EF4-FFF2-40B4-BE49-F238E27FC236}">
-                <a16:creationId xmlns:a16="http://schemas.microsoft.com/office/drawing/2014/main" id="{5A1B47C8-47A0-4A88-8830-6DEA3B5DE392}"/>
+          <p:cNvPr id="105" name="Rectangle 104">
+            <a:extLst>
+              <a:ext uri="{FF2B5EF4-FFF2-40B4-BE49-F238E27FC236}">
+                <a16:creationId xmlns:a16="http://schemas.microsoft.com/office/drawing/2014/main" id="{EB1836F0-F9E0-4D93-9BDD-7EEC6EA05F7B}"/>
               </a:ext>
             </a:extLst>
           </p:cNvPr>
@@ -9938,7 +12060,7 @@
         <p:spPr>
           <a:xfrm>
             <a:off x="0" y="0"/>
-            <a:ext cx="12192000" cy="6858000"/>
+            <a:ext cx="12192001" cy="6334316"/>
           </a:xfrm>
           <a:prstGeom prst="rect">
             <a:avLst/>
@@ -9953,8 +12075,8 @@
               <a:shade val="50000"/>
             </a:schemeClr>
           </a:lnRef>
-          <a:fillRef idx="1001">
-            <a:schemeClr val="lt1"/>
+          <a:fillRef idx="1">
+            <a:schemeClr val="accent1"/>
           </a:fillRef>
           <a:effectRef idx="0">
             <a:schemeClr val="accent1"/>
@@ -9974,10 +12096,10 @@
       </p:sp>
       <p:sp>
         <p:nvSpPr>
-          <p:cNvPr id="92" name="Rectangle 91">
-            <a:extLst>
-              <a:ext uri="{FF2B5EF4-FFF2-40B4-BE49-F238E27FC236}">
-                <a16:creationId xmlns:a16="http://schemas.microsoft.com/office/drawing/2014/main" id="{984BBFDD-E720-4805-A9C8-129FBBF6DD70}"/>
+          <p:cNvPr id="107" name="Rectangle 106">
+            <a:extLst>
+              <a:ext uri="{FF2B5EF4-FFF2-40B4-BE49-F238E27FC236}">
+                <a16:creationId xmlns:a16="http://schemas.microsoft.com/office/drawing/2014/main" id="{4B670E93-2F53-48FC-AB6C-E99E22D17F31}"/>
               </a:ext>
             </a:extLst>
           </p:cNvPr>
@@ -9992,10 +12114,10 @@
             </p:extLst>
           </p:nvPr>
         </p:nvSpPr>
-        <p:spPr bwMode="white">
-          <a:xfrm>
-            <a:off x="7613486" y="0"/>
-            <a:ext cx="4584734" cy="6858000"/>
+        <p:spPr>
+          <a:xfrm>
+            <a:off x="1" y="6400800"/>
+            <a:ext cx="12192000" cy="457200"/>
           </a:xfrm>
           <a:prstGeom prst="rect">
             <a:avLst/>
@@ -10026,10 +12148,10 @@
       </p:sp>
       <p:sp>
         <p:nvSpPr>
-          <p:cNvPr id="94" name="Rectangle 93">
-            <a:extLst>
-              <a:ext uri="{FF2B5EF4-FFF2-40B4-BE49-F238E27FC236}">
-                <a16:creationId xmlns:a16="http://schemas.microsoft.com/office/drawing/2014/main" id="{5AC4BE46-4A77-42FE-9D15-065CDB2F847C}"/>
+          <p:cNvPr id="109" name="Rectangle 108">
+            <a:extLst>
+              <a:ext uri="{FF2B5EF4-FFF2-40B4-BE49-F238E27FC236}">
+                <a16:creationId xmlns:a16="http://schemas.microsoft.com/office/drawing/2014/main" id="{6D2F28D1-82F9-40FE-935C-85ECF7660D2D}"/>
               </a:ext>
             </a:extLst>
           </p:cNvPr>
@@ -10046,8 +12168,8 @@
         </p:nvSpPr>
         <p:spPr>
           <a:xfrm>
-            <a:off x="7556906" y="0"/>
-            <a:ext cx="64008" cy="6858000"/>
+            <a:off x="15" y="6334316"/>
+            <a:ext cx="12191985" cy="66484"/>
           </a:xfrm>
           <a:prstGeom prst="rect">
             <a:avLst/>
@@ -10076,87 +12198,57 @@
           </a:fontRef>
         </p:style>
       </p:sp>
-      <p:sp>
-        <p:nvSpPr>
-          <p:cNvPr id="2" name="ชื่อเรื่อง 1">
-            <a:extLst>
-              <a:ext uri="{FF2B5EF4-FFF2-40B4-BE49-F238E27FC236}">
-                <a16:creationId xmlns:a16="http://schemas.microsoft.com/office/drawing/2014/main" id="{D83B59C7-93AD-4165-9935-D6A351676C45}"/>
-              </a:ext>
-            </a:extLst>
-          </p:cNvPr>
-          <p:cNvSpPr>
-            <a:spLocks noGrp="1"/>
-          </p:cNvSpPr>
-          <p:nvPr>
-            <p:ph type="title"/>
-          </p:nvPr>
-        </p:nvSpPr>
-        <p:spPr>
-          <a:xfrm>
-            <a:off x="8096885" y="640080"/>
-            <a:ext cx="3659246" cy="2926080"/>
-          </a:xfrm>
-        </p:spPr>
-        <p:txBody>
-          <a:bodyPr vert="horz" lIns="91440" tIns="45720" rIns="91440" bIns="45720" rtlCol="0" anchor="b">
-            <a:normAutofit/>
-          </a:bodyPr>
-          <a:lstStyle/>
-          <a:p>
-            <a:r>
-              <a:rPr lang="en-US" sz="4400">
-                <a:solidFill>
-                  <a:srgbClr val="FFFFFF"/>
-                </a:solidFill>
-              </a:rPr>
-              <a:t>ส่วน home</a:t>
-            </a:r>
-            <a:endParaRPr lang="en-US" sz="4400" dirty="0">
-              <a:solidFill>
-                <a:srgbClr val="FFFFFF"/>
-              </a:solidFill>
-            </a:endParaRPr>
-          </a:p>
-        </p:txBody>
-      </p:sp>
-      <p:sp>
-        <p:nvSpPr>
-          <p:cNvPr id="28" name="Content Placeholder 27"/>
-          <p:cNvSpPr>
-            <a:spLocks noGrp="1"/>
-          </p:cNvSpPr>
-          <p:nvPr>
-            <p:ph idx="1"/>
-          </p:nvPr>
-        </p:nvSpPr>
-        <p:spPr>
-          <a:xfrm>
-            <a:off x="8096885" y="3578084"/>
-            <a:ext cx="3659246" cy="2639835"/>
-          </a:xfrm>
-        </p:spPr>
-        <p:txBody>
-          <a:bodyPr vert="horz" lIns="91440" tIns="45720" rIns="91440" bIns="45720" rtlCol="0">
-            <a:normAutofit/>
-          </a:bodyPr>
-          <a:lstStyle/>
-          <a:p>
-            <a:pPr marL="0" indent="0">
-              <a:buNone/>
-            </a:pPr>
-            <a:r>
-              <a:rPr lang="en-US" sz="1500" cap="all" spc="200">
-                <a:solidFill>
-                  <a:srgbClr val="FFFFFF"/>
-                </a:solidFill>
-                <a:latin typeface="+mj-lt"/>
-              </a:rPr>
-              <a:t>มีการเรียกใช้งาน โปรแกรมการแจ้งเตือน ซึ่งเป็นโปรแกรมย่อยในโปรแกรม</a:t>
-            </a:r>
-          </a:p>
-        </p:txBody>
-      </p:sp>
+      <p:cxnSp>
+        <p:nvCxnSpPr>
+          <p:cNvPr id="111" name="Straight Connector 110">
+            <a:extLst>
+              <a:ext uri="{FF2B5EF4-FFF2-40B4-BE49-F238E27FC236}">
+                <a16:creationId xmlns:a16="http://schemas.microsoft.com/office/drawing/2014/main" id="{7A49EFD3-A806-4D59-99F1-AA9AFAE4EF71}"/>
+              </a:ext>
+            </a:extLst>
+          </p:cNvPr>
+          <p:cNvCxnSpPr>
+            <a:cxnSpLocks noGrp="1" noRot="1" noChangeAspect="1" noMove="1" noResize="1" noEditPoints="1" noAdjustHandles="1" noChangeArrowheads="1" noChangeShapeType="1"/>
+          </p:cNvCxnSpPr>
+          <p:nvPr>
+            <p:extLst>
+              <p:ext uri="{386F3935-93C4-4BCD-93E2-E3B085C9AB24}">
+                <p16:designElem xmlns:p16="http://schemas.microsoft.com/office/powerpoint/2015/main" val="1"/>
+              </p:ext>
+            </p:extLst>
+          </p:nvPr>
+        </p:nvCxnSpPr>
+        <p:spPr>
+          <a:xfrm>
+            <a:off x="5447071" y="4343400"/>
+            <a:ext cx="5636107" cy="0"/>
+          </a:xfrm>
+          <a:prstGeom prst="line">
+            <a:avLst/>
+          </a:prstGeom>
+          <a:ln w="6350">
+            <a:solidFill>
+              <a:schemeClr val="tx2">
+                <a:alpha val="90000"/>
+              </a:schemeClr>
+            </a:solidFill>
+          </a:ln>
+        </p:spPr>
+        <p:style>
+          <a:lnRef idx="1">
+            <a:schemeClr val="accent1"/>
+          </a:lnRef>
+          <a:fillRef idx="0">
+            <a:schemeClr val="accent1"/>
+          </a:fillRef>
+          <a:effectRef idx="0">
+            <a:schemeClr val="accent1"/>
+          </a:effectRef>
+          <a:fontRef idx="minor">
+            <a:schemeClr val="tx1"/>
+          </a:fontRef>
+        </p:style>
+      </p:cxnSp>
       <p:pic>
         <p:nvPicPr>
           <p:cNvPr id="32" name="รูปภาพ 31">
@@ -10179,14 +12271,96 @@
         </p:blipFill>
         <p:spPr>
           <a:xfrm>
-            <a:off x="1540679" y="0"/>
-            <a:ext cx="4756355" cy="6858000"/>
+            <a:off x="873306" y="620720"/>
+            <a:ext cx="3522700" cy="5086933"/>
           </a:xfrm>
           <a:prstGeom prst="rect">
             <a:avLst/>
           </a:prstGeom>
         </p:spPr>
       </p:pic>
+      <p:sp>
+        <p:nvSpPr>
+          <p:cNvPr id="2" name="ชื่อเรื่อง 1">
+            <a:extLst>
+              <a:ext uri="{FF2B5EF4-FFF2-40B4-BE49-F238E27FC236}">
+                <a16:creationId xmlns:a16="http://schemas.microsoft.com/office/drawing/2014/main" id="{D83B59C7-93AD-4165-9935-D6A351676C45}"/>
+              </a:ext>
+            </a:extLst>
+          </p:cNvPr>
+          <p:cNvSpPr>
+            <a:spLocks noGrp="1"/>
+          </p:cNvSpPr>
+          <p:nvPr>
+            <p:ph type="title"/>
+          </p:nvPr>
+        </p:nvSpPr>
+        <p:spPr>
+          <a:xfrm>
+            <a:off x="5289754" y="639097"/>
+            <a:ext cx="6253317" cy="3686015"/>
+          </a:xfrm>
+        </p:spPr>
+        <p:txBody>
+          <a:bodyPr vert="horz" lIns="91440" tIns="45720" rIns="91440" bIns="45720" rtlCol="0" anchor="b">
+            <a:normAutofit/>
+          </a:bodyPr>
+          <a:lstStyle/>
+          <a:p>
+            <a:r>
+              <a:rPr lang="en-US" sz="8000">
+                <a:solidFill>
+                  <a:schemeClr val="tx1">
+                    <a:lumMod val="85000"/>
+                    <a:lumOff val="15000"/>
+                  </a:schemeClr>
+                </a:solidFill>
+              </a:rPr>
+              <a:t>ส่วน home</a:t>
+            </a:r>
+          </a:p>
+        </p:txBody>
+      </p:sp>
+      <p:sp>
+        <p:nvSpPr>
+          <p:cNvPr id="28" name="Content Placeholder 27"/>
+          <p:cNvSpPr>
+            <a:spLocks noGrp="1"/>
+          </p:cNvSpPr>
+          <p:nvPr>
+            <p:ph idx="1"/>
+          </p:nvPr>
+        </p:nvSpPr>
+        <p:spPr>
+          <a:xfrm>
+            <a:off x="5289753" y="4455621"/>
+            <a:ext cx="6269347" cy="1238616"/>
+          </a:xfrm>
+        </p:spPr>
+        <p:txBody>
+          <a:bodyPr vert="horz" lIns="91440" tIns="45720" rIns="91440" bIns="45720" rtlCol="0">
+            <a:normAutofit/>
+          </a:bodyPr>
+          <a:lstStyle/>
+          <a:p>
+            <a:pPr marL="0" indent="0">
+              <a:buNone/>
+            </a:pPr>
+            <a:r>
+              <a:rPr lang="en-US" sz="2400" cap="all" spc="200">
+                <a:solidFill>
+                  <a:schemeClr val="tx1">
+                    <a:lumMod val="85000"/>
+                    <a:lumOff val="15000"/>
+                  </a:schemeClr>
+                </a:solidFill>
+                <a:latin typeface="+mj-lt"/>
+              </a:rPr>
+              <a:t>มีการเรียกใช้งาน โปรแกรมการแจ้งเตือน ซึ่งเป็นโปรแกรมย่อยในโปรแกรม</a:t>
+            </a:r>
+          </a:p>
+        </p:txBody>
+      </p:sp>
     </p:spTree>
     <p:extLst>
       <p:ext uri="{BB962C8B-B14F-4D97-AF65-F5344CB8AC3E}">
@@ -10643,8 +12817,8 @@
         </p:nvSpPr>
         <p:spPr>
           <a:xfrm>
-            <a:off x="6730000" y="639097"/>
-            <a:ext cx="4813072" cy="3686015"/>
+            <a:off x="6096000" y="639097"/>
+            <a:ext cx="5447072" cy="3686015"/>
           </a:xfrm>
         </p:spPr>
         <p:txBody>
@@ -10654,7 +12828,7 @@
           <a:lstStyle/>
           <a:p>
             <a:r>
-              <a:rPr lang="en-US" sz="8000">
+              <a:rPr lang="en-US" sz="8000" dirty="0" err="1">
                 <a:solidFill>
                   <a:schemeClr val="tx1">
                     <a:lumMod val="85000"/>
@@ -10664,6 +12838,14 @@
               </a:rPr>
               <a:t>โปรแกรมแจ้งเตือน</a:t>
             </a:r>
+            <a:endParaRPr lang="en-US" sz="8000" dirty="0">
+              <a:solidFill>
+                <a:schemeClr val="tx1">
+                  <a:lumMod val="85000"/>
+                  <a:lumOff val="15000"/>
+                </a:schemeClr>
+              </a:solidFill>
+            </a:endParaRPr>
           </a:p>
         </p:txBody>
       </p:sp>

--- a/งานนำเสนอ.pptx
+++ b/งานนำเสนอ.pptx
@@ -20,14 +20,18 @@
     <p:sldId id="260" r:id="rId14"/>
     <p:sldId id="261" r:id="rId15"/>
     <p:sldId id="266" r:id="rId16"/>
-    <p:sldId id="264" r:id="rId17"/>
-    <p:sldId id="267" r:id="rId18"/>
-    <p:sldId id="268" r:id="rId19"/>
-    <p:sldId id="277" r:id="rId20"/>
-    <p:sldId id="278" r:id="rId21"/>
-    <p:sldId id="279" r:id="rId22"/>
-    <p:sldId id="265" r:id="rId23"/>
-    <p:sldId id="280" r:id="rId24"/>
+    <p:sldId id="281" r:id="rId17"/>
+    <p:sldId id="282" r:id="rId18"/>
+    <p:sldId id="264" r:id="rId19"/>
+    <p:sldId id="267" r:id="rId20"/>
+    <p:sldId id="268" r:id="rId21"/>
+    <p:sldId id="277" r:id="rId22"/>
+    <p:sldId id="278" r:id="rId23"/>
+    <p:sldId id="279" r:id="rId24"/>
+    <p:sldId id="265" r:id="rId25"/>
+    <p:sldId id="283" r:id="rId26"/>
+    <p:sldId id="284" r:id="rId27"/>
+    <p:sldId id="280" r:id="rId28"/>
   </p:sldIdLst>
   <p:sldSz cx="12192000" cy="6858000"/>
   <p:notesSz cx="6858000" cy="9144000"/>
@@ -3806,7 +3810,11 @@
           <a:lstStyle/>
           <a:p>
             <a:r>
-              <a:rPr lang="en-US"/>
+              <a:rPr lang="en-US" dirty="0"/>
+              <a:t>			  </a:t>
+            </a:r>
+            <a:r>
+              <a:rPr lang="en-US" dirty="0" err="1"/>
               <a:t>TimeNone</a:t>
             </a:r>
             <a:endParaRPr lang="th-TH" dirty="0"/>
@@ -3877,6 +3885,36 @@
           </a:p>
         </p:txBody>
       </p:sp>
+      <p:pic>
+        <p:nvPicPr>
+          <p:cNvPr id="5" name="รูปภาพ 4" descr="รูปภาพประกอบด้วย วัตถุ, สีขาว, นาฬิกา&#10;&#10;คำอธิบายที่สร้างขึ้นโดยมีความน่าเชื่อถือสูงมาก">
+            <a:extLst>
+              <a:ext uri="{FF2B5EF4-FFF2-40B4-BE49-F238E27FC236}">
+                <a16:creationId xmlns:a16="http://schemas.microsoft.com/office/drawing/2014/main" id="{0CA74E4D-A848-46FD-B116-C60F9C4020F6}"/>
+              </a:ext>
+            </a:extLst>
+          </p:cNvPr>
+          <p:cNvPicPr>
+            <a:picLocks noChangeAspect="1"/>
+          </p:cNvPicPr>
+          <p:nvPr/>
+        </p:nvPicPr>
+        <p:blipFill>
+          <a:blip r:embed="rId2"/>
+          <a:stretch>
+            <a:fillRect/>
+          </a:stretch>
+        </p:blipFill>
+        <p:spPr>
+          <a:xfrm>
+            <a:off x="1036320" y="1366919"/>
+            <a:ext cx="2958193" cy="2958193"/>
+          </a:xfrm>
+          <a:prstGeom prst="rect">
+            <a:avLst/>
+          </a:prstGeom>
+        </p:spPr>
+      </p:pic>
     </p:spTree>
     <p:extLst>
       <p:ext uri="{BB962C8B-B14F-4D97-AF65-F5344CB8AC3E}">
@@ -7003,6 +7041,775 @@
 </file>
 
 <file path=ppt/slides/slide16.xml><?xml version="1.0" encoding="utf-8"?>
+<p:sld xmlns:a="http://schemas.openxmlformats.org/drawingml/2006/main" xmlns:r="http://schemas.openxmlformats.org/officeDocument/2006/relationships" xmlns:p="http://schemas.openxmlformats.org/presentationml/2006/main">
+  <p:cSld>
+    <p:bg>
+      <p:bgPr>
+        <a:solidFill>
+          <a:schemeClr val="bg1"/>
+        </a:solidFill>
+        <a:effectLst/>
+      </p:bgPr>
+    </p:bg>
+    <p:spTree>
+      <p:nvGrpSpPr>
+        <p:cNvPr id="1" name=""/>
+        <p:cNvGrpSpPr/>
+        <p:nvPr/>
+      </p:nvGrpSpPr>
+      <p:grpSpPr>
+        <a:xfrm>
+          <a:off x="0" y="0"/>
+          <a:ext cx="0" cy="0"/>
+          <a:chOff x="0" y="0"/>
+          <a:chExt cx="0" cy="0"/>
+        </a:xfrm>
+      </p:grpSpPr>
+      <p:sp useBgFill="1">
+        <p:nvSpPr>
+          <p:cNvPr id="9" name="Rectangle 8">
+            <a:extLst>
+              <a:ext uri="{FF2B5EF4-FFF2-40B4-BE49-F238E27FC236}">
+                <a16:creationId xmlns:a16="http://schemas.microsoft.com/office/drawing/2014/main" id="{284B70D5-875B-433D-BDBD-1522A85D6C1D}"/>
+              </a:ext>
+            </a:extLst>
+          </p:cNvPr>
+          <p:cNvSpPr>
+            <a:spLocks noGrp="1" noRot="1" noChangeAspect="1" noMove="1" noResize="1" noEditPoints="1" noAdjustHandles="1" noChangeArrowheads="1" noChangeShapeType="1" noTextEdit="1"/>
+          </p:cNvSpPr>
+          <p:nvPr>
+            <p:extLst>
+              <p:ext uri="{386F3935-93C4-4BCD-93E2-E3B085C9AB24}">
+                <p16:designElem xmlns:p16="http://schemas.microsoft.com/office/powerpoint/2015/main" val="1"/>
+              </p:ext>
+            </p:extLst>
+          </p:nvPr>
+        </p:nvSpPr>
+        <p:spPr>
+          <a:xfrm>
+            <a:off x="0" y="0"/>
+            <a:ext cx="12192001" cy="6334316"/>
+          </a:xfrm>
+          <a:prstGeom prst="rect">
+            <a:avLst/>
+          </a:prstGeom>
+          <a:ln>
+            <a:noFill/>
+          </a:ln>
+        </p:spPr>
+        <p:style>
+          <a:lnRef idx="2">
+            <a:schemeClr val="accent1">
+              <a:shade val="50000"/>
+            </a:schemeClr>
+          </a:lnRef>
+          <a:fillRef idx="1">
+            <a:schemeClr val="accent1"/>
+          </a:fillRef>
+          <a:effectRef idx="0">
+            <a:schemeClr val="accent1"/>
+          </a:effectRef>
+          <a:fontRef idx="minor">
+            <a:schemeClr val="lt1"/>
+          </a:fontRef>
+        </p:style>
+        <p:txBody>
+          <a:bodyPr rtlCol="0" anchor="ctr"/>
+          <a:lstStyle/>
+          <a:p>
+            <a:pPr algn="ctr"/>
+            <a:endParaRPr lang="en-US"/>
+          </a:p>
+        </p:txBody>
+      </p:sp>
+      <p:sp>
+        <p:nvSpPr>
+          <p:cNvPr id="11" name="Rectangle 10">
+            <a:extLst>
+              <a:ext uri="{FF2B5EF4-FFF2-40B4-BE49-F238E27FC236}">
+                <a16:creationId xmlns:a16="http://schemas.microsoft.com/office/drawing/2014/main" id="{17FC539C-B783-4B03-9F9E-D13430F3F64F}"/>
+              </a:ext>
+            </a:extLst>
+          </p:cNvPr>
+          <p:cNvSpPr>
+            <a:spLocks noGrp="1" noRot="1" noChangeAspect="1" noMove="1" noResize="1" noEditPoints="1" noAdjustHandles="1" noChangeArrowheads="1" noChangeShapeType="1" noTextEdit="1"/>
+          </p:cNvSpPr>
+          <p:nvPr>
+            <p:extLst>
+              <p:ext uri="{386F3935-93C4-4BCD-93E2-E3B085C9AB24}">
+                <p16:designElem xmlns:p16="http://schemas.microsoft.com/office/powerpoint/2015/main" val="1"/>
+              </p:ext>
+            </p:extLst>
+          </p:nvPr>
+        </p:nvSpPr>
+        <p:spPr>
+          <a:xfrm>
+            <a:off x="1" y="6400800"/>
+            <a:ext cx="12192000" cy="457200"/>
+          </a:xfrm>
+          <a:prstGeom prst="rect">
+            <a:avLst/>
+          </a:prstGeom>
+          <a:solidFill>
+            <a:schemeClr val="accent2"/>
+          </a:solidFill>
+          <a:ln>
+            <a:noFill/>
+          </a:ln>
+        </p:spPr>
+        <p:style>
+          <a:lnRef idx="2">
+            <a:schemeClr val="accent1">
+              <a:shade val="50000"/>
+            </a:schemeClr>
+          </a:lnRef>
+          <a:fillRef idx="1">
+            <a:schemeClr val="accent1"/>
+          </a:fillRef>
+          <a:effectRef idx="0">
+            <a:schemeClr val="accent1"/>
+          </a:effectRef>
+          <a:fontRef idx="minor">
+            <a:schemeClr val="lt1"/>
+          </a:fontRef>
+        </p:style>
+      </p:sp>
+      <p:sp>
+        <p:nvSpPr>
+          <p:cNvPr id="13" name="Rectangle 12">
+            <a:extLst>
+              <a:ext uri="{FF2B5EF4-FFF2-40B4-BE49-F238E27FC236}">
+                <a16:creationId xmlns:a16="http://schemas.microsoft.com/office/drawing/2014/main" id="{1E299956-A9E7-4FC1-A0B1-D590CA9730E8}"/>
+              </a:ext>
+            </a:extLst>
+          </p:cNvPr>
+          <p:cNvSpPr>
+            <a:spLocks noGrp="1" noRot="1" noChangeAspect="1" noMove="1" noResize="1" noEditPoints="1" noAdjustHandles="1" noChangeArrowheads="1" noChangeShapeType="1" noTextEdit="1"/>
+          </p:cNvSpPr>
+          <p:nvPr>
+            <p:extLst>
+              <p:ext uri="{386F3935-93C4-4BCD-93E2-E3B085C9AB24}">
+                <p16:designElem xmlns:p16="http://schemas.microsoft.com/office/powerpoint/2015/main" val="1"/>
+              </p:ext>
+            </p:extLst>
+          </p:nvPr>
+        </p:nvSpPr>
+        <p:spPr>
+          <a:xfrm>
+            <a:off x="15" y="6334316"/>
+            <a:ext cx="12191985" cy="66484"/>
+          </a:xfrm>
+          <a:prstGeom prst="rect">
+            <a:avLst/>
+          </a:prstGeom>
+          <a:solidFill>
+            <a:schemeClr val="accent1"/>
+          </a:solidFill>
+          <a:ln>
+            <a:noFill/>
+          </a:ln>
+        </p:spPr>
+        <p:style>
+          <a:lnRef idx="2">
+            <a:schemeClr val="accent1">
+              <a:shade val="50000"/>
+            </a:schemeClr>
+          </a:lnRef>
+          <a:fillRef idx="1">
+            <a:schemeClr val="accent1"/>
+          </a:fillRef>
+          <a:effectRef idx="0">
+            <a:schemeClr val="accent1"/>
+          </a:effectRef>
+          <a:fontRef idx="minor">
+            <a:schemeClr val="lt1"/>
+          </a:fontRef>
+        </p:style>
+      </p:sp>
+      <p:cxnSp>
+        <p:nvCxnSpPr>
+          <p:cNvPr id="15" name="Straight Connector 14">
+            <a:extLst>
+              <a:ext uri="{FF2B5EF4-FFF2-40B4-BE49-F238E27FC236}">
+                <a16:creationId xmlns:a16="http://schemas.microsoft.com/office/drawing/2014/main" id="{C947DF4A-614C-4B4C-8B80-E5B9D8E8CFED}"/>
+              </a:ext>
+            </a:extLst>
+          </p:cNvPr>
+          <p:cNvCxnSpPr>
+            <a:cxnSpLocks noGrp="1" noRot="1" noChangeAspect="1" noMove="1" noResize="1" noEditPoints="1" noAdjustHandles="1" noChangeArrowheads="1" noChangeShapeType="1"/>
+          </p:cNvCxnSpPr>
+          <p:nvPr>
+            <p:extLst>
+              <p:ext uri="{386F3935-93C4-4BCD-93E2-E3B085C9AB24}">
+                <p16:designElem xmlns:p16="http://schemas.microsoft.com/office/powerpoint/2015/main" val="1"/>
+              </p:ext>
+            </p:extLst>
+          </p:nvPr>
+        </p:nvCxnSpPr>
+        <p:spPr>
+          <a:xfrm>
+            <a:off x="7892143" y="2085703"/>
+            <a:ext cx="3566160" cy="0"/>
+          </a:xfrm>
+          <a:prstGeom prst="line">
+            <a:avLst/>
+          </a:prstGeom>
+          <a:ln w="6350">
+            <a:solidFill>
+              <a:schemeClr val="tx1">
+                <a:lumMod val="50000"/>
+                <a:lumOff val="50000"/>
+                <a:alpha val="90000"/>
+              </a:schemeClr>
+            </a:solidFill>
+          </a:ln>
+        </p:spPr>
+        <p:style>
+          <a:lnRef idx="1">
+            <a:schemeClr val="accent1"/>
+          </a:lnRef>
+          <a:fillRef idx="0">
+            <a:schemeClr val="accent1"/>
+          </a:fillRef>
+          <a:effectRef idx="0">
+            <a:schemeClr val="accent1"/>
+          </a:effectRef>
+          <a:fontRef idx="minor">
+            <a:schemeClr val="tx1"/>
+          </a:fontRef>
+        </p:style>
+      </p:cxnSp>
+      <p:sp>
+        <p:nvSpPr>
+          <p:cNvPr id="2" name="ชื่อเรื่อง 1">
+            <a:extLst>
+              <a:ext uri="{FF2B5EF4-FFF2-40B4-BE49-F238E27FC236}">
+                <a16:creationId xmlns:a16="http://schemas.microsoft.com/office/drawing/2014/main" id="{6137A968-0B59-40BE-8335-0DAF7EA28345}"/>
+              </a:ext>
+            </a:extLst>
+          </p:cNvPr>
+          <p:cNvSpPr>
+            <a:spLocks noGrp="1"/>
+          </p:cNvSpPr>
+          <p:nvPr>
+            <p:ph type="title"/>
+          </p:nvPr>
+        </p:nvSpPr>
+        <p:spPr>
+          <a:xfrm>
+            <a:off x="7859485" y="634946"/>
+            <a:ext cx="3690257" cy="1450757"/>
+          </a:xfrm>
+        </p:spPr>
+        <p:txBody>
+          <a:bodyPr>
+            <a:normAutofit/>
+          </a:bodyPr>
+          <a:lstStyle/>
+          <a:p>
+            <a:r>
+              <a:rPr lang="th-TH" dirty="0"/>
+              <a:t>แก้ไขการแจ้งเตือน</a:t>
+            </a:r>
+          </a:p>
+        </p:txBody>
+      </p:sp>
+      <p:sp>
+        <p:nvSpPr>
+          <p:cNvPr id="3" name="ตัวแทนเนื้อหา 2">
+            <a:extLst>
+              <a:ext uri="{FF2B5EF4-FFF2-40B4-BE49-F238E27FC236}">
+                <a16:creationId xmlns:a16="http://schemas.microsoft.com/office/drawing/2014/main" id="{B6010F34-73B1-4A7C-ABA9-6DFB5E6D8F97}"/>
+              </a:ext>
+            </a:extLst>
+          </p:cNvPr>
+          <p:cNvSpPr>
+            <a:spLocks noGrp="1"/>
+          </p:cNvSpPr>
+          <p:nvPr>
+            <p:ph idx="1"/>
+          </p:nvPr>
+        </p:nvSpPr>
+        <p:spPr>
+          <a:xfrm>
+            <a:off x="7859485" y="2198914"/>
+            <a:ext cx="3690257" cy="3670180"/>
+          </a:xfrm>
+        </p:spPr>
+        <p:txBody>
+          <a:bodyPr>
+            <a:normAutofit/>
+          </a:bodyPr>
+          <a:lstStyle/>
+          <a:p>
+            <a:r>
+              <a:rPr lang="th-TH" sz="2400" dirty="0"/>
+              <a:t>สามารถลบการแจ้งเตือน แก้ไขการแจ้งเตือน และเพิ่มการแจ้งเตือนได้</a:t>
+            </a:r>
+          </a:p>
+        </p:txBody>
+      </p:sp>
+      <p:pic>
+        <p:nvPicPr>
+          <p:cNvPr id="5" name="รูปภาพ 4">
+            <a:extLst>
+              <a:ext uri="{FF2B5EF4-FFF2-40B4-BE49-F238E27FC236}">
+                <a16:creationId xmlns:a16="http://schemas.microsoft.com/office/drawing/2014/main" id="{2D93899E-F5CB-448C-A591-2BDAC4F509CD}"/>
+              </a:ext>
+            </a:extLst>
+          </p:cNvPr>
+          <p:cNvPicPr>
+            <a:picLocks noChangeAspect="1"/>
+          </p:cNvPicPr>
+          <p:nvPr/>
+        </p:nvPicPr>
+        <p:blipFill>
+          <a:blip r:embed="rId2"/>
+          <a:stretch>
+            <a:fillRect/>
+          </a:stretch>
+        </p:blipFill>
+        <p:spPr>
+          <a:xfrm>
+            <a:off x="201385" y="938308"/>
+            <a:ext cx="7658100" cy="4457700"/>
+          </a:xfrm>
+          <a:prstGeom prst="rect">
+            <a:avLst/>
+          </a:prstGeom>
+        </p:spPr>
+      </p:pic>
+    </p:spTree>
+    <p:extLst>
+      <p:ext uri="{BB962C8B-B14F-4D97-AF65-F5344CB8AC3E}">
+        <p14:creationId xmlns:p14="http://schemas.microsoft.com/office/powerpoint/2010/main" val="3354048259"/>
+      </p:ext>
+    </p:extLst>
+  </p:cSld>
+  <p:clrMapOvr>
+    <a:masterClrMapping/>
+  </p:clrMapOvr>
+</p:sld>
+</file>
+
+<file path=ppt/slides/slide17.xml><?xml version="1.0" encoding="utf-8"?>
+<p:sld xmlns:a="http://schemas.openxmlformats.org/drawingml/2006/main" xmlns:r="http://schemas.openxmlformats.org/officeDocument/2006/relationships" xmlns:p="http://schemas.openxmlformats.org/presentationml/2006/main">
+  <p:cSld>
+    <p:bg>
+      <p:bgPr>
+        <a:gradFill rotWithShape="1">
+          <a:gsLst>
+            <a:gs pos="0">
+              <a:schemeClr val="bg2">
+                <a:tint val="96000"/>
+                <a:shade val="99000"/>
+                <a:satMod val="140000"/>
+              </a:schemeClr>
+            </a:gs>
+            <a:gs pos="65000">
+              <a:schemeClr val="bg2">
+                <a:tint val="100000"/>
+                <a:shade val="80000"/>
+                <a:satMod val="130000"/>
+              </a:schemeClr>
+            </a:gs>
+            <a:gs pos="100000">
+              <a:schemeClr val="bg2">
+                <a:tint val="100000"/>
+                <a:shade val="48000"/>
+                <a:satMod val="120000"/>
+              </a:schemeClr>
+            </a:gs>
+          </a:gsLst>
+          <a:lin ang="16200000" scaled="0"/>
+        </a:gradFill>
+        <a:effectLst/>
+      </p:bgPr>
+    </p:bg>
+    <p:spTree>
+      <p:nvGrpSpPr>
+        <p:cNvPr id="1" name=""/>
+        <p:cNvGrpSpPr/>
+        <p:nvPr/>
+      </p:nvGrpSpPr>
+      <p:grpSpPr>
+        <a:xfrm>
+          <a:off x="0" y="0"/>
+          <a:ext cx="0" cy="0"/>
+          <a:chOff x="0" y="0"/>
+          <a:chExt cx="0" cy="0"/>
+        </a:xfrm>
+      </p:grpSpPr>
+      <p:sp>
+        <p:nvSpPr>
+          <p:cNvPr id="23" name="Rectangle 22">
+            <a:extLst>
+              <a:ext uri="{FF2B5EF4-FFF2-40B4-BE49-F238E27FC236}">
+                <a16:creationId xmlns:a16="http://schemas.microsoft.com/office/drawing/2014/main" id="{52C0B2E1-0268-42EC-ABD3-94F81A05BCBD}"/>
+              </a:ext>
+            </a:extLst>
+          </p:cNvPr>
+          <p:cNvSpPr>
+            <a:spLocks noGrp="1" noRot="1" noChangeAspect="1" noMove="1" noResize="1" noEditPoints="1" noAdjustHandles="1" noChangeArrowheads="1" noChangeShapeType="1" noTextEdit="1"/>
+          </p:cNvSpPr>
+          <p:nvPr>
+            <p:extLst>
+              <p:ext uri="{386F3935-93C4-4BCD-93E2-E3B085C9AB24}">
+                <p16:designElem xmlns:p16="http://schemas.microsoft.com/office/powerpoint/2015/main" val="1"/>
+              </p:ext>
+            </p:extLst>
+          </p:nvPr>
+        </p:nvSpPr>
+        <p:spPr>
+          <a:xfrm>
+            <a:off x="3175" y="6400800"/>
+            <a:ext cx="12188825" cy="457200"/>
+          </a:xfrm>
+          <a:prstGeom prst="rect">
+            <a:avLst/>
+          </a:prstGeom>
+          <a:solidFill>
+            <a:schemeClr val="accent2"/>
+          </a:solidFill>
+          <a:ln>
+            <a:noFill/>
+          </a:ln>
+        </p:spPr>
+        <p:style>
+          <a:lnRef idx="2">
+            <a:schemeClr val="accent1">
+              <a:shade val="50000"/>
+            </a:schemeClr>
+          </a:lnRef>
+          <a:fillRef idx="1">
+            <a:schemeClr val="accent1"/>
+          </a:fillRef>
+          <a:effectRef idx="0">
+            <a:schemeClr val="accent1"/>
+          </a:effectRef>
+          <a:fontRef idx="minor">
+            <a:schemeClr val="lt1"/>
+          </a:fontRef>
+        </p:style>
+      </p:sp>
+      <p:sp>
+        <p:nvSpPr>
+          <p:cNvPr id="25" name="Rectangle 24">
+            <a:extLst>
+              <a:ext uri="{FF2B5EF4-FFF2-40B4-BE49-F238E27FC236}">
+                <a16:creationId xmlns:a16="http://schemas.microsoft.com/office/drawing/2014/main" id="{7D2256B4-48EA-40FC-BBC0-AA1EE6E0080C}"/>
+              </a:ext>
+            </a:extLst>
+          </p:cNvPr>
+          <p:cNvSpPr>
+            <a:spLocks noGrp="1" noRot="1" noChangeAspect="1" noMove="1" noResize="1" noEditPoints="1" noAdjustHandles="1" noChangeArrowheads="1" noChangeShapeType="1" noTextEdit="1"/>
+          </p:cNvSpPr>
+          <p:nvPr>
+            <p:extLst>
+              <p:ext uri="{386F3935-93C4-4BCD-93E2-E3B085C9AB24}">
+                <p16:designElem xmlns:p16="http://schemas.microsoft.com/office/powerpoint/2015/main" val="1"/>
+              </p:ext>
+            </p:extLst>
+          </p:nvPr>
+        </p:nvSpPr>
+        <p:spPr>
+          <a:xfrm>
+            <a:off x="15" y="6334316"/>
+            <a:ext cx="12188825" cy="64008"/>
+          </a:xfrm>
+          <a:prstGeom prst="rect">
+            <a:avLst/>
+          </a:prstGeom>
+          <a:solidFill>
+            <a:schemeClr val="accent1"/>
+          </a:solidFill>
+          <a:ln>
+            <a:noFill/>
+          </a:ln>
+        </p:spPr>
+        <p:style>
+          <a:lnRef idx="2">
+            <a:schemeClr val="accent1">
+              <a:shade val="50000"/>
+            </a:schemeClr>
+          </a:lnRef>
+          <a:fillRef idx="1">
+            <a:schemeClr val="accent1"/>
+          </a:fillRef>
+          <a:effectRef idx="0">
+            <a:schemeClr val="accent1"/>
+          </a:effectRef>
+          <a:fontRef idx="minor">
+            <a:schemeClr val="lt1"/>
+          </a:fontRef>
+        </p:style>
+      </p:sp>
+      <p:cxnSp>
+        <p:nvCxnSpPr>
+          <p:cNvPr id="27" name="Straight Connector 26">
+            <a:extLst>
+              <a:ext uri="{FF2B5EF4-FFF2-40B4-BE49-F238E27FC236}">
+                <a16:creationId xmlns:a16="http://schemas.microsoft.com/office/drawing/2014/main" id="{3D44BCCA-102D-4A9D-B1E4-2450CAF0B05E}"/>
+              </a:ext>
+            </a:extLst>
+          </p:cNvPr>
+          <p:cNvCxnSpPr>
+            <a:cxnSpLocks noGrp="1" noRot="1" noChangeAspect="1" noMove="1" noResize="1" noEditPoints="1" noAdjustHandles="1" noChangeArrowheads="1" noChangeShapeType="1"/>
+          </p:cNvCxnSpPr>
+          <p:nvPr>
+            <p:extLst>
+              <p:ext uri="{386F3935-93C4-4BCD-93E2-E3B085C9AB24}">
+                <p16:designElem xmlns:p16="http://schemas.microsoft.com/office/powerpoint/2015/main" val="1"/>
+              </p:ext>
+            </p:extLst>
+          </p:nvPr>
+        </p:nvCxnSpPr>
+        <p:spPr>
+          <a:xfrm>
+            <a:off x="1207658" y="4343400"/>
+            <a:ext cx="9875520" cy="0"/>
+          </a:xfrm>
+          <a:prstGeom prst="line">
+            <a:avLst/>
+          </a:prstGeom>
+          <a:ln w="6350">
+            <a:solidFill>
+              <a:schemeClr val="tx1">
+                <a:lumMod val="50000"/>
+                <a:lumOff val="50000"/>
+              </a:schemeClr>
+            </a:solidFill>
+          </a:ln>
+        </p:spPr>
+        <p:style>
+          <a:lnRef idx="1">
+            <a:schemeClr val="accent1"/>
+          </a:lnRef>
+          <a:fillRef idx="0">
+            <a:schemeClr val="accent1"/>
+          </a:fillRef>
+          <a:effectRef idx="0">
+            <a:schemeClr val="accent1"/>
+          </a:effectRef>
+          <a:fontRef idx="minor">
+            <a:schemeClr val="tx1"/>
+          </a:fontRef>
+        </p:style>
+      </p:cxnSp>
+      <p:sp useBgFill="1">
+        <p:nvSpPr>
+          <p:cNvPr id="29" name="Rectangle 28">
+            <a:extLst>
+              <a:ext uri="{FF2B5EF4-FFF2-40B4-BE49-F238E27FC236}">
+                <a16:creationId xmlns:a16="http://schemas.microsoft.com/office/drawing/2014/main" id="{FBDCECDC-EEE3-4128-AA5E-82A8C08796E8}"/>
+              </a:ext>
+            </a:extLst>
+          </p:cNvPr>
+          <p:cNvSpPr>
+            <a:spLocks noGrp="1" noRot="1" noChangeAspect="1" noMove="1" noResize="1" noEditPoints="1" noAdjustHandles="1" noChangeArrowheads="1" noChangeShapeType="1" noTextEdit="1"/>
+          </p:cNvSpPr>
+          <p:nvPr>
+            <p:extLst>
+              <p:ext uri="{386F3935-93C4-4BCD-93E2-E3B085C9AB24}">
+                <p16:designElem xmlns:p16="http://schemas.microsoft.com/office/powerpoint/2015/main" val="1"/>
+              </p:ext>
+            </p:extLst>
+          </p:nvPr>
+        </p:nvSpPr>
+        <p:spPr>
+          <a:xfrm>
+            <a:off x="1507" y="0"/>
+            <a:ext cx="12192000" cy="6858000"/>
+          </a:xfrm>
+          <a:prstGeom prst="rect">
+            <a:avLst/>
+          </a:prstGeom>
+          <a:ln>
+            <a:noFill/>
+          </a:ln>
+        </p:spPr>
+        <p:style>
+          <a:lnRef idx="2">
+            <a:schemeClr val="accent1">
+              <a:shade val="50000"/>
+            </a:schemeClr>
+          </a:lnRef>
+          <a:fillRef idx="1">
+            <a:schemeClr val="accent1"/>
+          </a:fillRef>
+          <a:effectRef idx="0">
+            <a:schemeClr val="accent1"/>
+          </a:effectRef>
+          <a:fontRef idx="minor">
+            <a:schemeClr val="lt1"/>
+          </a:fontRef>
+        </p:style>
+        <p:txBody>
+          <a:bodyPr rtlCol="0" anchor="ctr"/>
+          <a:lstStyle/>
+          <a:p>
+            <a:pPr algn="ctr"/>
+            <a:endParaRPr lang="en-US"/>
+          </a:p>
+        </p:txBody>
+      </p:sp>
+      <p:sp>
+        <p:nvSpPr>
+          <p:cNvPr id="31" name="Rectangle 30">
+            <a:extLst>
+              <a:ext uri="{FF2B5EF4-FFF2-40B4-BE49-F238E27FC236}">
+                <a16:creationId xmlns:a16="http://schemas.microsoft.com/office/drawing/2014/main" id="{4260EDE0-989C-4E16-AF94-F652294D828E}"/>
+              </a:ext>
+            </a:extLst>
+          </p:cNvPr>
+          <p:cNvSpPr>
+            <a:spLocks noGrp="1" noRot="1" noChangeAspect="1" noMove="1" noResize="1" noEditPoints="1" noAdjustHandles="1" noChangeArrowheads="1" noChangeShapeType="1" noTextEdit="1"/>
+          </p:cNvSpPr>
+          <p:nvPr>
+            <p:extLst>
+              <p:ext uri="{386F3935-93C4-4BCD-93E2-E3B085C9AB24}">
+                <p16:designElem xmlns:p16="http://schemas.microsoft.com/office/powerpoint/2015/main" val="1"/>
+              </p:ext>
+            </p:extLst>
+          </p:nvPr>
+        </p:nvSpPr>
+        <p:spPr bwMode="white">
+          <a:xfrm>
+            <a:off x="1507" y="4953000"/>
+            <a:ext cx="12188952" cy="1905000"/>
+          </a:xfrm>
+          <a:prstGeom prst="rect">
+            <a:avLst/>
+          </a:prstGeom>
+          <a:solidFill>
+            <a:schemeClr val="accent2"/>
+          </a:solidFill>
+          <a:ln>
+            <a:noFill/>
+          </a:ln>
+        </p:spPr>
+        <p:style>
+          <a:lnRef idx="2">
+            <a:schemeClr val="accent1">
+              <a:shade val="50000"/>
+            </a:schemeClr>
+          </a:lnRef>
+          <a:fillRef idx="1">
+            <a:schemeClr val="accent1"/>
+          </a:fillRef>
+          <a:effectRef idx="0">
+            <a:schemeClr val="accent1"/>
+          </a:effectRef>
+          <a:fontRef idx="minor">
+            <a:schemeClr val="lt1"/>
+          </a:fontRef>
+        </p:style>
+      </p:sp>
+      <p:sp>
+        <p:nvSpPr>
+          <p:cNvPr id="33" name="Rectangle 32">
+            <a:extLst>
+              <a:ext uri="{FF2B5EF4-FFF2-40B4-BE49-F238E27FC236}">
+                <a16:creationId xmlns:a16="http://schemas.microsoft.com/office/drawing/2014/main" id="{1F3985C0-E548-44D2-B30E-F3E42DADE133}"/>
+              </a:ext>
+            </a:extLst>
+          </p:cNvPr>
+          <p:cNvSpPr>
+            <a:spLocks noGrp="1" noRot="1" noChangeAspect="1" noMove="1" noResize="1" noEditPoints="1" noAdjustHandles="1" noChangeArrowheads="1" noChangeShapeType="1" noTextEdit="1"/>
+          </p:cNvSpPr>
+          <p:nvPr>
+            <p:extLst>
+              <p:ext uri="{386F3935-93C4-4BCD-93E2-E3B085C9AB24}">
+                <p16:designElem xmlns:p16="http://schemas.microsoft.com/office/powerpoint/2015/main" val="1"/>
+              </p:ext>
+            </p:extLst>
+          </p:nvPr>
+        </p:nvSpPr>
+        <p:spPr>
+          <a:xfrm>
+            <a:off x="1507" y="0"/>
+            <a:ext cx="12188952" cy="4970184"/>
+          </a:xfrm>
+          <a:prstGeom prst="rect">
+            <a:avLst/>
+          </a:prstGeom>
+          <a:solidFill>
+            <a:schemeClr val="accent1"/>
+          </a:solidFill>
+          <a:ln>
+            <a:noFill/>
+          </a:ln>
+        </p:spPr>
+        <p:style>
+          <a:lnRef idx="2">
+            <a:schemeClr val="accent1">
+              <a:shade val="50000"/>
+            </a:schemeClr>
+          </a:lnRef>
+          <a:fillRef idx="1">
+            <a:schemeClr val="accent1"/>
+          </a:fillRef>
+          <a:effectRef idx="0">
+            <a:schemeClr val="accent1"/>
+          </a:effectRef>
+          <a:fontRef idx="minor">
+            <a:schemeClr val="lt1"/>
+          </a:fontRef>
+        </p:style>
+      </p:sp>
+      <p:sp>
+        <p:nvSpPr>
+          <p:cNvPr id="2" name="ชื่อเรื่อง 1">
+            <a:extLst>
+              <a:ext uri="{FF2B5EF4-FFF2-40B4-BE49-F238E27FC236}">
+                <a16:creationId xmlns:a16="http://schemas.microsoft.com/office/drawing/2014/main" id="{3AF15360-D5D6-4C3B-BBB5-3B0AA53A47DE}"/>
+              </a:ext>
+            </a:extLst>
+          </p:cNvPr>
+          <p:cNvSpPr>
+            <a:spLocks noGrp="1"/>
+          </p:cNvSpPr>
+          <p:nvPr>
+            <p:ph type="title"/>
+          </p:nvPr>
+        </p:nvSpPr>
+        <p:spPr>
+          <a:xfrm>
+            <a:off x="1097280" y="758952"/>
+            <a:ext cx="10058400" cy="3892168"/>
+          </a:xfrm>
+        </p:spPr>
+        <p:txBody>
+          <a:bodyPr vert="horz" lIns="91440" tIns="45720" rIns="91440" bIns="45720" rtlCol="0" anchor="b">
+            <a:normAutofit/>
+          </a:bodyPr>
+          <a:lstStyle/>
+          <a:p>
+            <a:r>
+              <a:rPr lang="en-US" sz="8000">
+                <a:solidFill>
+                  <a:srgbClr val="FFFFFF"/>
+                </a:solidFill>
+              </a:rPr>
+              <a:t>การแจ้งเตือน</a:t>
+            </a:r>
+          </a:p>
+        </p:txBody>
+      </p:sp>
+    </p:spTree>
+    <p:extLst>
+      <p:ext uri="{BB962C8B-B14F-4D97-AF65-F5344CB8AC3E}">
+        <p14:creationId xmlns:p14="http://schemas.microsoft.com/office/powerpoint/2010/main" val="571704585"/>
+      </p:ext>
+    </p:extLst>
+  </p:cSld>
+  <p:clrMapOvr>
+    <a:overrideClrMapping bg1="dk1" tx1="lt1" bg2="dk2" tx2="lt2" accent1="accent1" accent2="accent2" accent3="accent3" accent4="accent4" accent5="accent5" accent6="accent6" hlink="hlink" folHlink="folHlink"/>
+  </p:clrMapOvr>
+</p:sld>
+</file>
+
+<file path=ppt/slides/slide18.xml><?xml version="1.0" encoding="utf-8"?>
 <p:sld xmlns:a="http://schemas.openxmlformats.org/drawingml/2006/main" xmlns:r="http://schemas.openxmlformats.org/officeDocument/2006/relationships" xmlns:p="http://schemas.openxmlformats.org/presentationml/2006/main">
   <p:cSld>
     <p:spTree>
@@ -7277,7 +8084,7 @@
 </p:sld>
 </file>
 
-<file path=ppt/slides/slide17.xml><?xml version="1.0" encoding="utf-8"?>
+<file path=ppt/slides/slide19.xml><?xml version="1.0" encoding="utf-8"?>
 <p:sld xmlns:a="http://schemas.openxmlformats.org/drawingml/2006/main" xmlns:r="http://schemas.openxmlformats.org/officeDocument/2006/relationships" xmlns:p="http://schemas.openxmlformats.org/presentationml/2006/main">
   <p:cSld>
     <p:bg>
@@ -7834,970 +8641,6 @@
 </p:sld>
 </file>
 
-<file path=ppt/slides/slide18.xml><?xml version="1.0" encoding="utf-8"?>
-<p:sld xmlns:a="http://schemas.openxmlformats.org/drawingml/2006/main" xmlns:r="http://schemas.openxmlformats.org/officeDocument/2006/relationships" xmlns:p="http://schemas.openxmlformats.org/presentationml/2006/main">
-  <p:cSld>
-    <p:bg>
-      <p:bgPr>
-        <a:solidFill>
-          <a:schemeClr val="bg1"/>
-        </a:solidFill>
-        <a:effectLst/>
-      </p:bgPr>
-    </p:bg>
-    <p:spTree>
-      <p:nvGrpSpPr>
-        <p:cNvPr id="1" name=""/>
-        <p:cNvGrpSpPr/>
-        <p:nvPr/>
-      </p:nvGrpSpPr>
-      <p:grpSpPr>
-        <a:xfrm>
-          <a:off x="0" y="0"/>
-          <a:ext cx="0" cy="0"/>
-          <a:chOff x="0" y="0"/>
-          <a:chExt cx="0" cy="0"/>
-        </a:xfrm>
-      </p:grpSpPr>
-      <p:sp>
-        <p:nvSpPr>
-          <p:cNvPr id="66" name="Rectangle 65">
-            <a:extLst>
-              <a:ext uri="{FF2B5EF4-FFF2-40B4-BE49-F238E27FC236}">
-                <a16:creationId xmlns:a16="http://schemas.microsoft.com/office/drawing/2014/main" id="{BB2B8762-61F0-4F1B-9364-D633EE9D6AF5}"/>
-              </a:ext>
-            </a:extLst>
-          </p:cNvPr>
-          <p:cNvSpPr>
-            <a:spLocks noGrp="1" noRot="1" noChangeAspect="1" noMove="1" noResize="1" noEditPoints="1" noAdjustHandles="1" noChangeArrowheads="1" noChangeShapeType="1" noTextEdit="1"/>
-          </p:cNvSpPr>
-          <p:nvPr>
-            <p:extLst>
-              <p:ext uri="{386F3935-93C4-4BCD-93E2-E3B085C9AB24}">
-                <p16:designElem xmlns:p16="http://schemas.microsoft.com/office/powerpoint/2015/main" val="1"/>
-              </p:ext>
-            </p:extLst>
-          </p:nvPr>
-        </p:nvSpPr>
-        <p:spPr>
-          <a:xfrm>
-            <a:off x="3175" y="6400800"/>
-            <a:ext cx="12188825" cy="457200"/>
-          </a:xfrm>
-          <a:prstGeom prst="rect">
-            <a:avLst/>
-          </a:prstGeom>
-          <a:solidFill>
-            <a:schemeClr val="accent2"/>
-          </a:solidFill>
-          <a:ln>
-            <a:noFill/>
-          </a:ln>
-        </p:spPr>
-        <p:style>
-          <a:lnRef idx="2">
-            <a:schemeClr val="accent1">
-              <a:shade val="50000"/>
-            </a:schemeClr>
-          </a:lnRef>
-          <a:fillRef idx="1">
-            <a:schemeClr val="accent1"/>
-          </a:fillRef>
-          <a:effectRef idx="0">
-            <a:schemeClr val="accent1"/>
-          </a:effectRef>
-          <a:fontRef idx="minor">
-            <a:schemeClr val="lt1"/>
-          </a:fontRef>
-        </p:style>
-      </p:sp>
-      <p:sp>
-        <p:nvSpPr>
-          <p:cNvPr id="68" name="Rectangle 67">
-            <a:extLst>
-              <a:ext uri="{FF2B5EF4-FFF2-40B4-BE49-F238E27FC236}">
-                <a16:creationId xmlns:a16="http://schemas.microsoft.com/office/drawing/2014/main" id="{E97675C8-1328-460C-9EBF-6B446B67EAD3}"/>
-              </a:ext>
-            </a:extLst>
-          </p:cNvPr>
-          <p:cNvSpPr>
-            <a:spLocks noGrp="1" noRot="1" noChangeAspect="1" noMove="1" noResize="1" noEditPoints="1" noAdjustHandles="1" noChangeArrowheads="1" noChangeShapeType="1" noTextEdit="1"/>
-          </p:cNvSpPr>
-          <p:nvPr>
-            <p:extLst>
-              <p:ext uri="{386F3935-93C4-4BCD-93E2-E3B085C9AB24}">
-                <p16:designElem xmlns:p16="http://schemas.microsoft.com/office/powerpoint/2015/main" val="1"/>
-              </p:ext>
-            </p:extLst>
-          </p:nvPr>
-        </p:nvSpPr>
-        <p:spPr>
-          <a:xfrm>
-            <a:off x="15" y="6334316"/>
-            <a:ext cx="12188825" cy="64008"/>
-          </a:xfrm>
-          <a:prstGeom prst="rect">
-            <a:avLst/>
-          </a:prstGeom>
-          <a:solidFill>
-            <a:schemeClr val="accent1"/>
-          </a:solidFill>
-          <a:ln>
-            <a:noFill/>
-          </a:ln>
-        </p:spPr>
-        <p:style>
-          <a:lnRef idx="2">
-            <a:schemeClr val="accent1">
-              <a:shade val="50000"/>
-            </a:schemeClr>
-          </a:lnRef>
-          <a:fillRef idx="1">
-            <a:schemeClr val="accent1"/>
-          </a:fillRef>
-          <a:effectRef idx="0">
-            <a:schemeClr val="accent1"/>
-          </a:effectRef>
-          <a:fontRef idx="minor">
-            <a:schemeClr val="lt1"/>
-          </a:fontRef>
-        </p:style>
-      </p:sp>
-      <p:cxnSp>
-        <p:nvCxnSpPr>
-          <p:cNvPr id="70" name="Straight Connector 69">
-            <a:extLst>
-              <a:ext uri="{FF2B5EF4-FFF2-40B4-BE49-F238E27FC236}">
-                <a16:creationId xmlns:a16="http://schemas.microsoft.com/office/drawing/2014/main" id="{514EE78B-AF71-4195-A01B-F1165D9233BF}"/>
-              </a:ext>
-            </a:extLst>
-          </p:cNvPr>
-          <p:cNvCxnSpPr>
-            <a:cxnSpLocks noGrp="1" noRot="1" noChangeAspect="1" noMove="1" noResize="1" noEditPoints="1" noAdjustHandles="1" noChangeArrowheads="1" noChangeShapeType="1"/>
-          </p:cNvCxnSpPr>
-          <p:nvPr>
-            <p:extLst>
-              <p:ext uri="{386F3935-93C4-4BCD-93E2-E3B085C9AB24}">
-                <p16:designElem xmlns:p16="http://schemas.microsoft.com/office/powerpoint/2015/main" val="1"/>
-              </p:ext>
-            </p:extLst>
-          </p:nvPr>
-        </p:nvCxnSpPr>
-        <p:spPr>
-          <a:xfrm>
-            <a:off x="1207658" y="4343400"/>
-            <a:ext cx="9875520" cy="0"/>
-          </a:xfrm>
-          <a:prstGeom prst="line">
-            <a:avLst/>
-          </a:prstGeom>
-          <a:ln w="6350">
-            <a:solidFill>
-              <a:schemeClr val="tx1">
-                <a:lumMod val="50000"/>
-                <a:lumOff val="50000"/>
-              </a:schemeClr>
-            </a:solidFill>
-          </a:ln>
-        </p:spPr>
-        <p:style>
-          <a:lnRef idx="1">
-            <a:schemeClr val="accent1"/>
-          </a:lnRef>
-          <a:fillRef idx="0">
-            <a:schemeClr val="accent1"/>
-          </a:fillRef>
-          <a:effectRef idx="0">
-            <a:schemeClr val="accent1"/>
-          </a:effectRef>
-          <a:fontRef idx="minor">
-            <a:schemeClr val="tx1"/>
-          </a:fontRef>
-        </p:style>
-      </p:cxnSp>
-      <p:sp useBgFill="1">
-        <p:nvSpPr>
-          <p:cNvPr id="72" name="Rectangle 71">
-            <a:extLst>
-              <a:ext uri="{FF2B5EF4-FFF2-40B4-BE49-F238E27FC236}">
-                <a16:creationId xmlns:a16="http://schemas.microsoft.com/office/drawing/2014/main" id="{C6417104-D4C1-4710-9982-2154A7F48492}"/>
-              </a:ext>
-            </a:extLst>
-          </p:cNvPr>
-          <p:cNvSpPr>
-            <a:spLocks noGrp="1" noRot="1" noChangeAspect="1" noMove="1" noResize="1" noEditPoints="1" noAdjustHandles="1" noChangeArrowheads="1" noChangeShapeType="1" noTextEdit="1"/>
-          </p:cNvSpPr>
-          <p:nvPr>
-            <p:extLst>
-              <p:ext uri="{386F3935-93C4-4BCD-93E2-E3B085C9AB24}">
-                <p16:designElem xmlns:p16="http://schemas.microsoft.com/office/powerpoint/2015/main" val="1"/>
-              </p:ext>
-            </p:extLst>
-          </p:nvPr>
-        </p:nvSpPr>
-        <p:spPr>
-          <a:xfrm>
-            <a:off x="0" y="0"/>
-            <a:ext cx="12192001" cy="6334316"/>
-          </a:xfrm>
-          <a:prstGeom prst="rect">
-            <a:avLst/>
-          </a:prstGeom>
-          <a:ln>
-            <a:noFill/>
-          </a:ln>
-        </p:spPr>
-        <p:style>
-          <a:lnRef idx="2">
-            <a:schemeClr val="accent1">
-              <a:shade val="50000"/>
-            </a:schemeClr>
-          </a:lnRef>
-          <a:fillRef idx="1">
-            <a:schemeClr val="accent1"/>
-          </a:fillRef>
-          <a:effectRef idx="0">
-            <a:schemeClr val="accent1"/>
-          </a:effectRef>
-          <a:fontRef idx="minor">
-            <a:schemeClr val="lt1"/>
-          </a:fontRef>
-        </p:style>
-        <p:txBody>
-          <a:bodyPr rtlCol="0" anchor="ctr"/>
-          <a:lstStyle/>
-          <a:p>
-            <a:pPr algn="ctr"/>
-            <a:endParaRPr lang="en-US"/>
-          </a:p>
-        </p:txBody>
-      </p:sp>
-      <p:sp>
-        <p:nvSpPr>
-          <p:cNvPr id="74" name="Rectangle 73">
-            <a:extLst>
-              <a:ext uri="{FF2B5EF4-FFF2-40B4-BE49-F238E27FC236}">
-                <a16:creationId xmlns:a16="http://schemas.microsoft.com/office/drawing/2014/main" id="{07BDDC51-8BB2-42BE-8EA8-39B3E9AC1EF6}"/>
-              </a:ext>
-            </a:extLst>
-          </p:cNvPr>
-          <p:cNvSpPr>
-            <a:spLocks noGrp="1" noRot="1" noChangeAspect="1" noMove="1" noResize="1" noEditPoints="1" noAdjustHandles="1" noChangeArrowheads="1" noChangeShapeType="1" noTextEdit="1"/>
-          </p:cNvSpPr>
-          <p:nvPr>
-            <p:extLst>
-              <p:ext uri="{386F3935-93C4-4BCD-93E2-E3B085C9AB24}">
-                <p16:designElem xmlns:p16="http://schemas.microsoft.com/office/powerpoint/2015/main" val="1"/>
-              </p:ext>
-            </p:extLst>
-          </p:nvPr>
-        </p:nvSpPr>
-        <p:spPr>
-          <a:xfrm>
-            <a:off x="1" y="6400800"/>
-            <a:ext cx="12192000" cy="457200"/>
-          </a:xfrm>
-          <a:prstGeom prst="rect">
-            <a:avLst/>
-          </a:prstGeom>
-          <a:solidFill>
-            <a:schemeClr val="accent2"/>
-          </a:solidFill>
-          <a:ln>
-            <a:noFill/>
-          </a:ln>
-        </p:spPr>
-        <p:style>
-          <a:lnRef idx="2">
-            <a:schemeClr val="accent1">
-              <a:shade val="50000"/>
-            </a:schemeClr>
-          </a:lnRef>
-          <a:fillRef idx="1">
-            <a:schemeClr val="accent1"/>
-          </a:fillRef>
-          <a:effectRef idx="0">
-            <a:schemeClr val="accent1"/>
-          </a:effectRef>
-          <a:fontRef idx="minor">
-            <a:schemeClr val="lt1"/>
-          </a:fontRef>
-        </p:style>
-      </p:sp>
-      <p:sp>
-        <p:nvSpPr>
-          <p:cNvPr id="76" name="Rectangle 75">
-            <a:extLst>
-              <a:ext uri="{FF2B5EF4-FFF2-40B4-BE49-F238E27FC236}">
-                <a16:creationId xmlns:a16="http://schemas.microsoft.com/office/drawing/2014/main" id="{DA52A394-10F4-4AA5-90E4-634D1E919DBA}"/>
-              </a:ext>
-            </a:extLst>
-          </p:cNvPr>
-          <p:cNvSpPr>
-            <a:spLocks noGrp="1" noRot="1" noChangeAspect="1" noMove="1" noResize="1" noEditPoints="1" noAdjustHandles="1" noChangeArrowheads="1" noChangeShapeType="1" noTextEdit="1"/>
-          </p:cNvSpPr>
-          <p:nvPr>
-            <p:extLst>
-              <p:ext uri="{386F3935-93C4-4BCD-93E2-E3B085C9AB24}">
-                <p16:designElem xmlns:p16="http://schemas.microsoft.com/office/powerpoint/2015/main" val="1"/>
-              </p:ext>
-            </p:extLst>
-          </p:nvPr>
-        </p:nvSpPr>
-        <p:spPr>
-          <a:xfrm>
-            <a:off x="15" y="6334316"/>
-            <a:ext cx="12191985" cy="66484"/>
-          </a:xfrm>
-          <a:prstGeom prst="rect">
-            <a:avLst/>
-          </a:prstGeom>
-          <a:solidFill>
-            <a:schemeClr val="accent1"/>
-          </a:solidFill>
-          <a:ln>
-            <a:noFill/>
-          </a:ln>
-        </p:spPr>
-        <p:style>
-          <a:lnRef idx="2">
-            <a:schemeClr val="accent1">
-              <a:shade val="50000"/>
-            </a:schemeClr>
-          </a:lnRef>
-          <a:fillRef idx="1">
-            <a:schemeClr val="accent1"/>
-          </a:fillRef>
-          <a:effectRef idx="0">
-            <a:schemeClr val="accent1"/>
-          </a:effectRef>
-          <a:fontRef idx="minor">
-            <a:schemeClr val="lt1"/>
-          </a:fontRef>
-        </p:style>
-      </p:sp>
-      <p:cxnSp>
-        <p:nvCxnSpPr>
-          <p:cNvPr id="78" name="Straight Connector 77">
-            <a:extLst>
-              <a:ext uri="{FF2B5EF4-FFF2-40B4-BE49-F238E27FC236}">
-                <a16:creationId xmlns:a16="http://schemas.microsoft.com/office/drawing/2014/main" id="{04733B62-1719-4677-A612-CA0AC0AD7482}"/>
-              </a:ext>
-            </a:extLst>
-          </p:cNvPr>
-          <p:cNvCxnSpPr>
-            <a:cxnSpLocks noGrp="1" noRot="1" noChangeAspect="1" noMove="1" noResize="1" noEditPoints="1" noAdjustHandles="1" noChangeArrowheads="1" noChangeShapeType="1"/>
-          </p:cNvCxnSpPr>
-          <p:nvPr>
-            <p:extLst>
-              <p:ext uri="{386F3935-93C4-4BCD-93E2-E3B085C9AB24}">
-                <p16:designElem xmlns:p16="http://schemas.microsoft.com/office/powerpoint/2015/main" val="1"/>
-              </p:ext>
-            </p:extLst>
-          </p:nvPr>
-        </p:nvCxnSpPr>
-        <p:spPr>
-          <a:xfrm>
-            <a:off x="721086" y="5618770"/>
-            <a:ext cx="10515600" cy="0"/>
-          </a:xfrm>
-          <a:prstGeom prst="line">
-            <a:avLst/>
-          </a:prstGeom>
-          <a:ln w="6350">
-            <a:solidFill>
-              <a:schemeClr val="tx2">
-                <a:alpha val="90000"/>
-              </a:schemeClr>
-            </a:solidFill>
-          </a:ln>
-        </p:spPr>
-        <p:style>
-          <a:lnRef idx="1">
-            <a:schemeClr val="accent1"/>
-          </a:lnRef>
-          <a:fillRef idx="0">
-            <a:schemeClr val="accent1"/>
-          </a:fillRef>
-          <a:effectRef idx="0">
-            <a:schemeClr val="accent1"/>
-          </a:effectRef>
-          <a:fontRef idx="minor">
-            <a:schemeClr val="tx1"/>
-          </a:fontRef>
-        </p:style>
-      </p:cxnSp>
-      <p:pic>
-        <p:nvPicPr>
-          <p:cNvPr id="46" name="ตัวแทนเนื้อหา 4" descr="รูปภาพประกอบด้วย ภาพหน้าจอ&#10;&#10;คำอธิบายที่สร้างขึ้นโดยมีความน่าเชื่อถือสูงมาก">
-            <a:extLst>
-              <a:ext uri="{FF2B5EF4-FFF2-40B4-BE49-F238E27FC236}">
-                <a16:creationId xmlns:a16="http://schemas.microsoft.com/office/drawing/2014/main" id="{37455979-B492-4564-912E-C3793A56D2F5}"/>
-              </a:ext>
-            </a:extLst>
-          </p:cNvPr>
-          <p:cNvPicPr>
-            <a:picLocks noChangeAspect="1"/>
-          </p:cNvPicPr>
-          <p:nvPr/>
-        </p:nvPicPr>
-        <p:blipFill rotWithShape="1">
-          <a:blip r:embed="rId2"/>
-          <a:srcRect/>
-          <a:stretch/>
-        </p:blipFill>
-        <p:spPr>
-          <a:xfrm>
-            <a:off x="2860357" y="640080"/>
-            <a:ext cx="2906752" cy="3602736"/>
-          </a:xfrm>
-          <a:prstGeom prst="rect">
-            <a:avLst/>
-          </a:prstGeom>
-        </p:spPr>
-      </p:pic>
-      <p:pic>
-        <p:nvPicPr>
-          <p:cNvPr id="4" name="รูปภาพ 3" descr="รูปภาพประกอบด้วย ภาพหน้าจอ&#10;&#10;คำอธิบายที่สร้างขึ้นโดยมีความน่าเชื่อถือสูงมาก">
-            <a:extLst>
-              <a:ext uri="{FF2B5EF4-FFF2-40B4-BE49-F238E27FC236}">
-                <a16:creationId xmlns:a16="http://schemas.microsoft.com/office/drawing/2014/main" id="{0E99634B-4CD7-4E15-81E7-1A1E314B6666}"/>
-              </a:ext>
-            </a:extLst>
-          </p:cNvPr>
-          <p:cNvPicPr>
-            <a:picLocks noChangeAspect="1"/>
-          </p:cNvPicPr>
-          <p:nvPr/>
-        </p:nvPicPr>
-        <p:blipFill rotWithShape="1">
-          <a:blip r:embed="rId3"/>
-          <a:srcRect/>
-          <a:stretch/>
-        </p:blipFill>
-        <p:spPr>
-          <a:xfrm>
-            <a:off x="6424891" y="640080"/>
-            <a:ext cx="2906752" cy="3602736"/>
-          </a:xfrm>
-          <a:prstGeom prst="rect">
-            <a:avLst/>
-          </a:prstGeom>
-        </p:spPr>
-      </p:pic>
-      <p:sp>
-        <p:nvSpPr>
-          <p:cNvPr id="80" name="Rectangle 79">
-            <a:extLst>
-              <a:ext uri="{FF2B5EF4-FFF2-40B4-BE49-F238E27FC236}">
-                <a16:creationId xmlns:a16="http://schemas.microsoft.com/office/drawing/2014/main" id="{626F1402-2DEC-4071-84AF-350C7BF00D43}"/>
-              </a:ext>
-            </a:extLst>
-          </p:cNvPr>
-          <p:cNvSpPr>
-            <a:spLocks noGrp="1" noRot="1" noChangeAspect="1" noMove="1" noResize="1" noEditPoints="1" noAdjustHandles="1" noChangeArrowheads="1" noChangeShapeType="1" noTextEdit="1"/>
-          </p:cNvSpPr>
-          <p:nvPr>
-            <p:extLst>
-              <p:ext uri="{386F3935-93C4-4BCD-93E2-E3B085C9AB24}">
-                <p16:designElem xmlns:p16="http://schemas.microsoft.com/office/powerpoint/2015/main" val="1"/>
-              </p:ext>
-            </p:extLst>
-          </p:nvPr>
-        </p:nvSpPr>
-        <p:spPr>
-          <a:xfrm>
-            <a:off x="6063996" y="886968"/>
-            <a:ext cx="64008" cy="3108960"/>
-          </a:xfrm>
-          <a:prstGeom prst="rect">
-            <a:avLst/>
-          </a:prstGeom>
-          <a:ln>
-            <a:noFill/>
-          </a:ln>
-        </p:spPr>
-        <p:style>
-          <a:lnRef idx="2">
-            <a:schemeClr val="accent1">
-              <a:shade val="50000"/>
-            </a:schemeClr>
-          </a:lnRef>
-          <a:fillRef idx="1">
-            <a:schemeClr val="accent1"/>
-          </a:fillRef>
-          <a:effectRef idx="0">
-            <a:schemeClr val="accent1"/>
-          </a:effectRef>
-          <a:fontRef idx="minor">
-            <a:schemeClr val="lt1"/>
-          </a:fontRef>
-        </p:style>
-        <p:txBody>
-          <a:bodyPr rtlCol="0" anchor="ctr"/>
-          <a:lstStyle/>
-          <a:p>
-            <a:pPr algn="ctr"/>
-            <a:endParaRPr lang="en-US"/>
-          </a:p>
-        </p:txBody>
-      </p:sp>
-      <p:sp>
-        <p:nvSpPr>
-          <p:cNvPr id="2" name="ชื่อเรื่อง 1">
-            <a:extLst>
-              <a:ext uri="{FF2B5EF4-FFF2-40B4-BE49-F238E27FC236}">
-                <a16:creationId xmlns:a16="http://schemas.microsoft.com/office/drawing/2014/main" id="{2864EBC6-4C7A-48E3-B9B1-343C523B8DD3}"/>
-              </a:ext>
-            </a:extLst>
-          </p:cNvPr>
-          <p:cNvSpPr>
-            <a:spLocks noGrp="1"/>
-          </p:cNvSpPr>
-          <p:nvPr>
-            <p:ph type="title"/>
-          </p:nvPr>
-        </p:nvSpPr>
-        <p:spPr>
-          <a:xfrm>
-            <a:off x="633999" y="4550229"/>
-            <a:ext cx="10909073" cy="1057655"/>
-          </a:xfrm>
-        </p:spPr>
-        <p:txBody>
-          <a:bodyPr vert="horz" lIns="91440" tIns="45720" rIns="91440" bIns="45720" rtlCol="0" anchor="b">
-            <a:normAutofit/>
-          </a:bodyPr>
-          <a:lstStyle/>
-          <a:p>
-            <a:r>
-              <a:rPr lang="en-US" sz="6000">
-                <a:solidFill>
-                  <a:schemeClr val="tx1">
-                    <a:lumMod val="85000"/>
-                    <a:lumOff val="15000"/>
-                  </a:schemeClr>
-                </a:solidFill>
-              </a:rPr>
-              <a:t>สามารถกด แบ่งเวลา ได้</a:t>
-            </a:r>
-          </a:p>
-        </p:txBody>
-      </p:sp>
-      <p:sp>
-        <p:nvSpPr>
-          <p:cNvPr id="48" name="Content Placeholder 47"/>
-          <p:cNvSpPr>
-            <a:spLocks noGrp="1"/>
-          </p:cNvSpPr>
-          <p:nvPr>
-            <p:ph idx="1"/>
-          </p:nvPr>
-        </p:nvSpPr>
-        <p:spPr>
-          <a:xfrm>
-            <a:off x="633999" y="5727515"/>
-            <a:ext cx="10925101" cy="515477"/>
-          </a:xfrm>
-        </p:spPr>
-        <p:txBody>
-          <a:bodyPr vert="horz" lIns="91440" tIns="45720" rIns="91440" bIns="45720" rtlCol="0">
-            <a:normAutofit/>
-          </a:bodyPr>
-          <a:lstStyle/>
-          <a:p>
-            <a:pPr marL="0" indent="0">
-              <a:buNone/>
-            </a:pPr>
-            <a:r>
-              <a:rPr lang="en-US" cap="all" spc="200">
-                <a:solidFill>
-                  <a:schemeClr val="tx1">
-                    <a:lumMod val="85000"/>
-                    <a:lumOff val="15000"/>
-                  </a:schemeClr>
-                </a:solidFill>
-                <a:latin typeface="+mj-lt"/>
-              </a:rPr>
-              <a:t>และสามารถกด หยุดชั่วคราว ได้</a:t>
-            </a:r>
-          </a:p>
-        </p:txBody>
-      </p:sp>
-    </p:spTree>
-    <p:extLst>
-      <p:ext uri="{BB962C8B-B14F-4D97-AF65-F5344CB8AC3E}">
-        <p14:creationId xmlns:p14="http://schemas.microsoft.com/office/powerpoint/2010/main" val="1831916538"/>
-      </p:ext>
-    </p:extLst>
-  </p:cSld>
-  <p:clrMapOvr>
-    <a:masterClrMapping/>
-  </p:clrMapOvr>
-</p:sld>
-</file>
-
-<file path=ppt/slides/slide19.xml><?xml version="1.0" encoding="utf-8"?>
-<p:sld xmlns:a="http://schemas.openxmlformats.org/drawingml/2006/main" xmlns:r="http://schemas.openxmlformats.org/officeDocument/2006/relationships" xmlns:p="http://schemas.openxmlformats.org/presentationml/2006/main">
-  <p:cSld>
-    <p:bg>
-      <p:bgPr>
-        <a:solidFill>
-          <a:schemeClr val="bg1"/>
-        </a:solidFill>
-        <a:effectLst/>
-      </p:bgPr>
-    </p:bg>
-    <p:spTree>
-      <p:nvGrpSpPr>
-        <p:cNvPr id="1" name=""/>
-        <p:cNvGrpSpPr/>
-        <p:nvPr/>
-      </p:nvGrpSpPr>
-      <p:grpSpPr>
-        <a:xfrm>
-          <a:off x="0" y="0"/>
-          <a:ext cx="0" cy="0"/>
-          <a:chOff x="0" y="0"/>
-          <a:chExt cx="0" cy="0"/>
-        </a:xfrm>
-      </p:grpSpPr>
-      <p:sp useBgFill="1">
-        <p:nvSpPr>
-          <p:cNvPr id="47" name="Rectangle 46">
-            <a:extLst>
-              <a:ext uri="{FF2B5EF4-FFF2-40B4-BE49-F238E27FC236}">
-                <a16:creationId xmlns:a16="http://schemas.microsoft.com/office/drawing/2014/main" id="{52ABB703-2B0E-4C3B-B4A2-F3973548E561}"/>
-              </a:ext>
-            </a:extLst>
-          </p:cNvPr>
-          <p:cNvSpPr>
-            <a:spLocks noGrp="1" noRot="1" noChangeAspect="1" noMove="1" noResize="1" noEditPoints="1" noAdjustHandles="1" noChangeArrowheads="1" noChangeShapeType="1" noTextEdit="1"/>
-          </p:cNvSpPr>
-          <p:nvPr>
-            <p:extLst>
-              <p:ext uri="{386F3935-93C4-4BCD-93E2-E3B085C9AB24}">
-                <p16:designElem xmlns:p16="http://schemas.microsoft.com/office/powerpoint/2015/main" val="1"/>
-              </p:ext>
-            </p:extLst>
-          </p:nvPr>
-        </p:nvSpPr>
-        <p:spPr>
-          <a:xfrm>
-            <a:off x="0" y="0"/>
-            <a:ext cx="12192001" cy="6334316"/>
-          </a:xfrm>
-          <a:prstGeom prst="rect">
-            <a:avLst/>
-          </a:prstGeom>
-          <a:ln>
-            <a:noFill/>
-          </a:ln>
-        </p:spPr>
-        <p:style>
-          <a:lnRef idx="2">
-            <a:schemeClr val="accent1">
-              <a:shade val="50000"/>
-            </a:schemeClr>
-          </a:lnRef>
-          <a:fillRef idx="1">
-            <a:schemeClr val="accent1"/>
-          </a:fillRef>
-          <a:effectRef idx="0">
-            <a:schemeClr val="accent1"/>
-          </a:effectRef>
-          <a:fontRef idx="minor">
-            <a:schemeClr val="lt1"/>
-          </a:fontRef>
-        </p:style>
-        <p:txBody>
-          <a:bodyPr rtlCol="0" anchor="ctr"/>
-          <a:lstStyle/>
-          <a:p>
-            <a:pPr algn="ctr"/>
-            <a:endParaRPr lang="en-US"/>
-          </a:p>
-        </p:txBody>
-      </p:sp>
-      <p:sp>
-        <p:nvSpPr>
-          <p:cNvPr id="49" name="Rectangle 48">
-            <a:extLst>
-              <a:ext uri="{FF2B5EF4-FFF2-40B4-BE49-F238E27FC236}">
-                <a16:creationId xmlns:a16="http://schemas.microsoft.com/office/drawing/2014/main" id="{82A73093-4B9D-420D-B17E-52293703A1D4}"/>
-              </a:ext>
-            </a:extLst>
-          </p:cNvPr>
-          <p:cNvSpPr>
-            <a:spLocks noGrp="1" noRot="1" noChangeAspect="1" noMove="1" noResize="1" noEditPoints="1" noAdjustHandles="1" noChangeArrowheads="1" noChangeShapeType="1" noTextEdit="1"/>
-          </p:cNvSpPr>
-          <p:nvPr>
-            <p:extLst>
-              <p:ext uri="{386F3935-93C4-4BCD-93E2-E3B085C9AB24}">
-                <p16:designElem xmlns:p16="http://schemas.microsoft.com/office/powerpoint/2015/main" val="1"/>
-              </p:ext>
-            </p:extLst>
-          </p:nvPr>
-        </p:nvSpPr>
-        <p:spPr>
-          <a:xfrm>
-            <a:off x="1" y="6400800"/>
-            <a:ext cx="12192000" cy="457200"/>
-          </a:xfrm>
-          <a:prstGeom prst="rect">
-            <a:avLst/>
-          </a:prstGeom>
-          <a:solidFill>
-            <a:schemeClr val="accent2"/>
-          </a:solidFill>
-          <a:ln>
-            <a:noFill/>
-          </a:ln>
-        </p:spPr>
-        <p:style>
-          <a:lnRef idx="2">
-            <a:schemeClr val="accent1">
-              <a:shade val="50000"/>
-            </a:schemeClr>
-          </a:lnRef>
-          <a:fillRef idx="1">
-            <a:schemeClr val="accent1"/>
-          </a:fillRef>
-          <a:effectRef idx="0">
-            <a:schemeClr val="accent1"/>
-          </a:effectRef>
-          <a:fontRef idx="minor">
-            <a:schemeClr val="lt1"/>
-          </a:fontRef>
-        </p:style>
-      </p:sp>
-      <p:sp>
-        <p:nvSpPr>
-          <p:cNvPr id="51" name="Rectangle 50">
-            <a:extLst>
-              <a:ext uri="{FF2B5EF4-FFF2-40B4-BE49-F238E27FC236}">
-                <a16:creationId xmlns:a16="http://schemas.microsoft.com/office/drawing/2014/main" id="{E95DA498-D9A2-4DA9-B9DA-B3776E08CF7E}"/>
-              </a:ext>
-            </a:extLst>
-          </p:cNvPr>
-          <p:cNvSpPr>
-            <a:spLocks noGrp="1" noRot="1" noChangeAspect="1" noMove="1" noResize="1" noEditPoints="1" noAdjustHandles="1" noChangeArrowheads="1" noChangeShapeType="1" noTextEdit="1"/>
-          </p:cNvSpPr>
-          <p:nvPr>
-            <p:extLst>
-              <p:ext uri="{386F3935-93C4-4BCD-93E2-E3B085C9AB24}">
-                <p16:designElem xmlns:p16="http://schemas.microsoft.com/office/powerpoint/2015/main" val="1"/>
-              </p:ext>
-            </p:extLst>
-          </p:nvPr>
-        </p:nvSpPr>
-        <p:spPr>
-          <a:xfrm>
-            <a:off x="15" y="6334316"/>
-            <a:ext cx="12191985" cy="66484"/>
-          </a:xfrm>
-          <a:prstGeom prst="rect">
-            <a:avLst/>
-          </a:prstGeom>
-          <a:solidFill>
-            <a:schemeClr val="accent1"/>
-          </a:solidFill>
-          <a:ln>
-            <a:noFill/>
-          </a:ln>
-        </p:spPr>
-        <p:style>
-          <a:lnRef idx="2">
-            <a:schemeClr val="accent1">
-              <a:shade val="50000"/>
-            </a:schemeClr>
-          </a:lnRef>
-          <a:fillRef idx="1">
-            <a:schemeClr val="accent1"/>
-          </a:fillRef>
-          <a:effectRef idx="0">
-            <a:schemeClr val="accent1"/>
-          </a:effectRef>
-          <a:fontRef idx="minor">
-            <a:schemeClr val="lt1"/>
-          </a:fontRef>
-        </p:style>
-      </p:sp>
-      <p:cxnSp>
-        <p:nvCxnSpPr>
-          <p:cNvPr id="53" name="Straight Connector 52">
-            <a:extLst>
-              <a:ext uri="{FF2B5EF4-FFF2-40B4-BE49-F238E27FC236}">
-                <a16:creationId xmlns:a16="http://schemas.microsoft.com/office/drawing/2014/main" id="{9C21570E-E159-49A6-9891-FA397B7A92D3}"/>
-              </a:ext>
-            </a:extLst>
-          </p:cNvPr>
-          <p:cNvCxnSpPr>
-            <a:cxnSpLocks noGrp="1" noRot="1" noChangeAspect="1" noMove="1" noResize="1" noEditPoints="1" noAdjustHandles="1" noChangeArrowheads="1" noChangeShapeType="1"/>
-          </p:cNvCxnSpPr>
-          <p:nvPr>
-            <p:extLst>
-              <p:ext uri="{386F3935-93C4-4BCD-93E2-E3B085C9AB24}">
-                <p16:designElem xmlns:p16="http://schemas.microsoft.com/office/powerpoint/2015/main" val="1"/>
-              </p:ext>
-            </p:extLst>
-          </p:nvPr>
-        </p:nvCxnSpPr>
-        <p:spPr>
-          <a:xfrm>
-            <a:off x="6411684" y="2086188"/>
-            <a:ext cx="4748808" cy="0"/>
-          </a:xfrm>
-          <a:prstGeom prst="line">
-            <a:avLst/>
-          </a:prstGeom>
-          <a:ln w="6350">
-            <a:solidFill>
-              <a:schemeClr val="tx1">
-                <a:lumMod val="50000"/>
-                <a:lumOff val="50000"/>
-                <a:alpha val="90000"/>
-              </a:schemeClr>
-            </a:solidFill>
-          </a:ln>
-        </p:spPr>
-        <p:style>
-          <a:lnRef idx="1">
-            <a:schemeClr val="accent1"/>
-          </a:lnRef>
-          <a:fillRef idx="0">
-            <a:schemeClr val="accent1"/>
-          </a:fillRef>
-          <a:effectRef idx="0">
-            <a:schemeClr val="accent1"/>
-          </a:effectRef>
-          <a:fontRef idx="minor">
-            <a:schemeClr val="tx1"/>
-          </a:fontRef>
-        </p:style>
-      </p:cxnSp>
-      <p:pic>
-        <p:nvPicPr>
-          <p:cNvPr id="42" name="รูปภาพ 3">
-            <a:extLst>
-              <a:ext uri="{FF2B5EF4-FFF2-40B4-BE49-F238E27FC236}">
-                <a16:creationId xmlns:a16="http://schemas.microsoft.com/office/drawing/2014/main" id="{50FE77DD-18EF-4954-AA3D-0A30E8EBE35F}"/>
-              </a:ext>
-            </a:extLst>
-          </p:cNvPr>
-          <p:cNvPicPr>
-            <a:picLocks noChangeAspect="1"/>
-          </p:cNvPicPr>
-          <p:nvPr/>
-        </p:nvPicPr>
-        <p:blipFill rotWithShape="1">
-          <a:blip r:embed="rId2"/>
-          <a:srcRect/>
-          <a:stretch/>
-        </p:blipFill>
-        <p:spPr>
-          <a:xfrm>
-            <a:off x="707648" y="645106"/>
-            <a:ext cx="5322714" cy="5247747"/>
-          </a:xfrm>
-          <a:prstGeom prst="rect">
-            <a:avLst/>
-          </a:prstGeom>
-        </p:spPr>
-      </p:pic>
-      <p:sp>
-        <p:nvSpPr>
-          <p:cNvPr id="2" name="ชื่อเรื่อง 1">
-            <a:extLst>
-              <a:ext uri="{FF2B5EF4-FFF2-40B4-BE49-F238E27FC236}">
-                <a16:creationId xmlns:a16="http://schemas.microsoft.com/office/drawing/2014/main" id="{4D5194CE-DBF6-4D22-8AC2-C0038D722D37}"/>
-              </a:ext>
-            </a:extLst>
-          </p:cNvPr>
-          <p:cNvSpPr>
-            <a:spLocks noGrp="1"/>
-          </p:cNvSpPr>
-          <p:nvPr>
-            <p:ph type="title"/>
-          </p:nvPr>
-        </p:nvSpPr>
-        <p:spPr>
-          <a:xfrm>
-            <a:off x="6411685" y="634946"/>
-            <a:ext cx="5127171" cy="1450757"/>
-          </a:xfrm>
-        </p:spPr>
-        <p:txBody>
-          <a:bodyPr vert="horz" lIns="91440" tIns="45720" rIns="91440" bIns="45720" rtlCol="0">
-            <a:normAutofit/>
-          </a:bodyPr>
-          <a:lstStyle/>
-          <a:p>
-            <a:r>
-              <a:rPr lang="th-TH" dirty="0"/>
-              <a:t>นาฬิกานับถอยหลัง</a:t>
-            </a:r>
-            <a:endParaRPr lang="en-US" dirty="0"/>
-          </a:p>
-        </p:txBody>
-      </p:sp>
-      <p:sp>
-        <p:nvSpPr>
-          <p:cNvPr id="44" name="Content Placeholder 43"/>
-          <p:cNvSpPr>
-            <a:spLocks noGrp="1"/>
-          </p:cNvSpPr>
-          <p:nvPr>
-            <p:ph idx="1"/>
-          </p:nvPr>
-        </p:nvSpPr>
-        <p:spPr>
-          <a:xfrm>
-            <a:off x="6411684" y="2198914"/>
-            <a:ext cx="5127172" cy="3670180"/>
-          </a:xfrm>
-        </p:spPr>
-        <p:txBody>
-          <a:bodyPr>
-            <a:normAutofit/>
-          </a:bodyPr>
-          <a:lstStyle/>
-          <a:p>
-            <a:pPr>
-              <a:buFont typeface="Wingdings" panose="05000000000000000000" pitchFamily="2" charset="2"/>
-              <a:buChar char="Ø"/>
-            </a:pPr>
-            <a:r>
-              <a:rPr lang="th-TH" sz="2400" dirty="0"/>
-              <a:t>สามารถนับถอยหลังเวลาได้</a:t>
-            </a:r>
-          </a:p>
-          <a:p>
-            <a:pPr>
-              <a:buFont typeface="Wingdings" panose="05000000000000000000" pitchFamily="2" charset="2"/>
-              <a:buChar char="Ø"/>
-            </a:pPr>
-            <a:r>
-              <a:rPr lang="th-TH" sz="2400" dirty="0"/>
-              <a:t>สามารถตั้งค่าเวลาใหม่ได้</a:t>
-            </a:r>
-            <a:endParaRPr lang="en-US" sz="2400" dirty="0"/>
-          </a:p>
-        </p:txBody>
-      </p:sp>
-    </p:spTree>
-    <p:extLst>
-      <p:ext uri="{BB962C8B-B14F-4D97-AF65-F5344CB8AC3E}">
-        <p14:creationId xmlns:p14="http://schemas.microsoft.com/office/powerpoint/2010/main" val="1779142706"/>
-      </p:ext>
-    </p:extLst>
-  </p:cSld>
-  <p:clrMapOvr>
-    <a:masterClrMapping/>
-  </p:clrMapOvr>
-</p:sld>
-</file>
-
 <file path=ppt/slides/slide2.xml><?xml version="1.0" encoding="utf-8"?>
 <p:sld xmlns:a="http://schemas.openxmlformats.org/drawingml/2006/main" xmlns:r="http://schemas.openxmlformats.org/officeDocument/2006/relationships" xmlns:p="http://schemas.openxmlformats.org/presentationml/2006/main">
   <p:cSld>
@@ -8965,12 +8808,168 @@
           <a:chExt cx="0" cy="0"/>
         </a:xfrm>
       </p:grpSpPr>
+      <p:sp>
+        <p:nvSpPr>
+          <p:cNvPr id="66" name="Rectangle 65">
+            <a:extLst>
+              <a:ext uri="{FF2B5EF4-FFF2-40B4-BE49-F238E27FC236}">
+                <a16:creationId xmlns:a16="http://schemas.microsoft.com/office/drawing/2014/main" id="{BB2B8762-61F0-4F1B-9364-D633EE9D6AF5}"/>
+              </a:ext>
+            </a:extLst>
+          </p:cNvPr>
+          <p:cNvSpPr>
+            <a:spLocks noGrp="1" noRot="1" noChangeAspect="1" noMove="1" noResize="1" noEditPoints="1" noAdjustHandles="1" noChangeArrowheads="1" noChangeShapeType="1" noTextEdit="1"/>
+          </p:cNvSpPr>
+          <p:nvPr>
+            <p:extLst>
+              <p:ext uri="{386F3935-93C4-4BCD-93E2-E3B085C9AB24}">
+                <p16:designElem xmlns:p16="http://schemas.microsoft.com/office/powerpoint/2015/main" val="1"/>
+              </p:ext>
+            </p:extLst>
+          </p:nvPr>
+        </p:nvSpPr>
+        <p:spPr>
+          <a:xfrm>
+            <a:off x="3175" y="6400800"/>
+            <a:ext cx="12188825" cy="457200"/>
+          </a:xfrm>
+          <a:prstGeom prst="rect">
+            <a:avLst/>
+          </a:prstGeom>
+          <a:solidFill>
+            <a:schemeClr val="accent2"/>
+          </a:solidFill>
+          <a:ln>
+            <a:noFill/>
+          </a:ln>
+        </p:spPr>
+        <p:style>
+          <a:lnRef idx="2">
+            <a:schemeClr val="accent1">
+              <a:shade val="50000"/>
+            </a:schemeClr>
+          </a:lnRef>
+          <a:fillRef idx="1">
+            <a:schemeClr val="accent1"/>
+          </a:fillRef>
+          <a:effectRef idx="0">
+            <a:schemeClr val="accent1"/>
+          </a:effectRef>
+          <a:fontRef idx="minor">
+            <a:schemeClr val="lt1"/>
+          </a:fontRef>
+        </p:style>
+      </p:sp>
+      <p:sp>
+        <p:nvSpPr>
+          <p:cNvPr id="68" name="Rectangle 67">
+            <a:extLst>
+              <a:ext uri="{FF2B5EF4-FFF2-40B4-BE49-F238E27FC236}">
+                <a16:creationId xmlns:a16="http://schemas.microsoft.com/office/drawing/2014/main" id="{E97675C8-1328-460C-9EBF-6B446B67EAD3}"/>
+              </a:ext>
+            </a:extLst>
+          </p:cNvPr>
+          <p:cNvSpPr>
+            <a:spLocks noGrp="1" noRot="1" noChangeAspect="1" noMove="1" noResize="1" noEditPoints="1" noAdjustHandles="1" noChangeArrowheads="1" noChangeShapeType="1" noTextEdit="1"/>
+          </p:cNvSpPr>
+          <p:nvPr>
+            <p:extLst>
+              <p:ext uri="{386F3935-93C4-4BCD-93E2-E3B085C9AB24}">
+                <p16:designElem xmlns:p16="http://schemas.microsoft.com/office/powerpoint/2015/main" val="1"/>
+              </p:ext>
+            </p:extLst>
+          </p:nvPr>
+        </p:nvSpPr>
+        <p:spPr>
+          <a:xfrm>
+            <a:off x="15" y="6334316"/>
+            <a:ext cx="12188825" cy="64008"/>
+          </a:xfrm>
+          <a:prstGeom prst="rect">
+            <a:avLst/>
+          </a:prstGeom>
+          <a:solidFill>
+            <a:schemeClr val="accent1"/>
+          </a:solidFill>
+          <a:ln>
+            <a:noFill/>
+          </a:ln>
+        </p:spPr>
+        <p:style>
+          <a:lnRef idx="2">
+            <a:schemeClr val="accent1">
+              <a:shade val="50000"/>
+            </a:schemeClr>
+          </a:lnRef>
+          <a:fillRef idx="1">
+            <a:schemeClr val="accent1"/>
+          </a:fillRef>
+          <a:effectRef idx="0">
+            <a:schemeClr val="accent1"/>
+          </a:effectRef>
+          <a:fontRef idx="minor">
+            <a:schemeClr val="lt1"/>
+          </a:fontRef>
+        </p:style>
+      </p:sp>
+      <p:cxnSp>
+        <p:nvCxnSpPr>
+          <p:cNvPr id="70" name="Straight Connector 69">
+            <a:extLst>
+              <a:ext uri="{FF2B5EF4-FFF2-40B4-BE49-F238E27FC236}">
+                <a16:creationId xmlns:a16="http://schemas.microsoft.com/office/drawing/2014/main" id="{514EE78B-AF71-4195-A01B-F1165D9233BF}"/>
+              </a:ext>
+            </a:extLst>
+          </p:cNvPr>
+          <p:cNvCxnSpPr>
+            <a:cxnSpLocks noGrp="1" noRot="1" noChangeAspect="1" noMove="1" noResize="1" noEditPoints="1" noAdjustHandles="1" noChangeArrowheads="1" noChangeShapeType="1"/>
+          </p:cNvCxnSpPr>
+          <p:nvPr>
+            <p:extLst>
+              <p:ext uri="{386F3935-93C4-4BCD-93E2-E3B085C9AB24}">
+                <p16:designElem xmlns:p16="http://schemas.microsoft.com/office/powerpoint/2015/main" val="1"/>
+              </p:ext>
+            </p:extLst>
+          </p:nvPr>
+        </p:nvCxnSpPr>
+        <p:spPr>
+          <a:xfrm>
+            <a:off x="1207658" y="4343400"/>
+            <a:ext cx="9875520" cy="0"/>
+          </a:xfrm>
+          <a:prstGeom prst="line">
+            <a:avLst/>
+          </a:prstGeom>
+          <a:ln w="6350">
+            <a:solidFill>
+              <a:schemeClr val="tx1">
+                <a:lumMod val="50000"/>
+                <a:lumOff val="50000"/>
+              </a:schemeClr>
+            </a:solidFill>
+          </a:ln>
+        </p:spPr>
+        <p:style>
+          <a:lnRef idx="1">
+            <a:schemeClr val="accent1"/>
+          </a:lnRef>
+          <a:fillRef idx="0">
+            <a:schemeClr val="accent1"/>
+          </a:fillRef>
+          <a:effectRef idx="0">
+            <a:schemeClr val="accent1"/>
+          </a:effectRef>
+          <a:fontRef idx="minor">
+            <a:schemeClr val="tx1"/>
+          </a:fontRef>
+        </p:style>
+      </p:cxnSp>
       <p:sp useBgFill="1">
         <p:nvSpPr>
-          <p:cNvPr id="19" name="Rectangle 9">
-            <a:extLst>
-              <a:ext uri="{FF2B5EF4-FFF2-40B4-BE49-F238E27FC236}">
-                <a16:creationId xmlns:a16="http://schemas.microsoft.com/office/drawing/2014/main" id="{C3F32490-CF6A-459E-BBFE-90557857A1B4}"/>
+          <p:cNvPr id="72" name="Rectangle 71">
+            <a:extLst>
+              <a:ext uri="{FF2B5EF4-FFF2-40B4-BE49-F238E27FC236}">
+                <a16:creationId xmlns:a16="http://schemas.microsoft.com/office/drawing/2014/main" id="{C6417104-D4C1-4710-9982-2154A7F48492}"/>
               </a:ext>
             </a:extLst>
           </p:cNvPr>
@@ -9024,10 +9023,10 @@
       </p:sp>
       <p:sp>
         <p:nvSpPr>
-          <p:cNvPr id="21" name="Rectangle 11">
-            <a:extLst>
-              <a:ext uri="{FF2B5EF4-FFF2-40B4-BE49-F238E27FC236}">
-                <a16:creationId xmlns:a16="http://schemas.microsoft.com/office/drawing/2014/main" id="{055BE0DD-04F0-42E3-9EDE-2129B4A55CF4}"/>
+          <p:cNvPr id="74" name="Rectangle 73">
+            <a:extLst>
+              <a:ext uri="{FF2B5EF4-FFF2-40B4-BE49-F238E27FC236}">
+                <a16:creationId xmlns:a16="http://schemas.microsoft.com/office/drawing/2014/main" id="{07BDDC51-8BB2-42BE-8EA8-39B3E9AC1EF6}"/>
               </a:ext>
             </a:extLst>
           </p:cNvPr>
@@ -9076,10 +9075,10 @@
       </p:sp>
       <p:sp>
         <p:nvSpPr>
-          <p:cNvPr id="23" name="Rectangle 13">
-            <a:extLst>
-              <a:ext uri="{FF2B5EF4-FFF2-40B4-BE49-F238E27FC236}">
-                <a16:creationId xmlns:a16="http://schemas.microsoft.com/office/drawing/2014/main" id="{25621158-452E-4C14-8946-B331F0D1C38F}"/>
+          <p:cNvPr id="76" name="Rectangle 75">
+            <a:extLst>
+              <a:ext uri="{FF2B5EF4-FFF2-40B4-BE49-F238E27FC236}">
+                <a16:creationId xmlns:a16="http://schemas.microsoft.com/office/drawing/2014/main" id="{DA52A394-10F4-4AA5-90E4-634D1E919DBA}"/>
               </a:ext>
             </a:extLst>
           </p:cNvPr>
@@ -9128,10 +9127,10 @@
       </p:sp>
       <p:cxnSp>
         <p:nvCxnSpPr>
-          <p:cNvPr id="25" name="Straight Connector 15">
-            <a:extLst>
-              <a:ext uri="{FF2B5EF4-FFF2-40B4-BE49-F238E27FC236}">
-                <a16:creationId xmlns:a16="http://schemas.microsoft.com/office/drawing/2014/main" id="{373C1DFC-81C5-498E-9907-7AAE6F0416B1}"/>
+          <p:cNvPr id="78" name="Straight Connector 77">
+            <a:extLst>
+              <a:ext uri="{FF2B5EF4-FFF2-40B4-BE49-F238E27FC236}">
+                <a16:creationId xmlns:a16="http://schemas.microsoft.com/office/drawing/2014/main" id="{04733B62-1719-4677-A612-CA0AC0AD7482}"/>
               </a:ext>
             </a:extLst>
           </p:cNvPr>
@@ -9148,17 +9147,15 @@
         </p:nvCxnSpPr>
         <p:spPr>
           <a:xfrm>
-            <a:off x="7046569" y="2085703"/>
-            <a:ext cx="4114800" cy="0"/>
+            <a:off x="721086" y="5618770"/>
+            <a:ext cx="10515600" cy="0"/>
           </a:xfrm>
           <a:prstGeom prst="line">
             <a:avLst/>
           </a:prstGeom>
           <a:ln w="6350">
             <a:solidFill>
-              <a:schemeClr val="tx1">
-                <a:lumMod val="50000"/>
-                <a:lumOff val="50000"/>
+              <a:schemeClr val="tx2">
                 <a:alpha val="90000"/>
               </a:schemeClr>
             </a:solidFill>
@@ -9179,12 +9176,70 @@
           </a:fontRef>
         </p:style>
       </p:cxnSp>
-      <p:sp>
-        <p:nvSpPr>
-          <p:cNvPr id="18" name="Rectangle 17">
-            <a:extLst>
-              <a:ext uri="{FF2B5EF4-FFF2-40B4-BE49-F238E27FC236}">
-                <a16:creationId xmlns:a16="http://schemas.microsoft.com/office/drawing/2014/main" id="{3489CAE3-3AE0-4268-81CA-A98516EAD013}"/>
+      <p:pic>
+        <p:nvPicPr>
+          <p:cNvPr id="46" name="ตัวแทนเนื้อหา 4" descr="รูปภาพประกอบด้วย ภาพหน้าจอ&#10;&#10;คำอธิบายที่สร้างขึ้นโดยมีความน่าเชื่อถือสูงมาก">
+            <a:extLst>
+              <a:ext uri="{FF2B5EF4-FFF2-40B4-BE49-F238E27FC236}">
+                <a16:creationId xmlns:a16="http://schemas.microsoft.com/office/drawing/2014/main" id="{37455979-B492-4564-912E-C3793A56D2F5}"/>
+              </a:ext>
+            </a:extLst>
+          </p:cNvPr>
+          <p:cNvPicPr>
+            <a:picLocks noChangeAspect="1"/>
+          </p:cNvPicPr>
+          <p:nvPr/>
+        </p:nvPicPr>
+        <p:blipFill rotWithShape="1">
+          <a:blip r:embed="rId2"/>
+          <a:srcRect/>
+          <a:stretch/>
+        </p:blipFill>
+        <p:spPr>
+          <a:xfrm>
+            <a:off x="2860357" y="640080"/>
+            <a:ext cx="2906752" cy="3602736"/>
+          </a:xfrm>
+          <a:prstGeom prst="rect">
+            <a:avLst/>
+          </a:prstGeom>
+        </p:spPr>
+      </p:pic>
+      <p:pic>
+        <p:nvPicPr>
+          <p:cNvPr id="4" name="รูปภาพ 3" descr="รูปภาพประกอบด้วย ภาพหน้าจอ&#10;&#10;คำอธิบายที่สร้างขึ้นโดยมีความน่าเชื่อถือสูงมาก">
+            <a:extLst>
+              <a:ext uri="{FF2B5EF4-FFF2-40B4-BE49-F238E27FC236}">
+                <a16:creationId xmlns:a16="http://schemas.microsoft.com/office/drawing/2014/main" id="{0E99634B-4CD7-4E15-81E7-1A1E314B6666}"/>
+              </a:ext>
+            </a:extLst>
+          </p:cNvPr>
+          <p:cNvPicPr>
+            <a:picLocks noChangeAspect="1"/>
+          </p:cNvPicPr>
+          <p:nvPr/>
+        </p:nvPicPr>
+        <p:blipFill rotWithShape="1">
+          <a:blip r:embed="rId3"/>
+          <a:srcRect/>
+          <a:stretch/>
+        </p:blipFill>
+        <p:spPr>
+          <a:xfrm>
+            <a:off x="6424891" y="640080"/>
+            <a:ext cx="2906752" cy="3602736"/>
+          </a:xfrm>
+          <a:prstGeom prst="rect">
+            <a:avLst/>
+          </a:prstGeom>
+        </p:spPr>
+      </p:pic>
+      <p:sp>
+        <p:nvSpPr>
+          <p:cNvPr id="80" name="Rectangle 79">
+            <a:extLst>
+              <a:ext uri="{FF2B5EF4-FFF2-40B4-BE49-F238E27FC236}">
+                <a16:creationId xmlns:a16="http://schemas.microsoft.com/office/drawing/2014/main" id="{626F1402-2DEC-4071-84AF-350C7BF00D43}"/>
               </a:ext>
             </a:extLst>
           </p:cNvPr>
@@ -9201,15 +9256,12 @@
         </p:nvSpPr>
         <p:spPr>
           <a:xfrm>
-            <a:off x="0" y="0"/>
-            <a:ext cx="6479458" cy="6334316"/>
+            <a:off x="6063996" y="886968"/>
+            <a:ext cx="64008" cy="3108960"/>
           </a:xfrm>
           <a:prstGeom prst="rect">
             <a:avLst/>
           </a:prstGeom>
-          <a:solidFill>
-            <a:schemeClr val="bg2"/>
-          </a:solidFill>
           <a:ln>
             <a:noFill/>
           </a:ln>
@@ -9241,352 +9293,49 @@
       </p:sp>
       <p:sp>
         <p:nvSpPr>
-          <p:cNvPr id="20" name="Rectangle 19">
-            <a:extLst>
-              <a:ext uri="{FF2B5EF4-FFF2-40B4-BE49-F238E27FC236}">
-                <a16:creationId xmlns:a16="http://schemas.microsoft.com/office/drawing/2014/main" id="{FC2AD4A0-4FAA-4F52-A315-4224B27BE052}"/>
-              </a:ext>
-            </a:extLst>
-          </p:cNvPr>
-          <p:cNvSpPr>
-            <a:spLocks noGrp="1" noRot="1" noChangeAspect="1" noMove="1" noResize="1" noEditPoints="1" noAdjustHandles="1" noChangeArrowheads="1" noChangeShapeType="1" noTextEdit="1"/>
-          </p:cNvSpPr>
-          <p:nvPr>
-            <p:extLst>
-              <p:ext uri="{386F3935-93C4-4BCD-93E2-E3B085C9AB24}">
-                <p16:designElem xmlns:p16="http://schemas.microsoft.com/office/powerpoint/2015/main" val="1"/>
-              </p:ext>
-            </p:extLst>
-          </p:nvPr>
-        </p:nvSpPr>
-        <p:spPr>
-          <a:xfrm>
-            <a:off x="3512061" y="321733"/>
-            <a:ext cx="2583939" cy="1955250"/>
-          </a:xfrm>
-          <a:prstGeom prst="rect">
-            <a:avLst/>
-          </a:prstGeom>
-          <a:solidFill>
-            <a:schemeClr val="accent1"/>
-          </a:solidFill>
-          <a:ln>
-            <a:noFill/>
-          </a:ln>
-        </p:spPr>
-        <p:style>
-          <a:lnRef idx="2">
-            <a:schemeClr val="accent1">
-              <a:shade val="50000"/>
-            </a:schemeClr>
-          </a:lnRef>
-          <a:fillRef idx="1">
-            <a:schemeClr val="accent1"/>
-          </a:fillRef>
-          <a:effectRef idx="0">
-            <a:schemeClr val="accent1"/>
-          </a:effectRef>
-          <a:fontRef idx="minor">
-            <a:schemeClr val="lt1"/>
-          </a:fontRef>
-        </p:style>
+          <p:cNvPr id="2" name="ชื่อเรื่อง 1">
+            <a:extLst>
+              <a:ext uri="{FF2B5EF4-FFF2-40B4-BE49-F238E27FC236}">
+                <a16:creationId xmlns:a16="http://schemas.microsoft.com/office/drawing/2014/main" id="{2864EBC6-4C7A-48E3-B9B1-343C523B8DD3}"/>
+              </a:ext>
+            </a:extLst>
+          </p:cNvPr>
+          <p:cNvSpPr>
+            <a:spLocks noGrp="1"/>
+          </p:cNvSpPr>
+          <p:nvPr>
+            <p:ph type="title"/>
+          </p:nvPr>
+        </p:nvSpPr>
+        <p:spPr>
+          <a:xfrm>
+            <a:off x="633999" y="4550229"/>
+            <a:ext cx="10909073" cy="1057655"/>
+          </a:xfrm>
+        </p:spPr>
         <p:txBody>
-          <a:bodyPr rtlCol="0" anchor="ctr"/>
-          <a:lstStyle/>
-          <a:p>
-            <a:pPr algn="ctr"/>
-            <a:endParaRPr lang="en-US"/>
-          </a:p>
-        </p:txBody>
-      </p:sp>
-      <p:sp>
-        <p:nvSpPr>
-          <p:cNvPr id="22" name="Rectangle 21">
-            <a:extLst>
-              <a:ext uri="{FF2B5EF4-FFF2-40B4-BE49-F238E27FC236}">
-                <a16:creationId xmlns:a16="http://schemas.microsoft.com/office/drawing/2014/main" id="{8A4EEE51-0307-4CE8-813E-AE3BCEBA2442}"/>
-              </a:ext>
-            </a:extLst>
-          </p:cNvPr>
-          <p:cNvSpPr>
-            <a:spLocks noGrp="1" noRot="1" noChangeAspect="1" noMove="1" noResize="1" noEditPoints="1" noAdjustHandles="1" noChangeArrowheads="1" noChangeShapeType="1" noTextEdit="1"/>
-          </p:cNvSpPr>
-          <p:nvPr>
-            <p:extLst>
-              <p:ext uri="{386F3935-93C4-4BCD-93E2-E3B085C9AB24}">
-                <p16:designElem xmlns:p16="http://schemas.microsoft.com/office/powerpoint/2015/main" val="1"/>
-              </p:ext>
-            </p:extLst>
-          </p:nvPr>
-        </p:nvSpPr>
-        <p:spPr>
-          <a:xfrm>
-            <a:off x="321733" y="3879167"/>
-            <a:ext cx="3057906" cy="2135564"/>
-          </a:xfrm>
-          <a:prstGeom prst="rect">
-            <a:avLst/>
-          </a:prstGeom>
-          <a:solidFill>
-            <a:schemeClr val="bg2">
-              <a:lumMod val="75000"/>
-            </a:schemeClr>
-          </a:solidFill>
-          <a:ln>
-            <a:noFill/>
-          </a:ln>
-        </p:spPr>
-        <p:style>
-          <a:lnRef idx="2">
-            <a:schemeClr val="accent1">
-              <a:shade val="50000"/>
-            </a:schemeClr>
-          </a:lnRef>
-          <a:fillRef idx="1">
-            <a:schemeClr val="accent1"/>
-          </a:fillRef>
-          <a:effectRef idx="0">
-            <a:schemeClr val="accent1"/>
-          </a:effectRef>
-          <a:fontRef idx="minor">
-            <a:schemeClr val="lt1"/>
-          </a:fontRef>
-        </p:style>
-        <p:txBody>
-          <a:bodyPr rtlCol="0" anchor="ctr"/>
-          <a:lstStyle/>
-          <a:p>
-            <a:pPr algn="ctr"/>
-            <a:endParaRPr lang="en-US"/>
-          </a:p>
-        </p:txBody>
-      </p:sp>
-      <p:sp>
-        <p:nvSpPr>
-          <p:cNvPr id="24" name="Rectangle 23">
-            <a:extLst>
-              <a:ext uri="{FF2B5EF4-FFF2-40B4-BE49-F238E27FC236}">
-                <a16:creationId xmlns:a16="http://schemas.microsoft.com/office/drawing/2014/main" id="{852BC338-7802-42D3-85C9-B665508F4282}"/>
-              </a:ext>
-            </a:extLst>
-          </p:cNvPr>
-          <p:cNvSpPr>
-            <a:spLocks noGrp="1" noRot="1" noChangeAspect="1" noMove="1" noResize="1" noEditPoints="1" noAdjustHandles="1" noChangeArrowheads="1" noChangeShapeType="1" noTextEdit="1"/>
-          </p:cNvSpPr>
-          <p:nvPr>
-            <p:extLst>
-              <p:ext uri="{386F3935-93C4-4BCD-93E2-E3B085C9AB24}">
-                <p16:designElem xmlns:p16="http://schemas.microsoft.com/office/powerpoint/2015/main" val="1"/>
-              </p:ext>
-            </p:extLst>
-          </p:nvPr>
-        </p:nvSpPr>
-        <p:spPr>
-          <a:xfrm>
-            <a:off x="321733" y="321733"/>
-            <a:ext cx="3057906" cy="3408237"/>
-          </a:xfrm>
-          <a:prstGeom prst="rect">
-            <a:avLst/>
-          </a:prstGeom>
-          <a:solidFill>
-            <a:srgbClr val="FFFFFF"/>
-          </a:solidFill>
-          <a:ln w="63500">
-            <a:noFill/>
-            <a:miter lim="800000"/>
-          </a:ln>
-        </p:spPr>
-        <p:style>
-          <a:lnRef idx="2">
-            <a:schemeClr val="accent1">
-              <a:shade val="50000"/>
-            </a:schemeClr>
-          </a:lnRef>
-          <a:fillRef idx="1">
-            <a:schemeClr val="accent1"/>
-          </a:fillRef>
-          <a:effectRef idx="0">
-            <a:schemeClr val="accent1"/>
-          </a:effectRef>
-          <a:fontRef idx="minor">
-            <a:schemeClr val="lt1"/>
-          </a:fontRef>
-        </p:style>
-        <p:txBody>
-          <a:bodyPr rtlCol="0" anchor="ctr"/>
-          <a:lstStyle/>
-          <a:p>
-            <a:pPr algn="ctr"/>
-            <a:endParaRPr lang="en-US"/>
-          </a:p>
-        </p:txBody>
-      </p:sp>
-      <p:sp>
-        <p:nvSpPr>
-          <p:cNvPr id="26" name="Rectangle 25">
-            <a:extLst>
-              <a:ext uri="{FF2B5EF4-FFF2-40B4-BE49-F238E27FC236}">
-                <a16:creationId xmlns:a16="http://schemas.microsoft.com/office/drawing/2014/main" id="{E9D9FBD3-6E57-4B12-A90A-386ED8F084F0}"/>
-              </a:ext>
-            </a:extLst>
-          </p:cNvPr>
-          <p:cNvSpPr>
-            <a:spLocks noGrp="1" noRot="1" noChangeAspect="1" noMove="1" noResize="1" noEditPoints="1" noAdjustHandles="1" noChangeArrowheads="1" noChangeShapeType="1" noTextEdit="1"/>
-          </p:cNvSpPr>
-          <p:nvPr>
-            <p:extLst>
-              <p:ext uri="{386F3935-93C4-4BCD-93E2-E3B085C9AB24}">
-                <p16:designElem xmlns:p16="http://schemas.microsoft.com/office/powerpoint/2015/main" val="1"/>
-              </p:ext>
-            </p:extLst>
-          </p:nvPr>
-        </p:nvSpPr>
-        <p:spPr>
-          <a:xfrm>
-            <a:off x="3528588" y="2451014"/>
-            <a:ext cx="2567411" cy="3532765"/>
-          </a:xfrm>
-          <a:prstGeom prst="rect">
-            <a:avLst/>
-          </a:prstGeom>
-          <a:solidFill>
-            <a:srgbClr val="FFFFFF"/>
-          </a:solidFill>
-          <a:ln w="63500">
-            <a:noFill/>
-            <a:miter lim="800000"/>
-          </a:ln>
-        </p:spPr>
-        <p:style>
-          <a:lnRef idx="2">
-            <a:schemeClr val="accent1">
-              <a:shade val="50000"/>
-            </a:schemeClr>
-          </a:lnRef>
-          <a:fillRef idx="1">
-            <a:schemeClr val="accent1"/>
-          </a:fillRef>
-          <a:effectRef idx="0">
-            <a:schemeClr val="accent1"/>
-          </a:effectRef>
-          <a:fontRef idx="minor">
-            <a:schemeClr val="lt1"/>
-          </a:fontRef>
-        </p:style>
-        <p:txBody>
-          <a:bodyPr rtlCol="0" anchor="ctr"/>
-          <a:lstStyle/>
-          <a:p>
-            <a:pPr algn="ctr"/>
-            <a:endParaRPr lang="en-US"/>
-          </a:p>
-        </p:txBody>
-      </p:sp>
-      <p:pic>
-        <p:nvPicPr>
-          <p:cNvPr id="5" name="รูปภาพ 4" descr="รูปภาพประกอบด้วย ภาพหน้าจอ&#10;&#10;คำอธิบายที่สร้างขึ้นโดยมีความน่าเชื่อถือสูงมาก">
-            <a:extLst>
-              <a:ext uri="{FF2B5EF4-FFF2-40B4-BE49-F238E27FC236}">
-                <a16:creationId xmlns:a16="http://schemas.microsoft.com/office/drawing/2014/main" id="{450B6B47-D13C-4A82-A8A3-BA311598A63B}"/>
-              </a:ext>
-            </a:extLst>
-          </p:cNvPr>
-          <p:cNvPicPr>
-            <a:picLocks noChangeAspect="1"/>
-          </p:cNvPicPr>
-          <p:nvPr/>
-        </p:nvPicPr>
-        <p:blipFill>
-          <a:blip r:embed="rId2"/>
-          <a:stretch>
-            <a:fillRect/>
-          </a:stretch>
-        </p:blipFill>
-        <p:spPr>
-          <a:xfrm>
-            <a:off x="458336" y="991313"/>
-            <a:ext cx="2784700" cy="2069078"/>
-          </a:xfrm>
-          <a:prstGeom prst="rect">
-            <a:avLst/>
-          </a:prstGeom>
-        </p:spPr>
-      </p:pic>
-      <p:pic>
-        <p:nvPicPr>
-          <p:cNvPr id="4" name="รูปภาพ 3" descr="รูปภาพประกอบด้วย ภาพหน้าจอ&#10;&#10;คำอธิบายที่สร้างขึ้นโดยมีความน่าเชื่อถือสูงมาก">
-            <a:extLst>
-              <a:ext uri="{FF2B5EF4-FFF2-40B4-BE49-F238E27FC236}">
-                <a16:creationId xmlns:a16="http://schemas.microsoft.com/office/drawing/2014/main" id="{1F801685-6E00-40AB-AF05-322505648663}"/>
-              </a:ext>
-            </a:extLst>
-          </p:cNvPr>
-          <p:cNvPicPr>
-            <a:picLocks noChangeAspect="1"/>
-          </p:cNvPicPr>
-          <p:nvPr/>
-        </p:nvPicPr>
-        <p:blipFill>
-          <a:blip r:embed="rId3"/>
-          <a:stretch>
-            <a:fillRect/>
-          </a:stretch>
-        </p:blipFill>
-        <p:spPr>
-          <a:xfrm>
-            <a:off x="3664752" y="3037530"/>
-            <a:ext cx="2295082" cy="2359732"/>
-          </a:xfrm>
-          <a:prstGeom prst="rect">
-            <a:avLst/>
-          </a:prstGeom>
-        </p:spPr>
-      </p:pic>
-      <p:sp>
-        <p:nvSpPr>
-          <p:cNvPr id="2" name="ชื่อเรื่อง 1">
-            <a:extLst>
-              <a:ext uri="{FF2B5EF4-FFF2-40B4-BE49-F238E27FC236}">
-                <a16:creationId xmlns:a16="http://schemas.microsoft.com/office/drawing/2014/main" id="{82B121C1-53A2-4706-81FB-84E1B8CA860E}"/>
-              </a:ext>
-            </a:extLst>
-          </p:cNvPr>
-          <p:cNvSpPr>
-            <a:spLocks noGrp="1"/>
-          </p:cNvSpPr>
-          <p:nvPr>
-            <p:ph type="title"/>
-          </p:nvPr>
-        </p:nvSpPr>
-        <p:spPr>
-          <a:xfrm>
-            <a:off x="6956868" y="634946"/>
-            <a:ext cx="4592874" cy="1450757"/>
-          </a:xfrm>
-        </p:spPr>
-        <p:txBody>
-          <a:bodyPr>
+          <a:bodyPr vert="horz" lIns="91440" tIns="45720" rIns="91440" bIns="45720" rtlCol="0" anchor="b">
             <a:normAutofit/>
           </a:bodyPr>
           <a:lstStyle/>
           <a:p>
             <a:r>
-              <a:rPr lang="th-TH" dirty="0"/>
-              <a:t>นาฬิกานับถอยหลัง</a:t>
+              <a:rPr lang="en-US" sz="6000">
+                <a:solidFill>
+                  <a:schemeClr val="tx1">
+                    <a:lumMod val="85000"/>
+                    <a:lumOff val="15000"/>
+                  </a:schemeClr>
+                </a:solidFill>
+              </a:rPr>
+              <a:t>สามารถกด แบ่งเวลา ได้</a:t>
             </a:r>
           </a:p>
         </p:txBody>
       </p:sp>
       <p:sp>
         <p:nvSpPr>
-          <p:cNvPr id="3" name="ตัวแทนเนื้อหา 2">
-            <a:extLst>
-              <a:ext uri="{FF2B5EF4-FFF2-40B4-BE49-F238E27FC236}">
-                <a16:creationId xmlns:a16="http://schemas.microsoft.com/office/drawing/2014/main" id="{AB54CBF3-2F85-454B-B939-8ABE6B080AE3}"/>
-              </a:ext>
-            </a:extLst>
-          </p:cNvPr>
+          <p:cNvPr id="48" name="Content Placeholder 47"/>
           <p:cNvSpPr>
             <a:spLocks noGrp="1"/>
           </p:cNvSpPr>
@@ -9596,19 +9345,30 @@
         </p:nvSpPr>
         <p:spPr>
           <a:xfrm>
-            <a:off x="6956868" y="2198914"/>
-            <a:ext cx="4592874" cy="3670180"/>
+            <a:off x="633999" y="5727515"/>
+            <a:ext cx="10925101" cy="515477"/>
           </a:xfrm>
         </p:spPr>
         <p:txBody>
-          <a:bodyPr>
+          <a:bodyPr vert="horz" lIns="91440" tIns="45720" rIns="91440" bIns="45720" rtlCol="0">
             <a:normAutofit/>
           </a:bodyPr>
           <a:lstStyle/>
           <a:p>
+            <a:pPr marL="0" indent="0">
+              <a:buNone/>
+            </a:pPr>
             <a:r>
-              <a:rPr lang="th-TH" sz="2400" dirty="0"/>
-              <a:t>กำหนดเวลานับถอยหลัง นาที วินาที แล้วกด บันทึก จะขึ้นเวลาที่จะนับถอยหลังในหน่วยวินาที</a:t>
+              <a:rPr lang="en-US" cap="all" spc="200">
+                <a:solidFill>
+                  <a:schemeClr val="tx1">
+                    <a:lumMod val="85000"/>
+                    <a:lumOff val="15000"/>
+                  </a:schemeClr>
+                </a:solidFill>
+                <a:latin typeface="+mj-lt"/>
+              </a:rPr>
+              <a:t>และสามารถกด หยุดชั่วคราว ได้</a:t>
             </a:r>
           </a:p>
         </p:txBody>
@@ -9616,7 +9376,7 @@
     </p:spTree>
     <p:extLst>
       <p:ext uri="{BB962C8B-B14F-4D97-AF65-F5344CB8AC3E}">
-        <p14:creationId xmlns:p14="http://schemas.microsoft.com/office/powerpoint/2010/main" val="2773752546"/>
+        <p14:creationId xmlns:p14="http://schemas.microsoft.com/office/powerpoint/2010/main" val="1831916538"/>
       </p:ext>
     </p:extLst>
   </p:cSld>
@@ -9653,10 +9413,10 @@
       </p:grpSpPr>
       <p:sp useBgFill="1">
         <p:nvSpPr>
-          <p:cNvPr id="19" name="Rectangle 9">
-            <a:extLst>
-              <a:ext uri="{FF2B5EF4-FFF2-40B4-BE49-F238E27FC236}">
-                <a16:creationId xmlns:a16="http://schemas.microsoft.com/office/drawing/2014/main" id="{4CFCD50F-4BF3-4733-BD42-5567080A7017}"/>
+          <p:cNvPr id="47" name="Rectangle 46">
+            <a:extLst>
+              <a:ext uri="{FF2B5EF4-FFF2-40B4-BE49-F238E27FC236}">
+                <a16:creationId xmlns:a16="http://schemas.microsoft.com/office/drawing/2014/main" id="{52ABB703-2B0E-4C3B-B4A2-F3973548E561}"/>
               </a:ext>
             </a:extLst>
           </p:cNvPr>
@@ -9710,10 +9470,10 @@
       </p:sp>
       <p:sp>
         <p:nvSpPr>
-          <p:cNvPr id="21" name="Rectangle 11">
-            <a:extLst>
-              <a:ext uri="{FF2B5EF4-FFF2-40B4-BE49-F238E27FC236}">
-                <a16:creationId xmlns:a16="http://schemas.microsoft.com/office/drawing/2014/main" id="{7B07ECB0-AC96-4F4F-AB0C-44EA1353CE09}"/>
+          <p:cNvPr id="49" name="Rectangle 48">
+            <a:extLst>
+              <a:ext uri="{FF2B5EF4-FFF2-40B4-BE49-F238E27FC236}">
+                <a16:creationId xmlns:a16="http://schemas.microsoft.com/office/drawing/2014/main" id="{82A73093-4B9D-420D-B17E-52293703A1D4}"/>
               </a:ext>
             </a:extLst>
           </p:cNvPr>
@@ -9762,10 +9522,10 @@
       </p:sp>
       <p:sp>
         <p:nvSpPr>
-          <p:cNvPr id="23" name="Rectangle 13">
-            <a:extLst>
-              <a:ext uri="{FF2B5EF4-FFF2-40B4-BE49-F238E27FC236}">
-                <a16:creationId xmlns:a16="http://schemas.microsoft.com/office/drawing/2014/main" id="{54D683B1-E7B7-4AF5-8BF1-00757F13FBE1}"/>
+          <p:cNvPr id="51" name="Rectangle 50">
+            <a:extLst>
+              <a:ext uri="{FF2B5EF4-FFF2-40B4-BE49-F238E27FC236}">
+                <a16:creationId xmlns:a16="http://schemas.microsoft.com/office/drawing/2014/main" id="{E95DA498-D9A2-4DA9-B9DA-B3776E08CF7E}"/>
               </a:ext>
             </a:extLst>
           </p:cNvPr>
@@ -9814,10 +9574,10 @@
       </p:sp>
       <p:cxnSp>
         <p:nvCxnSpPr>
-          <p:cNvPr id="25" name="Straight Connector 15">
-            <a:extLst>
-              <a:ext uri="{FF2B5EF4-FFF2-40B4-BE49-F238E27FC236}">
-                <a16:creationId xmlns:a16="http://schemas.microsoft.com/office/drawing/2014/main" id="{E622A300-A12E-4C3D-A574-71AFFA8F2B51}"/>
+          <p:cNvPr id="53" name="Straight Connector 52">
+            <a:extLst>
+              <a:ext uri="{FF2B5EF4-FFF2-40B4-BE49-F238E27FC236}">
+                <a16:creationId xmlns:a16="http://schemas.microsoft.com/office/drawing/2014/main" id="{9C21570E-E159-49A6-9891-FA397B7A92D3}"/>
               </a:ext>
             </a:extLst>
           </p:cNvPr>
@@ -9834,8 +9594,8 @@
         </p:nvCxnSpPr>
         <p:spPr>
           <a:xfrm>
-            <a:off x="6840096" y="2085703"/>
-            <a:ext cx="4114800" cy="0"/>
+            <a:off x="6411684" y="2086188"/>
+            <a:ext cx="4748808" cy="0"/>
           </a:xfrm>
           <a:prstGeom prst="line">
             <a:avLst/>
@@ -9865,260 +9625,12 @@
           </a:fontRef>
         </p:style>
       </p:cxnSp>
-      <p:sp>
-        <p:nvSpPr>
-          <p:cNvPr id="18" name="Rectangle 17">
-            <a:extLst>
-              <a:ext uri="{FF2B5EF4-FFF2-40B4-BE49-F238E27FC236}">
-                <a16:creationId xmlns:a16="http://schemas.microsoft.com/office/drawing/2014/main" id="{C24F77B6-3AFC-4981-A39A-15994073E10F}"/>
-              </a:ext>
-            </a:extLst>
-          </p:cNvPr>
-          <p:cNvSpPr>
-            <a:spLocks noGrp="1" noRot="1" noChangeAspect="1" noMove="1" noResize="1" noEditPoints="1" noAdjustHandles="1" noChangeArrowheads="1" noChangeShapeType="1" noTextEdit="1"/>
-          </p:cNvSpPr>
-          <p:nvPr>
-            <p:extLst>
-              <p:ext uri="{386F3935-93C4-4BCD-93E2-E3B085C9AB24}">
-                <p16:designElem xmlns:p16="http://schemas.microsoft.com/office/powerpoint/2015/main" val="1"/>
-              </p:ext>
-            </p:extLst>
-          </p:nvPr>
-        </p:nvSpPr>
-        <p:spPr>
-          <a:xfrm>
-            <a:off x="3512061" y="321733"/>
-            <a:ext cx="2583939" cy="1955250"/>
-          </a:xfrm>
-          <a:prstGeom prst="rect">
-            <a:avLst/>
-          </a:prstGeom>
-          <a:solidFill>
-            <a:schemeClr val="accent1"/>
-          </a:solidFill>
-          <a:ln>
-            <a:noFill/>
-          </a:ln>
-        </p:spPr>
-        <p:style>
-          <a:lnRef idx="2">
-            <a:schemeClr val="accent1">
-              <a:shade val="50000"/>
-            </a:schemeClr>
-          </a:lnRef>
-          <a:fillRef idx="1">
-            <a:schemeClr val="accent1"/>
-          </a:fillRef>
-          <a:effectRef idx="0">
-            <a:schemeClr val="accent1"/>
-          </a:effectRef>
-          <a:fontRef idx="minor">
-            <a:schemeClr val="lt1"/>
-          </a:fontRef>
-        </p:style>
-        <p:txBody>
-          <a:bodyPr rtlCol="0" anchor="ctr"/>
-          <a:lstStyle/>
-          <a:p>
-            <a:pPr algn="ctr"/>
-            <a:endParaRPr lang="en-US"/>
-          </a:p>
-        </p:txBody>
-      </p:sp>
-      <p:sp>
-        <p:nvSpPr>
-          <p:cNvPr id="20" name="Rectangle 19">
-            <a:extLst>
-              <a:ext uri="{FF2B5EF4-FFF2-40B4-BE49-F238E27FC236}">
-                <a16:creationId xmlns:a16="http://schemas.microsoft.com/office/drawing/2014/main" id="{B7D21A87-2874-4438-84BA-E02F7C632784}"/>
-              </a:ext>
-            </a:extLst>
-          </p:cNvPr>
-          <p:cNvSpPr>
-            <a:spLocks noGrp="1" noRot="1" noChangeAspect="1" noMove="1" noResize="1" noEditPoints="1" noAdjustHandles="1" noChangeArrowheads="1" noChangeShapeType="1" noTextEdit="1"/>
-          </p:cNvSpPr>
-          <p:nvPr>
-            <p:extLst>
-              <p:ext uri="{386F3935-93C4-4BCD-93E2-E3B085C9AB24}">
-                <p16:designElem xmlns:p16="http://schemas.microsoft.com/office/powerpoint/2015/main" val="1"/>
-              </p:ext>
-            </p:extLst>
-          </p:nvPr>
-        </p:nvSpPr>
-        <p:spPr>
-          <a:xfrm>
-            <a:off x="321733" y="3879167"/>
-            <a:ext cx="3057906" cy="2135564"/>
-          </a:xfrm>
-          <a:prstGeom prst="rect">
-            <a:avLst/>
-          </a:prstGeom>
-          <a:solidFill>
-            <a:schemeClr val="bg2">
-              <a:lumMod val="90000"/>
-            </a:schemeClr>
-          </a:solidFill>
-          <a:ln>
-            <a:noFill/>
-          </a:ln>
-        </p:spPr>
-        <p:style>
-          <a:lnRef idx="2">
-            <a:schemeClr val="accent1">
-              <a:shade val="50000"/>
-            </a:schemeClr>
-          </a:lnRef>
-          <a:fillRef idx="1">
-            <a:schemeClr val="accent1"/>
-          </a:fillRef>
-          <a:effectRef idx="0">
-            <a:schemeClr val="accent1"/>
-          </a:effectRef>
-          <a:fontRef idx="minor">
-            <a:schemeClr val="lt1"/>
-          </a:fontRef>
-        </p:style>
-        <p:txBody>
-          <a:bodyPr rtlCol="0" anchor="ctr"/>
-          <a:lstStyle/>
-          <a:p>
-            <a:pPr algn="ctr"/>
-            <a:endParaRPr lang="en-US"/>
-          </a:p>
-        </p:txBody>
-      </p:sp>
-      <p:sp>
-        <p:nvSpPr>
-          <p:cNvPr id="22" name="Rectangle 21">
-            <a:extLst>
-              <a:ext uri="{FF2B5EF4-FFF2-40B4-BE49-F238E27FC236}">
-                <a16:creationId xmlns:a16="http://schemas.microsoft.com/office/drawing/2014/main" id="{97C2466A-2320-4205-BDC2-056CD8BC2C53}"/>
-              </a:ext>
-            </a:extLst>
-          </p:cNvPr>
-          <p:cNvSpPr>
-            <a:spLocks noGrp="1" noRot="1" noChangeAspect="1" noMove="1" noResize="1" noEditPoints="1" noAdjustHandles="1" noChangeArrowheads="1" noChangeShapeType="1" noTextEdit="1"/>
-          </p:cNvSpPr>
-          <p:nvPr>
-            <p:extLst>
-              <p:ext uri="{386F3935-93C4-4BCD-93E2-E3B085C9AB24}">
-                <p16:designElem xmlns:p16="http://schemas.microsoft.com/office/powerpoint/2015/main" val="1"/>
-              </p:ext>
-            </p:extLst>
-          </p:nvPr>
-        </p:nvSpPr>
-        <p:spPr>
-          <a:xfrm>
-            <a:off x="321733" y="321733"/>
-            <a:ext cx="3057906" cy="3408237"/>
-          </a:xfrm>
-          <a:prstGeom prst="rect">
-            <a:avLst/>
-          </a:prstGeom>
-          <a:solidFill>
-            <a:srgbClr val="FFFFFF"/>
-          </a:solidFill>
-          <a:ln w="63500">
-            <a:solidFill>
-              <a:schemeClr val="accent1"/>
-            </a:solidFill>
-            <a:miter lim="800000"/>
-          </a:ln>
-        </p:spPr>
-        <p:style>
-          <a:lnRef idx="2">
-            <a:schemeClr val="accent1">
-              <a:shade val="50000"/>
-            </a:schemeClr>
-          </a:lnRef>
-          <a:fillRef idx="1">
-            <a:schemeClr val="accent1"/>
-          </a:fillRef>
-          <a:effectRef idx="0">
-            <a:schemeClr val="accent1"/>
-          </a:effectRef>
-          <a:fontRef idx="minor">
-            <a:schemeClr val="lt1"/>
-          </a:fontRef>
-        </p:style>
-        <p:txBody>
-          <a:bodyPr rtlCol="0" anchor="ctr"/>
-          <a:lstStyle/>
-          <a:p>
-            <a:pPr algn="ctr"/>
-            <a:endParaRPr lang="en-US"/>
-          </a:p>
-        </p:txBody>
-      </p:sp>
-      <p:sp>
-        <p:nvSpPr>
-          <p:cNvPr id="24" name="Rectangle 23">
-            <a:extLst>
-              <a:ext uri="{FF2B5EF4-FFF2-40B4-BE49-F238E27FC236}">
-                <a16:creationId xmlns:a16="http://schemas.microsoft.com/office/drawing/2014/main" id="{0B0A69F5-520C-404C-9614-071AAE13870F}"/>
-              </a:ext>
-            </a:extLst>
-          </p:cNvPr>
-          <p:cNvSpPr>
-            <a:spLocks noGrp="1" noRot="1" noChangeAspect="1" noMove="1" noResize="1" noEditPoints="1" noAdjustHandles="1" noChangeArrowheads="1" noChangeShapeType="1" noTextEdit="1"/>
-          </p:cNvSpPr>
-          <p:nvPr>
-            <p:extLst>
-              <p:ext uri="{386F3935-93C4-4BCD-93E2-E3B085C9AB24}">
-                <p16:designElem xmlns:p16="http://schemas.microsoft.com/office/powerpoint/2015/main" val="1"/>
-              </p:ext>
-            </p:extLst>
-          </p:nvPr>
-        </p:nvSpPr>
-        <p:spPr>
-          <a:xfrm>
-            <a:off x="3528588" y="2451014"/>
-            <a:ext cx="2567411" cy="3532765"/>
-          </a:xfrm>
-          <a:prstGeom prst="rect">
-            <a:avLst/>
-          </a:prstGeom>
-          <a:solidFill>
-            <a:srgbClr val="FFFFFF"/>
-          </a:solidFill>
-          <a:ln w="63500">
-            <a:solidFill>
-              <a:schemeClr val="accent1"/>
-            </a:solidFill>
-            <a:miter lim="800000"/>
-          </a:ln>
-        </p:spPr>
-        <p:style>
-          <a:lnRef idx="2">
-            <a:schemeClr val="accent1">
-              <a:shade val="50000"/>
-            </a:schemeClr>
-          </a:lnRef>
-          <a:fillRef idx="1">
-            <a:schemeClr val="accent1"/>
-          </a:fillRef>
-          <a:effectRef idx="0">
-            <a:schemeClr val="accent1"/>
-          </a:effectRef>
-          <a:fontRef idx="minor">
-            <a:schemeClr val="lt1"/>
-          </a:fontRef>
-        </p:style>
-        <p:txBody>
-          <a:bodyPr rtlCol="0" anchor="ctr"/>
-          <a:lstStyle/>
-          <a:p>
-            <a:pPr algn="ctr"/>
-            <a:endParaRPr lang="en-US"/>
-          </a:p>
-        </p:txBody>
-      </p:sp>
       <p:pic>
         <p:nvPicPr>
-          <p:cNvPr id="5" name="รูปภาพ 4" descr="รูปภาพประกอบด้วย ภาพหน้าจอ&#10;&#10;คำอธิบายที่สร้างขึ้นโดยมีความน่าเชื่อถือสูงมาก">
-            <a:extLst>
-              <a:ext uri="{FF2B5EF4-FFF2-40B4-BE49-F238E27FC236}">
-                <a16:creationId xmlns:a16="http://schemas.microsoft.com/office/drawing/2014/main" id="{DC2BD019-70D7-4F5D-B929-367AF3A35226}"/>
+          <p:cNvPr id="42" name="รูปภาพ 3">
+            <a:extLst>
+              <a:ext uri="{FF2B5EF4-FFF2-40B4-BE49-F238E27FC236}">
+                <a16:creationId xmlns:a16="http://schemas.microsoft.com/office/drawing/2014/main" id="{50FE77DD-18EF-4954-AA3D-0A30E8EBE35F}"/>
               </a:ext>
             </a:extLst>
           </p:cNvPr>
@@ -10127,58 +9639,27 @@
           </p:cNvPicPr>
           <p:nvPr/>
         </p:nvPicPr>
-        <p:blipFill>
+        <p:blipFill rotWithShape="1">
           <a:blip r:embed="rId2"/>
-          <a:stretch>
-            <a:fillRect/>
-          </a:stretch>
+          <a:srcRect/>
+          <a:stretch/>
         </p:blipFill>
         <p:spPr>
           <a:xfrm>
-            <a:off x="458336" y="991313"/>
-            <a:ext cx="2784700" cy="2069078"/>
+            <a:off x="707648" y="645106"/>
+            <a:ext cx="5322714" cy="5247747"/>
           </a:xfrm>
           <a:prstGeom prst="rect">
             <a:avLst/>
           </a:prstGeom>
         </p:spPr>
       </p:pic>
-      <p:pic>
-        <p:nvPicPr>
-          <p:cNvPr id="4" name="รูปภาพ 3" descr="รูปภาพประกอบด้วย ภาพหน้าจอ&#10;&#10;คำอธิบายที่สร้างขึ้นโดยมีความน่าเชื่อถือสูงมาก">
-            <a:extLst>
-              <a:ext uri="{FF2B5EF4-FFF2-40B4-BE49-F238E27FC236}">
-                <a16:creationId xmlns:a16="http://schemas.microsoft.com/office/drawing/2014/main" id="{6E59260F-A528-42F5-8BB5-2B49ADB79FDA}"/>
-              </a:ext>
-            </a:extLst>
-          </p:cNvPr>
-          <p:cNvPicPr>
-            <a:picLocks noChangeAspect="1"/>
-          </p:cNvPicPr>
-          <p:nvPr/>
-        </p:nvPicPr>
-        <p:blipFill>
-          <a:blip r:embed="rId3"/>
-          <a:stretch>
-            <a:fillRect/>
-          </a:stretch>
-        </p:blipFill>
-        <p:spPr>
-          <a:xfrm>
-            <a:off x="3664752" y="3086018"/>
-            <a:ext cx="2295082" cy="2262756"/>
-          </a:xfrm>
-          <a:prstGeom prst="rect">
-            <a:avLst/>
-          </a:prstGeom>
-        </p:spPr>
-      </p:pic>
       <p:sp>
         <p:nvSpPr>
           <p:cNvPr id="2" name="ชื่อเรื่อง 1">
             <a:extLst>
               <a:ext uri="{FF2B5EF4-FFF2-40B4-BE49-F238E27FC236}">
-                <a16:creationId xmlns:a16="http://schemas.microsoft.com/office/drawing/2014/main" id="{BB8A7A8B-47DC-4506-8C80-22CFC61BB983}"/>
+                <a16:creationId xmlns:a16="http://schemas.microsoft.com/office/drawing/2014/main" id="{4D5194CE-DBF6-4D22-8AC2-C0038D722D37}"/>
               </a:ext>
             </a:extLst>
           </p:cNvPr>
@@ -10191,12 +9672,12 @@
         </p:nvSpPr>
         <p:spPr>
           <a:xfrm>
-            <a:off x="6728459" y="634946"/>
-            <a:ext cx="4821283" cy="1450757"/>
+            <a:off x="6411685" y="634946"/>
+            <a:ext cx="5127171" cy="1450757"/>
           </a:xfrm>
         </p:spPr>
         <p:txBody>
-          <a:bodyPr>
+          <a:bodyPr vert="horz" lIns="91440" tIns="45720" rIns="91440" bIns="45720" rtlCol="0">
             <a:normAutofit/>
           </a:bodyPr>
           <a:lstStyle/>
@@ -10205,18 +9686,13 @@
               <a:rPr lang="th-TH" dirty="0"/>
               <a:t>นาฬิกานับถอยหลัง</a:t>
             </a:r>
+            <a:endParaRPr lang="en-US" dirty="0"/>
           </a:p>
         </p:txBody>
       </p:sp>
       <p:sp>
         <p:nvSpPr>
-          <p:cNvPr id="3" name="ตัวแทนเนื้อหา 2">
-            <a:extLst>
-              <a:ext uri="{FF2B5EF4-FFF2-40B4-BE49-F238E27FC236}">
-                <a16:creationId xmlns:a16="http://schemas.microsoft.com/office/drawing/2014/main" id="{C347E7C0-282E-432B-A604-F63AE99EF7A1}"/>
-              </a:ext>
-            </a:extLst>
-          </p:cNvPr>
+          <p:cNvPr id="44" name="Content Placeholder 43"/>
           <p:cNvSpPr>
             <a:spLocks noGrp="1"/>
           </p:cNvSpPr>
@@ -10226,8 +9702,8 @@
         </p:nvSpPr>
         <p:spPr>
           <a:xfrm>
-            <a:off x="6728459" y="2198914"/>
-            <a:ext cx="4821283" cy="3670180"/>
+            <a:off x="6411684" y="2198914"/>
+            <a:ext cx="5127172" cy="3670180"/>
           </a:xfrm>
         </p:spPr>
         <p:txBody>
@@ -10242,15 +9718,7 @@
             </a:pPr>
             <a:r>
               <a:rPr lang="th-TH" sz="2400" dirty="0"/>
-              <a:t>พอกด </a:t>
-            </a:r>
-            <a:r>
-              <a:rPr lang="en-US" sz="2400" dirty="0"/>
-              <a:t>OK </a:t>
-            </a:r>
-            <a:r>
-              <a:rPr lang="th-TH" sz="2400" dirty="0"/>
-              <a:t>จะเริ่มการนับถอยหลัง และ ปุ่มเริ่มนับถอยหลังก็จะเปลี่ยนเป็นปุ่ม กำลังนับถอยหลัง...</a:t>
+              <a:t>สามารถนับถอยหลังเวลาได้</a:t>
             </a:r>
           </a:p>
           <a:p>
@@ -10260,15 +9728,16 @@
             </a:pPr>
             <a:r>
               <a:rPr lang="th-TH" sz="2400" dirty="0"/>
-              <a:t>ปุ่มตั้งค่าเวลา เปลี่ยนเป็น หยุดและตั้งค่าเวลาใหม่</a:t>
+              <a:t>สามารถตั้งค่าเวลาใหม่ได้</a:t>
             </a:r>
+            <a:endParaRPr lang="en-US" sz="2400" dirty="0"/>
           </a:p>
         </p:txBody>
       </p:sp>
     </p:spTree>
     <p:extLst>
       <p:ext uri="{BB962C8B-B14F-4D97-AF65-F5344CB8AC3E}">
-        <p14:creationId xmlns:p14="http://schemas.microsoft.com/office/powerpoint/2010/main" val="2772789877"/>
+        <p14:creationId xmlns:p14="http://schemas.microsoft.com/office/powerpoint/2010/main" val="1779142706"/>
       </p:ext>
     </p:extLst>
   </p:cSld>
@@ -10303,168 +9772,12 @@
           <a:chExt cx="0" cy="0"/>
         </a:xfrm>
       </p:grpSpPr>
-      <p:sp>
-        <p:nvSpPr>
-          <p:cNvPr id="27" name="Rectangle 26">
-            <a:extLst>
-              <a:ext uri="{FF2B5EF4-FFF2-40B4-BE49-F238E27FC236}">
-                <a16:creationId xmlns:a16="http://schemas.microsoft.com/office/drawing/2014/main" id="{4E4490D0-3672-446A-AC12-B4830333BDDD}"/>
-              </a:ext>
-            </a:extLst>
-          </p:cNvPr>
-          <p:cNvSpPr>
-            <a:spLocks noGrp="1" noRot="1" noChangeAspect="1" noMove="1" noResize="1" noEditPoints="1" noAdjustHandles="1" noChangeArrowheads="1" noChangeShapeType="1" noTextEdit="1"/>
-          </p:cNvSpPr>
-          <p:nvPr>
-            <p:extLst>
-              <p:ext uri="{386F3935-93C4-4BCD-93E2-E3B085C9AB24}">
-                <p16:designElem xmlns:p16="http://schemas.microsoft.com/office/powerpoint/2015/main" val="1"/>
-              </p:ext>
-            </p:extLst>
-          </p:nvPr>
-        </p:nvSpPr>
-        <p:spPr>
-          <a:xfrm>
-            <a:off x="3175" y="6400800"/>
-            <a:ext cx="12188825" cy="457200"/>
-          </a:xfrm>
-          <a:prstGeom prst="rect">
-            <a:avLst/>
-          </a:prstGeom>
-          <a:solidFill>
-            <a:schemeClr val="accent2"/>
-          </a:solidFill>
-          <a:ln>
-            <a:noFill/>
-          </a:ln>
-        </p:spPr>
-        <p:style>
-          <a:lnRef idx="2">
-            <a:schemeClr val="accent1">
-              <a:shade val="50000"/>
-            </a:schemeClr>
-          </a:lnRef>
-          <a:fillRef idx="1">
-            <a:schemeClr val="accent1"/>
-          </a:fillRef>
-          <a:effectRef idx="0">
-            <a:schemeClr val="accent1"/>
-          </a:effectRef>
-          <a:fontRef idx="minor">
-            <a:schemeClr val="lt1"/>
-          </a:fontRef>
-        </p:style>
-      </p:sp>
-      <p:sp>
-        <p:nvSpPr>
-          <p:cNvPr id="29" name="Rectangle 28">
-            <a:extLst>
-              <a:ext uri="{FF2B5EF4-FFF2-40B4-BE49-F238E27FC236}">
-                <a16:creationId xmlns:a16="http://schemas.microsoft.com/office/drawing/2014/main" id="{39CB82C2-DF65-4EC1-8280-F201D50F570B}"/>
-              </a:ext>
-            </a:extLst>
-          </p:cNvPr>
-          <p:cNvSpPr>
-            <a:spLocks noGrp="1" noRot="1" noChangeAspect="1" noMove="1" noResize="1" noEditPoints="1" noAdjustHandles="1" noChangeArrowheads="1" noChangeShapeType="1" noTextEdit="1"/>
-          </p:cNvSpPr>
-          <p:nvPr>
-            <p:extLst>
-              <p:ext uri="{386F3935-93C4-4BCD-93E2-E3B085C9AB24}">
-                <p16:designElem xmlns:p16="http://schemas.microsoft.com/office/powerpoint/2015/main" val="1"/>
-              </p:ext>
-            </p:extLst>
-          </p:nvPr>
-        </p:nvSpPr>
-        <p:spPr>
-          <a:xfrm>
-            <a:off x="15" y="6334316"/>
-            <a:ext cx="12188825" cy="64008"/>
-          </a:xfrm>
-          <a:prstGeom prst="rect">
-            <a:avLst/>
-          </a:prstGeom>
-          <a:solidFill>
-            <a:schemeClr val="accent1"/>
-          </a:solidFill>
-          <a:ln>
-            <a:noFill/>
-          </a:ln>
-        </p:spPr>
-        <p:style>
-          <a:lnRef idx="2">
-            <a:schemeClr val="accent1">
-              <a:shade val="50000"/>
-            </a:schemeClr>
-          </a:lnRef>
-          <a:fillRef idx="1">
-            <a:schemeClr val="accent1"/>
-          </a:fillRef>
-          <a:effectRef idx="0">
-            <a:schemeClr val="accent1"/>
-          </a:effectRef>
-          <a:fontRef idx="minor">
-            <a:schemeClr val="lt1"/>
-          </a:fontRef>
-        </p:style>
-      </p:sp>
-      <p:cxnSp>
-        <p:nvCxnSpPr>
-          <p:cNvPr id="31" name="Straight Connector 30">
-            <a:extLst>
-              <a:ext uri="{FF2B5EF4-FFF2-40B4-BE49-F238E27FC236}">
-                <a16:creationId xmlns:a16="http://schemas.microsoft.com/office/drawing/2014/main" id="{7E1D4427-852B-4B37-8E76-0E9F1810BA2A}"/>
-              </a:ext>
-            </a:extLst>
-          </p:cNvPr>
-          <p:cNvCxnSpPr>
-            <a:cxnSpLocks noGrp="1" noRot="1" noChangeAspect="1" noMove="1" noResize="1" noEditPoints="1" noAdjustHandles="1" noChangeArrowheads="1" noChangeShapeType="1"/>
-          </p:cNvCxnSpPr>
-          <p:nvPr>
-            <p:extLst>
-              <p:ext uri="{386F3935-93C4-4BCD-93E2-E3B085C9AB24}">
-                <p16:designElem xmlns:p16="http://schemas.microsoft.com/office/powerpoint/2015/main" val="1"/>
-              </p:ext>
-            </p:extLst>
-          </p:nvPr>
-        </p:nvCxnSpPr>
-        <p:spPr>
-          <a:xfrm>
-            <a:off x="1207658" y="4343400"/>
-            <a:ext cx="9875520" cy="0"/>
-          </a:xfrm>
-          <a:prstGeom prst="line">
-            <a:avLst/>
-          </a:prstGeom>
-          <a:ln w="6350">
-            <a:solidFill>
-              <a:schemeClr val="tx1">
-                <a:lumMod val="50000"/>
-                <a:lumOff val="50000"/>
-              </a:schemeClr>
-            </a:solidFill>
-          </a:ln>
-        </p:spPr>
-        <p:style>
-          <a:lnRef idx="1">
-            <a:schemeClr val="accent1"/>
-          </a:lnRef>
-          <a:fillRef idx="0">
-            <a:schemeClr val="accent1"/>
-          </a:fillRef>
-          <a:effectRef idx="0">
-            <a:schemeClr val="accent1"/>
-          </a:effectRef>
-          <a:fontRef idx="minor">
-            <a:schemeClr val="tx1"/>
-          </a:fontRef>
-        </p:style>
-      </p:cxnSp>
       <p:sp useBgFill="1">
         <p:nvSpPr>
-          <p:cNvPr id="33" name="Rectangle 32">
-            <a:extLst>
-              <a:ext uri="{FF2B5EF4-FFF2-40B4-BE49-F238E27FC236}">
-                <a16:creationId xmlns:a16="http://schemas.microsoft.com/office/drawing/2014/main" id="{5AE6C737-FF55-4064-94B7-0B21D2EB6045}"/>
+          <p:cNvPr id="19" name="Rectangle 9">
+            <a:extLst>
+              <a:ext uri="{FF2B5EF4-FFF2-40B4-BE49-F238E27FC236}">
+                <a16:creationId xmlns:a16="http://schemas.microsoft.com/office/drawing/2014/main" id="{C3F32490-CF6A-459E-BBFE-90557857A1B4}"/>
               </a:ext>
             </a:extLst>
           </p:cNvPr>
@@ -10518,10 +9831,10 @@
       </p:sp>
       <p:sp>
         <p:nvSpPr>
-          <p:cNvPr id="35" name="Rectangle 34">
-            <a:extLst>
-              <a:ext uri="{FF2B5EF4-FFF2-40B4-BE49-F238E27FC236}">
-                <a16:creationId xmlns:a16="http://schemas.microsoft.com/office/drawing/2014/main" id="{2D3DCA99-84AF-487A-BF72-91C5FA6B0B70}"/>
+          <p:cNvPr id="21" name="Rectangle 11">
+            <a:extLst>
+              <a:ext uri="{FF2B5EF4-FFF2-40B4-BE49-F238E27FC236}">
+                <a16:creationId xmlns:a16="http://schemas.microsoft.com/office/drawing/2014/main" id="{055BE0DD-04F0-42E3-9EDE-2129B4A55CF4}"/>
               </a:ext>
             </a:extLst>
           </p:cNvPr>
@@ -10570,10 +9883,10 @@
       </p:sp>
       <p:sp>
         <p:nvSpPr>
-          <p:cNvPr id="37" name="Rectangle 36">
-            <a:extLst>
-              <a:ext uri="{FF2B5EF4-FFF2-40B4-BE49-F238E27FC236}">
-                <a16:creationId xmlns:a16="http://schemas.microsoft.com/office/drawing/2014/main" id="{D8218D9F-38B6-4AE0-9051-5434D19A5277}"/>
+          <p:cNvPr id="23" name="Rectangle 13">
+            <a:extLst>
+              <a:ext uri="{FF2B5EF4-FFF2-40B4-BE49-F238E27FC236}">
+                <a16:creationId xmlns:a16="http://schemas.microsoft.com/office/drawing/2014/main" id="{25621158-452E-4C14-8946-B331F0D1C38F}"/>
               </a:ext>
             </a:extLst>
           </p:cNvPr>
@@ -10622,10 +9935,10 @@
       </p:sp>
       <p:cxnSp>
         <p:nvCxnSpPr>
-          <p:cNvPr id="39" name="Straight Connector 38">
-            <a:extLst>
-              <a:ext uri="{FF2B5EF4-FFF2-40B4-BE49-F238E27FC236}">
-                <a16:creationId xmlns:a16="http://schemas.microsoft.com/office/drawing/2014/main" id="{6B5B1DD8-6224-4137-8621-32982B00F9FC}"/>
+          <p:cNvPr id="25" name="Straight Connector 15">
+            <a:extLst>
+              <a:ext uri="{FF2B5EF4-FFF2-40B4-BE49-F238E27FC236}">
+                <a16:creationId xmlns:a16="http://schemas.microsoft.com/office/drawing/2014/main" id="{373C1DFC-81C5-498E-9907-7AAE6F0416B1}"/>
               </a:ext>
             </a:extLst>
           </p:cNvPr>
@@ -10642,15 +9955,17 @@
         </p:nvCxnSpPr>
         <p:spPr>
           <a:xfrm>
-            <a:off x="6805053" y="4343400"/>
-            <a:ext cx="4389120" cy="0"/>
+            <a:off x="7046569" y="2085703"/>
+            <a:ext cx="4114800" cy="0"/>
           </a:xfrm>
           <a:prstGeom prst="line">
             <a:avLst/>
           </a:prstGeom>
           <a:ln w="6350">
             <a:solidFill>
-              <a:schemeClr val="tx2">
+              <a:schemeClr val="tx1">
+                <a:lumMod val="50000"/>
+                <a:lumOff val="50000"/>
                 <a:alpha val="90000"/>
               </a:schemeClr>
             </a:solidFill>
@@ -10671,21 +9986,323 @@
           </a:fontRef>
         </p:style>
       </p:cxnSp>
+      <p:sp>
+        <p:nvSpPr>
+          <p:cNvPr id="18" name="Rectangle 17">
+            <a:extLst>
+              <a:ext uri="{FF2B5EF4-FFF2-40B4-BE49-F238E27FC236}">
+                <a16:creationId xmlns:a16="http://schemas.microsoft.com/office/drawing/2014/main" id="{3489CAE3-3AE0-4268-81CA-A98516EAD013}"/>
+              </a:ext>
+            </a:extLst>
+          </p:cNvPr>
+          <p:cNvSpPr>
+            <a:spLocks noGrp="1" noRot="1" noChangeAspect="1" noMove="1" noResize="1" noEditPoints="1" noAdjustHandles="1" noChangeArrowheads="1" noChangeShapeType="1" noTextEdit="1"/>
+          </p:cNvSpPr>
+          <p:nvPr>
+            <p:extLst>
+              <p:ext uri="{386F3935-93C4-4BCD-93E2-E3B085C9AB24}">
+                <p16:designElem xmlns:p16="http://schemas.microsoft.com/office/powerpoint/2015/main" val="1"/>
+              </p:ext>
+            </p:extLst>
+          </p:nvPr>
+        </p:nvSpPr>
+        <p:spPr>
+          <a:xfrm>
+            <a:off x="0" y="0"/>
+            <a:ext cx="6479458" cy="6334316"/>
+          </a:xfrm>
+          <a:prstGeom prst="rect">
+            <a:avLst/>
+          </a:prstGeom>
+          <a:solidFill>
+            <a:schemeClr val="bg2"/>
+          </a:solidFill>
+          <a:ln>
+            <a:noFill/>
+          </a:ln>
+        </p:spPr>
+        <p:style>
+          <a:lnRef idx="2">
+            <a:schemeClr val="accent1">
+              <a:shade val="50000"/>
+            </a:schemeClr>
+          </a:lnRef>
+          <a:fillRef idx="1">
+            <a:schemeClr val="accent1"/>
+          </a:fillRef>
+          <a:effectRef idx="0">
+            <a:schemeClr val="accent1"/>
+          </a:effectRef>
+          <a:fontRef idx="minor">
+            <a:schemeClr val="lt1"/>
+          </a:fontRef>
+        </p:style>
+        <p:txBody>
+          <a:bodyPr rtlCol="0" anchor="ctr"/>
+          <a:lstStyle/>
+          <a:p>
+            <a:pPr algn="ctr"/>
+            <a:endParaRPr lang="en-US"/>
+          </a:p>
+        </p:txBody>
+      </p:sp>
+      <p:sp>
+        <p:nvSpPr>
+          <p:cNvPr id="20" name="Rectangle 19">
+            <a:extLst>
+              <a:ext uri="{FF2B5EF4-FFF2-40B4-BE49-F238E27FC236}">
+                <a16:creationId xmlns:a16="http://schemas.microsoft.com/office/drawing/2014/main" id="{FC2AD4A0-4FAA-4F52-A315-4224B27BE052}"/>
+              </a:ext>
+            </a:extLst>
+          </p:cNvPr>
+          <p:cNvSpPr>
+            <a:spLocks noGrp="1" noRot="1" noChangeAspect="1" noMove="1" noResize="1" noEditPoints="1" noAdjustHandles="1" noChangeArrowheads="1" noChangeShapeType="1" noTextEdit="1"/>
+          </p:cNvSpPr>
+          <p:nvPr>
+            <p:extLst>
+              <p:ext uri="{386F3935-93C4-4BCD-93E2-E3B085C9AB24}">
+                <p16:designElem xmlns:p16="http://schemas.microsoft.com/office/powerpoint/2015/main" val="1"/>
+              </p:ext>
+            </p:extLst>
+          </p:nvPr>
+        </p:nvSpPr>
+        <p:spPr>
+          <a:xfrm>
+            <a:off x="3512061" y="321733"/>
+            <a:ext cx="2583939" cy="1955250"/>
+          </a:xfrm>
+          <a:prstGeom prst="rect">
+            <a:avLst/>
+          </a:prstGeom>
+          <a:solidFill>
+            <a:schemeClr val="accent1"/>
+          </a:solidFill>
+          <a:ln>
+            <a:noFill/>
+          </a:ln>
+        </p:spPr>
+        <p:style>
+          <a:lnRef idx="2">
+            <a:schemeClr val="accent1">
+              <a:shade val="50000"/>
+            </a:schemeClr>
+          </a:lnRef>
+          <a:fillRef idx="1">
+            <a:schemeClr val="accent1"/>
+          </a:fillRef>
+          <a:effectRef idx="0">
+            <a:schemeClr val="accent1"/>
+          </a:effectRef>
+          <a:fontRef idx="minor">
+            <a:schemeClr val="lt1"/>
+          </a:fontRef>
+        </p:style>
+        <p:txBody>
+          <a:bodyPr rtlCol="0" anchor="ctr"/>
+          <a:lstStyle/>
+          <a:p>
+            <a:pPr algn="ctr"/>
+            <a:endParaRPr lang="en-US"/>
+          </a:p>
+        </p:txBody>
+      </p:sp>
+      <p:sp>
+        <p:nvSpPr>
+          <p:cNvPr id="22" name="Rectangle 21">
+            <a:extLst>
+              <a:ext uri="{FF2B5EF4-FFF2-40B4-BE49-F238E27FC236}">
+                <a16:creationId xmlns:a16="http://schemas.microsoft.com/office/drawing/2014/main" id="{8A4EEE51-0307-4CE8-813E-AE3BCEBA2442}"/>
+              </a:ext>
+            </a:extLst>
+          </p:cNvPr>
+          <p:cNvSpPr>
+            <a:spLocks noGrp="1" noRot="1" noChangeAspect="1" noMove="1" noResize="1" noEditPoints="1" noAdjustHandles="1" noChangeArrowheads="1" noChangeShapeType="1" noTextEdit="1"/>
+          </p:cNvSpPr>
+          <p:nvPr>
+            <p:extLst>
+              <p:ext uri="{386F3935-93C4-4BCD-93E2-E3B085C9AB24}">
+                <p16:designElem xmlns:p16="http://schemas.microsoft.com/office/powerpoint/2015/main" val="1"/>
+              </p:ext>
+            </p:extLst>
+          </p:nvPr>
+        </p:nvSpPr>
+        <p:spPr>
+          <a:xfrm>
+            <a:off x="321733" y="3879167"/>
+            <a:ext cx="3057906" cy="2135564"/>
+          </a:xfrm>
+          <a:prstGeom prst="rect">
+            <a:avLst/>
+          </a:prstGeom>
+          <a:solidFill>
+            <a:schemeClr val="bg2">
+              <a:lumMod val="75000"/>
+            </a:schemeClr>
+          </a:solidFill>
+          <a:ln>
+            <a:noFill/>
+          </a:ln>
+        </p:spPr>
+        <p:style>
+          <a:lnRef idx="2">
+            <a:schemeClr val="accent1">
+              <a:shade val="50000"/>
+            </a:schemeClr>
+          </a:lnRef>
+          <a:fillRef idx="1">
+            <a:schemeClr val="accent1"/>
+          </a:fillRef>
+          <a:effectRef idx="0">
+            <a:schemeClr val="accent1"/>
+          </a:effectRef>
+          <a:fontRef idx="minor">
+            <a:schemeClr val="lt1"/>
+          </a:fontRef>
+        </p:style>
+        <p:txBody>
+          <a:bodyPr rtlCol="0" anchor="ctr"/>
+          <a:lstStyle/>
+          <a:p>
+            <a:pPr algn="ctr"/>
+            <a:endParaRPr lang="en-US"/>
+          </a:p>
+        </p:txBody>
+      </p:sp>
+      <p:sp>
+        <p:nvSpPr>
+          <p:cNvPr id="24" name="Rectangle 23">
+            <a:extLst>
+              <a:ext uri="{FF2B5EF4-FFF2-40B4-BE49-F238E27FC236}">
+                <a16:creationId xmlns:a16="http://schemas.microsoft.com/office/drawing/2014/main" id="{852BC338-7802-42D3-85C9-B665508F4282}"/>
+              </a:ext>
+            </a:extLst>
+          </p:cNvPr>
+          <p:cNvSpPr>
+            <a:spLocks noGrp="1" noRot="1" noChangeAspect="1" noMove="1" noResize="1" noEditPoints="1" noAdjustHandles="1" noChangeArrowheads="1" noChangeShapeType="1" noTextEdit="1"/>
+          </p:cNvSpPr>
+          <p:nvPr>
+            <p:extLst>
+              <p:ext uri="{386F3935-93C4-4BCD-93E2-E3B085C9AB24}">
+                <p16:designElem xmlns:p16="http://schemas.microsoft.com/office/powerpoint/2015/main" val="1"/>
+              </p:ext>
+            </p:extLst>
+          </p:nvPr>
+        </p:nvSpPr>
+        <p:spPr>
+          <a:xfrm>
+            <a:off x="321733" y="321733"/>
+            <a:ext cx="3057906" cy="3408237"/>
+          </a:xfrm>
+          <a:prstGeom prst="rect">
+            <a:avLst/>
+          </a:prstGeom>
+          <a:solidFill>
+            <a:srgbClr val="FFFFFF"/>
+          </a:solidFill>
+          <a:ln w="63500">
+            <a:noFill/>
+            <a:miter lim="800000"/>
+          </a:ln>
+        </p:spPr>
+        <p:style>
+          <a:lnRef idx="2">
+            <a:schemeClr val="accent1">
+              <a:shade val="50000"/>
+            </a:schemeClr>
+          </a:lnRef>
+          <a:fillRef idx="1">
+            <a:schemeClr val="accent1"/>
+          </a:fillRef>
+          <a:effectRef idx="0">
+            <a:schemeClr val="accent1"/>
+          </a:effectRef>
+          <a:fontRef idx="minor">
+            <a:schemeClr val="lt1"/>
+          </a:fontRef>
+        </p:style>
+        <p:txBody>
+          <a:bodyPr rtlCol="0" anchor="ctr"/>
+          <a:lstStyle/>
+          <a:p>
+            <a:pPr algn="ctr"/>
+            <a:endParaRPr lang="en-US"/>
+          </a:p>
+        </p:txBody>
+      </p:sp>
+      <p:sp>
+        <p:nvSpPr>
+          <p:cNvPr id="26" name="Rectangle 25">
+            <a:extLst>
+              <a:ext uri="{FF2B5EF4-FFF2-40B4-BE49-F238E27FC236}">
+                <a16:creationId xmlns:a16="http://schemas.microsoft.com/office/drawing/2014/main" id="{E9D9FBD3-6E57-4B12-A90A-386ED8F084F0}"/>
+              </a:ext>
+            </a:extLst>
+          </p:cNvPr>
+          <p:cNvSpPr>
+            <a:spLocks noGrp="1" noRot="1" noChangeAspect="1" noMove="1" noResize="1" noEditPoints="1" noAdjustHandles="1" noChangeArrowheads="1" noChangeShapeType="1" noTextEdit="1"/>
+          </p:cNvSpPr>
+          <p:nvPr>
+            <p:extLst>
+              <p:ext uri="{386F3935-93C4-4BCD-93E2-E3B085C9AB24}">
+                <p16:designElem xmlns:p16="http://schemas.microsoft.com/office/powerpoint/2015/main" val="1"/>
+              </p:ext>
+            </p:extLst>
+          </p:nvPr>
+        </p:nvSpPr>
+        <p:spPr>
+          <a:xfrm>
+            <a:off x="3528588" y="2451014"/>
+            <a:ext cx="2567411" cy="3532765"/>
+          </a:xfrm>
+          <a:prstGeom prst="rect">
+            <a:avLst/>
+          </a:prstGeom>
+          <a:solidFill>
+            <a:srgbClr val="FFFFFF"/>
+          </a:solidFill>
+          <a:ln w="63500">
+            <a:noFill/>
+            <a:miter lim="800000"/>
+          </a:ln>
+        </p:spPr>
+        <p:style>
+          <a:lnRef idx="2">
+            <a:schemeClr val="accent1">
+              <a:shade val="50000"/>
+            </a:schemeClr>
+          </a:lnRef>
+          <a:fillRef idx="1">
+            <a:schemeClr val="accent1"/>
+          </a:fillRef>
+          <a:effectRef idx="0">
+            <a:schemeClr val="accent1"/>
+          </a:effectRef>
+          <a:fontRef idx="minor">
+            <a:schemeClr val="lt1"/>
+          </a:fontRef>
+        </p:style>
+        <p:txBody>
+          <a:bodyPr rtlCol="0" anchor="ctr"/>
+          <a:lstStyle/>
+          <a:p>
+            <a:pPr algn="ctr"/>
+            <a:endParaRPr lang="en-US"/>
+          </a:p>
+        </p:txBody>
+      </p:sp>
       <p:pic>
         <p:nvPicPr>
-          <p:cNvPr id="7" name="รูปภาพ 3" descr="รูปภาพประกอบด้วย ภาพหน้าจอ&#10;&#10;คำอธิบายที่สร้างขึ้นโดยมีความน่าเชื่อถือสูงมาก">
-            <a:extLst>
-              <a:ext uri="{FF2B5EF4-FFF2-40B4-BE49-F238E27FC236}">
-                <a16:creationId xmlns:a16="http://schemas.microsoft.com/office/drawing/2014/main" id="{66135AD3-3F19-4759-BF51-0983527724C7}"/>
+          <p:cNvPr id="5" name="รูปภาพ 4" descr="รูปภาพประกอบด้วย ภาพหน้าจอ&#10;&#10;คำอธิบายที่สร้างขึ้นโดยมีความน่าเชื่อถือสูงมาก">
+            <a:extLst>
+              <a:ext uri="{FF2B5EF4-FFF2-40B4-BE49-F238E27FC236}">
+                <a16:creationId xmlns:a16="http://schemas.microsoft.com/office/drawing/2014/main" id="{450B6B47-D13C-4A82-A8A3-BA311598A63B}"/>
               </a:ext>
             </a:extLst>
           </p:cNvPr>
           <p:cNvPicPr>
-            <a:picLocks noGrp="1" noChangeAspect="1"/>
+            <a:picLocks noChangeAspect="1"/>
           </p:cNvPicPr>
-          <p:nvPr>
-            <p:ph idx="1"/>
-          </p:nvPr>
+          <p:nvPr/>
         </p:nvPicPr>
         <p:blipFill>
           <a:blip r:embed="rId2"/>
@@ -10695,20 +10312,50 @@
         </p:blipFill>
         <p:spPr>
           <a:xfrm>
-            <a:off x="816323" y="640081"/>
-            <a:ext cx="5097353" cy="5054156"/>
+            <a:off x="458336" y="991313"/>
+            <a:ext cx="2784700" cy="2069078"/>
           </a:xfrm>
           <a:prstGeom prst="rect">
             <a:avLst/>
           </a:prstGeom>
         </p:spPr>
       </p:pic>
+      <p:pic>
+        <p:nvPicPr>
+          <p:cNvPr id="4" name="รูปภาพ 3" descr="รูปภาพประกอบด้วย ภาพหน้าจอ&#10;&#10;คำอธิบายที่สร้างขึ้นโดยมีความน่าเชื่อถือสูงมาก">
+            <a:extLst>
+              <a:ext uri="{FF2B5EF4-FFF2-40B4-BE49-F238E27FC236}">
+                <a16:creationId xmlns:a16="http://schemas.microsoft.com/office/drawing/2014/main" id="{1F801685-6E00-40AB-AF05-322505648663}"/>
+              </a:ext>
+            </a:extLst>
+          </p:cNvPr>
+          <p:cNvPicPr>
+            <a:picLocks noChangeAspect="1"/>
+          </p:cNvPicPr>
+          <p:nvPr/>
+        </p:nvPicPr>
+        <p:blipFill>
+          <a:blip r:embed="rId3"/>
+          <a:stretch>
+            <a:fillRect/>
+          </a:stretch>
+        </p:blipFill>
+        <p:spPr>
+          <a:xfrm>
+            <a:off x="3664752" y="3037530"/>
+            <a:ext cx="2295082" cy="2359732"/>
+          </a:xfrm>
+          <a:prstGeom prst="rect">
+            <a:avLst/>
+          </a:prstGeom>
+        </p:spPr>
+      </p:pic>
       <p:sp>
         <p:nvSpPr>
           <p:cNvPr id="2" name="ชื่อเรื่อง 1">
             <a:extLst>
               <a:ext uri="{FF2B5EF4-FFF2-40B4-BE49-F238E27FC236}">
-                <a16:creationId xmlns:a16="http://schemas.microsoft.com/office/drawing/2014/main" id="{1BCEE619-6C32-40E4-8587-36FF78C84164}"/>
+                <a16:creationId xmlns:a16="http://schemas.microsoft.com/office/drawing/2014/main" id="{82B121C1-53A2-4706-81FB-84E1B8CA860E}"/>
               </a:ext>
             </a:extLst>
           </p:cNvPr>
@@ -10721,42 +10368,62 @@
         </p:nvSpPr>
         <p:spPr>
           <a:xfrm>
-            <a:off x="6730000" y="639097"/>
-            <a:ext cx="4813072" cy="3686015"/>
+            <a:off x="6956868" y="634946"/>
+            <a:ext cx="4592874" cy="1450757"/>
           </a:xfrm>
         </p:spPr>
         <p:txBody>
-          <a:bodyPr vert="horz" lIns="91440" tIns="45720" rIns="91440" bIns="45720" rtlCol="0" anchor="b">
+          <a:bodyPr>
             <a:normAutofit/>
           </a:bodyPr>
           <a:lstStyle/>
           <a:p>
             <a:r>
-              <a:rPr lang="en-US" sz="8000">
-                <a:solidFill>
-                  <a:schemeClr val="tx1">
-                    <a:lumMod val="85000"/>
-                    <a:lumOff val="15000"/>
-                  </a:schemeClr>
-                </a:solidFill>
-              </a:rPr>
-              <a:t>หน้าเกี่ยวกับโปรแกรม</a:t>
+              <a:rPr lang="th-TH" dirty="0"/>
+              <a:t>นาฬิกานับถอยหลัง</a:t>
             </a:r>
-            <a:endParaRPr lang="en-US" sz="8000" dirty="0">
-              <a:solidFill>
-                <a:schemeClr val="tx1">
-                  <a:lumMod val="85000"/>
-                  <a:lumOff val="15000"/>
-                </a:schemeClr>
-              </a:solidFill>
-            </a:endParaRPr>
+          </a:p>
+        </p:txBody>
+      </p:sp>
+      <p:sp>
+        <p:nvSpPr>
+          <p:cNvPr id="3" name="ตัวแทนเนื้อหา 2">
+            <a:extLst>
+              <a:ext uri="{FF2B5EF4-FFF2-40B4-BE49-F238E27FC236}">
+                <a16:creationId xmlns:a16="http://schemas.microsoft.com/office/drawing/2014/main" id="{AB54CBF3-2F85-454B-B939-8ABE6B080AE3}"/>
+              </a:ext>
+            </a:extLst>
+          </p:cNvPr>
+          <p:cNvSpPr>
+            <a:spLocks noGrp="1"/>
+          </p:cNvSpPr>
+          <p:nvPr>
+            <p:ph idx="1"/>
+          </p:nvPr>
+        </p:nvSpPr>
+        <p:spPr>
+          <a:xfrm>
+            <a:off x="6956868" y="2198914"/>
+            <a:ext cx="4592874" cy="3670180"/>
+          </a:xfrm>
+        </p:spPr>
+        <p:txBody>
+          <a:bodyPr>
+            <a:normAutofit/>
+          </a:bodyPr>
+          <a:lstStyle/>
+          <a:p>
+            <a:r>
+              <a:rPr lang="th-TH" sz="2400" dirty="0"/>
+              <a:t>กำหนดเวลานับถอยหลัง นาที วินาที แล้วกด บันทึก จะขึ้นเวลาที่จะนับถอยหลังในหน่วยวินาที</a:t>
+            </a:r>
           </a:p>
         </p:txBody>
       </p:sp>
     </p:spTree>
     <p:extLst>
       <p:ext uri="{BB962C8B-B14F-4D97-AF65-F5344CB8AC3E}">
-        <p14:creationId xmlns:p14="http://schemas.microsoft.com/office/powerpoint/2010/main" val="4124522545"/>
+        <p14:creationId xmlns:p14="http://schemas.microsoft.com/office/powerpoint/2010/main" val="2773752546"/>
       </p:ext>
     </p:extLst>
   </p:cSld>
@@ -10791,6 +10458,2155 @@
           <a:chExt cx="0" cy="0"/>
         </a:xfrm>
       </p:grpSpPr>
+      <p:sp useBgFill="1">
+        <p:nvSpPr>
+          <p:cNvPr id="19" name="Rectangle 9">
+            <a:extLst>
+              <a:ext uri="{FF2B5EF4-FFF2-40B4-BE49-F238E27FC236}">
+                <a16:creationId xmlns:a16="http://schemas.microsoft.com/office/drawing/2014/main" id="{4CFCD50F-4BF3-4733-BD42-5567080A7017}"/>
+              </a:ext>
+            </a:extLst>
+          </p:cNvPr>
+          <p:cNvSpPr>
+            <a:spLocks noGrp="1" noRot="1" noChangeAspect="1" noMove="1" noResize="1" noEditPoints="1" noAdjustHandles="1" noChangeArrowheads="1" noChangeShapeType="1" noTextEdit="1"/>
+          </p:cNvSpPr>
+          <p:nvPr>
+            <p:extLst>
+              <p:ext uri="{386F3935-93C4-4BCD-93E2-E3B085C9AB24}">
+                <p16:designElem xmlns:p16="http://schemas.microsoft.com/office/powerpoint/2015/main" val="1"/>
+              </p:ext>
+            </p:extLst>
+          </p:nvPr>
+        </p:nvSpPr>
+        <p:spPr>
+          <a:xfrm>
+            <a:off x="0" y="0"/>
+            <a:ext cx="12192001" cy="6334316"/>
+          </a:xfrm>
+          <a:prstGeom prst="rect">
+            <a:avLst/>
+          </a:prstGeom>
+          <a:ln>
+            <a:noFill/>
+          </a:ln>
+        </p:spPr>
+        <p:style>
+          <a:lnRef idx="2">
+            <a:schemeClr val="accent1">
+              <a:shade val="50000"/>
+            </a:schemeClr>
+          </a:lnRef>
+          <a:fillRef idx="1">
+            <a:schemeClr val="accent1"/>
+          </a:fillRef>
+          <a:effectRef idx="0">
+            <a:schemeClr val="accent1"/>
+          </a:effectRef>
+          <a:fontRef idx="minor">
+            <a:schemeClr val="lt1"/>
+          </a:fontRef>
+        </p:style>
+        <p:txBody>
+          <a:bodyPr rtlCol="0" anchor="ctr"/>
+          <a:lstStyle/>
+          <a:p>
+            <a:pPr algn="ctr"/>
+            <a:endParaRPr lang="en-US"/>
+          </a:p>
+        </p:txBody>
+      </p:sp>
+      <p:sp>
+        <p:nvSpPr>
+          <p:cNvPr id="21" name="Rectangle 11">
+            <a:extLst>
+              <a:ext uri="{FF2B5EF4-FFF2-40B4-BE49-F238E27FC236}">
+                <a16:creationId xmlns:a16="http://schemas.microsoft.com/office/drawing/2014/main" id="{7B07ECB0-AC96-4F4F-AB0C-44EA1353CE09}"/>
+              </a:ext>
+            </a:extLst>
+          </p:cNvPr>
+          <p:cNvSpPr>
+            <a:spLocks noGrp="1" noRot="1" noChangeAspect="1" noMove="1" noResize="1" noEditPoints="1" noAdjustHandles="1" noChangeArrowheads="1" noChangeShapeType="1" noTextEdit="1"/>
+          </p:cNvSpPr>
+          <p:nvPr>
+            <p:extLst>
+              <p:ext uri="{386F3935-93C4-4BCD-93E2-E3B085C9AB24}">
+                <p16:designElem xmlns:p16="http://schemas.microsoft.com/office/powerpoint/2015/main" val="1"/>
+              </p:ext>
+            </p:extLst>
+          </p:nvPr>
+        </p:nvSpPr>
+        <p:spPr>
+          <a:xfrm>
+            <a:off x="1" y="6400800"/>
+            <a:ext cx="12192000" cy="457200"/>
+          </a:xfrm>
+          <a:prstGeom prst="rect">
+            <a:avLst/>
+          </a:prstGeom>
+          <a:solidFill>
+            <a:schemeClr val="accent2"/>
+          </a:solidFill>
+          <a:ln>
+            <a:noFill/>
+          </a:ln>
+        </p:spPr>
+        <p:style>
+          <a:lnRef idx="2">
+            <a:schemeClr val="accent1">
+              <a:shade val="50000"/>
+            </a:schemeClr>
+          </a:lnRef>
+          <a:fillRef idx="1">
+            <a:schemeClr val="accent1"/>
+          </a:fillRef>
+          <a:effectRef idx="0">
+            <a:schemeClr val="accent1"/>
+          </a:effectRef>
+          <a:fontRef idx="minor">
+            <a:schemeClr val="lt1"/>
+          </a:fontRef>
+        </p:style>
+      </p:sp>
+      <p:sp>
+        <p:nvSpPr>
+          <p:cNvPr id="23" name="Rectangle 13">
+            <a:extLst>
+              <a:ext uri="{FF2B5EF4-FFF2-40B4-BE49-F238E27FC236}">
+                <a16:creationId xmlns:a16="http://schemas.microsoft.com/office/drawing/2014/main" id="{54D683B1-E7B7-4AF5-8BF1-00757F13FBE1}"/>
+              </a:ext>
+            </a:extLst>
+          </p:cNvPr>
+          <p:cNvSpPr>
+            <a:spLocks noGrp="1" noRot="1" noChangeAspect="1" noMove="1" noResize="1" noEditPoints="1" noAdjustHandles="1" noChangeArrowheads="1" noChangeShapeType="1" noTextEdit="1"/>
+          </p:cNvSpPr>
+          <p:nvPr>
+            <p:extLst>
+              <p:ext uri="{386F3935-93C4-4BCD-93E2-E3B085C9AB24}">
+                <p16:designElem xmlns:p16="http://schemas.microsoft.com/office/powerpoint/2015/main" val="1"/>
+              </p:ext>
+            </p:extLst>
+          </p:nvPr>
+        </p:nvSpPr>
+        <p:spPr>
+          <a:xfrm>
+            <a:off x="15" y="6334316"/>
+            <a:ext cx="12191985" cy="66484"/>
+          </a:xfrm>
+          <a:prstGeom prst="rect">
+            <a:avLst/>
+          </a:prstGeom>
+          <a:solidFill>
+            <a:schemeClr val="accent1"/>
+          </a:solidFill>
+          <a:ln>
+            <a:noFill/>
+          </a:ln>
+        </p:spPr>
+        <p:style>
+          <a:lnRef idx="2">
+            <a:schemeClr val="accent1">
+              <a:shade val="50000"/>
+            </a:schemeClr>
+          </a:lnRef>
+          <a:fillRef idx="1">
+            <a:schemeClr val="accent1"/>
+          </a:fillRef>
+          <a:effectRef idx="0">
+            <a:schemeClr val="accent1"/>
+          </a:effectRef>
+          <a:fontRef idx="minor">
+            <a:schemeClr val="lt1"/>
+          </a:fontRef>
+        </p:style>
+      </p:sp>
+      <p:cxnSp>
+        <p:nvCxnSpPr>
+          <p:cNvPr id="25" name="Straight Connector 15">
+            <a:extLst>
+              <a:ext uri="{FF2B5EF4-FFF2-40B4-BE49-F238E27FC236}">
+                <a16:creationId xmlns:a16="http://schemas.microsoft.com/office/drawing/2014/main" id="{E622A300-A12E-4C3D-A574-71AFFA8F2B51}"/>
+              </a:ext>
+            </a:extLst>
+          </p:cNvPr>
+          <p:cNvCxnSpPr>
+            <a:cxnSpLocks noGrp="1" noRot="1" noChangeAspect="1" noMove="1" noResize="1" noEditPoints="1" noAdjustHandles="1" noChangeArrowheads="1" noChangeShapeType="1"/>
+          </p:cNvCxnSpPr>
+          <p:nvPr>
+            <p:extLst>
+              <p:ext uri="{386F3935-93C4-4BCD-93E2-E3B085C9AB24}">
+                <p16:designElem xmlns:p16="http://schemas.microsoft.com/office/powerpoint/2015/main" val="1"/>
+              </p:ext>
+            </p:extLst>
+          </p:nvPr>
+        </p:nvCxnSpPr>
+        <p:spPr>
+          <a:xfrm>
+            <a:off x="6840096" y="2085703"/>
+            <a:ext cx="4114800" cy="0"/>
+          </a:xfrm>
+          <a:prstGeom prst="line">
+            <a:avLst/>
+          </a:prstGeom>
+          <a:ln w="6350">
+            <a:solidFill>
+              <a:schemeClr val="tx1">
+                <a:lumMod val="50000"/>
+                <a:lumOff val="50000"/>
+                <a:alpha val="90000"/>
+              </a:schemeClr>
+            </a:solidFill>
+          </a:ln>
+        </p:spPr>
+        <p:style>
+          <a:lnRef idx="1">
+            <a:schemeClr val="accent1"/>
+          </a:lnRef>
+          <a:fillRef idx="0">
+            <a:schemeClr val="accent1"/>
+          </a:fillRef>
+          <a:effectRef idx="0">
+            <a:schemeClr val="accent1"/>
+          </a:effectRef>
+          <a:fontRef idx="minor">
+            <a:schemeClr val="tx1"/>
+          </a:fontRef>
+        </p:style>
+      </p:cxnSp>
+      <p:sp>
+        <p:nvSpPr>
+          <p:cNvPr id="18" name="Rectangle 17">
+            <a:extLst>
+              <a:ext uri="{FF2B5EF4-FFF2-40B4-BE49-F238E27FC236}">
+                <a16:creationId xmlns:a16="http://schemas.microsoft.com/office/drawing/2014/main" id="{C24F77B6-3AFC-4981-A39A-15994073E10F}"/>
+              </a:ext>
+            </a:extLst>
+          </p:cNvPr>
+          <p:cNvSpPr>
+            <a:spLocks noGrp="1" noRot="1" noChangeAspect="1" noMove="1" noResize="1" noEditPoints="1" noAdjustHandles="1" noChangeArrowheads="1" noChangeShapeType="1" noTextEdit="1"/>
+          </p:cNvSpPr>
+          <p:nvPr>
+            <p:extLst>
+              <p:ext uri="{386F3935-93C4-4BCD-93E2-E3B085C9AB24}">
+                <p16:designElem xmlns:p16="http://schemas.microsoft.com/office/powerpoint/2015/main" val="1"/>
+              </p:ext>
+            </p:extLst>
+          </p:nvPr>
+        </p:nvSpPr>
+        <p:spPr>
+          <a:xfrm>
+            <a:off x="3512061" y="321733"/>
+            <a:ext cx="2583939" cy="1955250"/>
+          </a:xfrm>
+          <a:prstGeom prst="rect">
+            <a:avLst/>
+          </a:prstGeom>
+          <a:solidFill>
+            <a:schemeClr val="accent1"/>
+          </a:solidFill>
+          <a:ln>
+            <a:noFill/>
+          </a:ln>
+        </p:spPr>
+        <p:style>
+          <a:lnRef idx="2">
+            <a:schemeClr val="accent1">
+              <a:shade val="50000"/>
+            </a:schemeClr>
+          </a:lnRef>
+          <a:fillRef idx="1">
+            <a:schemeClr val="accent1"/>
+          </a:fillRef>
+          <a:effectRef idx="0">
+            <a:schemeClr val="accent1"/>
+          </a:effectRef>
+          <a:fontRef idx="minor">
+            <a:schemeClr val="lt1"/>
+          </a:fontRef>
+        </p:style>
+        <p:txBody>
+          <a:bodyPr rtlCol="0" anchor="ctr"/>
+          <a:lstStyle/>
+          <a:p>
+            <a:pPr algn="ctr"/>
+            <a:endParaRPr lang="en-US"/>
+          </a:p>
+        </p:txBody>
+      </p:sp>
+      <p:sp>
+        <p:nvSpPr>
+          <p:cNvPr id="20" name="Rectangle 19">
+            <a:extLst>
+              <a:ext uri="{FF2B5EF4-FFF2-40B4-BE49-F238E27FC236}">
+                <a16:creationId xmlns:a16="http://schemas.microsoft.com/office/drawing/2014/main" id="{B7D21A87-2874-4438-84BA-E02F7C632784}"/>
+              </a:ext>
+            </a:extLst>
+          </p:cNvPr>
+          <p:cNvSpPr>
+            <a:spLocks noGrp="1" noRot="1" noChangeAspect="1" noMove="1" noResize="1" noEditPoints="1" noAdjustHandles="1" noChangeArrowheads="1" noChangeShapeType="1" noTextEdit="1"/>
+          </p:cNvSpPr>
+          <p:nvPr>
+            <p:extLst>
+              <p:ext uri="{386F3935-93C4-4BCD-93E2-E3B085C9AB24}">
+                <p16:designElem xmlns:p16="http://schemas.microsoft.com/office/powerpoint/2015/main" val="1"/>
+              </p:ext>
+            </p:extLst>
+          </p:nvPr>
+        </p:nvSpPr>
+        <p:spPr>
+          <a:xfrm>
+            <a:off x="321733" y="3879167"/>
+            <a:ext cx="3057906" cy="2135564"/>
+          </a:xfrm>
+          <a:prstGeom prst="rect">
+            <a:avLst/>
+          </a:prstGeom>
+          <a:solidFill>
+            <a:schemeClr val="bg2">
+              <a:lumMod val="90000"/>
+            </a:schemeClr>
+          </a:solidFill>
+          <a:ln>
+            <a:noFill/>
+          </a:ln>
+        </p:spPr>
+        <p:style>
+          <a:lnRef idx="2">
+            <a:schemeClr val="accent1">
+              <a:shade val="50000"/>
+            </a:schemeClr>
+          </a:lnRef>
+          <a:fillRef idx="1">
+            <a:schemeClr val="accent1"/>
+          </a:fillRef>
+          <a:effectRef idx="0">
+            <a:schemeClr val="accent1"/>
+          </a:effectRef>
+          <a:fontRef idx="minor">
+            <a:schemeClr val="lt1"/>
+          </a:fontRef>
+        </p:style>
+        <p:txBody>
+          <a:bodyPr rtlCol="0" anchor="ctr"/>
+          <a:lstStyle/>
+          <a:p>
+            <a:pPr algn="ctr"/>
+            <a:endParaRPr lang="en-US"/>
+          </a:p>
+        </p:txBody>
+      </p:sp>
+      <p:sp>
+        <p:nvSpPr>
+          <p:cNvPr id="22" name="Rectangle 21">
+            <a:extLst>
+              <a:ext uri="{FF2B5EF4-FFF2-40B4-BE49-F238E27FC236}">
+                <a16:creationId xmlns:a16="http://schemas.microsoft.com/office/drawing/2014/main" id="{97C2466A-2320-4205-BDC2-056CD8BC2C53}"/>
+              </a:ext>
+            </a:extLst>
+          </p:cNvPr>
+          <p:cNvSpPr>
+            <a:spLocks noGrp="1" noRot="1" noChangeAspect="1" noMove="1" noResize="1" noEditPoints="1" noAdjustHandles="1" noChangeArrowheads="1" noChangeShapeType="1" noTextEdit="1"/>
+          </p:cNvSpPr>
+          <p:nvPr>
+            <p:extLst>
+              <p:ext uri="{386F3935-93C4-4BCD-93E2-E3B085C9AB24}">
+                <p16:designElem xmlns:p16="http://schemas.microsoft.com/office/powerpoint/2015/main" val="1"/>
+              </p:ext>
+            </p:extLst>
+          </p:nvPr>
+        </p:nvSpPr>
+        <p:spPr>
+          <a:xfrm>
+            <a:off x="321733" y="321733"/>
+            <a:ext cx="3057906" cy="3408237"/>
+          </a:xfrm>
+          <a:prstGeom prst="rect">
+            <a:avLst/>
+          </a:prstGeom>
+          <a:solidFill>
+            <a:srgbClr val="FFFFFF"/>
+          </a:solidFill>
+          <a:ln w="63500">
+            <a:solidFill>
+              <a:schemeClr val="accent1"/>
+            </a:solidFill>
+            <a:miter lim="800000"/>
+          </a:ln>
+        </p:spPr>
+        <p:style>
+          <a:lnRef idx="2">
+            <a:schemeClr val="accent1">
+              <a:shade val="50000"/>
+            </a:schemeClr>
+          </a:lnRef>
+          <a:fillRef idx="1">
+            <a:schemeClr val="accent1"/>
+          </a:fillRef>
+          <a:effectRef idx="0">
+            <a:schemeClr val="accent1"/>
+          </a:effectRef>
+          <a:fontRef idx="minor">
+            <a:schemeClr val="lt1"/>
+          </a:fontRef>
+        </p:style>
+        <p:txBody>
+          <a:bodyPr rtlCol="0" anchor="ctr"/>
+          <a:lstStyle/>
+          <a:p>
+            <a:pPr algn="ctr"/>
+            <a:endParaRPr lang="en-US"/>
+          </a:p>
+        </p:txBody>
+      </p:sp>
+      <p:sp>
+        <p:nvSpPr>
+          <p:cNvPr id="24" name="Rectangle 23">
+            <a:extLst>
+              <a:ext uri="{FF2B5EF4-FFF2-40B4-BE49-F238E27FC236}">
+                <a16:creationId xmlns:a16="http://schemas.microsoft.com/office/drawing/2014/main" id="{0B0A69F5-520C-404C-9614-071AAE13870F}"/>
+              </a:ext>
+            </a:extLst>
+          </p:cNvPr>
+          <p:cNvSpPr>
+            <a:spLocks noGrp="1" noRot="1" noChangeAspect="1" noMove="1" noResize="1" noEditPoints="1" noAdjustHandles="1" noChangeArrowheads="1" noChangeShapeType="1" noTextEdit="1"/>
+          </p:cNvSpPr>
+          <p:nvPr>
+            <p:extLst>
+              <p:ext uri="{386F3935-93C4-4BCD-93E2-E3B085C9AB24}">
+                <p16:designElem xmlns:p16="http://schemas.microsoft.com/office/powerpoint/2015/main" val="1"/>
+              </p:ext>
+            </p:extLst>
+          </p:nvPr>
+        </p:nvSpPr>
+        <p:spPr>
+          <a:xfrm>
+            <a:off x="3528588" y="2451014"/>
+            <a:ext cx="2567411" cy="3532765"/>
+          </a:xfrm>
+          <a:prstGeom prst="rect">
+            <a:avLst/>
+          </a:prstGeom>
+          <a:solidFill>
+            <a:srgbClr val="FFFFFF"/>
+          </a:solidFill>
+          <a:ln w="63500">
+            <a:solidFill>
+              <a:schemeClr val="accent1"/>
+            </a:solidFill>
+            <a:miter lim="800000"/>
+          </a:ln>
+        </p:spPr>
+        <p:style>
+          <a:lnRef idx="2">
+            <a:schemeClr val="accent1">
+              <a:shade val="50000"/>
+            </a:schemeClr>
+          </a:lnRef>
+          <a:fillRef idx="1">
+            <a:schemeClr val="accent1"/>
+          </a:fillRef>
+          <a:effectRef idx="0">
+            <a:schemeClr val="accent1"/>
+          </a:effectRef>
+          <a:fontRef idx="minor">
+            <a:schemeClr val="lt1"/>
+          </a:fontRef>
+        </p:style>
+        <p:txBody>
+          <a:bodyPr rtlCol="0" anchor="ctr"/>
+          <a:lstStyle/>
+          <a:p>
+            <a:pPr algn="ctr"/>
+            <a:endParaRPr lang="en-US"/>
+          </a:p>
+        </p:txBody>
+      </p:sp>
+      <p:pic>
+        <p:nvPicPr>
+          <p:cNvPr id="5" name="รูปภาพ 4" descr="รูปภาพประกอบด้วย ภาพหน้าจอ&#10;&#10;คำอธิบายที่สร้างขึ้นโดยมีความน่าเชื่อถือสูงมาก">
+            <a:extLst>
+              <a:ext uri="{FF2B5EF4-FFF2-40B4-BE49-F238E27FC236}">
+                <a16:creationId xmlns:a16="http://schemas.microsoft.com/office/drawing/2014/main" id="{DC2BD019-70D7-4F5D-B929-367AF3A35226}"/>
+              </a:ext>
+            </a:extLst>
+          </p:cNvPr>
+          <p:cNvPicPr>
+            <a:picLocks noChangeAspect="1"/>
+          </p:cNvPicPr>
+          <p:nvPr/>
+        </p:nvPicPr>
+        <p:blipFill>
+          <a:blip r:embed="rId2"/>
+          <a:stretch>
+            <a:fillRect/>
+          </a:stretch>
+        </p:blipFill>
+        <p:spPr>
+          <a:xfrm>
+            <a:off x="458336" y="991313"/>
+            <a:ext cx="2784700" cy="2069078"/>
+          </a:xfrm>
+          <a:prstGeom prst="rect">
+            <a:avLst/>
+          </a:prstGeom>
+        </p:spPr>
+      </p:pic>
+      <p:pic>
+        <p:nvPicPr>
+          <p:cNvPr id="4" name="รูปภาพ 3" descr="รูปภาพประกอบด้วย ภาพหน้าจอ&#10;&#10;คำอธิบายที่สร้างขึ้นโดยมีความน่าเชื่อถือสูงมาก">
+            <a:extLst>
+              <a:ext uri="{FF2B5EF4-FFF2-40B4-BE49-F238E27FC236}">
+                <a16:creationId xmlns:a16="http://schemas.microsoft.com/office/drawing/2014/main" id="{6E59260F-A528-42F5-8BB5-2B49ADB79FDA}"/>
+              </a:ext>
+            </a:extLst>
+          </p:cNvPr>
+          <p:cNvPicPr>
+            <a:picLocks noChangeAspect="1"/>
+          </p:cNvPicPr>
+          <p:nvPr/>
+        </p:nvPicPr>
+        <p:blipFill>
+          <a:blip r:embed="rId3"/>
+          <a:stretch>
+            <a:fillRect/>
+          </a:stretch>
+        </p:blipFill>
+        <p:spPr>
+          <a:xfrm>
+            <a:off x="3664752" y="3086018"/>
+            <a:ext cx="2295082" cy="2262756"/>
+          </a:xfrm>
+          <a:prstGeom prst="rect">
+            <a:avLst/>
+          </a:prstGeom>
+        </p:spPr>
+      </p:pic>
+      <p:sp>
+        <p:nvSpPr>
+          <p:cNvPr id="2" name="ชื่อเรื่อง 1">
+            <a:extLst>
+              <a:ext uri="{FF2B5EF4-FFF2-40B4-BE49-F238E27FC236}">
+                <a16:creationId xmlns:a16="http://schemas.microsoft.com/office/drawing/2014/main" id="{BB8A7A8B-47DC-4506-8C80-22CFC61BB983}"/>
+              </a:ext>
+            </a:extLst>
+          </p:cNvPr>
+          <p:cNvSpPr>
+            <a:spLocks noGrp="1"/>
+          </p:cNvSpPr>
+          <p:nvPr>
+            <p:ph type="title"/>
+          </p:nvPr>
+        </p:nvSpPr>
+        <p:spPr>
+          <a:xfrm>
+            <a:off x="6728459" y="634946"/>
+            <a:ext cx="4821283" cy="1450757"/>
+          </a:xfrm>
+        </p:spPr>
+        <p:txBody>
+          <a:bodyPr>
+            <a:normAutofit/>
+          </a:bodyPr>
+          <a:lstStyle/>
+          <a:p>
+            <a:r>
+              <a:rPr lang="th-TH" dirty="0"/>
+              <a:t>นาฬิกานับถอยหลัง</a:t>
+            </a:r>
+          </a:p>
+        </p:txBody>
+      </p:sp>
+      <p:sp>
+        <p:nvSpPr>
+          <p:cNvPr id="3" name="ตัวแทนเนื้อหา 2">
+            <a:extLst>
+              <a:ext uri="{FF2B5EF4-FFF2-40B4-BE49-F238E27FC236}">
+                <a16:creationId xmlns:a16="http://schemas.microsoft.com/office/drawing/2014/main" id="{C347E7C0-282E-432B-A604-F63AE99EF7A1}"/>
+              </a:ext>
+            </a:extLst>
+          </p:cNvPr>
+          <p:cNvSpPr>
+            <a:spLocks noGrp="1"/>
+          </p:cNvSpPr>
+          <p:nvPr>
+            <p:ph idx="1"/>
+          </p:nvPr>
+        </p:nvSpPr>
+        <p:spPr>
+          <a:xfrm>
+            <a:off x="6728459" y="2198914"/>
+            <a:ext cx="4821283" cy="3670180"/>
+          </a:xfrm>
+        </p:spPr>
+        <p:txBody>
+          <a:bodyPr>
+            <a:normAutofit/>
+          </a:bodyPr>
+          <a:lstStyle/>
+          <a:p>
+            <a:pPr>
+              <a:buFont typeface="Wingdings" panose="05000000000000000000" pitchFamily="2" charset="2"/>
+              <a:buChar char="Ø"/>
+            </a:pPr>
+            <a:r>
+              <a:rPr lang="th-TH" sz="2400" dirty="0"/>
+              <a:t>พอกด </a:t>
+            </a:r>
+            <a:r>
+              <a:rPr lang="en-US" sz="2400" dirty="0"/>
+              <a:t>OK </a:t>
+            </a:r>
+            <a:r>
+              <a:rPr lang="th-TH" sz="2400" dirty="0"/>
+              <a:t>จะเริ่มการนับถอยหลัง และ ปุ่มเริ่มนับถอยหลังก็จะเปลี่ยนเป็นปุ่ม กำลังนับถอยหลัง...</a:t>
+            </a:r>
+          </a:p>
+          <a:p>
+            <a:pPr>
+              <a:buFont typeface="Wingdings" panose="05000000000000000000" pitchFamily="2" charset="2"/>
+              <a:buChar char="Ø"/>
+            </a:pPr>
+            <a:r>
+              <a:rPr lang="th-TH" sz="2400" dirty="0"/>
+              <a:t>ปุ่มตั้งค่าเวลา เปลี่ยนเป็น หยุดและตั้งค่าเวลาใหม่</a:t>
+            </a:r>
+          </a:p>
+        </p:txBody>
+      </p:sp>
+    </p:spTree>
+    <p:extLst>
+      <p:ext uri="{BB962C8B-B14F-4D97-AF65-F5344CB8AC3E}">
+        <p14:creationId xmlns:p14="http://schemas.microsoft.com/office/powerpoint/2010/main" val="2772789877"/>
+      </p:ext>
+    </p:extLst>
+  </p:cSld>
+  <p:clrMapOvr>
+    <a:masterClrMapping/>
+  </p:clrMapOvr>
+</p:sld>
+</file>
+
+<file path=ppt/slides/slide24.xml><?xml version="1.0" encoding="utf-8"?>
+<p:sld xmlns:a="http://schemas.openxmlformats.org/drawingml/2006/main" xmlns:r="http://schemas.openxmlformats.org/officeDocument/2006/relationships" xmlns:p="http://schemas.openxmlformats.org/presentationml/2006/main">
+  <p:cSld>
+    <p:bg>
+      <p:bgPr>
+        <a:solidFill>
+          <a:schemeClr val="bg1"/>
+        </a:solidFill>
+        <a:effectLst/>
+      </p:bgPr>
+    </p:bg>
+    <p:spTree>
+      <p:nvGrpSpPr>
+        <p:cNvPr id="1" name=""/>
+        <p:cNvGrpSpPr/>
+        <p:nvPr/>
+      </p:nvGrpSpPr>
+      <p:grpSpPr>
+        <a:xfrm>
+          <a:off x="0" y="0"/>
+          <a:ext cx="0" cy="0"/>
+          <a:chOff x="0" y="0"/>
+          <a:chExt cx="0" cy="0"/>
+        </a:xfrm>
+      </p:grpSpPr>
+      <p:sp>
+        <p:nvSpPr>
+          <p:cNvPr id="27" name="Rectangle 26">
+            <a:extLst>
+              <a:ext uri="{FF2B5EF4-FFF2-40B4-BE49-F238E27FC236}">
+                <a16:creationId xmlns:a16="http://schemas.microsoft.com/office/drawing/2014/main" id="{4E4490D0-3672-446A-AC12-B4830333BDDD}"/>
+              </a:ext>
+            </a:extLst>
+          </p:cNvPr>
+          <p:cNvSpPr>
+            <a:spLocks noGrp="1" noRot="1" noChangeAspect="1" noMove="1" noResize="1" noEditPoints="1" noAdjustHandles="1" noChangeArrowheads="1" noChangeShapeType="1" noTextEdit="1"/>
+          </p:cNvSpPr>
+          <p:nvPr>
+            <p:extLst>
+              <p:ext uri="{386F3935-93C4-4BCD-93E2-E3B085C9AB24}">
+                <p16:designElem xmlns:p16="http://schemas.microsoft.com/office/powerpoint/2015/main" val="1"/>
+              </p:ext>
+            </p:extLst>
+          </p:nvPr>
+        </p:nvSpPr>
+        <p:spPr>
+          <a:xfrm>
+            <a:off x="3175" y="6400800"/>
+            <a:ext cx="12188825" cy="457200"/>
+          </a:xfrm>
+          <a:prstGeom prst="rect">
+            <a:avLst/>
+          </a:prstGeom>
+          <a:solidFill>
+            <a:schemeClr val="accent2"/>
+          </a:solidFill>
+          <a:ln>
+            <a:noFill/>
+          </a:ln>
+        </p:spPr>
+        <p:style>
+          <a:lnRef idx="2">
+            <a:schemeClr val="accent1">
+              <a:shade val="50000"/>
+            </a:schemeClr>
+          </a:lnRef>
+          <a:fillRef idx="1">
+            <a:schemeClr val="accent1"/>
+          </a:fillRef>
+          <a:effectRef idx="0">
+            <a:schemeClr val="accent1"/>
+          </a:effectRef>
+          <a:fontRef idx="minor">
+            <a:schemeClr val="lt1"/>
+          </a:fontRef>
+        </p:style>
+      </p:sp>
+      <p:sp>
+        <p:nvSpPr>
+          <p:cNvPr id="29" name="Rectangle 28">
+            <a:extLst>
+              <a:ext uri="{FF2B5EF4-FFF2-40B4-BE49-F238E27FC236}">
+                <a16:creationId xmlns:a16="http://schemas.microsoft.com/office/drawing/2014/main" id="{39CB82C2-DF65-4EC1-8280-F201D50F570B}"/>
+              </a:ext>
+            </a:extLst>
+          </p:cNvPr>
+          <p:cNvSpPr>
+            <a:spLocks noGrp="1" noRot="1" noChangeAspect="1" noMove="1" noResize="1" noEditPoints="1" noAdjustHandles="1" noChangeArrowheads="1" noChangeShapeType="1" noTextEdit="1"/>
+          </p:cNvSpPr>
+          <p:nvPr>
+            <p:extLst>
+              <p:ext uri="{386F3935-93C4-4BCD-93E2-E3B085C9AB24}">
+                <p16:designElem xmlns:p16="http://schemas.microsoft.com/office/powerpoint/2015/main" val="1"/>
+              </p:ext>
+            </p:extLst>
+          </p:nvPr>
+        </p:nvSpPr>
+        <p:spPr>
+          <a:xfrm>
+            <a:off x="15" y="6334316"/>
+            <a:ext cx="12188825" cy="64008"/>
+          </a:xfrm>
+          <a:prstGeom prst="rect">
+            <a:avLst/>
+          </a:prstGeom>
+          <a:solidFill>
+            <a:schemeClr val="accent1"/>
+          </a:solidFill>
+          <a:ln>
+            <a:noFill/>
+          </a:ln>
+        </p:spPr>
+        <p:style>
+          <a:lnRef idx="2">
+            <a:schemeClr val="accent1">
+              <a:shade val="50000"/>
+            </a:schemeClr>
+          </a:lnRef>
+          <a:fillRef idx="1">
+            <a:schemeClr val="accent1"/>
+          </a:fillRef>
+          <a:effectRef idx="0">
+            <a:schemeClr val="accent1"/>
+          </a:effectRef>
+          <a:fontRef idx="minor">
+            <a:schemeClr val="lt1"/>
+          </a:fontRef>
+        </p:style>
+      </p:sp>
+      <p:cxnSp>
+        <p:nvCxnSpPr>
+          <p:cNvPr id="31" name="Straight Connector 30">
+            <a:extLst>
+              <a:ext uri="{FF2B5EF4-FFF2-40B4-BE49-F238E27FC236}">
+                <a16:creationId xmlns:a16="http://schemas.microsoft.com/office/drawing/2014/main" id="{7E1D4427-852B-4B37-8E76-0E9F1810BA2A}"/>
+              </a:ext>
+            </a:extLst>
+          </p:cNvPr>
+          <p:cNvCxnSpPr>
+            <a:cxnSpLocks noGrp="1" noRot="1" noChangeAspect="1" noMove="1" noResize="1" noEditPoints="1" noAdjustHandles="1" noChangeArrowheads="1" noChangeShapeType="1"/>
+          </p:cNvCxnSpPr>
+          <p:nvPr>
+            <p:extLst>
+              <p:ext uri="{386F3935-93C4-4BCD-93E2-E3B085C9AB24}">
+                <p16:designElem xmlns:p16="http://schemas.microsoft.com/office/powerpoint/2015/main" val="1"/>
+              </p:ext>
+            </p:extLst>
+          </p:nvPr>
+        </p:nvCxnSpPr>
+        <p:spPr>
+          <a:xfrm>
+            <a:off x="1207658" y="4343400"/>
+            <a:ext cx="9875520" cy="0"/>
+          </a:xfrm>
+          <a:prstGeom prst="line">
+            <a:avLst/>
+          </a:prstGeom>
+          <a:ln w="6350">
+            <a:solidFill>
+              <a:schemeClr val="tx1">
+                <a:lumMod val="50000"/>
+                <a:lumOff val="50000"/>
+              </a:schemeClr>
+            </a:solidFill>
+          </a:ln>
+        </p:spPr>
+        <p:style>
+          <a:lnRef idx="1">
+            <a:schemeClr val="accent1"/>
+          </a:lnRef>
+          <a:fillRef idx="0">
+            <a:schemeClr val="accent1"/>
+          </a:fillRef>
+          <a:effectRef idx="0">
+            <a:schemeClr val="accent1"/>
+          </a:effectRef>
+          <a:fontRef idx="minor">
+            <a:schemeClr val="tx1"/>
+          </a:fontRef>
+        </p:style>
+      </p:cxnSp>
+      <p:sp useBgFill="1">
+        <p:nvSpPr>
+          <p:cNvPr id="33" name="Rectangle 32">
+            <a:extLst>
+              <a:ext uri="{FF2B5EF4-FFF2-40B4-BE49-F238E27FC236}">
+                <a16:creationId xmlns:a16="http://schemas.microsoft.com/office/drawing/2014/main" id="{5AE6C737-FF55-4064-94B7-0B21D2EB6045}"/>
+              </a:ext>
+            </a:extLst>
+          </p:cNvPr>
+          <p:cNvSpPr>
+            <a:spLocks noGrp="1" noRot="1" noChangeAspect="1" noMove="1" noResize="1" noEditPoints="1" noAdjustHandles="1" noChangeArrowheads="1" noChangeShapeType="1" noTextEdit="1"/>
+          </p:cNvSpPr>
+          <p:nvPr>
+            <p:extLst>
+              <p:ext uri="{386F3935-93C4-4BCD-93E2-E3B085C9AB24}">
+                <p16:designElem xmlns:p16="http://schemas.microsoft.com/office/powerpoint/2015/main" val="1"/>
+              </p:ext>
+            </p:extLst>
+          </p:nvPr>
+        </p:nvSpPr>
+        <p:spPr>
+          <a:xfrm>
+            <a:off x="0" y="0"/>
+            <a:ext cx="12192001" cy="6334316"/>
+          </a:xfrm>
+          <a:prstGeom prst="rect">
+            <a:avLst/>
+          </a:prstGeom>
+          <a:ln>
+            <a:noFill/>
+          </a:ln>
+        </p:spPr>
+        <p:style>
+          <a:lnRef idx="2">
+            <a:schemeClr val="accent1">
+              <a:shade val="50000"/>
+            </a:schemeClr>
+          </a:lnRef>
+          <a:fillRef idx="1">
+            <a:schemeClr val="accent1"/>
+          </a:fillRef>
+          <a:effectRef idx="0">
+            <a:schemeClr val="accent1"/>
+          </a:effectRef>
+          <a:fontRef idx="minor">
+            <a:schemeClr val="lt1"/>
+          </a:fontRef>
+        </p:style>
+        <p:txBody>
+          <a:bodyPr rtlCol="0" anchor="ctr"/>
+          <a:lstStyle/>
+          <a:p>
+            <a:pPr algn="ctr"/>
+            <a:endParaRPr lang="en-US"/>
+          </a:p>
+        </p:txBody>
+      </p:sp>
+      <p:sp>
+        <p:nvSpPr>
+          <p:cNvPr id="35" name="Rectangle 34">
+            <a:extLst>
+              <a:ext uri="{FF2B5EF4-FFF2-40B4-BE49-F238E27FC236}">
+                <a16:creationId xmlns:a16="http://schemas.microsoft.com/office/drawing/2014/main" id="{2D3DCA99-84AF-487A-BF72-91C5FA6B0B70}"/>
+              </a:ext>
+            </a:extLst>
+          </p:cNvPr>
+          <p:cNvSpPr>
+            <a:spLocks noGrp="1" noRot="1" noChangeAspect="1" noMove="1" noResize="1" noEditPoints="1" noAdjustHandles="1" noChangeArrowheads="1" noChangeShapeType="1" noTextEdit="1"/>
+          </p:cNvSpPr>
+          <p:nvPr>
+            <p:extLst>
+              <p:ext uri="{386F3935-93C4-4BCD-93E2-E3B085C9AB24}">
+                <p16:designElem xmlns:p16="http://schemas.microsoft.com/office/powerpoint/2015/main" val="1"/>
+              </p:ext>
+            </p:extLst>
+          </p:nvPr>
+        </p:nvSpPr>
+        <p:spPr>
+          <a:xfrm>
+            <a:off x="1" y="6400800"/>
+            <a:ext cx="12192000" cy="457200"/>
+          </a:xfrm>
+          <a:prstGeom prst="rect">
+            <a:avLst/>
+          </a:prstGeom>
+          <a:solidFill>
+            <a:schemeClr val="accent2"/>
+          </a:solidFill>
+          <a:ln>
+            <a:noFill/>
+          </a:ln>
+        </p:spPr>
+        <p:style>
+          <a:lnRef idx="2">
+            <a:schemeClr val="accent1">
+              <a:shade val="50000"/>
+            </a:schemeClr>
+          </a:lnRef>
+          <a:fillRef idx="1">
+            <a:schemeClr val="accent1"/>
+          </a:fillRef>
+          <a:effectRef idx="0">
+            <a:schemeClr val="accent1"/>
+          </a:effectRef>
+          <a:fontRef idx="minor">
+            <a:schemeClr val="lt1"/>
+          </a:fontRef>
+        </p:style>
+      </p:sp>
+      <p:sp>
+        <p:nvSpPr>
+          <p:cNvPr id="37" name="Rectangle 36">
+            <a:extLst>
+              <a:ext uri="{FF2B5EF4-FFF2-40B4-BE49-F238E27FC236}">
+                <a16:creationId xmlns:a16="http://schemas.microsoft.com/office/drawing/2014/main" id="{D8218D9F-38B6-4AE0-9051-5434D19A5277}"/>
+              </a:ext>
+            </a:extLst>
+          </p:cNvPr>
+          <p:cNvSpPr>
+            <a:spLocks noGrp="1" noRot="1" noChangeAspect="1" noMove="1" noResize="1" noEditPoints="1" noAdjustHandles="1" noChangeArrowheads="1" noChangeShapeType="1" noTextEdit="1"/>
+          </p:cNvSpPr>
+          <p:nvPr>
+            <p:extLst>
+              <p:ext uri="{386F3935-93C4-4BCD-93E2-E3B085C9AB24}">
+                <p16:designElem xmlns:p16="http://schemas.microsoft.com/office/powerpoint/2015/main" val="1"/>
+              </p:ext>
+            </p:extLst>
+          </p:nvPr>
+        </p:nvSpPr>
+        <p:spPr>
+          <a:xfrm>
+            <a:off x="15" y="6334316"/>
+            <a:ext cx="12191985" cy="66484"/>
+          </a:xfrm>
+          <a:prstGeom prst="rect">
+            <a:avLst/>
+          </a:prstGeom>
+          <a:solidFill>
+            <a:schemeClr val="accent1"/>
+          </a:solidFill>
+          <a:ln>
+            <a:noFill/>
+          </a:ln>
+        </p:spPr>
+        <p:style>
+          <a:lnRef idx="2">
+            <a:schemeClr val="accent1">
+              <a:shade val="50000"/>
+            </a:schemeClr>
+          </a:lnRef>
+          <a:fillRef idx="1">
+            <a:schemeClr val="accent1"/>
+          </a:fillRef>
+          <a:effectRef idx="0">
+            <a:schemeClr val="accent1"/>
+          </a:effectRef>
+          <a:fontRef idx="minor">
+            <a:schemeClr val="lt1"/>
+          </a:fontRef>
+        </p:style>
+      </p:sp>
+      <p:cxnSp>
+        <p:nvCxnSpPr>
+          <p:cNvPr id="39" name="Straight Connector 38">
+            <a:extLst>
+              <a:ext uri="{FF2B5EF4-FFF2-40B4-BE49-F238E27FC236}">
+                <a16:creationId xmlns:a16="http://schemas.microsoft.com/office/drawing/2014/main" id="{6B5B1DD8-6224-4137-8621-32982B00F9FC}"/>
+              </a:ext>
+            </a:extLst>
+          </p:cNvPr>
+          <p:cNvCxnSpPr>
+            <a:cxnSpLocks noGrp="1" noRot="1" noChangeAspect="1" noMove="1" noResize="1" noEditPoints="1" noAdjustHandles="1" noChangeArrowheads="1" noChangeShapeType="1"/>
+          </p:cNvCxnSpPr>
+          <p:nvPr>
+            <p:extLst>
+              <p:ext uri="{386F3935-93C4-4BCD-93E2-E3B085C9AB24}">
+                <p16:designElem xmlns:p16="http://schemas.microsoft.com/office/powerpoint/2015/main" val="1"/>
+              </p:ext>
+            </p:extLst>
+          </p:nvPr>
+        </p:nvCxnSpPr>
+        <p:spPr>
+          <a:xfrm>
+            <a:off x="6805053" y="4343400"/>
+            <a:ext cx="4389120" cy="0"/>
+          </a:xfrm>
+          <a:prstGeom prst="line">
+            <a:avLst/>
+          </a:prstGeom>
+          <a:ln w="6350">
+            <a:solidFill>
+              <a:schemeClr val="tx2">
+                <a:alpha val="90000"/>
+              </a:schemeClr>
+            </a:solidFill>
+          </a:ln>
+        </p:spPr>
+        <p:style>
+          <a:lnRef idx="1">
+            <a:schemeClr val="accent1"/>
+          </a:lnRef>
+          <a:fillRef idx="0">
+            <a:schemeClr val="accent1"/>
+          </a:fillRef>
+          <a:effectRef idx="0">
+            <a:schemeClr val="accent1"/>
+          </a:effectRef>
+          <a:fontRef idx="minor">
+            <a:schemeClr val="tx1"/>
+          </a:fontRef>
+        </p:style>
+      </p:cxnSp>
+      <p:pic>
+        <p:nvPicPr>
+          <p:cNvPr id="7" name="รูปภาพ 3" descr="รูปภาพประกอบด้วย ภาพหน้าจอ&#10;&#10;คำอธิบายที่สร้างขึ้นโดยมีความน่าเชื่อถือสูงมาก">
+            <a:extLst>
+              <a:ext uri="{FF2B5EF4-FFF2-40B4-BE49-F238E27FC236}">
+                <a16:creationId xmlns:a16="http://schemas.microsoft.com/office/drawing/2014/main" id="{66135AD3-3F19-4759-BF51-0983527724C7}"/>
+              </a:ext>
+            </a:extLst>
+          </p:cNvPr>
+          <p:cNvPicPr>
+            <a:picLocks noGrp="1" noChangeAspect="1"/>
+          </p:cNvPicPr>
+          <p:nvPr>
+            <p:ph idx="1"/>
+          </p:nvPr>
+        </p:nvPicPr>
+        <p:blipFill>
+          <a:blip r:embed="rId2"/>
+          <a:stretch>
+            <a:fillRect/>
+          </a:stretch>
+        </p:blipFill>
+        <p:spPr>
+          <a:xfrm>
+            <a:off x="816323" y="640081"/>
+            <a:ext cx="5097353" cy="5054156"/>
+          </a:xfrm>
+          <a:prstGeom prst="rect">
+            <a:avLst/>
+          </a:prstGeom>
+        </p:spPr>
+      </p:pic>
+      <p:sp>
+        <p:nvSpPr>
+          <p:cNvPr id="2" name="ชื่อเรื่อง 1">
+            <a:extLst>
+              <a:ext uri="{FF2B5EF4-FFF2-40B4-BE49-F238E27FC236}">
+                <a16:creationId xmlns:a16="http://schemas.microsoft.com/office/drawing/2014/main" id="{1BCEE619-6C32-40E4-8587-36FF78C84164}"/>
+              </a:ext>
+            </a:extLst>
+          </p:cNvPr>
+          <p:cNvSpPr>
+            <a:spLocks noGrp="1"/>
+          </p:cNvSpPr>
+          <p:nvPr>
+            <p:ph type="title"/>
+          </p:nvPr>
+        </p:nvSpPr>
+        <p:spPr>
+          <a:xfrm>
+            <a:off x="6730000" y="639097"/>
+            <a:ext cx="4813072" cy="3686015"/>
+          </a:xfrm>
+        </p:spPr>
+        <p:txBody>
+          <a:bodyPr vert="horz" lIns="91440" tIns="45720" rIns="91440" bIns="45720" rtlCol="0" anchor="b">
+            <a:normAutofit/>
+          </a:bodyPr>
+          <a:lstStyle/>
+          <a:p>
+            <a:r>
+              <a:rPr lang="en-US" sz="8000">
+                <a:solidFill>
+                  <a:schemeClr val="tx1">
+                    <a:lumMod val="85000"/>
+                    <a:lumOff val="15000"/>
+                  </a:schemeClr>
+                </a:solidFill>
+              </a:rPr>
+              <a:t>หน้าเกี่ยวกับโปรแกรม</a:t>
+            </a:r>
+            <a:endParaRPr lang="en-US" sz="8000" dirty="0">
+              <a:solidFill>
+                <a:schemeClr val="tx1">
+                  <a:lumMod val="85000"/>
+                  <a:lumOff val="15000"/>
+                </a:schemeClr>
+              </a:solidFill>
+            </a:endParaRPr>
+          </a:p>
+        </p:txBody>
+      </p:sp>
+    </p:spTree>
+    <p:extLst>
+      <p:ext uri="{BB962C8B-B14F-4D97-AF65-F5344CB8AC3E}">
+        <p14:creationId xmlns:p14="http://schemas.microsoft.com/office/powerpoint/2010/main" val="4124522545"/>
+      </p:ext>
+    </p:extLst>
+  </p:cSld>
+  <p:clrMapOvr>
+    <a:masterClrMapping/>
+  </p:clrMapOvr>
+</p:sld>
+</file>
+
+<file path=ppt/slides/slide25.xml><?xml version="1.0" encoding="utf-8"?>
+<p:sld xmlns:a="http://schemas.openxmlformats.org/drawingml/2006/main" xmlns:r="http://schemas.openxmlformats.org/officeDocument/2006/relationships" xmlns:p="http://schemas.openxmlformats.org/presentationml/2006/main">
+  <p:cSld>
+    <p:bg>
+      <p:bgPr>
+        <a:solidFill>
+          <a:schemeClr val="bg1"/>
+        </a:solidFill>
+        <a:effectLst/>
+      </p:bgPr>
+    </p:bg>
+    <p:spTree>
+      <p:nvGrpSpPr>
+        <p:cNvPr id="1" name=""/>
+        <p:cNvGrpSpPr/>
+        <p:nvPr/>
+      </p:nvGrpSpPr>
+      <p:grpSpPr>
+        <a:xfrm>
+          <a:off x="0" y="0"/>
+          <a:ext cx="0" cy="0"/>
+          <a:chOff x="0" y="0"/>
+          <a:chExt cx="0" cy="0"/>
+        </a:xfrm>
+      </p:grpSpPr>
+      <p:sp useBgFill="1">
+        <p:nvSpPr>
+          <p:cNvPr id="13" name="Rectangle 12">
+            <a:extLst>
+              <a:ext uri="{FF2B5EF4-FFF2-40B4-BE49-F238E27FC236}">
+                <a16:creationId xmlns:a16="http://schemas.microsoft.com/office/drawing/2014/main" id="{52ABB703-2B0E-4C3B-B4A2-F3973548E561}"/>
+              </a:ext>
+            </a:extLst>
+          </p:cNvPr>
+          <p:cNvSpPr>
+            <a:spLocks noGrp="1" noRot="1" noChangeAspect="1" noMove="1" noResize="1" noEditPoints="1" noAdjustHandles="1" noChangeArrowheads="1" noChangeShapeType="1" noTextEdit="1"/>
+          </p:cNvSpPr>
+          <p:nvPr>
+            <p:extLst>
+              <p:ext uri="{386F3935-93C4-4BCD-93E2-E3B085C9AB24}">
+                <p16:designElem xmlns:p16="http://schemas.microsoft.com/office/powerpoint/2015/main" val="1"/>
+              </p:ext>
+            </p:extLst>
+          </p:nvPr>
+        </p:nvSpPr>
+        <p:spPr>
+          <a:xfrm>
+            <a:off x="0" y="0"/>
+            <a:ext cx="12192001" cy="6334316"/>
+          </a:xfrm>
+          <a:prstGeom prst="rect">
+            <a:avLst/>
+          </a:prstGeom>
+          <a:ln>
+            <a:noFill/>
+          </a:ln>
+        </p:spPr>
+        <p:style>
+          <a:lnRef idx="2">
+            <a:schemeClr val="accent1">
+              <a:shade val="50000"/>
+            </a:schemeClr>
+          </a:lnRef>
+          <a:fillRef idx="1">
+            <a:schemeClr val="accent1"/>
+          </a:fillRef>
+          <a:effectRef idx="0">
+            <a:schemeClr val="accent1"/>
+          </a:effectRef>
+          <a:fontRef idx="minor">
+            <a:schemeClr val="lt1"/>
+          </a:fontRef>
+        </p:style>
+        <p:txBody>
+          <a:bodyPr rtlCol="0" anchor="ctr"/>
+          <a:lstStyle/>
+          <a:p>
+            <a:pPr algn="ctr"/>
+            <a:endParaRPr lang="en-US"/>
+          </a:p>
+        </p:txBody>
+      </p:sp>
+      <p:sp>
+        <p:nvSpPr>
+          <p:cNvPr id="15" name="Rectangle 14">
+            <a:extLst>
+              <a:ext uri="{FF2B5EF4-FFF2-40B4-BE49-F238E27FC236}">
+                <a16:creationId xmlns:a16="http://schemas.microsoft.com/office/drawing/2014/main" id="{82A73093-4B9D-420D-B17E-52293703A1D4}"/>
+              </a:ext>
+            </a:extLst>
+          </p:cNvPr>
+          <p:cNvSpPr>
+            <a:spLocks noGrp="1" noRot="1" noChangeAspect="1" noMove="1" noResize="1" noEditPoints="1" noAdjustHandles="1" noChangeArrowheads="1" noChangeShapeType="1" noTextEdit="1"/>
+          </p:cNvSpPr>
+          <p:nvPr>
+            <p:extLst>
+              <p:ext uri="{386F3935-93C4-4BCD-93E2-E3B085C9AB24}">
+                <p16:designElem xmlns:p16="http://schemas.microsoft.com/office/powerpoint/2015/main" val="1"/>
+              </p:ext>
+            </p:extLst>
+          </p:nvPr>
+        </p:nvSpPr>
+        <p:spPr>
+          <a:xfrm>
+            <a:off x="1" y="6400800"/>
+            <a:ext cx="12192000" cy="457200"/>
+          </a:xfrm>
+          <a:prstGeom prst="rect">
+            <a:avLst/>
+          </a:prstGeom>
+          <a:solidFill>
+            <a:schemeClr val="accent2"/>
+          </a:solidFill>
+          <a:ln>
+            <a:noFill/>
+          </a:ln>
+        </p:spPr>
+        <p:style>
+          <a:lnRef idx="2">
+            <a:schemeClr val="accent1">
+              <a:shade val="50000"/>
+            </a:schemeClr>
+          </a:lnRef>
+          <a:fillRef idx="1">
+            <a:schemeClr val="accent1"/>
+          </a:fillRef>
+          <a:effectRef idx="0">
+            <a:schemeClr val="accent1"/>
+          </a:effectRef>
+          <a:fontRef idx="minor">
+            <a:schemeClr val="lt1"/>
+          </a:fontRef>
+        </p:style>
+      </p:sp>
+      <p:sp>
+        <p:nvSpPr>
+          <p:cNvPr id="17" name="Rectangle 16">
+            <a:extLst>
+              <a:ext uri="{FF2B5EF4-FFF2-40B4-BE49-F238E27FC236}">
+                <a16:creationId xmlns:a16="http://schemas.microsoft.com/office/drawing/2014/main" id="{E95DA498-D9A2-4DA9-B9DA-B3776E08CF7E}"/>
+              </a:ext>
+            </a:extLst>
+          </p:cNvPr>
+          <p:cNvSpPr>
+            <a:spLocks noGrp="1" noRot="1" noChangeAspect="1" noMove="1" noResize="1" noEditPoints="1" noAdjustHandles="1" noChangeArrowheads="1" noChangeShapeType="1" noTextEdit="1"/>
+          </p:cNvSpPr>
+          <p:nvPr>
+            <p:extLst>
+              <p:ext uri="{386F3935-93C4-4BCD-93E2-E3B085C9AB24}">
+                <p16:designElem xmlns:p16="http://schemas.microsoft.com/office/powerpoint/2015/main" val="1"/>
+              </p:ext>
+            </p:extLst>
+          </p:nvPr>
+        </p:nvSpPr>
+        <p:spPr>
+          <a:xfrm>
+            <a:off x="15" y="6334316"/>
+            <a:ext cx="12191985" cy="66484"/>
+          </a:xfrm>
+          <a:prstGeom prst="rect">
+            <a:avLst/>
+          </a:prstGeom>
+          <a:solidFill>
+            <a:schemeClr val="accent1"/>
+          </a:solidFill>
+          <a:ln>
+            <a:noFill/>
+          </a:ln>
+        </p:spPr>
+        <p:style>
+          <a:lnRef idx="2">
+            <a:schemeClr val="accent1">
+              <a:shade val="50000"/>
+            </a:schemeClr>
+          </a:lnRef>
+          <a:fillRef idx="1">
+            <a:schemeClr val="accent1"/>
+          </a:fillRef>
+          <a:effectRef idx="0">
+            <a:schemeClr val="accent1"/>
+          </a:effectRef>
+          <a:fontRef idx="minor">
+            <a:schemeClr val="lt1"/>
+          </a:fontRef>
+        </p:style>
+      </p:sp>
+      <p:cxnSp>
+        <p:nvCxnSpPr>
+          <p:cNvPr id="19" name="Straight Connector 18">
+            <a:extLst>
+              <a:ext uri="{FF2B5EF4-FFF2-40B4-BE49-F238E27FC236}">
+                <a16:creationId xmlns:a16="http://schemas.microsoft.com/office/drawing/2014/main" id="{9C21570E-E159-49A6-9891-FA397B7A92D3}"/>
+              </a:ext>
+            </a:extLst>
+          </p:cNvPr>
+          <p:cNvCxnSpPr>
+            <a:cxnSpLocks noGrp="1" noRot="1" noChangeAspect="1" noMove="1" noResize="1" noEditPoints="1" noAdjustHandles="1" noChangeArrowheads="1" noChangeShapeType="1"/>
+          </p:cNvCxnSpPr>
+          <p:nvPr>
+            <p:extLst>
+              <p:ext uri="{386F3935-93C4-4BCD-93E2-E3B085C9AB24}">
+                <p16:designElem xmlns:p16="http://schemas.microsoft.com/office/powerpoint/2015/main" val="1"/>
+              </p:ext>
+            </p:extLst>
+          </p:nvPr>
+        </p:nvCxnSpPr>
+        <p:spPr>
+          <a:xfrm>
+            <a:off x="6411684" y="2086188"/>
+            <a:ext cx="4748808" cy="0"/>
+          </a:xfrm>
+          <a:prstGeom prst="line">
+            <a:avLst/>
+          </a:prstGeom>
+          <a:ln w="6350">
+            <a:solidFill>
+              <a:schemeClr val="tx1">
+                <a:lumMod val="50000"/>
+                <a:lumOff val="50000"/>
+                <a:alpha val="90000"/>
+              </a:schemeClr>
+            </a:solidFill>
+          </a:ln>
+        </p:spPr>
+        <p:style>
+          <a:lnRef idx="1">
+            <a:schemeClr val="accent1"/>
+          </a:lnRef>
+          <a:fillRef idx="0">
+            <a:schemeClr val="accent1"/>
+          </a:fillRef>
+          <a:effectRef idx="0">
+            <a:schemeClr val="accent1"/>
+          </a:effectRef>
+          <a:fontRef idx="minor">
+            <a:schemeClr val="tx1"/>
+          </a:fontRef>
+        </p:style>
+      </p:cxnSp>
+      <p:pic>
+        <p:nvPicPr>
+          <p:cNvPr id="8" name="ตัวแทนเนื้อหา 4">
+            <a:extLst>
+              <a:ext uri="{FF2B5EF4-FFF2-40B4-BE49-F238E27FC236}">
+                <a16:creationId xmlns:a16="http://schemas.microsoft.com/office/drawing/2014/main" id="{0DD9D82F-E57D-438A-B9BA-6C132DD5A047}"/>
+              </a:ext>
+            </a:extLst>
+          </p:cNvPr>
+          <p:cNvPicPr>
+            <a:picLocks noChangeAspect="1"/>
+          </p:cNvPicPr>
+          <p:nvPr/>
+        </p:nvPicPr>
+        <p:blipFill>
+          <a:blip r:embed="rId2">
+            <a:extLst>
+              <a:ext uri="{96DAC541-7B7A-43D3-8B79-37D633B846F1}">
+                <asvg:svgBlip xmlns:asvg="http://schemas.microsoft.com/office/drawing/2016/SVG/main" r:embed="rId3"/>
+              </a:ext>
+            </a:extLst>
+          </a:blip>
+          <a:stretch>
+            <a:fillRect/>
+          </a:stretch>
+        </p:blipFill>
+        <p:spPr>
+          <a:xfrm>
+            <a:off x="643192" y="2376276"/>
+            <a:ext cx="5451627" cy="1785407"/>
+          </a:xfrm>
+          <a:prstGeom prst="rect">
+            <a:avLst/>
+          </a:prstGeom>
+        </p:spPr>
+      </p:pic>
+      <p:sp>
+        <p:nvSpPr>
+          <p:cNvPr id="2" name="ชื่อเรื่อง 1">
+            <a:extLst>
+              <a:ext uri="{FF2B5EF4-FFF2-40B4-BE49-F238E27FC236}">
+                <a16:creationId xmlns:a16="http://schemas.microsoft.com/office/drawing/2014/main" id="{4E443F81-F8C3-4472-8870-8BE11B62F500}"/>
+              </a:ext>
+            </a:extLst>
+          </p:cNvPr>
+          <p:cNvSpPr>
+            <a:spLocks noGrp="1"/>
+          </p:cNvSpPr>
+          <p:nvPr>
+            <p:ph type="title"/>
+          </p:nvPr>
+        </p:nvSpPr>
+        <p:spPr>
+          <a:xfrm>
+            <a:off x="6411685" y="634946"/>
+            <a:ext cx="5127171" cy="1450757"/>
+          </a:xfrm>
+        </p:spPr>
+        <p:txBody>
+          <a:bodyPr>
+            <a:normAutofit/>
+          </a:bodyPr>
+          <a:lstStyle/>
+          <a:p>
+            <a:r>
+              <a:rPr lang="th-TH" dirty="0"/>
+              <a:t>ฐานข้อมูล </a:t>
+            </a:r>
+            <a:r>
+              <a:rPr lang="en-US" dirty="0" err="1"/>
+              <a:t>LiteDB</a:t>
+            </a:r>
+            <a:endParaRPr lang="th-TH" dirty="0"/>
+          </a:p>
+        </p:txBody>
+      </p:sp>
+      <p:sp>
+        <p:nvSpPr>
+          <p:cNvPr id="10" name="Content Placeholder 9"/>
+          <p:cNvSpPr>
+            <a:spLocks noGrp="1"/>
+          </p:cNvSpPr>
+          <p:nvPr>
+            <p:ph idx="1"/>
+          </p:nvPr>
+        </p:nvSpPr>
+        <p:spPr>
+          <a:xfrm>
+            <a:off x="6411684" y="2198914"/>
+            <a:ext cx="5127172" cy="3670180"/>
+          </a:xfrm>
+        </p:spPr>
+        <p:txBody>
+          <a:bodyPr>
+            <a:normAutofit/>
+          </a:bodyPr>
+          <a:lstStyle/>
+          <a:p>
+            <a:r>
+              <a:rPr lang="th-TH" sz="2400" dirty="0"/>
+              <a:t>เป็นฐานข้อมูลแบบ </a:t>
+            </a:r>
+            <a:r>
+              <a:rPr lang="en-US" sz="2400" dirty="0"/>
+              <a:t>NoSQL </a:t>
+            </a:r>
+            <a:r>
+              <a:rPr lang="th-TH" sz="2400" dirty="0"/>
+              <a:t>ใน  </a:t>
+            </a:r>
+            <a:r>
+              <a:rPr lang="en-US" sz="2400" dirty="0"/>
+              <a:t>.NET Framework</a:t>
+            </a:r>
+            <a:r>
+              <a:rPr lang="th-TH" sz="2400" dirty="0"/>
+              <a:t> ที่ฟรี และง่าย การทำงานคล้ายกับ </a:t>
+            </a:r>
+            <a:r>
+              <a:rPr lang="en-US" sz="2400" dirty="0"/>
+              <a:t>MongoDB</a:t>
+            </a:r>
+            <a:endParaRPr lang="th-TH" sz="2400" dirty="0"/>
+          </a:p>
+          <a:p>
+            <a:endParaRPr lang="th-TH" sz="2400" dirty="0"/>
+          </a:p>
+          <a:p>
+            <a:r>
+              <a:rPr lang="th-TH" sz="2400" dirty="0"/>
+              <a:t>เว็บ </a:t>
+            </a:r>
+            <a:r>
+              <a:rPr lang="en-US" sz="2400" dirty="0">
+                <a:hlinkClick r:id="rId4"/>
+              </a:rPr>
+              <a:t>http://www.litedb.org/</a:t>
+            </a:r>
+            <a:endParaRPr lang="en-US" sz="2400" dirty="0"/>
+          </a:p>
+        </p:txBody>
+      </p:sp>
+    </p:spTree>
+    <p:extLst>
+      <p:ext uri="{BB962C8B-B14F-4D97-AF65-F5344CB8AC3E}">
+        <p14:creationId xmlns:p14="http://schemas.microsoft.com/office/powerpoint/2010/main" val="2409651029"/>
+      </p:ext>
+    </p:extLst>
+  </p:cSld>
+  <p:clrMapOvr>
+    <a:masterClrMapping/>
+  </p:clrMapOvr>
+</p:sld>
+</file>
+
+<file path=ppt/slides/slide26.xml><?xml version="1.0" encoding="utf-8"?>
+<p:sld xmlns:a="http://schemas.openxmlformats.org/drawingml/2006/main" xmlns:r="http://schemas.openxmlformats.org/officeDocument/2006/relationships" xmlns:p="http://schemas.openxmlformats.org/presentationml/2006/main">
+  <p:cSld>
+    <p:bg>
+      <p:bgPr>
+        <a:solidFill>
+          <a:schemeClr val="bg1"/>
+        </a:solidFill>
+        <a:effectLst/>
+      </p:bgPr>
+    </p:bg>
+    <p:spTree>
+      <p:nvGrpSpPr>
+        <p:cNvPr id="1" name=""/>
+        <p:cNvGrpSpPr/>
+        <p:nvPr/>
+      </p:nvGrpSpPr>
+      <p:grpSpPr>
+        <a:xfrm>
+          <a:off x="0" y="0"/>
+          <a:ext cx="0" cy="0"/>
+          <a:chOff x="0" y="0"/>
+          <a:chExt cx="0" cy="0"/>
+        </a:xfrm>
+      </p:grpSpPr>
+      <p:sp>
+        <p:nvSpPr>
+          <p:cNvPr id="10" name="Rectangle 9">
+            <a:extLst>
+              <a:ext uri="{FF2B5EF4-FFF2-40B4-BE49-F238E27FC236}">
+                <a16:creationId xmlns:a16="http://schemas.microsoft.com/office/drawing/2014/main" id="{25C8D2C1-DA83-420D-9635-D52CE066B5DA}"/>
+              </a:ext>
+            </a:extLst>
+          </p:cNvPr>
+          <p:cNvSpPr>
+            <a:spLocks noGrp="1" noRot="1" noChangeAspect="1" noMove="1" noResize="1" noEditPoints="1" noAdjustHandles="1" noChangeArrowheads="1" noChangeShapeType="1" noTextEdit="1"/>
+          </p:cNvSpPr>
+          <p:nvPr>
+            <p:extLst>
+              <p:ext uri="{386F3935-93C4-4BCD-93E2-E3B085C9AB24}">
+                <p16:designElem xmlns:p16="http://schemas.microsoft.com/office/powerpoint/2015/main" val="1"/>
+              </p:ext>
+            </p:extLst>
+          </p:nvPr>
+        </p:nvSpPr>
+        <p:spPr>
+          <a:xfrm>
+            <a:off x="3175" y="6400800"/>
+            <a:ext cx="12188825" cy="457200"/>
+          </a:xfrm>
+          <a:prstGeom prst="rect">
+            <a:avLst/>
+          </a:prstGeom>
+          <a:solidFill>
+            <a:schemeClr val="accent2"/>
+          </a:solidFill>
+          <a:ln>
+            <a:noFill/>
+          </a:ln>
+        </p:spPr>
+        <p:style>
+          <a:lnRef idx="2">
+            <a:schemeClr val="accent1">
+              <a:shade val="50000"/>
+            </a:schemeClr>
+          </a:lnRef>
+          <a:fillRef idx="1">
+            <a:schemeClr val="accent1"/>
+          </a:fillRef>
+          <a:effectRef idx="0">
+            <a:schemeClr val="accent1"/>
+          </a:effectRef>
+          <a:fontRef idx="minor">
+            <a:schemeClr val="lt1"/>
+          </a:fontRef>
+        </p:style>
+      </p:sp>
+      <p:sp>
+        <p:nvSpPr>
+          <p:cNvPr id="12" name="Rectangle 11">
+            <a:extLst>
+              <a:ext uri="{FF2B5EF4-FFF2-40B4-BE49-F238E27FC236}">
+                <a16:creationId xmlns:a16="http://schemas.microsoft.com/office/drawing/2014/main" id="{434F74C9-6A0B-409E-AD1C-45B58BE91BB8}"/>
+              </a:ext>
+            </a:extLst>
+          </p:cNvPr>
+          <p:cNvSpPr>
+            <a:spLocks noGrp="1" noRot="1" noChangeAspect="1" noMove="1" noResize="1" noEditPoints="1" noAdjustHandles="1" noChangeArrowheads="1" noChangeShapeType="1" noTextEdit="1"/>
+          </p:cNvSpPr>
+          <p:nvPr>
+            <p:extLst>
+              <p:ext uri="{386F3935-93C4-4BCD-93E2-E3B085C9AB24}">
+                <p16:designElem xmlns:p16="http://schemas.microsoft.com/office/powerpoint/2015/main" val="1"/>
+              </p:ext>
+            </p:extLst>
+          </p:nvPr>
+        </p:nvSpPr>
+        <p:spPr>
+          <a:xfrm>
+            <a:off x="15" y="6334316"/>
+            <a:ext cx="12188825" cy="64008"/>
+          </a:xfrm>
+          <a:prstGeom prst="rect">
+            <a:avLst/>
+          </a:prstGeom>
+          <a:solidFill>
+            <a:schemeClr val="accent1"/>
+          </a:solidFill>
+          <a:ln>
+            <a:noFill/>
+          </a:ln>
+        </p:spPr>
+        <p:style>
+          <a:lnRef idx="2">
+            <a:schemeClr val="accent1">
+              <a:shade val="50000"/>
+            </a:schemeClr>
+          </a:lnRef>
+          <a:fillRef idx="1">
+            <a:schemeClr val="accent1"/>
+          </a:fillRef>
+          <a:effectRef idx="0">
+            <a:schemeClr val="accent1"/>
+          </a:effectRef>
+          <a:fontRef idx="minor">
+            <a:schemeClr val="lt1"/>
+          </a:fontRef>
+        </p:style>
+      </p:sp>
+      <p:cxnSp>
+        <p:nvCxnSpPr>
+          <p:cNvPr id="14" name="Straight Connector 13">
+            <a:extLst>
+              <a:ext uri="{FF2B5EF4-FFF2-40B4-BE49-F238E27FC236}">
+                <a16:creationId xmlns:a16="http://schemas.microsoft.com/office/drawing/2014/main" id="{F5486A9D-1265-4B57-91E6-68E666B978BC}"/>
+              </a:ext>
+            </a:extLst>
+          </p:cNvPr>
+          <p:cNvCxnSpPr>
+            <a:cxnSpLocks noGrp="1" noRot="1" noChangeAspect="1" noMove="1" noResize="1" noEditPoints="1" noAdjustHandles="1" noChangeArrowheads="1" noChangeShapeType="1"/>
+          </p:cNvCxnSpPr>
+          <p:nvPr>
+            <p:extLst>
+              <p:ext uri="{386F3935-93C4-4BCD-93E2-E3B085C9AB24}">
+                <p16:designElem xmlns:p16="http://schemas.microsoft.com/office/powerpoint/2015/main" val="1"/>
+              </p:ext>
+            </p:extLst>
+          </p:nvPr>
+        </p:nvCxnSpPr>
+        <p:spPr>
+          <a:xfrm>
+            <a:off x="1207658" y="4343400"/>
+            <a:ext cx="9875520" cy="0"/>
+          </a:xfrm>
+          <a:prstGeom prst="line">
+            <a:avLst/>
+          </a:prstGeom>
+          <a:ln w="6350">
+            <a:solidFill>
+              <a:schemeClr val="tx1">
+                <a:lumMod val="50000"/>
+                <a:lumOff val="50000"/>
+              </a:schemeClr>
+            </a:solidFill>
+          </a:ln>
+        </p:spPr>
+        <p:style>
+          <a:lnRef idx="1">
+            <a:schemeClr val="accent1"/>
+          </a:lnRef>
+          <a:fillRef idx="0">
+            <a:schemeClr val="accent1"/>
+          </a:fillRef>
+          <a:effectRef idx="0">
+            <a:schemeClr val="accent1"/>
+          </a:effectRef>
+          <a:fontRef idx="minor">
+            <a:schemeClr val="tx1"/>
+          </a:fontRef>
+        </p:style>
+      </p:cxnSp>
+      <p:sp useBgFill="1">
+        <p:nvSpPr>
+          <p:cNvPr id="16" name="Rectangle 15">
+            <a:extLst>
+              <a:ext uri="{FF2B5EF4-FFF2-40B4-BE49-F238E27FC236}">
+                <a16:creationId xmlns:a16="http://schemas.microsoft.com/office/drawing/2014/main" id="{F452A527-3631-41ED-858D-3777A7D1496A}"/>
+              </a:ext>
+            </a:extLst>
+          </p:cNvPr>
+          <p:cNvSpPr>
+            <a:spLocks noGrp="1" noRot="1" noChangeAspect="1" noMove="1" noResize="1" noEditPoints="1" noAdjustHandles="1" noChangeArrowheads="1" noChangeShapeType="1" noTextEdit="1"/>
+          </p:cNvSpPr>
+          <p:nvPr>
+            <p:extLst>
+              <p:ext uri="{386F3935-93C4-4BCD-93E2-E3B085C9AB24}">
+                <p16:designElem xmlns:p16="http://schemas.microsoft.com/office/powerpoint/2015/main" val="1"/>
+              </p:ext>
+            </p:extLst>
+          </p:nvPr>
+        </p:nvSpPr>
+        <p:spPr>
+          <a:xfrm>
+            <a:off x="0" y="0"/>
+            <a:ext cx="12192001" cy="6334316"/>
+          </a:xfrm>
+          <a:prstGeom prst="rect">
+            <a:avLst/>
+          </a:prstGeom>
+          <a:ln>
+            <a:noFill/>
+          </a:ln>
+        </p:spPr>
+        <p:style>
+          <a:lnRef idx="2">
+            <a:schemeClr val="accent1">
+              <a:shade val="50000"/>
+            </a:schemeClr>
+          </a:lnRef>
+          <a:fillRef idx="1">
+            <a:schemeClr val="accent1"/>
+          </a:fillRef>
+          <a:effectRef idx="0">
+            <a:schemeClr val="accent1"/>
+          </a:effectRef>
+          <a:fontRef idx="minor">
+            <a:schemeClr val="lt1"/>
+          </a:fontRef>
+        </p:style>
+        <p:txBody>
+          <a:bodyPr rtlCol="0" anchor="ctr"/>
+          <a:lstStyle/>
+          <a:p>
+            <a:pPr algn="ctr"/>
+            <a:endParaRPr lang="en-US"/>
+          </a:p>
+        </p:txBody>
+      </p:sp>
+      <p:sp>
+        <p:nvSpPr>
+          <p:cNvPr id="18" name="Rectangle 17">
+            <a:extLst>
+              <a:ext uri="{FF2B5EF4-FFF2-40B4-BE49-F238E27FC236}">
+                <a16:creationId xmlns:a16="http://schemas.microsoft.com/office/drawing/2014/main" id="{D2644120-A6B9-4D5C-8A60-E2F4CC220E77}"/>
+              </a:ext>
+            </a:extLst>
+          </p:cNvPr>
+          <p:cNvSpPr>
+            <a:spLocks noGrp="1" noRot="1" noChangeAspect="1" noMove="1" noResize="1" noEditPoints="1" noAdjustHandles="1" noChangeArrowheads="1" noChangeShapeType="1" noTextEdit="1"/>
+          </p:cNvSpPr>
+          <p:nvPr>
+            <p:extLst>
+              <p:ext uri="{386F3935-93C4-4BCD-93E2-E3B085C9AB24}">
+                <p16:designElem xmlns:p16="http://schemas.microsoft.com/office/powerpoint/2015/main" val="1"/>
+              </p:ext>
+            </p:extLst>
+          </p:nvPr>
+        </p:nvSpPr>
+        <p:spPr>
+          <a:xfrm>
+            <a:off x="1" y="6400800"/>
+            <a:ext cx="12192000" cy="457200"/>
+          </a:xfrm>
+          <a:prstGeom prst="rect">
+            <a:avLst/>
+          </a:prstGeom>
+          <a:solidFill>
+            <a:schemeClr val="accent2"/>
+          </a:solidFill>
+          <a:ln>
+            <a:noFill/>
+          </a:ln>
+        </p:spPr>
+        <p:style>
+          <a:lnRef idx="2">
+            <a:schemeClr val="accent1">
+              <a:shade val="50000"/>
+            </a:schemeClr>
+          </a:lnRef>
+          <a:fillRef idx="1">
+            <a:schemeClr val="accent1"/>
+          </a:fillRef>
+          <a:effectRef idx="0">
+            <a:schemeClr val="accent1"/>
+          </a:effectRef>
+          <a:fontRef idx="minor">
+            <a:schemeClr val="lt1"/>
+          </a:fontRef>
+        </p:style>
+      </p:sp>
+      <p:sp>
+        <p:nvSpPr>
+          <p:cNvPr id="20" name="Rectangle 19">
+            <a:extLst>
+              <a:ext uri="{FF2B5EF4-FFF2-40B4-BE49-F238E27FC236}">
+                <a16:creationId xmlns:a16="http://schemas.microsoft.com/office/drawing/2014/main" id="{F85B92BC-678C-4E14-97E6-3227DEF86371}"/>
+              </a:ext>
+            </a:extLst>
+          </p:cNvPr>
+          <p:cNvSpPr>
+            <a:spLocks noGrp="1" noRot="1" noChangeAspect="1" noMove="1" noResize="1" noEditPoints="1" noAdjustHandles="1" noChangeArrowheads="1" noChangeShapeType="1" noTextEdit="1"/>
+          </p:cNvSpPr>
+          <p:nvPr>
+            <p:extLst>
+              <p:ext uri="{386F3935-93C4-4BCD-93E2-E3B085C9AB24}">
+                <p16:designElem xmlns:p16="http://schemas.microsoft.com/office/powerpoint/2015/main" val="1"/>
+              </p:ext>
+            </p:extLst>
+          </p:nvPr>
+        </p:nvSpPr>
+        <p:spPr>
+          <a:xfrm>
+            <a:off x="15" y="6334316"/>
+            <a:ext cx="12191985" cy="66484"/>
+          </a:xfrm>
+          <a:prstGeom prst="rect">
+            <a:avLst/>
+          </a:prstGeom>
+          <a:solidFill>
+            <a:schemeClr val="accent1"/>
+          </a:solidFill>
+          <a:ln>
+            <a:noFill/>
+          </a:ln>
+        </p:spPr>
+        <p:style>
+          <a:lnRef idx="2">
+            <a:schemeClr val="accent1">
+              <a:shade val="50000"/>
+            </a:schemeClr>
+          </a:lnRef>
+          <a:fillRef idx="1">
+            <a:schemeClr val="accent1"/>
+          </a:fillRef>
+          <a:effectRef idx="0">
+            <a:schemeClr val="accent1"/>
+          </a:effectRef>
+          <a:fontRef idx="minor">
+            <a:schemeClr val="lt1"/>
+          </a:fontRef>
+        </p:style>
+      </p:sp>
+      <p:cxnSp>
+        <p:nvCxnSpPr>
+          <p:cNvPr id="22" name="Straight Connector 21">
+            <a:extLst>
+              <a:ext uri="{FF2B5EF4-FFF2-40B4-BE49-F238E27FC236}">
+                <a16:creationId xmlns:a16="http://schemas.microsoft.com/office/drawing/2014/main" id="{D28A9C89-B313-458F-9C85-515930A51A93}"/>
+              </a:ext>
+            </a:extLst>
+          </p:cNvPr>
+          <p:cNvCxnSpPr>
+            <a:cxnSpLocks noGrp="1" noRot="1" noChangeAspect="1" noMove="1" noResize="1" noEditPoints="1" noAdjustHandles="1" noChangeArrowheads="1" noChangeShapeType="1"/>
+          </p:cNvCxnSpPr>
+          <p:nvPr>
+            <p:extLst>
+              <p:ext uri="{386F3935-93C4-4BCD-93E2-E3B085C9AB24}">
+                <p16:designElem xmlns:p16="http://schemas.microsoft.com/office/powerpoint/2015/main" val="1"/>
+              </p:ext>
+            </p:extLst>
+          </p:nvPr>
+        </p:nvCxnSpPr>
+        <p:spPr>
+          <a:xfrm>
+            <a:off x="6805053" y="4343400"/>
+            <a:ext cx="4389120" cy="0"/>
+          </a:xfrm>
+          <a:prstGeom prst="line">
+            <a:avLst/>
+          </a:prstGeom>
+          <a:ln w="6350">
+            <a:solidFill>
+              <a:schemeClr val="tx2">
+                <a:alpha val="90000"/>
+              </a:schemeClr>
+            </a:solidFill>
+          </a:ln>
+        </p:spPr>
+        <p:style>
+          <a:lnRef idx="1">
+            <a:schemeClr val="accent1"/>
+          </a:lnRef>
+          <a:fillRef idx="0">
+            <a:schemeClr val="accent1"/>
+          </a:fillRef>
+          <a:effectRef idx="0">
+            <a:schemeClr val="accent1"/>
+          </a:effectRef>
+          <a:fontRef idx="minor">
+            <a:schemeClr val="tx1"/>
+          </a:fontRef>
+        </p:style>
+      </p:cxnSp>
+      <p:pic>
+        <p:nvPicPr>
+          <p:cNvPr id="7" name="รูปภาพ 3">
+            <a:extLst>
+              <a:ext uri="{FF2B5EF4-FFF2-40B4-BE49-F238E27FC236}">
+                <a16:creationId xmlns:a16="http://schemas.microsoft.com/office/drawing/2014/main" id="{2A9A0D48-9641-4C11-985C-D05FA4FEB8D4}"/>
+              </a:ext>
+            </a:extLst>
+          </p:cNvPr>
+          <p:cNvPicPr>
+            <a:picLocks noGrp="1" noChangeAspect="1"/>
+          </p:cNvPicPr>
+          <p:nvPr>
+            <p:ph idx="1"/>
+          </p:nvPr>
+        </p:nvPicPr>
+        <p:blipFill rotWithShape="1">
+          <a:blip r:embed="rId2"/>
+          <a:srcRect r="-2" b="7691"/>
+          <a:stretch/>
+        </p:blipFill>
+        <p:spPr>
+          <a:xfrm>
+            <a:off x="633999" y="640081"/>
+            <a:ext cx="5462001" cy="5054156"/>
+          </a:xfrm>
+          <a:prstGeom prst="rect">
+            <a:avLst/>
+          </a:prstGeom>
+        </p:spPr>
+      </p:pic>
+      <p:sp>
+        <p:nvSpPr>
+          <p:cNvPr id="2" name="ชื่อเรื่อง 1">
+            <a:extLst>
+              <a:ext uri="{FF2B5EF4-FFF2-40B4-BE49-F238E27FC236}">
+                <a16:creationId xmlns:a16="http://schemas.microsoft.com/office/drawing/2014/main" id="{FD77EDDA-16DE-4AFD-B8B8-9DDD5C151B9E}"/>
+              </a:ext>
+            </a:extLst>
+          </p:cNvPr>
+          <p:cNvSpPr>
+            <a:spLocks noGrp="1"/>
+          </p:cNvSpPr>
+          <p:nvPr>
+            <p:ph type="title"/>
+          </p:nvPr>
+        </p:nvSpPr>
+        <p:spPr>
+          <a:xfrm>
+            <a:off x="6730000" y="639097"/>
+            <a:ext cx="4813072" cy="3686015"/>
+          </a:xfrm>
+        </p:spPr>
+        <p:txBody>
+          <a:bodyPr vert="horz" lIns="91440" tIns="45720" rIns="91440" bIns="45720" rtlCol="0" anchor="b">
+            <a:normAutofit/>
+          </a:bodyPr>
+          <a:lstStyle/>
+          <a:p>
+            <a:r>
+              <a:rPr lang="en-US" sz="8000" dirty="0" err="1">
+                <a:solidFill>
+                  <a:schemeClr val="tx1">
+                    <a:lumMod val="85000"/>
+                    <a:lumOff val="15000"/>
+                  </a:schemeClr>
+                </a:solidFill>
+              </a:rPr>
+              <a:t>TimeNone</a:t>
+            </a:r>
+            <a:endParaRPr lang="en-US" sz="8000" dirty="0">
+              <a:solidFill>
+                <a:schemeClr val="tx1">
+                  <a:lumMod val="85000"/>
+                  <a:lumOff val="15000"/>
+                </a:schemeClr>
+              </a:solidFill>
+            </a:endParaRPr>
+          </a:p>
+        </p:txBody>
+      </p:sp>
+      <p:pic>
+        <p:nvPicPr>
+          <p:cNvPr id="13" name="รูปภาพ 12">
+            <a:extLst>
+              <a:ext uri="{FF2B5EF4-FFF2-40B4-BE49-F238E27FC236}">
+                <a16:creationId xmlns:a16="http://schemas.microsoft.com/office/drawing/2014/main" id="{4DE86460-5113-4863-9BCD-6B379F7E6581}"/>
+              </a:ext>
+            </a:extLst>
+          </p:cNvPr>
+          <p:cNvPicPr>
+            <a:picLocks noChangeAspect="1"/>
+          </p:cNvPicPr>
+          <p:nvPr/>
+        </p:nvPicPr>
+        <p:blipFill>
+          <a:blip r:embed="rId3"/>
+          <a:stretch>
+            <a:fillRect/>
+          </a:stretch>
+        </p:blipFill>
+        <p:spPr>
+          <a:xfrm>
+            <a:off x="9071429" y="0"/>
+            <a:ext cx="3120571" cy="3120571"/>
+          </a:xfrm>
+          <a:prstGeom prst="rect">
+            <a:avLst/>
+          </a:prstGeom>
+        </p:spPr>
+      </p:pic>
+      <p:sp>
+        <p:nvSpPr>
+          <p:cNvPr id="15" name="กล่องข้อความ 14">
+            <a:extLst>
+              <a:ext uri="{FF2B5EF4-FFF2-40B4-BE49-F238E27FC236}">
+                <a16:creationId xmlns:a16="http://schemas.microsoft.com/office/drawing/2014/main" id="{EB09EED1-FE89-4AA4-A4AF-5775B4655EB2}"/>
+              </a:ext>
+            </a:extLst>
+          </p:cNvPr>
+          <p:cNvSpPr txBox="1"/>
+          <p:nvPr/>
+        </p:nvSpPr>
+        <p:spPr>
+          <a:xfrm>
+            <a:off x="8051214" y="4980391"/>
+            <a:ext cx="4187825" cy="707886"/>
+          </a:xfrm>
+          <a:prstGeom prst="rect">
+            <a:avLst/>
+          </a:prstGeom>
+          <a:noFill/>
+        </p:spPr>
+        <p:txBody>
+          <a:bodyPr wrap="square" rtlCol="0">
+            <a:spAutoFit/>
+          </a:bodyPr>
+          <a:lstStyle/>
+          <a:p>
+            <a:r>
+              <a:rPr lang="en-US" sz="2000" dirty="0">
+                <a:hlinkClick r:id="rId4"/>
+              </a:rPr>
+              <a:t>https://github.com/wannaphongcom/timenone</a:t>
+            </a:r>
+            <a:endParaRPr lang="th-TH" sz="2000" dirty="0"/>
+          </a:p>
+        </p:txBody>
+      </p:sp>
+      <p:pic>
+        <p:nvPicPr>
+          <p:cNvPr id="23" name="รูปภาพ 22">
+            <a:extLst>
+              <a:ext uri="{FF2B5EF4-FFF2-40B4-BE49-F238E27FC236}">
+                <a16:creationId xmlns:a16="http://schemas.microsoft.com/office/drawing/2014/main" id="{BA40622E-D2DD-4357-B148-EF1AF5DFD021}"/>
+              </a:ext>
+            </a:extLst>
+          </p:cNvPr>
+          <p:cNvPicPr>
+            <a:picLocks noChangeAspect="1"/>
+          </p:cNvPicPr>
+          <p:nvPr/>
+        </p:nvPicPr>
+        <p:blipFill>
+          <a:blip r:embed="rId5"/>
+          <a:stretch>
+            <a:fillRect/>
+          </a:stretch>
+        </p:blipFill>
+        <p:spPr>
+          <a:xfrm>
+            <a:off x="6196413" y="4392964"/>
+            <a:ext cx="1905000" cy="1905000"/>
+          </a:xfrm>
+          <a:prstGeom prst="rect">
+            <a:avLst/>
+          </a:prstGeom>
+        </p:spPr>
+      </p:pic>
+      <p:pic>
+        <p:nvPicPr>
+          <p:cNvPr id="25" name="รูปภาพ 24" descr="รูปภาพประกอบด้วย วัตถุ, สีขาว, นาฬิกา&#10;&#10;คำอธิบายที่สร้างขึ้นโดยมีความน่าเชื่อถือสูงมาก">
+            <a:extLst>
+              <a:ext uri="{FF2B5EF4-FFF2-40B4-BE49-F238E27FC236}">
+                <a16:creationId xmlns:a16="http://schemas.microsoft.com/office/drawing/2014/main" id="{8B9F6F0B-0CFD-48EF-8C2D-CA8C5890D79B}"/>
+              </a:ext>
+            </a:extLst>
+          </p:cNvPr>
+          <p:cNvPicPr>
+            <a:picLocks noChangeAspect="1"/>
+          </p:cNvPicPr>
+          <p:nvPr/>
+        </p:nvPicPr>
+        <p:blipFill>
+          <a:blip r:embed="rId6"/>
+          <a:stretch>
+            <a:fillRect/>
+          </a:stretch>
+        </p:blipFill>
+        <p:spPr>
+          <a:xfrm>
+            <a:off x="6196413" y="1041349"/>
+            <a:ext cx="1988008" cy="1988008"/>
+          </a:xfrm>
+          <a:prstGeom prst="rect">
+            <a:avLst/>
+          </a:prstGeom>
+        </p:spPr>
+      </p:pic>
+    </p:spTree>
+    <p:extLst>
+      <p:ext uri="{BB962C8B-B14F-4D97-AF65-F5344CB8AC3E}">
+        <p14:creationId xmlns:p14="http://schemas.microsoft.com/office/powerpoint/2010/main" val="775836643"/>
+      </p:ext>
+    </p:extLst>
+  </p:cSld>
+  <p:clrMapOvr>
+    <a:masterClrMapping/>
+  </p:clrMapOvr>
+</p:sld>
+</file>
+
+<file path=ppt/slides/slide27.xml><?xml version="1.0" encoding="utf-8"?>
+<p:sld xmlns:a="http://schemas.openxmlformats.org/drawingml/2006/main" xmlns:r="http://schemas.openxmlformats.org/officeDocument/2006/relationships" xmlns:p="http://schemas.openxmlformats.org/presentationml/2006/main">
+  <p:cSld>
+    <p:bg>
+      <p:bgPr>
+        <a:solidFill>
+          <a:schemeClr val="bg1"/>
+        </a:solidFill>
+        <a:effectLst/>
+      </p:bgPr>
+    </p:bg>
+    <p:spTree>
+      <p:nvGrpSpPr>
+        <p:cNvPr id="1" name=""/>
+        <p:cNvGrpSpPr/>
+        <p:nvPr/>
+      </p:nvGrpSpPr>
+      <p:grpSpPr>
+        <a:xfrm>
+          <a:off x="0" y="0"/>
+          <a:ext cx="0" cy="0"/>
+          <a:chOff x="0" y="0"/>
+          <a:chExt cx="0" cy="0"/>
+        </a:xfrm>
+      </p:grpSpPr>
       <p:sp>
         <p:nvSpPr>
           <p:cNvPr id="9" name="Rectangle 8">
@@ -11386,6 +13202,26 @@
             <a:r>
               <a:rPr lang="th-TH" sz="2800" dirty="0"/>
               <a:t>สามารถนับถอยหลังได้</a:t>
+            </a:r>
+          </a:p>
+          <a:p>
+            <a:pPr>
+              <a:buFont typeface="Wingdings" panose="05000000000000000000" pitchFamily="2" charset="2"/>
+              <a:buChar char="Ø"/>
+            </a:pPr>
+            <a:r>
+              <a:rPr lang="th-TH" sz="2800" dirty="0"/>
+              <a:t>สามารถจับเวลาได้</a:t>
+            </a:r>
+          </a:p>
+          <a:p>
+            <a:pPr>
+              <a:buFont typeface="Wingdings" panose="05000000000000000000" pitchFamily="2" charset="2"/>
+              <a:buChar char="Ø"/>
+            </a:pPr>
+            <a:r>
+              <a:rPr lang="th-TH" sz="2800" dirty="0"/>
+              <a:t>สามารถแก้ไขการแจ้งเตือนเวลาได้</a:t>
             </a:r>
           </a:p>
         </p:txBody>
@@ -11797,7 +13633,7 @@
           <a:lstStyle/>
           <a:p>
             <a:r>
-              <a:rPr lang="en-US">
+              <a:rPr lang="en-US" dirty="0">
                 <a:solidFill>
                   <a:srgbClr val="FFFFFF"/>
                 </a:solidFill>

--- a/งานนำเสนอ.pptx
+++ b/งานนำเสนอ.pptx
@@ -368,7 +368,7 @@
           <a:p>
             <a:fld id="{4BDF68E2-58F2-4D09-BE8B-E3BD06533059}" type="datetimeFigureOut">
               <a:rPr lang="en-US" dirty="0"/>
-              <a:t>12/14/2017</a:t>
+              <a:t>12/21/2017</a:t>
             </a:fld>
             <a:endParaRPr lang="en-US" dirty="0"/>
           </a:p>
@@ -571,7 +571,7 @@
           <a:p>
             <a:fld id="{2E2D6473-DF6D-4702-B328-E0DD40540A4E}" type="datetimeFigureOut">
               <a:rPr lang="en-US" dirty="0"/>
-              <a:t>12/14/2017</a:t>
+              <a:t>12/21/2017</a:t>
             </a:fld>
             <a:endParaRPr lang="en-US" dirty="0"/>
           </a:p>
@@ -822,7 +822,7 @@
           <a:p>
             <a:fld id="{E26F7E3A-B166-407D-9866-32884E7D5B37}" type="datetimeFigureOut">
               <a:rPr lang="en-US" dirty="0"/>
-              <a:t>12/14/2017</a:t>
+              <a:t>12/21/2017</a:t>
             </a:fld>
             <a:endParaRPr lang="en-US" dirty="0"/>
           </a:p>
@@ -991,7 +991,7 @@
           <a:p>
             <a:fld id="{528FC5F6-F338-4AE4-BB23-26385BCFC423}" type="datetimeFigureOut">
               <a:rPr lang="en-US" dirty="0"/>
-              <a:t>12/14/2017</a:t>
+              <a:t>12/21/2017</a:t>
             </a:fld>
             <a:endParaRPr lang="en-US" dirty="0"/>
           </a:p>
@@ -1329,7 +1329,7 @@
           <a:p>
             <a:fld id="{20EBB0C4-6273-4C6E-B9BD-2EDC30F1CD52}" type="datetimeFigureOut">
               <a:rPr lang="en-US" dirty="0"/>
-              <a:t>12/14/2017</a:t>
+              <a:t>12/21/2017</a:t>
             </a:fld>
             <a:endParaRPr lang="en-US" dirty="0"/>
           </a:p>
@@ -1599,7 +1599,7 @@
           <a:p>
             <a:fld id="{19AB4D41-86C1-4908-B66A-0B50CEB3BF29}" type="datetimeFigureOut">
               <a:rPr lang="en-US" dirty="0"/>
-              <a:t>12/14/2017</a:t>
+              <a:t>12/21/2017</a:t>
             </a:fld>
             <a:endParaRPr lang="en-US" dirty="0"/>
           </a:p>
@@ -1973,7 +1973,7 @@
           <a:p>
             <a:fld id="{E6426E2C-56C1-4E0D-A793-0088A7FDD37E}" type="datetimeFigureOut">
               <a:rPr lang="en-US" dirty="0"/>
-              <a:t>12/14/2017</a:t>
+              <a:t>12/21/2017</a:t>
             </a:fld>
             <a:endParaRPr lang="en-US" dirty="0"/>
           </a:p>
@@ -2086,7 +2086,7 @@
           <a:p>
             <a:fld id="{C8C39B41-D8B5-4052-B551-9B5525EAA8B6}" type="datetimeFigureOut">
               <a:rPr lang="en-US" dirty="0"/>
-              <a:t>12/14/2017</a:t>
+              <a:t>12/21/2017</a:t>
             </a:fld>
             <a:endParaRPr lang="en-US" dirty="0"/>
           </a:p>
@@ -2252,7 +2252,7 @@
           <a:p>
             <a:fld id="{4D94136C-8742-45B2-AF27-D93DF72833A9}" type="datetimeFigureOut">
               <a:rPr lang="en-US" dirty="0"/>
-              <a:t>12/14/2017</a:t>
+              <a:t>12/21/2017</a:t>
             </a:fld>
             <a:endParaRPr lang="en-US" dirty="0"/>
           </a:p>
@@ -2602,7 +2602,7 @@
           <a:p>
             <a:fld id="{32ABBEA6-7C60-4B02-AE87-00D78D8422AF}" type="datetimeFigureOut">
               <a:rPr lang="en-US" dirty="0"/>
-              <a:t>12/14/2017</a:t>
+              <a:t>12/21/2017</a:t>
             </a:fld>
             <a:endParaRPr lang="en-US" dirty="0"/>
           </a:p>
@@ -2980,7 +2980,7 @@
           <a:p>
             <a:fld id="{C9CAD897-D46E-4AD2-BD9B-49DD3E640873}" type="datetimeFigureOut">
               <a:rPr lang="en-US" dirty="0"/>
-              <a:t>12/14/2017</a:t>
+              <a:t>12/21/2017</a:t>
             </a:fld>
             <a:endParaRPr lang="en-US" dirty="0"/>
           </a:p>
@@ -3262,7 +3262,7 @@
           <a:p>
             <a:fld id="{98624D31-43A5-475A-80CF-332C9F6DCF35}" type="datetimeFigureOut">
               <a:rPr lang="en-US" dirty="0"/>
-              <a:t>12/14/2017</a:t>
+              <a:t>12/21/2017</a:t>
             </a:fld>
             <a:endParaRPr lang="en-US" dirty="0"/>
           </a:p>
@@ -3910,9 +3910,33 @@
             <a:off x="1036320" y="1366919"/>
             <a:ext cx="2958193" cy="2958193"/>
           </a:xfrm>
-          <a:prstGeom prst="rect">
-            <a:avLst/>
-          </a:prstGeom>
+          <a:prstGeom prst="roundRect">
+            <a:avLst>
+              <a:gd name="adj" fmla="val 16667"/>
+            </a:avLst>
+          </a:prstGeom>
+          <a:ln>
+            <a:noFill/>
+          </a:ln>
+          <a:effectLst>
+            <a:outerShdw blurRad="76200" dist="38100" dir="7800000" algn="tl" rotWithShape="0">
+              <a:srgbClr val="000000">
+                <a:alpha val="40000"/>
+              </a:srgbClr>
+            </a:outerShdw>
+          </a:effectLst>
+          <a:scene3d>
+            <a:camera prst="orthographicFront"/>
+            <a:lightRig rig="contrasting" dir="t">
+              <a:rot lat="0" lon="0" rev="4200000"/>
+            </a:lightRig>
+          </a:scene3d>
+          <a:sp3d prstMaterial="plastic">
+            <a:bevelT w="381000" h="114300" prst="relaxedInset"/>
+            <a:contourClr>
+              <a:srgbClr val="969696"/>
+            </a:contourClr>
+          </a:sp3d>
         </p:spPr>
       </p:pic>
     </p:spTree>
@@ -8717,7 +8741,31 @@
               <a:rPr lang="th-TH" sz="2800" dirty="0">
                 <a:cs typeface="+mj-cs"/>
               </a:rPr>
-              <a:t>เพื่อศึกษาการเขียนโปรแกรมด้วย </a:t>
+              <a:t>เพื่อเป็นโปรแกรมสำหรับแก้ไขปัญหาในการตั้งตารางเวลารอบสัปดาห์</a:t>
+            </a:r>
+          </a:p>
+          <a:p>
+            <a:pPr>
+              <a:buFont typeface="Arial" panose="020B0604020202020204" pitchFamily="34" charset="0"/>
+              <a:buChar char="•"/>
+            </a:pPr>
+            <a:r>
+              <a:rPr lang="th-TH" sz="2800" dirty="0">
+                <a:cs typeface="+mj-cs"/>
+              </a:rPr>
+              <a:t>เพื่อเป็นโปรแกรมช่วยในการกำหนดเวลาให้กับโปรแกรมต่าง ๆ ให้เรียกใช้ตามเวลาที่ต้องการ</a:t>
+            </a:r>
+          </a:p>
+          <a:p>
+            <a:pPr>
+              <a:buFont typeface="Arial" panose="020B0604020202020204" pitchFamily="34" charset="0"/>
+              <a:buChar char="•"/>
+            </a:pPr>
+            <a:r>
+              <a:rPr lang="th-TH" sz="2800" dirty="0">
+                <a:cs typeface="+mj-cs"/>
+              </a:rPr>
+              <a:t>เพื่อส่งเสริมและสร้างความชำนาญในการพัฒนาโปรแกรมด้วย </a:t>
             </a:r>
             <a:r>
               <a:rPr lang="en-US" sz="2800" dirty="0">
@@ -8729,7 +8777,7 @@
               <a:rPr lang="th-TH" sz="2800" dirty="0">
                 <a:cs typeface="+mj-cs"/>
               </a:rPr>
-              <a:t>ใน </a:t>
+              <a:t>ในภาษา </a:t>
             </a:r>
             <a:r>
               <a:rPr lang="en-US" sz="2800" dirty="0">
@@ -8747,25 +8795,7 @@
               <a:rPr lang="th-TH" sz="2800" dirty="0">
                 <a:cs typeface="+mj-cs"/>
               </a:rPr>
-              <a:t>เพื่อเป็นโปรแกรมแจ้งเตือนตามเวลาในระบบปฏิบัติการ </a:t>
-            </a:r>
-            <a:r>
-              <a:rPr lang="en-US" sz="2800" dirty="0">
-                <a:cs typeface="+mj-cs"/>
-              </a:rPr>
-              <a:t>Windows</a:t>
-            </a:r>
-          </a:p>
-          <a:p>
-            <a:pPr>
-              <a:buFont typeface="Arial" panose="020B0604020202020204" pitchFamily="34" charset="0"/>
-              <a:buChar char="•"/>
-            </a:pPr>
-            <a:r>
-              <a:rPr lang="th-TH" sz="2800" dirty="0">
-                <a:cs typeface="+mj-cs"/>
-              </a:rPr>
-              <a:t>เพื่อเป็นโปรแกรมสำหรับใช้สั่งงานรันโปรแกรมตามเวลาที่กำหนด</a:t>
+              <a:t>เพื่อเป็นโปรแกรมต้นแบบในการนำไปพัฒนาโปรแกรมบริหารจัดการเวลาที่สมบูรณ์ยิ่งขึ้น</a:t>
             </a:r>
           </a:p>
         </p:txBody>
@@ -13055,7 +13085,7 @@
           </a:bodyPr>
           <a:lstStyle/>
           <a:p>
-            <a:pPr>
+            <a:pPr lvl="0">
               <a:buFont typeface="Wingdings" panose="05000000000000000000" pitchFamily="2" charset="2"/>
               <a:buChar char="Ø"/>
             </a:pPr>
@@ -13071,9 +13101,10 @@
               <a:rPr lang="th-TH" sz="2400" dirty="0"/>
               <a:t>เท่านั้น</a:t>
             </a:r>
-          </a:p>
-          <a:p>
-            <a:pPr>
+            <a:endParaRPr lang="en-US" sz="2400" dirty="0"/>
+          </a:p>
+          <a:p>
+            <a:pPr lvl="0">
               <a:buFont typeface="Wingdings" panose="05000000000000000000" pitchFamily="2" charset="2"/>
               <a:buChar char="Ø"/>
             </a:pPr>
@@ -13081,9 +13112,10 @@
               <a:rPr lang="th-TH" sz="2400" dirty="0"/>
               <a:t>สามารถแจ้งเตือนระดับนาที ไม่รองรับระดับวินาที</a:t>
             </a:r>
-          </a:p>
-          <a:p>
-            <a:pPr>
+            <a:endParaRPr lang="en-US" sz="2400" dirty="0"/>
+          </a:p>
+          <a:p>
+            <a:pPr lvl="0">
               <a:buFont typeface="Wingdings" panose="05000000000000000000" pitchFamily="2" charset="2"/>
               <a:buChar char="Ø"/>
             </a:pPr>
@@ -13091,6 +13123,35 @@
               <a:rPr lang="th-TH" sz="2400" dirty="0"/>
               <a:t>ไม่สามารถหยุดเวลาชั่วคราวในการนับถอยหลังได้</a:t>
             </a:r>
+            <a:endParaRPr lang="en-US" sz="2400" dirty="0"/>
+          </a:p>
+          <a:p>
+            <a:pPr lvl="0">
+              <a:buFont typeface="Wingdings" panose="05000000000000000000" pitchFamily="2" charset="2"/>
+              <a:buChar char="Ø"/>
+            </a:pPr>
+            <a:r>
+              <a:rPr lang="th-TH" sz="2400" dirty="0"/>
+              <a:t>ไม่สามารถตั้งวันที่ในการแจ้งเตือนได้</a:t>
+            </a:r>
+            <a:endParaRPr lang="en-US" sz="2400" dirty="0"/>
+          </a:p>
+          <a:p>
+            <a:pPr lvl="0">
+              <a:buFont typeface="Wingdings" panose="05000000000000000000" pitchFamily="2" charset="2"/>
+              <a:buChar char="Ø"/>
+            </a:pPr>
+            <a:r>
+              <a:rPr lang="th-TH" sz="2400" dirty="0"/>
+              <a:t>ไม่สามารถเปลี่ยนเสียงในการแจ้งเตือนได้</a:t>
+            </a:r>
+            <a:endParaRPr lang="en-US" sz="2400" dirty="0"/>
+          </a:p>
+          <a:p>
+            <a:pPr marL="0" indent="0">
+              <a:buNone/>
+            </a:pPr>
+            <a:endParaRPr lang="th-TH" sz="2400" dirty="0"/>
           </a:p>
         </p:txBody>
       </p:sp>
@@ -13175,7 +13236,7 @@
           </a:bodyPr>
           <a:lstStyle/>
           <a:p>
-            <a:pPr>
+            <a:pPr lvl="0">
               <a:buFont typeface="Wingdings" panose="05000000000000000000" pitchFamily="2" charset="2"/>
               <a:buChar char="Ø"/>
             </a:pPr>
@@ -13183,9 +13244,10 @@
               <a:rPr lang="th-TH" sz="2800" dirty="0"/>
               <a:t>สามารถแจ้งเตือนตามเวลาที่กำหนดได้</a:t>
             </a:r>
-          </a:p>
-          <a:p>
-            <a:pPr>
+            <a:endParaRPr lang="en-US" sz="2800" dirty="0"/>
+          </a:p>
+          <a:p>
+            <a:pPr lvl="0">
               <a:buFont typeface="Wingdings" panose="05000000000000000000" pitchFamily="2" charset="2"/>
               <a:buChar char="Ø"/>
             </a:pPr>
@@ -13193,9 +13255,29 @@
               <a:rPr lang="th-TH" sz="2800" dirty="0"/>
               <a:t>สามารถแจ้งเตือนตามวันในสัปดาห์ที่กำหนดได้</a:t>
             </a:r>
-          </a:p>
-          <a:p>
-            <a:pPr>
+            <a:endParaRPr lang="en-US" sz="2800" dirty="0"/>
+          </a:p>
+          <a:p>
+            <a:pPr lvl="0">
+              <a:buFont typeface="Wingdings" panose="05000000000000000000" pitchFamily="2" charset="2"/>
+              <a:buChar char="Ø"/>
+            </a:pPr>
+            <a:r>
+              <a:rPr lang="th-TH" sz="2800" dirty="0"/>
+              <a:t>สามารถสั่งงาน </a:t>
+            </a:r>
+            <a:r>
+              <a:rPr lang="en-US" sz="2800" dirty="0"/>
+              <a:t>corn </a:t>
+            </a:r>
+            <a:r>
+              <a:rPr lang="th-TH" sz="2800" dirty="0"/>
+              <a:t>โปรแกรมที่ทำงานผ่านคอมมาไลน์ตามกำหนดการที่กำหนดได้</a:t>
+            </a:r>
+            <a:endParaRPr lang="en-US" sz="2800" dirty="0"/>
+          </a:p>
+          <a:p>
+            <a:pPr lvl="0">
               <a:buFont typeface="Wingdings" panose="05000000000000000000" pitchFamily="2" charset="2"/>
               <a:buChar char="Ø"/>
             </a:pPr>
@@ -13203,9 +13285,10 @@
               <a:rPr lang="th-TH" sz="2800" dirty="0"/>
               <a:t>สามารถนับถอยหลังได้</a:t>
             </a:r>
-          </a:p>
-          <a:p>
-            <a:pPr>
+            <a:endParaRPr lang="en-US" sz="2800" dirty="0"/>
+          </a:p>
+          <a:p>
+            <a:pPr lvl="0">
               <a:buFont typeface="Wingdings" panose="05000000000000000000" pitchFamily="2" charset="2"/>
               <a:buChar char="Ø"/>
             </a:pPr>
@@ -13213,9 +13296,10 @@
               <a:rPr lang="th-TH" sz="2800" dirty="0"/>
               <a:t>สามารถจับเวลาได้</a:t>
             </a:r>
-          </a:p>
-          <a:p>
-            <a:pPr>
+            <a:endParaRPr lang="en-US" sz="2800" dirty="0"/>
+          </a:p>
+          <a:p>
+            <a:pPr lvl="0">
               <a:buFont typeface="Wingdings" panose="05000000000000000000" pitchFamily="2" charset="2"/>
               <a:buChar char="Ø"/>
             </a:pPr>
@@ -13223,6 +13307,7 @@
               <a:rPr lang="th-TH" sz="2800" dirty="0"/>
               <a:t>สามารถแก้ไขการแจ้งเตือนเวลาได้</a:t>
             </a:r>
+            <a:endParaRPr lang="en-US" sz="2800" dirty="0"/>
           </a:p>
         </p:txBody>
       </p:sp>
